--- a/Documentation/Presentations/CS499 Final Presentation.pptx
+++ b/Documentation/Presentations/CS499 Final Presentation.pptx
@@ -121,7 +121,7 @@
   </p:defaultTextStyle>
   <p:extLst>
     <p:ext uri="{EFAFB233-063F-42B5-8137-9DF3F51BA10A}">
-      <p15:sldGuideLst xmlns:p15="http://schemas.microsoft.com/office/powerpoint/2012/main">
+      <p15:sldGuideLst xmlns:p15="http://schemas.microsoft.com/office/powerpoint/2012/main" xmlns="">
         <p15:guide id="1" orient="horz" pos="2160" userDrawn="1">
           <p15:clr>
             <a:srgbClr val="A4A3A4"/>
@@ -190,7 +190,7 @@
       </p15:sldGuideLst>
     </p:ext>
     <p:ext uri="{2D200454-40CA-4A62-9FC3-DE9A4176ACB9}">
-      <p15:notesGuideLst xmlns:p15="http://schemas.microsoft.com/office/powerpoint/2012/main">
+      <p15:notesGuideLst xmlns:p15="http://schemas.microsoft.com/office/powerpoint/2012/main" xmlns="">
         <p15:guide id="1" orient="horz" pos="2880">
           <p15:clr>
             <a:srgbClr val="A4A3A4"/>
@@ -208,7 +208,7 @@
 </file>
 
 <file path=ppt/charts/chart1.xml><?xml version="1.0" encoding="utf-8"?>
-<c:chartSpace xmlns:c="http://schemas.openxmlformats.org/drawingml/2006/chart" xmlns:a="http://schemas.openxmlformats.org/drawingml/2006/main" xmlns:r="http://schemas.openxmlformats.org/officeDocument/2006/relationships" xmlns:c16r2="http://schemas.microsoft.com/office/drawing/2015/06/chart">
+<c:chartSpace xmlns:c="http://schemas.openxmlformats.org/drawingml/2006/chart" xmlns:a="http://schemas.openxmlformats.org/drawingml/2006/main" xmlns:r="http://schemas.openxmlformats.org/officeDocument/2006/relationships">
   <c:date1904 val="0"/>
   <c:lang val="en-US"/>
   <c:roundedCorners val="0"/>
@@ -247,7 +247,17 @@
           </a:p>
           <a:p>
             <a:pPr>
-              <a:defRPr/>
+              <a:defRPr sz="1400" b="0" i="0" u="none" strike="noStrike" kern="1200" spc="0" baseline="0">
+                <a:solidFill>
+                  <a:schemeClr val="tx1">
+                    <a:lumMod val="65000"/>
+                    <a:lumOff val="35000"/>
+                  </a:schemeClr>
+                </a:solidFill>
+                <a:latin typeface="+mn-lt"/>
+                <a:ea typeface="+mn-ea"/>
+                <a:cs typeface="+mn-cs"/>
+              </a:defRPr>
             </a:pPr>
             <a:r>
               <a:rPr lang="en-US"/>
@@ -270,26 +280,6 @@
         </a:ln>
         <a:effectLst/>
       </c:spPr>
-      <c:txPr>
-        <a:bodyPr rot="0" spcFirstLastPara="1" vertOverflow="ellipsis" vert="horz" wrap="square" anchor="ctr" anchorCtr="1"/>
-        <a:lstStyle/>
-        <a:p>
-          <a:pPr>
-            <a:defRPr sz="1400" b="0" i="0" u="none" strike="noStrike" kern="1200" spc="0" baseline="0">
-              <a:solidFill>
-                <a:schemeClr val="tx1">
-                  <a:lumMod val="65000"/>
-                  <a:lumOff val="35000"/>
-                </a:schemeClr>
-              </a:solidFill>
-              <a:latin typeface="+mn-lt"/>
-              <a:ea typeface="+mn-ea"/>
-              <a:cs typeface="+mn-cs"/>
-            </a:defRPr>
-          </a:pPr>
-          <a:endParaRPr lang="en-US"/>
-        </a:p>
-      </c:txPr>
     </c:title>
     <c:autoTitleDeleted val="0"/>
     <c:plotArea>
@@ -341,66 +331,66 @@
                   <c:v>6.25</c:v>
                 </c:pt>
                 <c:pt idx="4">
-                  <c:v>3</c:v>
+                  <c:v>3.0</c:v>
                 </c:pt>
                 <c:pt idx="5">
-                  <c:v>0</c:v>
+                  <c:v>0.0</c:v>
                 </c:pt>
                 <c:pt idx="6">
-                  <c:v>0</c:v>
+                  <c:v>0.0</c:v>
                 </c:pt>
                 <c:pt idx="7">
-                  <c:v>0</c:v>
+                  <c:v>0.0</c:v>
                 </c:pt>
                 <c:pt idx="8">
-                  <c:v>0</c:v>
+                  <c:v>0.0</c:v>
                 </c:pt>
                 <c:pt idx="9">
-                  <c:v>2</c:v>
+                  <c:v>2.0</c:v>
                 </c:pt>
                 <c:pt idx="10">
                   <c:v>0.5</c:v>
                 </c:pt>
                 <c:pt idx="11">
-                  <c:v>0</c:v>
+                  <c:v>0.0</c:v>
                 </c:pt>
                 <c:pt idx="12">
-                  <c:v>0</c:v>
+                  <c:v>0.0</c:v>
                 </c:pt>
                 <c:pt idx="13">
-                  <c:v>0</c:v>
+                  <c:v>0.0</c:v>
                 </c:pt>
                 <c:pt idx="14">
-                  <c:v>0</c:v>
+                  <c:v>0.0</c:v>
                 </c:pt>
                 <c:pt idx="15">
-                  <c:v>0</c:v>
+                  <c:v>0.0</c:v>
                 </c:pt>
                 <c:pt idx="16">
-                  <c:v>0</c:v>
+                  <c:v>0.0</c:v>
                 </c:pt>
                 <c:pt idx="17">
-                  <c:v>0</c:v>
+                  <c:v>0.0</c:v>
                 </c:pt>
                 <c:pt idx="18">
-                  <c:v>0</c:v>
+                  <c:v>0.0</c:v>
                 </c:pt>
                 <c:pt idx="19">
-                  <c:v>0</c:v>
+                  <c:v>0.0</c:v>
                 </c:pt>
                 <c:pt idx="20">
-                  <c:v>0</c:v>
+                  <c:v>0.0</c:v>
                 </c:pt>
                 <c:pt idx="21">
-                  <c:v>0</c:v>
+                  <c:v>0.0</c:v>
                 </c:pt>
                 <c:pt idx="22">
-                  <c:v>0</c:v>
+                  <c:v>0.0</c:v>
                 </c:pt>
               </c:numCache>
             </c:numRef>
           </c:val>
-          <c:extLst>
+          <c:extLst xmlns:c16r2="http://schemas.microsoft.com/office/drawing/2015/06/chart">
             <c:ext xmlns:c16="http://schemas.microsoft.com/office/drawing/2014/chart" uri="{C3380CC4-5D6E-409C-BE32-E72D297353CC}">
               <c16:uniqueId val="{00000000-C998-45E2-B113-3A76F2ADAB4D}"/>
             </c:ext>
@@ -437,73 +427,73 @@
                 <c:formatCode>[$-409]dd\-mmm;@</c:formatCode>
                 <c:ptCount val="23"/>
                 <c:pt idx="0">
-                  <c:v>42254</c:v>
+                  <c:v>42254.0</c:v>
                 </c:pt>
                 <c:pt idx="1">
-                  <c:v>42261</c:v>
+                  <c:v>42261.0</c:v>
                 </c:pt>
                 <c:pt idx="2">
-                  <c:v>42268</c:v>
+                  <c:v>42268.0</c:v>
                 </c:pt>
                 <c:pt idx="3">
-                  <c:v>42275</c:v>
+                  <c:v>42275.0</c:v>
                 </c:pt>
                 <c:pt idx="4">
-                  <c:v>42282</c:v>
+                  <c:v>42282.0</c:v>
                 </c:pt>
                 <c:pt idx="5">
-                  <c:v>42289</c:v>
+                  <c:v>42289.0</c:v>
                 </c:pt>
                 <c:pt idx="6">
-                  <c:v>42296</c:v>
+                  <c:v>42296.0</c:v>
                 </c:pt>
                 <c:pt idx="7">
-                  <c:v>42303</c:v>
+                  <c:v>42303.0</c:v>
                 </c:pt>
                 <c:pt idx="8">
-                  <c:v>42310</c:v>
+                  <c:v>42310.0</c:v>
                 </c:pt>
                 <c:pt idx="9">
-                  <c:v>42317</c:v>
+                  <c:v>42317.0</c:v>
                 </c:pt>
                 <c:pt idx="10">
-                  <c:v>42324</c:v>
+                  <c:v>42324.0</c:v>
                 </c:pt>
                 <c:pt idx="11">
-                  <c:v>42380</c:v>
+                  <c:v>42380.0</c:v>
                 </c:pt>
                 <c:pt idx="12">
-                  <c:v>42387</c:v>
+                  <c:v>42387.0</c:v>
                 </c:pt>
                 <c:pt idx="13">
-                  <c:v>42394</c:v>
+                  <c:v>42394.0</c:v>
                 </c:pt>
                 <c:pt idx="14">
-                  <c:v>42401</c:v>
+                  <c:v>42401.0</c:v>
                 </c:pt>
                 <c:pt idx="15">
-                  <c:v>42408</c:v>
+                  <c:v>42408.0</c:v>
                 </c:pt>
                 <c:pt idx="16">
-                  <c:v>42415</c:v>
+                  <c:v>42415.0</c:v>
                 </c:pt>
                 <c:pt idx="17">
-                  <c:v>42422</c:v>
+                  <c:v>42422.0</c:v>
                 </c:pt>
                 <c:pt idx="18">
-                  <c:v>42429</c:v>
+                  <c:v>42429.0</c:v>
                 </c:pt>
                 <c:pt idx="19">
-                  <c:v>42436</c:v>
+                  <c:v>42436.0</c:v>
                 </c:pt>
                 <c:pt idx="20">
-                  <c:v>42443</c:v>
+                  <c:v>42443.0</c:v>
                 </c:pt>
                 <c:pt idx="21">
-                  <c:v>42450</c:v>
+                  <c:v>42450.0</c:v>
                 </c:pt>
                 <c:pt idx="22">
-                  <c:v>42457</c:v>
+                  <c:v>42457.0</c:v>
                 </c:pt>
               </c:numCache>
             </c:numRef>
@@ -515,7 +505,7 @@
                 <c:formatCode>0.00</c:formatCode>
                 <c:ptCount val="23"/>
                 <c:pt idx="0">
-                  <c:v>3</c:v>
+                  <c:v>3.0</c:v>
                 </c:pt>
                 <c:pt idx="1">
                   <c:v>3.25</c:v>
@@ -536,57 +526,57 @@
                   <c:v>28.003</c:v>
                 </c:pt>
                 <c:pt idx="7">
-                  <c:v>28</c:v>
+                  <c:v>28.0</c:v>
                 </c:pt>
                 <c:pt idx="8">
-                  <c:v>22</c:v>
+                  <c:v>22.0</c:v>
                 </c:pt>
                 <c:pt idx="9">
-                  <c:v>8</c:v>
+                  <c:v>8.0</c:v>
                 </c:pt>
                 <c:pt idx="10">
-                  <c:v>15</c:v>
+                  <c:v>15.0</c:v>
                 </c:pt>
                 <c:pt idx="11">
                   <c:v>23.5</c:v>
                 </c:pt>
                 <c:pt idx="12">
-                  <c:v>23</c:v>
+                  <c:v>23.0</c:v>
                 </c:pt>
                 <c:pt idx="13">
-                  <c:v>12</c:v>
+                  <c:v>12.0</c:v>
                 </c:pt>
                 <c:pt idx="14">
-                  <c:v>29</c:v>
+                  <c:v>29.0</c:v>
                 </c:pt>
                 <c:pt idx="15">
-                  <c:v>16</c:v>
+                  <c:v>16.0</c:v>
                 </c:pt>
                 <c:pt idx="16">
-                  <c:v>16</c:v>
+                  <c:v>16.0</c:v>
                 </c:pt>
                 <c:pt idx="17">
-                  <c:v>18</c:v>
+                  <c:v>18.0</c:v>
                 </c:pt>
                 <c:pt idx="18">
-                  <c:v>16</c:v>
+                  <c:v>16.0</c:v>
                 </c:pt>
                 <c:pt idx="19">
-                  <c:v>0</c:v>
+                  <c:v>0.0</c:v>
                 </c:pt>
                 <c:pt idx="20">
-                  <c:v>0</c:v>
+                  <c:v>0.0</c:v>
                 </c:pt>
                 <c:pt idx="21">
-                  <c:v>0</c:v>
+                  <c:v>0.0</c:v>
                 </c:pt>
                 <c:pt idx="22">
-                  <c:v>0</c:v>
+                  <c:v>0.0</c:v>
                 </c:pt>
               </c:numCache>
             </c:numRef>
           </c:val>
-          <c:extLst>
+          <c:extLst xmlns:c16r2="http://schemas.microsoft.com/office/drawing/2015/06/chart">
             <c:ext xmlns:c16="http://schemas.microsoft.com/office/drawing/2014/chart" uri="{C3380CC4-5D6E-409C-BE32-E72D297353CC}">
               <c16:uniqueId val="{00000001-C998-45E2-B113-3A76F2ADAB4D}"/>
             </c:ext>
@@ -602,8 +592,8 @@
         </c:dLbls>
         <c:gapWidth val="150"/>
         <c:overlap val="100"/>
-        <c:axId val="1324962480"/>
-        <c:axId val="1324947248"/>
+        <c:axId val="2130262888"/>
+        <c:axId val="2130287000"/>
       </c:barChart>
       <c:lineChart>
         <c:grouping val="standard"/>
@@ -648,7 +638,7 @@
                   <c:v>11.455</c:v>
                 </c:pt>
                 <c:pt idx="2">
-                  <c:v>13.936666666666667</c:v>
+                  <c:v>13.93666666666667</c:v>
                 </c:pt>
                 <c:pt idx="3">
                   <c:v>13.14</c:v>
@@ -657,34 +647,34 @@
                   <c:v>12.612</c:v>
                 </c:pt>
                 <c:pt idx="5">
-                  <c:v>12.521166666666668</c:v>
+                  <c:v>12.52116666666667</c:v>
                 </c:pt>
                 <c:pt idx="6">
-                  <c:v>14.732857142857144</c:v>
+                  <c:v>14.73285714285714</c:v>
                 </c:pt>
                 <c:pt idx="7">
-                  <c:v>16.391249999999999</c:v>
+                  <c:v>16.39125</c:v>
                 </c:pt>
                 <c:pt idx="8">
-                  <c:v>17.014444444444443</c:v>
+                  <c:v>17.01444444444445</c:v>
                 </c:pt>
                 <c:pt idx="9">
-                  <c:v>16.312999999999999</c:v>
+                  <c:v>16.313</c:v>
                 </c:pt>
                 <c:pt idx="10">
-                  <c:v>16.239090909090908</c:v>
+                  <c:v>16.23909090909091</c:v>
                 </c:pt>
                 <c:pt idx="11">
-                  <c:v>16.844166666666666</c:v>
+                  <c:v>16.84416666666667</c:v>
                 </c:pt>
                 <c:pt idx="12">
-                  <c:v>17.317692307692308</c:v>
+                  <c:v>17.31769230769231</c:v>
                 </c:pt>
                 <c:pt idx="13">
-                  <c:v>16.937857142857144</c:v>
+                  <c:v>16.93785714285715</c:v>
                 </c:pt>
                 <c:pt idx="14">
-                  <c:v>17.742000000000001</c:v>
+                  <c:v>17.742</c:v>
                 </c:pt>
                 <c:pt idx="15">
                   <c:v>17.633125</c:v>
@@ -693,28 +683,28 @@
                   <c:v>17.53705882352941</c:v>
                 </c:pt>
                 <c:pt idx="17">
-                  <c:v>17.562777777777779</c:v>
+                  <c:v>17.56277777777778</c:v>
                 </c:pt>
                 <c:pt idx="18">
-                  <c:v>17.480526315789472</c:v>
+                  <c:v>17.48052631578947</c:v>
                 </c:pt>
                 <c:pt idx="19">
                   <c:v>16.6065</c:v>
                 </c:pt>
                 <c:pt idx="20">
-                  <c:v>15.815714285714286</c:v>
+                  <c:v>15.81571428571429</c:v>
                 </c:pt>
                 <c:pt idx="21">
-                  <c:v>15.096818181818181</c:v>
+                  <c:v>15.09681818181818</c:v>
                 </c:pt>
                 <c:pt idx="22">
-                  <c:v>14.440434782608696</c:v>
+                  <c:v>14.4404347826087</c:v>
                 </c:pt>
               </c:numCache>
             </c:numRef>
           </c:val>
           <c:smooth val="0"/>
-          <c:extLst>
+          <c:extLst xmlns:c16r2="http://schemas.microsoft.com/office/drawing/2015/06/chart">
             <c:ext xmlns:c16="http://schemas.microsoft.com/office/drawing/2014/chart" uri="{C3380CC4-5D6E-409C-BE32-E72D297353CC}">
               <c16:uniqueId val="{00000002-C998-45E2-B113-3A76F2ADAB4D}"/>
             </c:ext>
@@ -730,11 +720,11 @@
         </c:dLbls>
         <c:marker val="1"/>
         <c:smooth val="0"/>
-        <c:axId val="1324962480"/>
-        <c:axId val="1324947248"/>
+        <c:axId val="2130262888"/>
+        <c:axId val="2130287000"/>
       </c:lineChart>
       <c:catAx>
-        <c:axId val="1324962480"/>
+        <c:axId val="2130262888"/>
         <c:scaling>
           <c:orientation val="minMax"/>
         </c:scaling>
@@ -775,26 +765,6 @@
             </a:ln>
             <a:effectLst/>
           </c:spPr>
-          <c:txPr>
-            <a:bodyPr rot="0" spcFirstLastPara="1" vertOverflow="ellipsis" vert="horz" wrap="square" anchor="ctr" anchorCtr="1"/>
-            <a:lstStyle/>
-            <a:p>
-              <a:pPr>
-                <a:defRPr sz="1000" b="0" i="0" u="none" strike="noStrike" kern="1200" baseline="0">
-                  <a:solidFill>
-                    <a:schemeClr val="tx1">
-                      <a:lumMod val="65000"/>
-                      <a:lumOff val="35000"/>
-                    </a:schemeClr>
-                  </a:solidFill>
-                  <a:latin typeface="+mn-lt"/>
-                  <a:ea typeface="+mn-ea"/>
-                  <a:cs typeface="+mn-cs"/>
-                </a:defRPr>
-              </a:pPr>
-              <a:endParaRPr lang="en-US"/>
-            </a:p>
-          </c:txPr>
         </c:title>
         <c:numFmt formatCode="[$-409]dd\-mmm;@" sourceLinked="1"/>
         <c:majorTickMark val="none"/>
@@ -833,7 +803,7 @@
             <a:endParaRPr lang="en-US"/>
           </a:p>
         </c:txPr>
-        <c:crossAx val="1324947248"/>
+        <c:crossAx val="2130287000"/>
         <c:crosses val="autoZero"/>
         <c:auto val="0"/>
         <c:lblAlgn val="ctr"/>
@@ -841,7 +811,7 @@
         <c:noMultiLvlLbl val="0"/>
       </c:catAx>
       <c:valAx>
-        <c:axId val="1324947248"/>
+        <c:axId val="2130287000"/>
         <c:scaling>
           <c:orientation val="minMax"/>
         </c:scaling>
@@ -900,26 +870,6 @@
             </a:ln>
             <a:effectLst/>
           </c:spPr>
-          <c:txPr>
-            <a:bodyPr rot="-5400000" spcFirstLastPara="1" vertOverflow="ellipsis" vert="horz" wrap="square" anchor="ctr" anchorCtr="1"/>
-            <a:lstStyle/>
-            <a:p>
-              <a:pPr>
-                <a:defRPr sz="1000" b="0" i="0" u="none" strike="noStrike" kern="1200" baseline="0">
-                  <a:solidFill>
-                    <a:schemeClr val="tx1">
-                      <a:lumMod val="65000"/>
-                      <a:lumOff val="35000"/>
-                    </a:schemeClr>
-                  </a:solidFill>
-                  <a:latin typeface="+mn-lt"/>
-                  <a:ea typeface="+mn-ea"/>
-                  <a:cs typeface="+mn-cs"/>
-                </a:defRPr>
-              </a:pPr>
-              <a:endParaRPr lang="en-US"/>
-            </a:p>
-          </c:txPr>
         </c:title>
         <c:numFmt formatCode="0.00" sourceLinked="1"/>
         <c:majorTickMark val="none"/>
@@ -952,7 +902,7 @@
             <a:endParaRPr lang="en-US"/>
           </a:p>
         </c:txPr>
-        <c:crossAx val="1324962480"/>
+        <c:crossAx val="2130262888"/>
         <c:crosses val="autoZero"/>
         <c:crossBetween val="between"/>
       </c:valAx>
@@ -1017,14 +967,14 @@
       <a:endParaRPr lang="en-US"/>
     </a:p>
   </c:txPr>
-  <c:externalData r:id="rId3">
+  <c:externalData r:id="rId1">
     <c:autoUpdate val="0"/>
   </c:externalData>
 </c:chartSpace>
 </file>
 
 <file path=ppt/charts/chart2.xml><?xml version="1.0" encoding="utf-8"?>
-<c:chartSpace xmlns:c="http://schemas.openxmlformats.org/drawingml/2006/chart" xmlns:a="http://schemas.openxmlformats.org/drawingml/2006/main" xmlns:r="http://schemas.openxmlformats.org/officeDocument/2006/relationships" xmlns:c16r2="http://schemas.microsoft.com/office/drawing/2015/06/chart">
+<c:chartSpace xmlns:c="http://schemas.openxmlformats.org/drawingml/2006/chart" xmlns:a="http://schemas.openxmlformats.org/drawingml/2006/main" xmlns:r="http://schemas.openxmlformats.org/officeDocument/2006/relationships">
   <c:date1904 val="0"/>
   <c:lang val="en-US"/>
   <c:roundedCorners val="0"/>
@@ -1072,26 +1022,6 @@
         </a:ln>
         <a:effectLst/>
       </c:spPr>
-      <c:txPr>
-        <a:bodyPr rot="0" spcFirstLastPara="1" vertOverflow="ellipsis" vert="horz" wrap="square" anchor="ctr" anchorCtr="1"/>
-        <a:lstStyle/>
-        <a:p>
-          <a:pPr>
-            <a:defRPr sz="1400" b="0" i="0" u="none" strike="noStrike" kern="1200" spc="0" baseline="0">
-              <a:solidFill>
-                <a:schemeClr val="tx1">
-                  <a:lumMod val="65000"/>
-                  <a:lumOff val="35000"/>
-                </a:schemeClr>
-              </a:solidFill>
-              <a:latin typeface="+mn-lt"/>
-              <a:ea typeface="+mn-ea"/>
-              <a:cs typeface="+mn-cs"/>
-            </a:defRPr>
-          </a:pPr>
-          <a:endParaRPr lang="en-US"/>
-        </a:p>
-      </c:txPr>
     </c:title>
     <c:autoTitleDeleted val="0"/>
     <c:plotArea>
@@ -1101,9 +1031,9 @@
           <c:xMode val="edge"/>
           <c:yMode val="edge"/>
           <c:x val="0.11306238578013"/>
-          <c:y val="0.13511839708560999"/>
-          <c:w val="0.85342118987953597"/>
-          <c:h val="0.73344204925204004"/>
+          <c:y val="0.13511839708561"/>
+          <c:w val="0.853421189879536"/>
+          <c:h val="0.73344204925204"/>
         </c:manualLayout>
       </c:layout>
       <c:lineChart>
@@ -1173,7 +1103,7 @@
             <c:showPercent val="0"/>
             <c:showBubbleSize val="0"/>
             <c:showLeaderLines val="0"/>
-            <c:extLst>
+            <c:extLst xmlns:c16r2="http://schemas.microsoft.com/office/drawing/2015/06/chart">
               <c:ext xmlns:c15="http://schemas.microsoft.com/office/drawing/2012/chart" uri="{CE6537A1-D6FC-4f65-9D91-7224C49458BB}">
                 <c15:layout/>
                 <c15:showLeaderLines val="1"/>
@@ -1201,34 +1131,34 @@
                 <c:formatCode>General</c:formatCode>
                 <c:ptCount val="10"/>
                 <c:pt idx="0">
-                  <c:v>1</c:v>
+                  <c:v>1.0</c:v>
                 </c:pt>
                 <c:pt idx="1">
-                  <c:v>2</c:v>
+                  <c:v>2.0</c:v>
                 </c:pt>
                 <c:pt idx="2">
-                  <c:v>3</c:v>
+                  <c:v>3.0</c:v>
                 </c:pt>
                 <c:pt idx="3">
-                  <c:v>4</c:v>
+                  <c:v>4.0</c:v>
                 </c:pt>
                 <c:pt idx="4">
-                  <c:v>5</c:v>
+                  <c:v>5.0</c:v>
                 </c:pt>
                 <c:pt idx="5">
-                  <c:v>6</c:v>
+                  <c:v>6.0</c:v>
                 </c:pt>
                 <c:pt idx="6">
-                  <c:v>7</c:v>
+                  <c:v>7.0</c:v>
                 </c:pt>
                 <c:pt idx="7">
-                  <c:v>8</c:v>
+                  <c:v>8.0</c:v>
                 </c:pt>
                 <c:pt idx="8">
-                  <c:v>9</c:v>
+                  <c:v>9.0</c:v>
                 </c:pt>
                 <c:pt idx="9">
-                  <c:v>10</c:v>
+                  <c:v>10.0</c:v>
                 </c:pt>
               </c:numCache>
             </c:numRef>
@@ -1240,34 +1170,34 @@
                 <c:formatCode>General</c:formatCode>
                 <c:ptCount val="10"/>
                 <c:pt idx="0">
-                  <c:v>250</c:v>
+                  <c:v>250.0</c:v>
                 </c:pt>
                 <c:pt idx="1">
-                  <c:v>532</c:v>
+                  <c:v>532.0</c:v>
                 </c:pt>
                 <c:pt idx="2">
-                  <c:v>481</c:v>
+                  <c:v>481.0</c:v>
                 </c:pt>
                 <c:pt idx="3">
                   <c:v>455.5</c:v>
                 </c:pt>
                 <c:pt idx="4">
-                  <c:v>409</c:v>
+                  <c:v>409.0</c:v>
                 </c:pt>
                 <c:pt idx="5">
-                  <c:v>368</c:v>
+                  <c:v>368.0</c:v>
                 </c:pt>
                 <c:pt idx="6">
-                  <c:v>72</c:v>
+                  <c:v>72.0</c:v>
                 </c:pt>
                 <c:pt idx="7">
-                  <c:v>38</c:v>
+                  <c:v>38.0</c:v>
                 </c:pt>
               </c:numCache>
             </c:numRef>
           </c:val>
           <c:smooth val="0"/>
-          <c:extLst>
+          <c:extLst xmlns:c16r2="http://schemas.microsoft.com/office/drawing/2015/06/chart">
             <c:ext xmlns:c16="http://schemas.microsoft.com/office/drawing/2014/chart" uri="{C3380CC4-5D6E-409C-BE32-E72D297353CC}">
               <c16:uniqueId val="{00000000-7036-49FB-A3F7-6BDC1515C86F}"/>
             </c:ext>
@@ -1338,7 +1268,7 @@
             <c:showPercent val="0"/>
             <c:showBubbleSize val="0"/>
             <c:showLeaderLines val="0"/>
-            <c:extLst>
+            <c:extLst xmlns:c16r2="http://schemas.microsoft.com/office/drawing/2015/06/chart">
               <c:ext xmlns:c15="http://schemas.microsoft.com/office/drawing/2012/chart" uri="{CE6537A1-D6FC-4f65-9D91-7224C49458BB}">
                 <c15:layout/>
                 <c15:showLeaderLines val="1"/>
@@ -1366,34 +1296,34 @@
                 <c:formatCode>General</c:formatCode>
                 <c:ptCount val="10"/>
                 <c:pt idx="0">
-                  <c:v>1</c:v>
+                  <c:v>1.0</c:v>
                 </c:pt>
                 <c:pt idx="1">
-                  <c:v>2</c:v>
+                  <c:v>2.0</c:v>
                 </c:pt>
                 <c:pt idx="2">
-                  <c:v>3</c:v>
+                  <c:v>3.0</c:v>
                 </c:pt>
                 <c:pt idx="3">
-                  <c:v>4</c:v>
+                  <c:v>4.0</c:v>
                 </c:pt>
                 <c:pt idx="4">
-                  <c:v>5</c:v>
+                  <c:v>5.0</c:v>
                 </c:pt>
                 <c:pt idx="5">
-                  <c:v>6</c:v>
+                  <c:v>6.0</c:v>
                 </c:pt>
                 <c:pt idx="6">
-                  <c:v>7</c:v>
+                  <c:v>7.0</c:v>
                 </c:pt>
                 <c:pt idx="7">
-                  <c:v>8</c:v>
+                  <c:v>8.0</c:v>
                 </c:pt>
                 <c:pt idx="8">
-                  <c:v>9</c:v>
+                  <c:v>9.0</c:v>
                 </c:pt>
                 <c:pt idx="9">
-                  <c:v>10</c:v>
+                  <c:v>10.0</c:v>
                 </c:pt>
               </c:numCache>
             </c:numRef>
@@ -1405,40 +1335,40 @@
                 <c:formatCode>General</c:formatCode>
                 <c:ptCount val="10"/>
                 <c:pt idx="0">
-                  <c:v>532</c:v>
+                  <c:v>532.0</c:v>
                 </c:pt>
                 <c:pt idx="1">
-                  <c:v>479</c:v>
+                  <c:v>479.0</c:v>
                 </c:pt>
                 <c:pt idx="2">
-                  <c:v>426</c:v>
+                  <c:v>426.0</c:v>
                 </c:pt>
                 <c:pt idx="3">
-                  <c:v>373</c:v>
+                  <c:v>373.0</c:v>
                 </c:pt>
                 <c:pt idx="4">
-                  <c:v>320</c:v>
+                  <c:v>320.0</c:v>
                 </c:pt>
                 <c:pt idx="5">
-                  <c:v>267</c:v>
+                  <c:v>267.0</c:v>
                 </c:pt>
                 <c:pt idx="6">
-                  <c:v>214</c:v>
+                  <c:v>214.0</c:v>
                 </c:pt>
                 <c:pt idx="7">
-                  <c:v>161</c:v>
+                  <c:v>161.0</c:v>
                 </c:pt>
                 <c:pt idx="8">
-                  <c:v>108</c:v>
+                  <c:v>108.0</c:v>
                 </c:pt>
                 <c:pt idx="9">
-                  <c:v>55</c:v>
+                  <c:v>55.0</c:v>
                 </c:pt>
               </c:numCache>
             </c:numRef>
           </c:val>
           <c:smooth val="0"/>
-          <c:extLst>
+          <c:extLst xmlns:c16r2="http://schemas.microsoft.com/office/drawing/2015/06/chart">
             <c:ext xmlns:c16="http://schemas.microsoft.com/office/drawing/2014/chart" uri="{C3380CC4-5D6E-409C-BE32-E72D297353CC}">
               <c16:uniqueId val="{00000001-7036-49FB-A3F7-6BDC1515C86F}"/>
             </c:ext>
@@ -1453,12 +1383,13 @@
           <c:showPercent val="0"/>
           <c:showBubbleSize val="0"/>
         </c:dLbls>
+        <c:marker val="1"/>
         <c:smooth val="0"/>
-        <c:axId val="2121368872"/>
-        <c:axId val="2121361992"/>
+        <c:axId val="2124324952"/>
+        <c:axId val="2124331816"/>
       </c:lineChart>
       <c:catAx>
-        <c:axId val="2121368872"/>
+        <c:axId val="2124324952"/>
         <c:scaling>
           <c:orientation val="minMax"/>
         </c:scaling>
@@ -1509,7 +1440,7 @@
               <c:xMode val="edge"/>
               <c:yMode val="edge"/>
               <c:x val="0.481902887139108"/>
-              <c:y val="0.90394825646794197"/>
+              <c:y val="0.903948256467942"/>
             </c:manualLayout>
           </c:layout>
           <c:overlay val="0"/>
@@ -1520,26 +1451,6 @@
             </a:ln>
             <a:effectLst/>
           </c:spPr>
-          <c:txPr>
-            <a:bodyPr rot="0" spcFirstLastPara="1" vertOverflow="ellipsis" vert="horz" wrap="square" anchor="ctr" anchorCtr="1"/>
-            <a:lstStyle/>
-            <a:p>
-              <a:pPr>
-                <a:defRPr sz="1000" b="0" i="0" u="none" strike="noStrike" kern="1200" baseline="0">
-                  <a:solidFill>
-                    <a:schemeClr val="tx1">
-                      <a:lumMod val="65000"/>
-                      <a:lumOff val="35000"/>
-                    </a:schemeClr>
-                  </a:solidFill>
-                  <a:latin typeface="+mn-lt"/>
-                  <a:ea typeface="+mn-ea"/>
-                  <a:cs typeface="+mn-cs"/>
-                </a:defRPr>
-              </a:pPr>
-              <a:endParaRPr lang="en-US"/>
-            </a:p>
-          </c:txPr>
         </c:title>
         <c:numFmt formatCode="General" sourceLinked="1"/>
         <c:majorTickMark val="none"/>
@@ -1578,7 +1489,7 @@
             <a:endParaRPr lang="en-US"/>
           </a:p>
         </c:txPr>
-        <c:crossAx val="2121361992"/>
+        <c:crossAx val="2124331816"/>
         <c:crosses val="autoZero"/>
         <c:auto val="1"/>
         <c:lblAlgn val="ctr"/>
@@ -1587,7 +1498,7 @@
         <c:noMultiLvlLbl val="0"/>
       </c:catAx>
       <c:valAx>
-        <c:axId val="2121361992"/>
+        <c:axId val="2124331816"/>
         <c:scaling>
           <c:orientation val="minMax"/>
         </c:scaling>
@@ -1656,8 +1567,8 @@
             <c:manualLayout>
               <c:xMode val="edge"/>
               <c:yMode val="edge"/>
-              <c:x val="4.2998966959313184E-2"/>
-              <c:y val="0.2554067875448941"/>
+              <c:x val="0.0429989669593132"/>
+              <c:y val="0.255406787544894"/>
             </c:manualLayout>
           </c:layout>
           <c:overlay val="0"/>
@@ -1668,40 +1579,6 @@
             </a:ln>
             <a:effectLst/>
           </c:spPr>
-          <c:txPr>
-            <a:bodyPr rot="-5400000" spcFirstLastPara="1" vertOverflow="ellipsis" vert="horz" wrap="square" anchor="ctr" anchorCtr="1"/>
-            <a:lstStyle/>
-            <a:p>
-              <a:pPr marL="0" marR="0" indent="0" algn="ctr" defTabSz="914400" rtl="0" eaLnBrk="1" fontAlgn="auto" latinLnBrk="0" hangingPunct="1">
-                <a:lnSpc>
-                  <a:spcPct val="100000"/>
-                </a:lnSpc>
-                <a:spcBef>
-                  <a:spcPts val="0"/>
-                </a:spcBef>
-                <a:spcAft>
-                  <a:spcPts val="0"/>
-                </a:spcAft>
-                <a:buClrTx/>
-                <a:buSzTx/>
-                <a:buFontTx/>
-                <a:buNone/>
-                <a:tabLst/>
-                <a:defRPr sz="1000" b="0" i="0" u="none" strike="noStrike" kern="1200" baseline="0">
-                  <a:solidFill>
-                    <a:sysClr val="windowText" lastClr="000000">
-                      <a:lumMod val="65000"/>
-                      <a:lumOff val="35000"/>
-                    </a:sysClr>
-                  </a:solidFill>
-                  <a:latin typeface="+mn-lt"/>
-                  <a:ea typeface="+mn-ea"/>
-                  <a:cs typeface="+mn-cs"/>
-                </a:defRPr>
-              </a:pPr>
-              <a:endParaRPr lang="en-US"/>
-            </a:p>
-          </c:txPr>
         </c:title>
         <c:numFmt formatCode="General" sourceLinked="1"/>
         <c:majorTickMark val="none"/>
@@ -1740,7 +1617,7 @@
             <a:endParaRPr lang="en-US"/>
           </a:p>
         </c:txPr>
-        <c:crossAx val="2121368872"/>
+        <c:crossAx val="2124324952"/>
         <c:crosses val="autoZero"/>
         <c:crossBetween val="midCat"/>
       </c:valAx>
@@ -1758,10 +1635,10 @@
         <c:manualLayout>
           <c:xMode val="edge"/>
           <c:yMode val="edge"/>
-          <c:x val="4.2832779989738799E-2"/>
-          <c:y val="0.91456018817319895"/>
-          <c:w val="0.40044528288130599"/>
-          <c:h val="6.6964754405699295E-2"/>
+          <c:x val="0.0428327799897388"/>
+          <c:y val="0.914560188173199"/>
+          <c:w val="0.400445282881306"/>
+          <c:h val="0.0669647544056993"/>
         </c:manualLayout>
       </c:layout>
       <c:overlay val="0"/>
@@ -1814,7 +1691,7 @@
       <a:endParaRPr lang="en-US"/>
     </a:p>
   </c:txPr>
-  <c:externalData r:id="rId3">
+  <c:externalData r:id="rId1">
     <c:autoUpdate val="0"/>
   </c:externalData>
 </c:chartSpace>
@@ -3014,7 +2891,7 @@
           <a:p>
             <a:fld id="{4954C6E1-AF92-4FB7-A013-0B520EBC30AE}" type="datetimeFigureOut">
               <a:rPr lang="en-US"/>
-              <a:t>04/03/2016</a:t>
+              <a:t>4/4/16</a:t>
             </a:fld>
             <a:endParaRPr/>
           </a:p>
@@ -3179,7 +3056,7 @@
           <a:p>
             <a:fld id="{95C10850-0874-4A61-99B4-D613C5E8D9EA}" type="datetimeFigureOut">
               <a:rPr lang="en-US"/>
-              <a:t>04/03/2016</a:t>
+              <a:t>4/4/16</a:t>
             </a:fld>
             <a:endParaRPr/>
           </a:p>
@@ -3701,11 +3578,6 @@
 <file path=ppt/slideLayouts/slideLayout1.xml><?xml version="1.0" encoding="utf-8"?>
 <p:sldLayout xmlns:a="http://schemas.openxmlformats.org/drawingml/2006/main" xmlns:r="http://schemas.openxmlformats.org/officeDocument/2006/relationships" xmlns:p="http://schemas.openxmlformats.org/presentationml/2006/main" showMasterSp="0" type="title" preserve="1">
   <p:cSld name="Title Slide">
-    <p:bg>
-      <p:bgRef idx="1001">
-        <a:schemeClr val="bg1"/>
-      </p:bgRef>
-    </p:bg>
     <p:spTree>
       <p:nvGrpSpPr>
         <p:cNvPr id="1" name=""/>
@@ -3992,7 +3864,7 @@
     </p:extLst>
   </p:cSld>
   <p:clrMapOvr>
-    <a:overrideClrMapping bg1="lt1" tx1="dk1" bg2="lt2" tx2="dk2" accent1="accent1" accent2="accent2" accent3="accent3" accent4="accent4" accent5="accent5" accent6="accent6" hlink="hlink" folHlink="folHlink"/>
+    <a:masterClrMapping/>
   </p:clrMapOvr>
   <mc:AlternateContent xmlns:mc="http://schemas.openxmlformats.org/markup-compatibility/2006" xmlns:p14="http://schemas.microsoft.com/office/powerpoint/2010/main">
     <mc:Choice Requires="p14">
@@ -4009,13 +3881,13 @@
   <p:timing>
     <p:tnLst>
       <p:par>
-        <p:cTn id="1" dur="indefinite" restart="never" nodeType="tmRoot"/>
+        <p:cTn xmlns:p14="http://schemas.microsoft.com/office/powerpoint/2010/main" id="1" dur="indefinite" restart="never" nodeType="tmRoot"/>
       </p:par>
     </p:tnLst>
   </p:timing>
-  <p:extLst>
+  <p:extLst mod="1">
     <p:ext uri="{DCECCB84-F9BA-43D5-87BE-67443E8EF086}">
-      <p15:sldGuideLst xmlns:p15="http://schemas.microsoft.com/office/powerpoint/2012/main">
+      <p15:sldGuideLst xmlns:p15="http://schemas.microsoft.com/office/powerpoint/2012/main" xmlns="">
         <p15:guide id="1" orient="horz" pos="2160" userDrawn="1">
           <p15:clr>
             <a:srgbClr val="FBAE40"/>
@@ -4218,7 +4090,7 @@
   <p:timing>
     <p:tnLst>
       <p:par>
-        <p:cTn id="1" dur="indefinite" restart="never" nodeType="tmRoot"/>
+        <p:cTn xmlns:p14="http://schemas.microsoft.com/office/powerpoint/2010/main" id="1" dur="indefinite" restart="never" nodeType="tmRoot"/>
       </p:par>
     </p:tnLst>
   </p:timing>
@@ -4474,7 +4346,7 @@
   <p:timing>
     <p:tnLst>
       <p:par>
-        <p:cTn id="1" dur="indefinite" restart="never" nodeType="tmRoot"/>
+        <p:cTn xmlns:p14="http://schemas.microsoft.com/office/powerpoint/2010/main" id="1" dur="indefinite" restart="never" nodeType="tmRoot"/>
       </p:par>
     </p:tnLst>
   </p:timing>
@@ -4667,7 +4539,7 @@
   <p:timing>
     <p:tnLst>
       <p:par>
-        <p:cTn id="1" dur="indefinite" restart="never" nodeType="tmRoot"/>
+        <p:cTn xmlns:p14="http://schemas.microsoft.com/office/powerpoint/2010/main" id="1" dur="indefinite" restart="never" nodeType="tmRoot"/>
       </p:par>
     </p:tnLst>
   </p:timing>
@@ -4677,11 +4549,6 @@
 <file path=ppt/slideLayouts/slideLayout3.xml><?xml version="1.0" encoding="utf-8"?>
 <p:sldLayout xmlns:a="http://schemas.openxmlformats.org/drawingml/2006/main" xmlns:r="http://schemas.openxmlformats.org/officeDocument/2006/relationships" xmlns:p="http://schemas.openxmlformats.org/presentationml/2006/main" showMasterSp="0" type="secHead" preserve="1">
   <p:cSld name="Section Header">
-    <p:bg>
-      <p:bgRef idx="1001">
-        <a:schemeClr val="bg1"/>
-      </p:bgRef>
-    </p:bg>
     <p:spTree>
       <p:nvGrpSpPr>
         <p:cNvPr id="1" name=""/>
@@ -5033,7 +4900,7 @@
     </p:extLst>
   </p:cSld>
   <p:clrMapOvr>
-    <a:overrideClrMapping bg1="lt1" tx1="dk1" bg2="lt2" tx2="dk2" accent1="accent1" accent2="accent2" accent3="accent3" accent4="accent4" accent5="accent5" accent6="accent6" hlink="hlink" folHlink="folHlink"/>
+    <a:masterClrMapping/>
   </p:clrMapOvr>
   <mc:AlternateContent xmlns:mc="http://schemas.openxmlformats.org/markup-compatibility/2006" xmlns:p14="http://schemas.microsoft.com/office/powerpoint/2010/main">
     <mc:Choice Requires="p14">
@@ -5050,7 +4917,7 @@
   <p:timing>
     <p:tnLst>
       <p:par>
-        <p:cTn id="1" dur="indefinite" restart="never" nodeType="tmRoot"/>
+        <p:cTn xmlns:p14="http://schemas.microsoft.com/office/powerpoint/2010/main" id="1" dur="indefinite" restart="never" nodeType="tmRoot"/>
       </p:par>
     </p:tnLst>
   </p:timing>
@@ -5361,7 +5228,7 @@
   <p:timing>
     <p:tnLst>
       <p:par>
-        <p:cTn id="1" dur="indefinite" restart="never" nodeType="tmRoot"/>
+        <p:cTn xmlns:p14="http://schemas.microsoft.com/office/powerpoint/2010/main" id="1" dur="indefinite" restart="never" nodeType="tmRoot"/>
       </p:par>
     </p:tnLst>
   </p:timing>
@@ -5806,7 +5673,7 @@
   <p:timing>
     <p:tnLst>
       <p:par>
-        <p:cTn id="1" dur="indefinite" restart="never" nodeType="tmRoot"/>
+        <p:cTn xmlns:p14="http://schemas.microsoft.com/office/powerpoint/2010/main" id="1" dur="indefinite" restart="never" nodeType="tmRoot"/>
       </p:par>
     </p:tnLst>
   </p:timing>
@@ -5947,7 +5814,7 @@
   <p:timing>
     <p:tnLst>
       <p:par>
-        <p:cTn id="1" dur="indefinite" restart="never" nodeType="tmRoot"/>
+        <p:cTn xmlns:p14="http://schemas.microsoft.com/office/powerpoint/2010/main" id="1" dur="indefinite" restart="never" nodeType="tmRoot"/>
       </p:par>
     </p:tnLst>
   </p:timing>
@@ -6066,7 +5933,7 @@
   <p:timing>
     <p:tnLst>
       <p:par>
-        <p:cTn id="1" dur="indefinite" restart="never" nodeType="tmRoot"/>
+        <p:cTn xmlns:p14="http://schemas.microsoft.com/office/powerpoint/2010/main" id="1" dur="indefinite" restart="never" nodeType="tmRoot"/>
       </p:par>
     </p:tnLst>
   </p:timing>
@@ -6363,7 +6230,7 @@
   <p:timing>
     <p:tnLst>
       <p:par>
-        <p:cTn id="1" dur="indefinite" restart="never" nodeType="tmRoot"/>
+        <p:cTn xmlns:p14="http://schemas.microsoft.com/office/powerpoint/2010/main" id="1" dur="indefinite" restart="never" nodeType="tmRoot"/>
       </p:par>
     </p:tnLst>
   </p:timing>
@@ -6652,7 +6519,7 @@
   <p:timing>
     <p:tnLst>
       <p:par>
-        <p:cTn id="1" dur="indefinite" restart="never" nodeType="tmRoot"/>
+        <p:cTn xmlns:p14="http://schemas.microsoft.com/office/powerpoint/2010/main" id="1" dur="indefinite" restart="never" nodeType="tmRoot"/>
       </p:par>
     </p:tnLst>
   </p:timing>
@@ -6663,8 +6530,8 @@
 <p:sldMaster xmlns:a="http://schemas.openxmlformats.org/drawingml/2006/main" xmlns:r="http://schemas.openxmlformats.org/officeDocument/2006/relationships" xmlns:p="http://schemas.openxmlformats.org/presentationml/2006/main">
   <p:cSld>
     <p:bg>
-      <p:bgRef idx="1001">
-        <a:schemeClr val="bg2"/>
+      <p:bgRef idx="1002">
+        <a:schemeClr val="bg1"/>
       </p:bgRef>
     </p:bg>
     <p:spTree>
@@ -6939,7 +6806,7 @@
       </p:ext>
     </p:extLst>
   </p:cSld>
-  <p:clrMap bg1="dk1" tx1="lt1" bg2="dk2" tx2="lt2" accent1="accent1" accent2="accent2" accent3="accent3" accent4="accent4" accent5="accent5" accent6="accent6" hlink="hlink" folHlink="folHlink"/>
+  <p:clrMap bg1="lt1" tx1="dk1" bg2="lt2" tx2="dk2" accent1="accent1" accent2="accent2" accent3="accent3" accent4="accent4" accent5="accent5" accent6="accent6" hlink="hlink" folHlink="folHlink"/>
   <p:sldLayoutIdLst>
     <p:sldLayoutId id="2147483809" r:id="rId1"/>
     <p:sldLayoutId id="2147483810" r:id="rId2"/>
@@ -6968,7 +6835,7 @@
   <p:timing>
     <p:tnLst>
       <p:par>
-        <p:cTn id="1" dur="indefinite" restart="never" nodeType="tmRoot"/>
+        <p:cTn xmlns:p14="http://schemas.microsoft.com/office/powerpoint/2010/main" id="1" dur="indefinite" restart="never" nodeType="tmRoot"/>
       </p:par>
     </p:tnLst>
   </p:timing>
@@ -7581,6 +7448,58 @@
           </a:p>
         </p:txBody>
       </p:sp>
+      <p:sp>
+        <p:nvSpPr>
+          <p:cNvPr id="4" name="TextBox 3"/>
+          <p:cNvSpPr txBox="1"/>
+          <p:nvPr/>
+        </p:nvSpPr>
+        <p:spPr>
+          <a:xfrm>
+            <a:off x="1566817" y="2623311"/>
+            <a:ext cx="184666" cy="461665"/>
+          </a:xfrm>
+          <a:prstGeom prst="rect">
+            <a:avLst/>
+          </a:prstGeom>
+          <a:noFill/>
+        </p:spPr>
+        <p:txBody>
+          <a:bodyPr wrap="none" rtlCol="0">
+            <a:spAutoFit/>
+          </a:bodyPr>
+          <a:lstStyle/>
+          <a:p>
+            <a:endParaRPr lang="en-US" dirty="0"/>
+          </a:p>
+        </p:txBody>
+      </p:sp>
+      <p:sp>
+        <p:nvSpPr>
+          <p:cNvPr id="5" name="TextBox 4"/>
+          <p:cNvSpPr txBox="1"/>
+          <p:nvPr/>
+        </p:nvSpPr>
+        <p:spPr>
+          <a:xfrm>
+            <a:off x="1293811" y="3347392"/>
+            <a:ext cx="184666" cy="461665"/>
+          </a:xfrm>
+          <a:prstGeom prst="rect">
+            <a:avLst/>
+          </a:prstGeom>
+          <a:noFill/>
+        </p:spPr>
+        <p:txBody>
+          <a:bodyPr wrap="none" rtlCol="0">
+            <a:spAutoFit/>
+          </a:bodyPr>
+          <a:lstStyle/>
+          <a:p>
+            <a:endParaRPr lang="en-US" dirty="0"/>
+          </a:p>
+        </p:txBody>
+      </p:sp>
     </p:spTree>
     <p:extLst>
       <p:ext uri="{BB962C8B-B14F-4D97-AF65-F5344CB8AC3E}">
@@ -7606,7 +7525,7 @@
   <p:timing>
     <p:tnLst>
       <p:par>
-        <p:cTn id="1" dur="indefinite" restart="never" nodeType="tmRoot"/>
+        <p:cTn xmlns:p14="http://schemas.microsoft.com/office/powerpoint/2010/main" id="1" dur="indefinite" restart="never" nodeType="tmRoot"/>
       </p:par>
     </p:tnLst>
   </p:timing>
@@ -7759,7 +7678,7 @@
   <p:timing>
     <p:tnLst>
       <p:par>
-        <p:cTn id="1" dur="indefinite" restart="never" nodeType="tmRoot"/>
+        <p:cTn xmlns:p14="http://schemas.microsoft.com/office/powerpoint/2010/main" id="1" dur="indefinite" restart="never" nodeType="tmRoot"/>
       </p:par>
     </p:tnLst>
   </p:timing>
@@ -7963,7 +7882,7 @@
   <p:timing>
     <p:tnLst>
       <p:par>
-        <p:cTn id="1" dur="indefinite" restart="never" nodeType="tmRoot"/>
+        <p:cTn xmlns:p14="http://schemas.microsoft.com/office/powerpoint/2010/main" id="1" dur="indefinite" restart="never" nodeType="tmRoot"/>
       </p:par>
     </p:tnLst>
   </p:timing>
@@ -8044,13 +7963,8 @@
             </a:pPr>
             <a:r>
               <a:rPr lang="en-US" sz="2400" dirty="0" smtClean="0"/>
-              <a:t>Our client wanted a platform in which he could reliably</a:t>
-            </a:r>
-            <a:r>
-              <a:rPr lang="en-US" sz="2400" dirty="0" smtClean="0"/>
-              <a:t> use to find buggy potions of code in a repository. He then wanted to use this to better predict and prevent bugs from happening in the future.</a:t>
-            </a:r>
-            <a:endParaRPr lang="en-US" sz="2400" dirty="0" smtClean="0"/>
+              <a:t>Our client wanted a platform in which he could reliably use to find buggy potions of code in a repository. He then wanted to use this to better predict and prevent bugs from happening in the future.</a:t>
+            </a:r>
           </a:p>
           <a:p>
             <a:pPr lvl="1"/>
@@ -8250,7 +8164,7 @@
   <p:timing>
     <p:tnLst>
       <p:par>
-        <p:cTn id="1" dur="indefinite" restart="never" nodeType="tmRoot"/>
+        <p:cTn xmlns:p14="http://schemas.microsoft.com/office/powerpoint/2010/main" id="1" dur="indefinite" restart="never" nodeType="tmRoot"/>
       </p:par>
     </p:tnLst>
   </p:timing>
@@ -8284,7 +8198,12 @@
             <p:ph type="title"/>
           </p:nvPr>
         </p:nvSpPr>
-        <p:spPr/>
+        <p:spPr>
+          <a:xfrm>
+            <a:off x="1217612" y="35611"/>
+            <a:ext cx="9781532" cy="1508760"/>
+          </a:xfrm>
+        </p:spPr>
         <p:txBody>
           <a:bodyPr/>
           <a:lstStyle/>
@@ -8426,7 +8345,7 @@
   <p:timing>
     <p:tnLst>
       <p:par>
-        <p:cTn id="1" dur="indefinite" restart="never" nodeType="tmRoot"/>
+        <p:cTn xmlns:p14="http://schemas.microsoft.com/office/powerpoint/2010/main" id="1" dur="indefinite" restart="never" nodeType="tmRoot"/>
       </p:par>
     </p:tnLst>
   </p:timing>
@@ -9022,7 +8941,7 @@
   <p:timing>
     <p:tnLst>
       <p:par>
-        <p:cTn id="1" dur="indefinite" restart="never" nodeType="tmRoot"/>
+        <p:cTn xmlns:p14="http://schemas.microsoft.com/office/powerpoint/2010/main" id="1" dur="indefinite" restart="never" nodeType="tmRoot"/>
       </p:par>
     </p:tnLst>
   </p:timing>
@@ -9193,7 +9112,7 @@
   <p:timing>
     <p:tnLst>
       <p:par>
-        <p:cTn id="1" dur="indefinite" restart="never" nodeType="tmRoot"/>
+        <p:cTn xmlns:p14="http://schemas.microsoft.com/office/powerpoint/2010/main" id="1" dur="indefinite" restart="never" nodeType="tmRoot"/>
       </p:par>
     </p:tnLst>
   </p:timing>
@@ -9267,7 +9186,6 @@
               <a:rPr lang="en-US" sz="3200" dirty="0" smtClean="0"/>
               <a:t>Completed our project fully.</a:t>
             </a:r>
-            <a:endParaRPr lang="en-US" sz="3200" dirty="0" smtClean="0"/>
           </a:p>
           <a:p>
             <a:pPr lvl="1"/>
@@ -9296,7 +9214,6 @@
               <a:rPr lang="en-US" sz="3200" dirty="0" smtClean="0"/>
               <a:t>We wish we had longer to work on it!</a:t>
             </a:r>
-            <a:endParaRPr lang="en-US" sz="3200" dirty="0" smtClean="0"/>
           </a:p>
           <a:p>
             <a:pPr marL="228532" lvl="1" indent="0">
@@ -9408,7 +9325,7 @@
   <p:timing>
     <p:tnLst>
       <p:par>
-        <p:cTn id="1" dur="indefinite" restart="never" nodeType="tmRoot"/>
+        <p:cTn xmlns:p14="http://schemas.microsoft.com/office/powerpoint/2010/main" id="1" dur="indefinite" restart="never" nodeType="tmRoot"/>
       </p:par>
     </p:tnLst>
   </p:timing>
@@ -9458,7 +9375,7 @@
     </a:clrScheme>
     <a:fontScheme name="Banded">
       <a:majorFont>
-        <a:latin typeface="Corbel" panose="020B0503020204020204"/>
+        <a:latin typeface="Corbel"/>
         <a:ea typeface=""/>
         <a:cs typeface=""/>
         <a:font script="Jpan" typeface="ＭＳ ゴシック"/>
@@ -9493,7 +9410,7 @@
         <a:font script="Geor" typeface="Sylfaen"/>
       </a:majorFont>
       <a:minorFont>
-        <a:latin typeface="Corbel" panose="020B0503020204020204"/>
+        <a:latin typeface="Corbel"/>
         <a:ea typeface=""/>
         <a:cs typeface=""/>
         <a:font script="Jpan" typeface="ＭＳ ゴシック"/>
@@ -9671,7 +9588,7 @@
   <a:extraClrSchemeLst/>
   <a:extLst>
     <a:ext uri="{05A4C25C-085E-4340-85A3-A5531E510DB2}">
-      <thm15:themeFamily xmlns:thm15="http://schemas.microsoft.com/office/thememl/2012/main" name="Banded" id="{98DFF888-2449-4D28-977C-6306C017633E}" vid="{B7CF026C-957E-4F4E-893C-D02C23AB6317}"/>
+      <thm15:themeFamily xmlns:thm15="http://schemas.microsoft.com/office/thememl/2012/main" xmlns="" name="Banded" id="{98DFF888-2449-4D28-977C-6306C017633E}" vid="{B7CF026C-957E-4F4E-893C-D02C23AB6317}"/>
     </a:ext>
   </a:extLst>
 </a:theme>
@@ -9720,7 +9637,7 @@
     </a:clrScheme>
     <a:fontScheme name="Century Gothic">
       <a:majorFont>
-        <a:latin typeface="Century Gothic" panose="020B0502020202020204"/>
+        <a:latin typeface="Century Gothic"/>
         <a:ea typeface=""/>
         <a:cs typeface=""/>
         <a:font script="Jpan" typeface="ＭＳ ゴシック"/>
@@ -9755,7 +9672,7 @@
         <a:font script="Geor" typeface="Sylfaen"/>
       </a:majorFont>
       <a:minorFont>
-        <a:latin typeface="Century Gothic" panose="020B0502020202020204"/>
+        <a:latin typeface="Century Gothic"/>
         <a:ea typeface=""/>
         <a:cs typeface=""/>
         <a:font script="Jpan" typeface="ＭＳ ゴシック"/>
@@ -9987,7 +9904,7 @@
     </a:clrScheme>
     <a:fontScheme name="Century Gothic">
       <a:majorFont>
-        <a:latin typeface="Century Gothic" panose="020B0502020202020204"/>
+        <a:latin typeface="Century Gothic"/>
         <a:ea typeface=""/>
         <a:cs typeface=""/>
         <a:font script="Jpan" typeface="ＭＳ ゴシック"/>
@@ -10022,7 +9939,7 @@
         <a:font script="Geor" typeface="Sylfaen"/>
       </a:majorFont>
       <a:minorFont>
-        <a:latin typeface="Century Gothic" panose="020B0502020202020204"/>
+        <a:latin typeface="Century Gothic"/>
         <a:ea typeface=""/>
         <a:cs typeface=""/>
         <a:font script="Jpan" typeface="ＭＳ ゴシック"/>

--- a/Documentation/Presentations/CS499 Final Presentation.pptx
+++ b/Documentation/Presentations/CS499 Final Presentation.pptx
@@ -737,7 +737,7 @@
               <a:lstStyle/>
               <a:p>
                 <a:pPr>
-                  <a:defRPr sz="1000" b="0" i="0" u="none" strike="noStrike" kern="1200" baseline="0">
+                  <a:defRPr sz="2000" b="0" i="0" u="none" strike="noStrike" kern="1200" baseline="0">
                     <a:solidFill>
                       <a:schemeClr val="tx1">
                         <a:lumMod val="65000"/>
@@ -750,7 +750,7 @@
                   </a:defRPr>
                 </a:pPr>
                 <a:r>
-                  <a:rPr lang="en-US"/>
+                  <a:rPr lang="en-US" sz="2000"/>
                   <a:t>Week Start Date</a:t>
                 </a:r>
               </a:p>
@@ -838,7 +838,7 @@
               <a:lstStyle/>
               <a:p>
                 <a:pPr>
-                  <a:defRPr sz="1000" b="0" i="0" u="none" strike="noStrike" kern="1200" baseline="0">
+                  <a:defRPr sz="2000" b="0" i="0" u="none" strike="noStrike" kern="1200" baseline="0">
                     <a:solidFill>
                       <a:schemeClr val="tx1">
                         <a:lumMod val="65000"/>
@@ -851,11 +851,11 @@
                   </a:defRPr>
                 </a:pPr>
                 <a:r>
-                  <a:rPr lang="en-US"/>
+                  <a:rPr lang="en-US" sz="2000"/>
                   <a:t>Person</a:t>
                 </a:r>
                 <a:r>
-                  <a:rPr lang="en-US" baseline="0"/>
+                  <a:rPr lang="en-US" sz="2000" baseline="0"/>
                   <a:t>-Hours</a:t>
                 </a:r>
               </a:p>
@@ -1416,7 +1416,7 @@
               <a:lstStyle/>
               <a:p>
                 <a:pPr>
-                  <a:defRPr sz="1000" b="0" i="0" u="none" strike="noStrike" kern="1200" baseline="0">
+                  <a:defRPr sz="2000" b="0" i="0" u="none" strike="noStrike" kern="1200" baseline="0">
                     <a:solidFill>
                       <a:schemeClr val="tx1">
                         <a:lumMod val="65000"/>
@@ -1429,7 +1429,7 @@
                   </a:defRPr>
                 </a:pPr>
                 <a:r>
-                  <a:rPr lang="en-US"/>
+                  <a:rPr lang="en-US" sz="2000"/>
                   <a:t>Sprint</a:t>
                 </a:r>
               </a:p>
@@ -1539,7 +1539,7 @@
                   <a:buFontTx/>
                   <a:buNone/>
                   <a:tabLst/>
-                  <a:defRPr sz="1000" b="0" i="0" u="none" strike="noStrike" kern="1200" baseline="0">
+                  <a:defRPr sz="2000" b="0" i="0" u="none" strike="noStrike" kern="1200" baseline="0">
                     <a:solidFill>
                       <a:sysClr val="windowText" lastClr="000000">
                         <a:lumMod val="65000"/>
@@ -1552,12 +1552,12 @@
                   </a:defRPr>
                 </a:pPr>
                 <a:r>
-                  <a:rPr lang="en-US" sz="1000" b="0" i="0" baseline="0">
+                  <a:rPr lang="en-US" sz="2000" b="0" i="0" baseline="0">
                     <a:effectLst/>
                   </a:rPr>
                   <a:t>Estimated Person-Hours Remaining</a:t>
                 </a:r>
-                <a:endParaRPr lang="en-US" sz="1000">
+                <a:endParaRPr lang="en-US" sz="2000">
                   <a:effectLst/>
                 </a:endParaRPr>
               </a:p>
@@ -1567,8 +1567,8 @@
             <c:manualLayout>
               <c:xMode val="edge"/>
               <c:yMode val="edge"/>
-              <c:x val="0.0429989669593132"/>
-              <c:y val="0.255406787544894"/>
+              <c:x val="0.0139707961832966"/>
+              <c:y val="0.235254875221354"/>
             </c:manualLayout>
           </c:layout>
           <c:overlay val="0"/>
@@ -2971,6 +2971,7 @@
     </p:extLst>
   </p:cSld>
   <p:clrMap bg1="lt1" tx1="dk1" bg2="lt2" tx2="dk2" accent1="accent1" accent2="accent2" accent3="accent3" accent4="accent4" accent5="accent5" accent6="accent6" hlink="hlink" folHlink="folHlink"/>
+  <p:hf hdr="0" ftr="0" dt="0"/>
 </p:handoutMaster>
 </file>
 
@@ -3228,6 +3229,7 @@
     </p:extLst>
   </p:cSld>
   <p:clrMap bg1="lt1" tx1="dk1" bg2="lt2" tx2="dk2" accent1="accent1" accent2="accent2" accent3="accent3" accent4="accent4" accent5="accent5" accent6="accent6" hlink="hlink" folHlink="folHlink"/>
+  <p:hf hdr="0" ftr="0" dt="0"/>
   <p:notesStyle>
     <a:lvl1pPr marL="0" algn="l" defTabSz="1218987" rtl="0" eaLnBrk="1" latinLnBrk="0" hangingPunct="1">
       <a:defRPr sz="1600" kern="1200">
@@ -3803,7 +3805,7 @@
           <a:p>
             <a:r>
               <a:rPr lang="en-US" smtClean="0"/>
-              <a:t>11/10/2015</a:t>
+              <a:t>04/15/2016</a:t>
             </a:r>
             <a:endParaRPr lang="en-US"/>
           </a:p>
@@ -3826,7 +3828,7 @@
           <a:p>
             <a:r>
               <a:rPr lang="en-US" smtClean="0"/>
-              <a:t>CS425 Team Hotspotter</a:t>
+              <a:t>CS499 Team Hotspotter</a:t>
             </a:r>
             <a:endParaRPr lang="en-US"/>
           </a:p>
@@ -4013,7 +4015,7 @@
           <a:p>
             <a:r>
               <a:rPr lang="en-US" smtClean="0"/>
-              <a:t>11/10/2015</a:t>
+              <a:t>04/15/2016</a:t>
             </a:r>
             <a:endParaRPr lang="en-US"/>
           </a:p>
@@ -4036,7 +4038,7 @@
           <a:p>
             <a:r>
               <a:rPr lang="en-US" smtClean="0"/>
-              <a:t>CS425 Team Hotspotter</a:t>
+              <a:t>CS499 Team Hotspotter</a:t>
             </a:r>
             <a:endParaRPr lang="en-US"/>
           </a:p>
@@ -4259,7 +4261,7 @@
           <a:p>
             <a:r>
               <a:rPr lang="en-US" smtClean="0"/>
-              <a:t>11/10/2015</a:t>
+              <a:t>04/15/2016</a:t>
             </a:r>
             <a:endParaRPr lang="en-US"/>
           </a:p>
@@ -4287,7 +4289,7 @@
           <a:p>
             <a:r>
               <a:rPr lang="en-US" smtClean="0"/>
-              <a:t>CS425 Team Hotspotter</a:t>
+              <a:t>CS499 Team Hotspotter</a:t>
             </a:r>
             <a:endParaRPr lang="en-US"/>
           </a:p>
@@ -4462,7 +4464,7 @@
           <a:p>
             <a:r>
               <a:rPr lang="en-US" smtClean="0"/>
-              <a:t>11/10/2015</a:t>
+              <a:t>04/15/2016</a:t>
             </a:r>
             <a:endParaRPr lang="en-US"/>
           </a:p>
@@ -4485,7 +4487,7 @@
           <a:p>
             <a:r>
               <a:rPr lang="en-US" smtClean="0"/>
-              <a:t>CS425 Team Hotspotter</a:t>
+              <a:t>CS499 Team Hotspotter</a:t>
             </a:r>
             <a:endParaRPr lang="en-US"/>
           </a:p>
@@ -4824,7 +4826,7 @@
           <a:p>
             <a:r>
               <a:rPr lang="en-US" smtClean="0"/>
-              <a:t>11/10/2015</a:t>
+              <a:t>04/15/2016</a:t>
             </a:r>
             <a:endParaRPr lang="en-US"/>
           </a:p>
@@ -4855,7 +4857,7 @@
           <a:p>
             <a:r>
               <a:rPr lang="en-US" smtClean="0"/>
-              <a:t>CS425 Team Hotspotter</a:t>
+              <a:t>CS499 Team Hotspotter</a:t>
             </a:r>
             <a:endParaRPr lang="en-US"/>
           </a:p>
@@ -5151,7 +5153,7 @@
           <a:p>
             <a:r>
               <a:rPr lang="en-US" smtClean="0"/>
-              <a:t>11/10/2015</a:t>
+              <a:t>04/15/2016</a:t>
             </a:r>
             <a:endParaRPr lang="en-US"/>
           </a:p>
@@ -5174,7 +5176,7 @@
           <a:p>
             <a:r>
               <a:rPr lang="en-US" smtClean="0"/>
-              <a:t>CS425 Team Hotspotter</a:t>
+              <a:t>CS499 Team Hotspotter</a:t>
             </a:r>
             <a:endParaRPr lang="en-US"/>
           </a:p>
@@ -5596,7 +5598,7 @@
           <a:p>
             <a:r>
               <a:rPr lang="en-US" smtClean="0"/>
-              <a:t>11/10/2015</a:t>
+              <a:t>04/15/2016</a:t>
             </a:r>
             <a:endParaRPr lang="en-US"/>
           </a:p>
@@ -5619,7 +5621,7 @@
           <a:p>
             <a:r>
               <a:rPr lang="en-US" smtClean="0"/>
-              <a:t>CS425 Team Hotspotter</a:t>
+              <a:t>CS499 Team Hotspotter</a:t>
             </a:r>
             <a:endParaRPr lang="en-US"/>
           </a:p>
@@ -5737,7 +5739,7 @@
           <a:p>
             <a:r>
               <a:rPr lang="en-US" smtClean="0"/>
-              <a:t>11/10/2015</a:t>
+              <a:t>04/15/2016</a:t>
             </a:r>
             <a:endParaRPr lang="en-US"/>
           </a:p>
@@ -5760,7 +5762,7 @@
           <a:p>
             <a:r>
               <a:rPr lang="en-US" smtClean="0"/>
-              <a:t>CS425 Team Hotspotter</a:t>
+              <a:t>CS499 Team Hotspotter</a:t>
             </a:r>
             <a:endParaRPr lang="en-US"/>
           </a:p>
@@ -5855,7 +5857,7 @@
           <a:p>
             <a:r>
               <a:rPr lang="en-US" smtClean="0"/>
-              <a:t>11/10/2015</a:t>
+              <a:t>04/15/2016</a:t>
             </a:r>
             <a:endParaRPr lang="en-US"/>
           </a:p>
@@ -5878,7 +5880,7 @@
           <a:p>
             <a:r>
               <a:rPr lang="en-US" smtClean="0"/>
-              <a:t>CS425 Team Hotspotter</a:t>
+              <a:t>CS499 Team Hotspotter</a:t>
             </a:r>
             <a:endParaRPr lang="en-US"/>
           </a:p>
@@ -6152,7 +6154,7 @@
           <a:p>
             <a:r>
               <a:rPr lang="en-US" smtClean="0"/>
-              <a:t>11/10/2015</a:t>
+              <a:t>04/15/2016</a:t>
             </a:r>
             <a:endParaRPr lang="en-US"/>
           </a:p>
@@ -6175,7 +6177,7 @@
           <a:p>
             <a:r>
               <a:rPr lang="en-US" smtClean="0"/>
-              <a:t>CS425 Team Hotspotter</a:t>
+              <a:t>CS499 Team Hotspotter</a:t>
             </a:r>
             <a:endParaRPr lang="en-US"/>
           </a:p>
@@ -6441,7 +6443,7 @@
           <a:p>
             <a:r>
               <a:rPr lang="en-US" smtClean="0"/>
-              <a:t>11/10/2015</a:t>
+              <a:t>04/15/2016</a:t>
             </a:r>
             <a:endParaRPr lang="en-US"/>
           </a:p>
@@ -6464,7 +6466,7 @@
           <a:p>
             <a:r>
               <a:rPr lang="en-US" smtClean="0"/>
-              <a:t>CS425 Team Hotspotter</a:t>
+              <a:t>CS499 Team Hotspotter</a:t>
             </a:r>
             <a:endParaRPr lang="en-US"/>
           </a:p>
@@ -6714,7 +6716,7 @@
           <a:p>
             <a:r>
               <a:rPr lang="en-US" smtClean="0"/>
-              <a:t>11/10/2015</a:t>
+              <a:t>04/15/2016</a:t>
             </a:r>
             <a:endParaRPr lang="en-US"/>
           </a:p>
@@ -6753,7 +6755,7 @@
           <a:p>
             <a:r>
               <a:rPr lang="en-US" smtClean="0"/>
-              <a:t>CS425 Team Hotspotter</a:t>
+              <a:t>CS499 Team Hotspotter</a:t>
             </a:r>
             <a:endParaRPr lang="en-US"/>
           </a:p>
@@ -7565,8 +7567,8 @@
           <a:lstStyle/>
           <a:p>
             <a:r>
-              <a:rPr lang="en-US" sz="1200" dirty="0" smtClean="0"/>
-              <a:t>11/16/2015</a:t>
+              <a:rPr lang="en-US" sz="1200" smtClean="0"/>
+              <a:t>04/15/2016</a:t>
             </a:r>
             <a:endParaRPr lang="en-US" sz="1200" dirty="0"/>
           </a:p>
@@ -7588,12 +7590,8 @@
           <a:lstStyle/>
           <a:p>
             <a:r>
-              <a:rPr lang="en-US" sz="1200" dirty="0" smtClean="0"/>
-              <a:t>CS425 Team </a:t>
-            </a:r>
-            <a:r>
-              <a:rPr lang="en-US" sz="1200" dirty="0" err="1" smtClean="0"/>
-              <a:t>Hotspotter</a:t>
+              <a:rPr lang="en-US" sz="1200" smtClean="0"/>
+              <a:t>CS499 Team Hotspotter</a:t>
             </a:r>
             <a:endParaRPr lang="en-US" sz="1200" dirty="0"/>
           </a:p>
@@ -7800,8 +7798,8 @@
           <a:lstStyle/>
           <a:p>
             <a:r>
-              <a:rPr lang="en-US" sz="1200" dirty="0" smtClean="0"/>
-              <a:t>11/16/2015</a:t>
+              <a:rPr lang="en-US" sz="1200" smtClean="0"/>
+              <a:t>04/15/2016</a:t>
             </a:r>
             <a:endParaRPr lang="en-US" dirty="0"/>
           </a:p>
@@ -7823,12 +7821,8 @@
           <a:lstStyle/>
           <a:p>
             <a:r>
-              <a:rPr lang="en-US" sz="1200" dirty="0" smtClean="0"/>
-              <a:t>CS425 Team </a:t>
-            </a:r>
-            <a:r>
-              <a:rPr lang="en-US" sz="1200" dirty="0" err="1" smtClean="0"/>
-              <a:t>Hotspotter</a:t>
+              <a:rPr lang="en-US" sz="1200" smtClean="0"/>
+              <a:t>CS499 Team Hotspotter</a:t>
             </a:r>
             <a:endParaRPr lang="en-US" sz="1200" dirty="0"/>
           </a:p>
@@ -8082,8 +8076,8 @@
           <a:lstStyle/>
           <a:p>
             <a:r>
-              <a:rPr lang="en-US" sz="1200" dirty="0" smtClean="0"/>
-              <a:t>11/16/2015</a:t>
+              <a:rPr lang="en-US" sz="1200" smtClean="0"/>
+              <a:t>04/15/2016</a:t>
             </a:r>
             <a:endParaRPr lang="en-US" dirty="0"/>
           </a:p>
@@ -8105,12 +8099,8 @@
           <a:lstStyle/>
           <a:p>
             <a:r>
-              <a:rPr lang="en-US" sz="1200" dirty="0" smtClean="0"/>
-              <a:t>CS425 Team </a:t>
-            </a:r>
-            <a:r>
-              <a:rPr lang="en-US" sz="1200" dirty="0" err="1" smtClean="0"/>
-              <a:t>Hotspotter</a:t>
+              <a:rPr lang="en-US" sz="1200" smtClean="0"/>
+              <a:t>CS499 Team Hotspotter</a:t>
             </a:r>
             <a:endParaRPr lang="en-US" sz="1200" dirty="0"/>
           </a:p>
@@ -8233,8 +8223,8 @@
           <a:lstStyle/>
           <a:p>
             <a:r>
-              <a:rPr lang="en-US" sz="1200" dirty="0" smtClean="0"/>
-              <a:t>11/16/2015</a:t>
+              <a:rPr lang="en-US" sz="1200" smtClean="0"/>
+              <a:t>04/15/2016</a:t>
             </a:r>
             <a:endParaRPr lang="en-US" sz="1200" dirty="0"/>
           </a:p>
@@ -8256,12 +8246,8 @@
           <a:lstStyle/>
           <a:p>
             <a:r>
-              <a:rPr lang="en-US" sz="1200" dirty="0" smtClean="0"/>
-              <a:t>CS425 Team </a:t>
-            </a:r>
-            <a:r>
-              <a:rPr lang="en-US" sz="1200" dirty="0" err="1" smtClean="0"/>
-              <a:t>Hotspotter</a:t>
+              <a:rPr lang="en-US" sz="1200" smtClean="0"/>
+              <a:t>CS499 Team Hotspotter</a:t>
             </a:r>
             <a:endParaRPr lang="en-US" sz="1200" dirty="0"/>
           </a:p>
@@ -8409,7 +8395,7 @@
           <a:p>
             <a:r>
               <a:rPr lang="en-US" smtClean="0"/>
-              <a:t>11/10/2015</a:t>
+              <a:t>04/15/2016</a:t>
             </a:r>
             <a:endParaRPr lang="en-US"/>
           </a:p>
@@ -8432,7 +8418,7 @@
           <a:p>
             <a:r>
               <a:rPr lang="en-US" smtClean="0"/>
-              <a:t>CS425 Team Hotspotter</a:t>
+              <a:t>CS499 Team Hotspotter</a:t>
             </a:r>
             <a:endParaRPr lang="en-US"/>
           </a:p>
@@ -8633,52 +8619,49 @@
             <p:ph type="title"/>
           </p:nvPr>
         </p:nvSpPr>
-        <p:spPr/>
+        <p:spPr>
+          <a:xfrm rot="1518443">
+            <a:off x="-25458" y="2571527"/>
+            <a:ext cx="12341374" cy="1508760"/>
+          </a:xfrm>
+        </p:spPr>
         <p:txBody>
           <a:bodyPr/>
           <a:lstStyle/>
           <a:p>
             <a:r>
               <a:rPr lang="en-US" dirty="0" smtClean="0"/>
-              <a:t>DEMO </a:t>
-            </a:r>
-            <a:r>
-              <a:rPr lang="en-US" dirty="0" err="1" smtClean="0"/>
+              <a:t>DEMO DEMO </a:t>
+            </a:r>
+            <a:r>
+              <a:rPr lang="en-US" dirty="0" smtClean="0">
+                <a:solidFill>
+                  <a:schemeClr val="tx1"/>
+                </a:solidFill>
+              </a:rPr>
+              <a:t>DEMO DEMO DEMO </a:t>
+            </a:r>
+            <a:r>
+              <a:rPr lang="en-US" dirty="0">
+                <a:solidFill>
+                  <a:schemeClr val="tx1"/>
+                </a:solidFill>
+              </a:rPr>
+              <a:t>DEMO DEMO </a:t>
+            </a:r>
+            <a:r>
+              <a:rPr lang="en-US" dirty="0" smtClean="0">
+                <a:solidFill>
+                  <a:schemeClr val="tx1"/>
+                </a:solidFill>
+              </a:rPr>
               <a:t>DEMO</a:t>
             </a:r>
-            <a:r>
-              <a:rPr lang="en-US" dirty="0" smtClean="0"/>
-              <a:t> </a:t>
-            </a:r>
-            <a:r>
-              <a:rPr lang="en-US" dirty="0" err="1" smtClean="0"/>
-              <a:t>DEMO</a:t>
-            </a:r>
-            <a:r>
-              <a:rPr lang="en-US" dirty="0" smtClean="0"/>
-              <a:t> </a:t>
-            </a:r>
-            <a:r>
-              <a:rPr lang="en-US" dirty="0" err="1" smtClean="0"/>
-              <a:t>DEMO</a:t>
-            </a:r>
-            <a:r>
-              <a:rPr lang="en-US" dirty="0" smtClean="0"/>
-              <a:t> </a:t>
-            </a:r>
-            <a:r>
-              <a:rPr lang="en-US" dirty="0" err="1" smtClean="0"/>
-              <a:t>DEMO</a:t>
-            </a:r>
-            <a:r>
-              <a:rPr lang="en-US" dirty="0" smtClean="0"/>
-              <a:t> </a:t>
-            </a:r>
-            <a:r>
-              <a:rPr lang="en-US" dirty="0" err="1" smtClean="0"/>
-              <a:t>DEMO</a:t>
-            </a:r>
-            <a:endParaRPr lang="en-US" dirty="0"/>
+            <a:endParaRPr lang="en-US" dirty="0">
+              <a:solidFill>
+                <a:schemeClr val="tx1"/>
+              </a:solidFill>
+            </a:endParaRPr>
           </a:p>
         </p:txBody>
       </p:sp>
@@ -8698,8 +8681,8 @@
           <a:lstStyle/>
           <a:p>
             <a:r>
-              <a:rPr lang="en-US" dirty="0" smtClean="0"/>
-              <a:t>11/10/2015</a:t>
+              <a:rPr lang="en-US" smtClean="0"/>
+              <a:t>04/15/2016</a:t>
             </a:r>
             <a:endParaRPr lang="en-US" dirty="0"/>
           </a:p>
@@ -8722,7 +8705,7 @@
           <a:p>
             <a:r>
               <a:rPr lang="en-US" smtClean="0"/>
-              <a:t>CS425 Team Hotspotter</a:t>
+              <a:t>CS499 Team Hotspotter</a:t>
             </a:r>
             <a:endParaRPr lang="en-US"/>
           </a:p>
@@ -8834,8 +8817,8 @@
           <a:lstStyle/>
           <a:p>
             <a:r>
-              <a:rPr lang="en-US" sz="1200" dirty="0" smtClean="0"/>
-              <a:t>11/16/2015</a:t>
+              <a:rPr lang="en-US" sz="1200" smtClean="0"/>
+              <a:t>04/15/2016</a:t>
             </a:r>
             <a:endParaRPr lang="en-US" sz="1200" dirty="0"/>
           </a:p>
@@ -8857,12 +8840,8 @@
           <a:lstStyle/>
           <a:p>
             <a:r>
-              <a:rPr lang="en-US" sz="1200" dirty="0" smtClean="0"/>
-              <a:t>CS425 Team </a:t>
-            </a:r>
-            <a:r>
-              <a:rPr lang="en-US" sz="1200" dirty="0" err="1" smtClean="0"/>
-              <a:t>Hotspotter</a:t>
+              <a:rPr lang="en-US" sz="1200" smtClean="0"/>
+              <a:t>CS499 Team Hotspotter</a:t>
             </a:r>
             <a:endParaRPr lang="en-US" sz="1200" dirty="0"/>
           </a:p>
@@ -8901,14 +8880,14 @@
             <p:ph idx="1"/>
             <p:extLst>
               <p:ext uri="{D42A27DB-BD31-4B8C-83A1-F6EECF244321}">
-                <p14:modId xmlns:p14="http://schemas.microsoft.com/office/powerpoint/2010/main" val="831952045"/>
+                <p14:modId xmlns:p14="http://schemas.microsoft.com/office/powerpoint/2010/main" val="57911693"/>
               </p:ext>
             </p:extLst>
           </p:nvPr>
         </p:nvGraphicFramePr>
         <p:xfrm>
-          <a:off x="893950" y="2007409"/>
-          <a:ext cx="10398844" cy="4425302"/>
+          <a:off x="893950" y="1752600"/>
+          <a:ext cx="10398844" cy="4680111"/>
         </p:xfrm>
         <a:graphic>
           <a:graphicData uri="http://schemas.openxmlformats.org/drawingml/2006/chart">
@@ -9006,7 +8985,7 @@
           <a:p>
             <a:r>
               <a:rPr lang="en-US" sz="1200" dirty="0" smtClean="0"/>
-              <a:t>11/16/2015</a:t>
+              <a:t>04/15/2016</a:t>
             </a:r>
             <a:endParaRPr lang="en-US" sz="1200" dirty="0"/>
           </a:p>
@@ -9028,12 +9007,8 @@
           <a:lstStyle/>
           <a:p>
             <a:r>
-              <a:rPr lang="en-US" sz="1200" dirty="0" smtClean="0"/>
-              <a:t>CS425 Team </a:t>
-            </a:r>
-            <a:r>
-              <a:rPr lang="en-US" sz="1200" dirty="0" err="1" smtClean="0"/>
-              <a:t>Hotspotter</a:t>
+              <a:rPr lang="en-US" sz="1200" smtClean="0"/>
+              <a:t>CS499 Team Hotspotter</a:t>
             </a:r>
             <a:endParaRPr lang="en-US" sz="1200" dirty="0"/>
           </a:p>
@@ -9072,14 +9047,14 @@
             <p:ph idx="1"/>
             <p:extLst>
               <p:ext uri="{D42A27DB-BD31-4B8C-83A1-F6EECF244321}">
-                <p14:modId xmlns:p14="http://schemas.microsoft.com/office/powerpoint/2010/main" val="3675733672"/>
+                <p14:modId xmlns:p14="http://schemas.microsoft.com/office/powerpoint/2010/main" val="1503173150"/>
               </p:ext>
             </p:extLst>
           </p:nvPr>
         </p:nvGraphicFramePr>
         <p:xfrm>
-          <a:off x="227012" y="2011363"/>
-          <a:ext cx="11375157" cy="4411492"/>
+          <a:off x="0" y="1828800"/>
+          <a:ext cx="12114212" cy="4517855"/>
         </p:xfrm>
         <a:graphic>
           <a:graphicData uri="http://schemas.openxmlformats.org/drawingml/2006/chart">
@@ -9243,8 +9218,8 @@
           <a:lstStyle/>
           <a:p>
             <a:r>
-              <a:rPr lang="en-US" sz="1200" dirty="0" smtClean="0"/>
-              <a:t>11/16/2015</a:t>
+              <a:rPr lang="en-US" sz="1200" smtClean="0"/>
+              <a:t>04/15/2016</a:t>
             </a:r>
             <a:endParaRPr lang="en-US" sz="1200" dirty="0"/>
           </a:p>
@@ -9266,12 +9241,8 @@
           <a:lstStyle/>
           <a:p>
             <a:r>
-              <a:rPr lang="en-US" sz="1200" dirty="0" smtClean="0"/>
-              <a:t>CS425 Team </a:t>
-            </a:r>
-            <a:r>
-              <a:rPr lang="en-US" sz="1200" dirty="0" err="1" smtClean="0"/>
-              <a:t>Hotspotter</a:t>
+              <a:rPr lang="en-US" sz="1200" smtClean="0"/>
+              <a:t>CS499 Team Hotspotter</a:t>
             </a:r>
             <a:endParaRPr lang="en-US" sz="1200" dirty="0"/>
           </a:p>

--- a/Documentation/Presentations/CS499 Final Presentation.pptx
+++ b/Documentation/Presentations/CS499 Final Presentation.pptx
@@ -5,22 +5,23 @@
     <p:sldMasterId id="2147483808" r:id="rId2"/>
   </p:sldMasterIdLst>
   <p:notesMasterIdLst>
-    <p:notesMasterId r:id="rId13"/>
+    <p:notesMasterId r:id="rId14"/>
   </p:notesMasterIdLst>
   <p:handoutMasterIdLst>
-    <p:handoutMasterId r:id="rId14"/>
+    <p:handoutMasterId r:id="rId15"/>
   </p:handoutMasterIdLst>
   <p:sldIdLst>
     <p:sldId id="259" r:id="rId3"/>
     <p:sldId id="260" r:id="rId4"/>
     <p:sldId id="280" r:id="rId5"/>
     <p:sldId id="266" r:id="rId6"/>
-    <p:sldId id="282" r:id="rId7"/>
-    <p:sldId id="281" r:id="rId8"/>
-    <p:sldId id="270" r:id="rId9"/>
-    <p:sldId id="283" r:id="rId10"/>
-    <p:sldId id="271" r:id="rId11"/>
-    <p:sldId id="278" r:id="rId12"/>
+    <p:sldId id="284" r:id="rId7"/>
+    <p:sldId id="282" r:id="rId8"/>
+    <p:sldId id="281" r:id="rId9"/>
+    <p:sldId id="270" r:id="rId10"/>
+    <p:sldId id="283" r:id="rId11"/>
+    <p:sldId id="271" r:id="rId12"/>
+    <p:sldId id="278" r:id="rId13"/>
   </p:sldIdLst>
   <p:sldSz cx="12188825" cy="6858000"/>
   <p:notesSz cx="6858000" cy="9144000"/>
@@ -7553,6 +7554,97 @@
       </p:grpSpPr>
       <p:sp>
         <p:nvSpPr>
+          <p:cNvPr id="2" name="Title 1"/>
+          <p:cNvSpPr>
+            <a:spLocks noGrp="1"/>
+          </p:cNvSpPr>
+          <p:nvPr>
+            <p:ph type="title"/>
+          </p:nvPr>
+        </p:nvSpPr>
+        <p:spPr/>
+        <p:txBody>
+          <a:bodyPr/>
+          <a:lstStyle/>
+          <a:p>
+            <a:pPr algn="ctr"/>
+            <a:r>
+              <a:rPr lang="en-US" dirty="0" smtClean="0"/>
+              <a:t>Post-Mortem/Key Take Away/ not Accomplished</a:t>
+            </a:r>
+            <a:endParaRPr lang="en-US" dirty="0"/>
+          </a:p>
+        </p:txBody>
+      </p:sp>
+      <p:sp>
+        <p:nvSpPr>
+          <p:cNvPr id="3" name="Content Placeholder 2"/>
+          <p:cNvSpPr>
+            <a:spLocks noGrp="1"/>
+          </p:cNvSpPr>
+          <p:nvPr>
+            <p:ph idx="1"/>
+          </p:nvPr>
+        </p:nvSpPr>
+        <p:spPr/>
+        <p:txBody>
+          <a:bodyPr/>
+          <a:lstStyle/>
+          <a:p>
+            <a:r>
+              <a:rPr lang="en-US" sz="3200" dirty="0" smtClean="0"/>
+              <a:t>Good:</a:t>
+            </a:r>
+          </a:p>
+          <a:p>
+            <a:pPr lvl="1"/>
+            <a:r>
+              <a:rPr lang="en-US" sz="3200" dirty="0" smtClean="0"/>
+              <a:t>Completed our project fully.</a:t>
+            </a:r>
+          </a:p>
+          <a:p>
+            <a:pPr lvl="1"/>
+            <a:r>
+              <a:rPr lang="en-US" sz="3200" dirty="0" smtClean="0"/>
+              <a:t>Learned some great technologies on the way.</a:t>
+            </a:r>
+          </a:p>
+          <a:p>
+            <a:pPr lvl="1"/>
+            <a:endParaRPr lang="en-US" sz="3200" dirty="0"/>
+          </a:p>
+          <a:p>
+            <a:pPr lvl="1"/>
+            <a:endParaRPr lang="en-US" sz="3200" dirty="0"/>
+          </a:p>
+          <a:p>
+            <a:r>
+              <a:rPr lang="en-US" sz="3200" dirty="0" smtClean="0"/>
+              <a:t>Bad:</a:t>
+            </a:r>
+          </a:p>
+          <a:p>
+            <a:pPr lvl="1"/>
+            <a:r>
+              <a:rPr lang="en-US" sz="3200" dirty="0" smtClean="0"/>
+              <a:t>We wish we had longer to work on it!</a:t>
+            </a:r>
+          </a:p>
+          <a:p>
+            <a:pPr marL="228532" lvl="1" indent="0">
+              <a:buNone/>
+            </a:pPr>
+            <a:endParaRPr lang="en-US" dirty="0" smtClean="0"/>
+          </a:p>
+          <a:p>
+            <a:pPr lvl="1"/>
+            <a:endParaRPr lang="en-US" dirty="0"/>
+          </a:p>
+        </p:txBody>
+      </p:sp>
+      <p:sp>
+        <p:nvSpPr>
           <p:cNvPr id="4" name="Date Placeholder 3"/>
           <p:cNvSpPr>
             <a:spLocks noGrp="1"/>
@@ -7615,6 +7707,124 @@
             <a:fld id="{E5FD5434-F838-4DD4-A17B-1CB1A1850DF4}" type="slidenum">
               <a:rPr lang="en-US" smtClean="0"/>
               <a:t>10</a:t>
+            </a:fld>
+            <a:endParaRPr lang="en-US"/>
+          </a:p>
+        </p:txBody>
+      </p:sp>
+    </p:spTree>
+    <p:extLst>
+      <p:ext uri="{BB962C8B-B14F-4D97-AF65-F5344CB8AC3E}">
+        <p14:creationId xmlns:p14="http://schemas.microsoft.com/office/powerpoint/2010/main" val="3671086265"/>
+      </p:ext>
+    </p:extLst>
+  </p:cSld>
+  <p:clrMapOvr>
+    <a:masterClrMapping/>
+  </p:clrMapOvr>
+  <mc:AlternateContent xmlns:mc="http://schemas.openxmlformats.org/markup-compatibility/2006" xmlns:p14="http://schemas.microsoft.com/office/powerpoint/2010/main">
+    <mc:Choice Requires="p14">
+      <p:transition spd="med" p14:dur="700">
+        <p:fade/>
+      </p:transition>
+    </mc:Choice>
+    <mc:Fallback xmlns="">
+      <p:transition spd="med">
+        <p:fade/>
+      </p:transition>
+    </mc:Fallback>
+  </mc:AlternateContent>
+  <p:timing>
+    <p:tnLst>
+      <p:par>
+        <p:cTn xmlns:p14="http://schemas.microsoft.com/office/powerpoint/2010/main" id="1" dur="indefinite" restart="never" nodeType="tmRoot"/>
+      </p:par>
+    </p:tnLst>
+  </p:timing>
+</p:sld>
+</file>
+
+<file path=ppt/slides/slide11.xml><?xml version="1.0" encoding="utf-8"?>
+<p:sld xmlns:a="http://schemas.openxmlformats.org/drawingml/2006/main" xmlns:r="http://schemas.openxmlformats.org/officeDocument/2006/relationships" xmlns:p="http://schemas.openxmlformats.org/presentationml/2006/main">
+  <p:cSld>
+    <p:spTree>
+      <p:nvGrpSpPr>
+        <p:cNvPr id="1" name=""/>
+        <p:cNvGrpSpPr/>
+        <p:nvPr/>
+      </p:nvGrpSpPr>
+      <p:grpSpPr>
+        <a:xfrm>
+          <a:off x="0" y="0"/>
+          <a:ext cx="0" cy="0"/>
+          <a:chOff x="0" y="0"/>
+          <a:chExt cx="0" cy="0"/>
+        </a:xfrm>
+      </p:grpSpPr>
+      <p:sp>
+        <p:nvSpPr>
+          <p:cNvPr id="4" name="Date Placeholder 3"/>
+          <p:cNvSpPr>
+            <a:spLocks noGrp="1"/>
+          </p:cNvSpPr>
+          <p:nvPr>
+            <p:ph type="dt" sz="half" idx="10"/>
+          </p:nvPr>
+        </p:nvSpPr>
+        <p:spPr/>
+        <p:txBody>
+          <a:bodyPr/>
+          <a:lstStyle/>
+          <a:p>
+            <a:r>
+              <a:rPr lang="en-US" sz="1200" smtClean="0"/>
+              <a:t>04/15/2016</a:t>
+            </a:r>
+            <a:endParaRPr lang="en-US" sz="1200" dirty="0"/>
+          </a:p>
+        </p:txBody>
+      </p:sp>
+      <p:sp>
+        <p:nvSpPr>
+          <p:cNvPr id="5" name="Footer Placeholder 4"/>
+          <p:cNvSpPr>
+            <a:spLocks noGrp="1"/>
+          </p:cNvSpPr>
+          <p:nvPr>
+            <p:ph type="ftr" sz="quarter" idx="11"/>
+          </p:nvPr>
+        </p:nvSpPr>
+        <p:spPr/>
+        <p:txBody>
+          <a:bodyPr/>
+          <a:lstStyle/>
+          <a:p>
+            <a:r>
+              <a:rPr lang="en-US" sz="1200" smtClean="0"/>
+              <a:t>CS499 Team Hotspotter</a:t>
+            </a:r>
+            <a:endParaRPr lang="en-US" sz="1200" dirty="0"/>
+          </a:p>
+        </p:txBody>
+      </p:sp>
+      <p:sp>
+        <p:nvSpPr>
+          <p:cNvPr id="6" name="Slide Number Placeholder 5"/>
+          <p:cNvSpPr>
+            <a:spLocks noGrp="1"/>
+          </p:cNvSpPr>
+          <p:nvPr>
+            <p:ph type="sldNum" sz="quarter" idx="12"/>
+          </p:nvPr>
+        </p:nvSpPr>
+        <p:spPr/>
+        <p:txBody>
+          <a:bodyPr/>
+          <a:lstStyle/>
+          <a:p>
+            <a:fld id="{E5FD5434-F838-4DD4-A17B-1CB1A1850DF4}" type="slidenum">
+              <a:rPr lang="en-US" smtClean="0"/>
+              <a:t>11</a:t>
             </a:fld>
             <a:endParaRPr lang="en-US" dirty="0"/>
           </a:p>
@@ -8365,6 +8575,157 @@
             <p:ph type="title"/>
           </p:nvPr>
         </p:nvSpPr>
+        <p:spPr>
+          <a:xfrm>
+            <a:off x="1217612" y="35611"/>
+            <a:ext cx="9781532" cy="1508760"/>
+          </a:xfrm>
+        </p:spPr>
+        <p:txBody>
+          <a:bodyPr/>
+          <a:lstStyle/>
+          <a:p>
+            <a:pPr algn="ctr"/>
+            <a:r>
+              <a:rPr lang="en-US" smtClean="0"/>
+              <a:t>Testing/Requirements </a:t>
+            </a:r>
+            <a:r>
+              <a:rPr lang="en-US" dirty="0" smtClean="0"/>
+              <a:t>Met</a:t>
+            </a:r>
+            <a:endParaRPr lang="en-US" dirty="0"/>
+          </a:p>
+        </p:txBody>
+      </p:sp>
+      <p:sp>
+        <p:nvSpPr>
+          <p:cNvPr id="4" name="Date Placeholder 3"/>
+          <p:cNvSpPr>
+            <a:spLocks noGrp="1"/>
+          </p:cNvSpPr>
+          <p:nvPr>
+            <p:ph type="dt" sz="half" idx="10"/>
+          </p:nvPr>
+        </p:nvSpPr>
+        <p:spPr/>
+        <p:txBody>
+          <a:bodyPr/>
+          <a:lstStyle/>
+          <a:p>
+            <a:r>
+              <a:rPr lang="en-US" sz="1200" smtClean="0"/>
+              <a:t>04/15/2016</a:t>
+            </a:r>
+            <a:endParaRPr lang="en-US" sz="1200" dirty="0"/>
+          </a:p>
+        </p:txBody>
+      </p:sp>
+      <p:sp>
+        <p:nvSpPr>
+          <p:cNvPr id="5" name="Footer Placeholder 4"/>
+          <p:cNvSpPr>
+            <a:spLocks noGrp="1"/>
+          </p:cNvSpPr>
+          <p:nvPr>
+            <p:ph type="ftr" sz="quarter" idx="11"/>
+          </p:nvPr>
+        </p:nvSpPr>
+        <p:spPr/>
+        <p:txBody>
+          <a:bodyPr/>
+          <a:lstStyle/>
+          <a:p>
+            <a:r>
+              <a:rPr lang="en-US" sz="1200" smtClean="0"/>
+              <a:t>CS499 Team Hotspotter</a:t>
+            </a:r>
+            <a:endParaRPr lang="en-US" sz="1200" dirty="0"/>
+          </a:p>
+        </p:txBody>
+      </p:sp>
+      <p:sp>
+        <p:nvSpPr>
+          <p:cNvPr id="6" name="Slide Number Placeholder 5"/>
+          <p:cNvSpPr>
+            <a:spLocks noGrp="1"/>
+          </p:cNvSpPr>
+          <p:nvPr>
+            <p:ph type="sldNum" sz="quarter" idx="12"/>
+          </p:nvPr>
+        </p:nvSpPr>
+        <p:spPr/>
+        <p:txBody>
+          <a:bodyPr/>
+          <a:lstStyle/>
+          <a:p>
+            <a:fld id="{E5FD5434-F838-4DD4-A17B-1CB1A1850DF4}" type="slidenum">
+              <a:rPr lang="en-US" smtClean="0"/>
+              <a:t>5</a:t>
+            </a:fld>
+            <a:endParaRPr lang="en-US"/>
+          </a:p>
+        </p:txBody>
+      </p:sp>
+    </p:spTree>
+    <p:extLst>
+      <p:ext uri="{BB962C8B-B14F-4D97-AF65-F5344CB8AC3E}">
+        <p14:creationId xmlns:p14="http://schemas.microsoft.com/office/powerpoint/2010/main" val="709433349"/>
+      </p:ext>
+    </p:extLst>
+  </p:cSld>
+  <p:clrMapOvr>
+    <a:masterClrMapping/>
+  </p:clrMapOvr>
+  <mc:AlternateContent xmlns:mc="http://schemas.openxmlformats.org/markup-compatibility/2006" xmlns:p14="http://schemas.microsoft.com/office/powerpoint/2010/main">
+    <mc:Choice Requires="p14">
+      <p:transition spd="med" p14:dur="700">
+        <p:fade/>
+      </p:transition>
+    </mc:Choice>
+    <mc:Fallback xmlns="">
+      <p:transition spd="med">
+        <p:fade/>
+      </p:transition>
+    </mc:Fallback>
+  </mc:AlternateContent>
+  <p:timing>
+    <p:tnLst>
+      <p:par>
+        <p:cTn xmlns:p14="http://schemas.microsoft.com/office/powerpoint/2010/main" id="1" dur="indefinite" restart="never" nodeType="tmRoot"/>
+      </p:par>
+    </p:tnLst>
+  </p:timing>
+</p:sld>
+</file>
+
+<file path=ppt/slides/slide6.xml><?xml version="1.0" encoding="utf-8"?>
+<p:sld xmlns:a="http://schemas.openxmlformats.org/drawingml/2006/main" xmlns:r="http://schemas.openxmlformats.org/officeDocument/2006/relationships" xmlns:p="http://schemas.openxmlformats.org/presentationml/2006/main">
+  <p:cSld>
+    <p:spTree>
+      <p:nvGrpSpPr>
+        <p:cNvPr id="1" name=""/>
+        <p:cNvGrpSpPr/>
+        <p:nvPr/>
+      </p:nvGrpSpPr>
+      <p:grpSpPr>
+        <a:xfrm>
+          <a:off x="0" y="0"/>
+          <a:ext cx="0" cy="0"/>
+          <a:chOff x="0" y="0"/>
+          <a:chExt cx="0" cy="0"/>
+        </a:xfrm>
+      </p:grpSpPr>
+      <p:sp>
+        <p:nvSpPr>
+          <p:cNvPr id="2" name="Title 1"/>
+          <p:cNvSpPr>
+            <a:spLocks noGrp="1"/>
+          </p:cNvSpPr>
+          <p:nvPr>
+            <p:ph type="title"/>
+          </p:nvPr>
+        </p:nvSpPr>
         <p:spPr/>
         <p:txBody>
           <a:bodyPr/>
@@ -8442,7 +8803,7 @@
             <a:fld id="{E5FD5434-F838-4DD4-A17B-1CB1A1850DF4}" type="slidenum">
               <a:rPr lang="en-US" smtClean="0"/>
               <a:pPr/>
-              <a:t>5</a:t>
+              <a:t>6</a:t>
             </a:fld>
             <a:endParaRPr lang="en-US"/>
           </a:p>
@@ -8592,7 +8953,7 @@
 </p:sld>
 </file>
 
-<file path=ppt/slides/slide6.xml><?xml version="1.0" encoding="utf-8"?>
+<file path=ppt/slides/slide7.xml><?xml version="1.0" encoding="utf-8"?>
 <p:sld xmlns:a="http://schemas.openxmlformats.org/drawingml/2006/main" xmlns:r="http://schemas.openxmlformats.org/officeDocument/2006/relationships" xmlns:p="http://schemas.openxmlformats.org/presentationml/2006/main">
   <p:cSld>
     <p:spTree>
@@ -8729,7 +9090,7 @@
             <a:fld id="{E5FD5434-F838-4DD4-A17B-1CB1A1850DF4}" type="slidenum">
               <a:rPr lang="en-US" smtClean="0"/>
               <a:pPr/>
-              <a:t>6</a:t>
+              <a:t>7</a:t>
             </a:fld>
             <a:endParaRPr lang="en-US"/>
           </a:p>
@@ -8760,173 +9121,6 @@
 </p:sld>
 </file>
 
-<file path=ppt/slides/slide7.xml><?xml version="1.0" encoding="utf-8"?>
-<p:sld xmlns:a="http://schemas.openxmlformats.org/drawingml/2006/main" xmlns:r="http://schemas.openxmlformats.org/officeDocument/2006/relationships" xmlns:p="http://schemas.openxmlformats.org/presentationml/2006/main">
-  <p:cSld>
-    <p:spTree>
-      <p:nvGrpSpPr>
-        <p:cNvPr id="1" name=""/>
-        <p:cNvGrpSpPr/>
-        <p:nvPr/>
-      </p:nvGrpSpPr>
-      <p:grpSpPr>
-        <a:xfrm>
-          <a:off x="0" y="0"/>
-          <a:ext cx="0" cy="0"/>
-          <a:chOff x="0" y="0"/>
-          <a:chExt cx="0" cy="0"/>
-        </a:xfrm>
-      </p:grpSpPr>
-      <p:sp>
-        <p:nvSpPr>
-          <p:cNvPr id="2" name="Title 1"/>
-          <p:cNvSpPr>
-            <a:spLocks noGrp="1"/>
-          </p:cNvSpPr>
-          <p:nvPr>
-            <p:ph type="title"/>
-          </p:nvPr>
-        </p:nvSpPr>
-        <p:spPr/>
-        <p:txBody>
-          <a:bodyPr/>
-          <a:lstStyle/>
-          <a:p>
-            <a:pPr algn="ctr"/>
-            <a:r>
-              <a:rPr lang="en-US" dirty="0" smtClean="0"/>
-              <a:t>Team Burndown/ Velocity Chart</a:t>
-            </a:r>
-            <a:endParaRPr lang="en-US" dirty="0"/>
-          </a:p>
-        </p:txBody>
-      </p:sp>
-      <p:sp>
-        <p:nvSpPr>
-          <p:cNvPr id="4" name="Date Placeholder 3"/>
-          <p:cNvSpPr>
-            <a:spLocks noGrp="1"/>
-          </p:cNvSpPr>
-          <p:nvPr>
-            <p:ph type="dt" sz="half" idx="10"/>
-          </p:nvPr>
-        </p:nvSpPr>
-        <p:spPr/>
-        <p:txBody>
-          <a:bodyPr/>
-          <a:lstStyle/>
-          <a:p>
-            <a:r>
-              <a:rPr lang="en-US" sz="1200" smtClean="0"/>
-              <a:t>04/15/2016</a:t>
-            </a:r>
-            <a:endParaRPr lang="en-US" sz="1200" dirty="0"/>
-          </a:p>
-        </p:txBody>
-      </p:sp>
-      <p:sp>
-        <p:nvSpPr>
-          <p:cNvPr id="5" name="Footer Placeholder 4"/>
-          <p:cNvSpPr>
-            <a:spLocks noGrp="1"/>
-          </p:cNvSpPr>
-          <p:nvPr>
-            <p:ph type="ftr" sz="quarter" idx="11"/>
-          </p:nvPr>
-        </p:nvSpPr>
-        <p:spPr/>
-        <p:txBody>
-          <a:bodyPr/>
-          <a:lstStyle/>
-          <a:p>
-            <a:r>
-              <a:rPr lang="en-US" sz="1200" smtClean="0"/>
-              <a:t>CS499 Team Hotspotter</a:t>
-            </a:r>
-            <a:endParaRPr lang="en-US" sz="1200" dirty="0"/>
-          </a:p>
-        </p:txBody>
-      </p:sp>
-      <p:sp>
-        <p:nvSpPr>
-          <p:cNvPr id="6" name="Slide Number Placeholder 5"/>
-          <p:cNvSpPr>
-            <a:spLocks noGrp="1"/>
-          </p:cNvSpPr>
-          <p:nvPr>
-            <p:ph type="sldNum" sz="quarter" idx="12"/>
-          </p:nvPr>
-        </p:nvSpPr>
-        <p:spPr/>
-        <p:txBody>
-          <a:bodyPr/>
-          <a:lstStyle/>
-          <a:p>
-            <a:fld id="{E5FD5434-F838-4DD4-A17B-1CB1A1850DF4}" type="slidenum">
-              <a:rPr lang="en-US" smtClean="0"/>
-              <a:t>7</a:t>
-            </a:fld>
-            <a:endParaRPr lang="en-US"/>
-          </a:p>
-        </p:txBody>
-      </p:sp>
-      <p:graphicFrame>
-        <p:nvGraphicFramePr>
-          <p:cNvPr id="7" name="Content Placeholder 6"/>
-          <p:cNvGraphicFramePr>
-            <a:graphicFrameLocks noGrp="1"/>
-          </p:cNvGraphicFramePr>
-          <p:nvPr>
-            <p:ph idx="1"/>
-            <p:extLst>
-              <p:ext uri="{D42A27DB-BD31-4B8C-83A1-F6EECF244321}">
-                <p14:modId xmlns:p14="http://schemas.microsoft.com/office/powerpoint/2010/main" val="57911693"/>
-              </p:ext>
-            </p:extLst>
-          </p:nvPr>
-        </p:nvGraphicFramePr>
-        <p:xfrm>
-          <a:off x="893950" y="1752600"/>
-          <a:ext cx="10398844" cy="4680111"/>
-        </p:xfrm>
-        <a:graphic>
-          <a:graphicData uri="http://schemas.openxmlformats.org/drawingml/2006/chart">
-            <c:chart xmlns:c="http://schemas.openxmlformats.org/drawingml/2006/chart" xmlns:r="http://schemas.openxmlformats.org/officeDocument/2006/relationships" r:id="rId2"/>
-          </a:graphicData>
-        </a:graphic>
-      </p:graphicFrame>
-    </p:spTree>
-    <p:extLst>
-      <p:ext uri="{BB962C8B-B14F-4D97-AF65-F5344CB8AC3E}">
-        <p14:creationId xmlns:p14="http://schemas.microsoft.com/office/powerpoint/2010/main" val="1364081688"/>
-      </p:ext>
-    </p:extLst>
-  </p:cSld>
-  <p:clrMapOvr>
-    <a:masterClrMapping/>
-  </p:clrMapOvr>
-  <mc:AlternateContent xmlns:mc="http://schemas.openxmlformats.org/markup-compatibility/2006" xmlns:p14="http://schemas.microsoft.com/office/powerpoint/2010/main">
-    <mc:Choice Requires="p14">
-      <p:transition spd="med" p14:dur="700">
-        <p:fade/>
-      </p:transition>
-    </mc:Choice>
-    <mc:Fallback xmlns="">
-      <p:transition spd="med">
-        <p:fade/>
-      </p:transition>
-    </mc:Fallback>
-  </mc:AlternateContent>
-  <p:timing>
-    <p:tnLst>
-      <p:par>
-        <p:cTn xmlns:p14="http://schemas.microsoft.com/office/powerpoint/2010/main" id="1" dur="indefinite" restart="never" nodeType="tmRoot"/>
-      </p:par>
-    </p:tnLst>
-  </p:timing>
-</p:sld>
-</file>
-
 <file path=ppt/slides/slide8.xml><?xml version="1.0" encoding="utf-8"?>
 <p:sld xmlns:a="http://schemas.openxmlformats.org/drawingml/2006/main" xmlns:r="http://schemas.openxmlformats.org/officeDocument/2006/relationships" xmlns:p="http://schemas.openxmlformats.org/presentationml/2006/main">
   <p:cSld>
@@ -8984,7 +9178,7 @@
           <a:lstStyle/>
           <a:p>
             <a:r>
-              <a:rPr lang="en-US" sz="1200" dirty="0" smtClean="0"/>
+              <a:rPr lang="en-US" sz="1200" smtClean="0"/>
               <a:t>04/15/2016</a:t>
             </a:r>
             <a:endParaRPr lang="en-US" sz="1200" dirty="0"/>
@@ -9039,7 +9233,7 @@
       </p:sp>
       <p:graphicFrame>
         <p:nvGraphicFramePr>
-          <p:cNvPr id="8" name="Content Placeholder 7"/>
+          <p:cNvPr id="7" name="Content Placeholder 6"/>
           <p:cNvGraphicFramePr>
             <a:graphicFrameLocks noGrp="1"/>
           </p:cNvGraphicFramePr>
@@ -9047,14 +9241,14 @@
             <p:ph idx="1"/>
             <p:extLst>
               <p:ext uri="{D42A27DB-BD31-4B8C-83A1-F6EECF244321}">
-                <p14:modId xmlns:p14="http://schemas.microsoft.com/office/powerpoint/2010/main" val="1503173150"/>
+                <p14:modId xmlns:p14="http://schemas.microsoft.com/office/powerpoint/2010/main" val="57911693"/>
               </p:ext>
             </p:extLst>
           </p:nvPr>
         </p:nvGraphicFramePr>
         <p:xfrm>
-          <a:off x="0" y="1828800"/>
-          <a:ext cx="12114212" cy="4517855"/>
+          <a:off x="893950" y="1752600"/>
+          <a:ext cx="10398844" cy="4680111"/>
         </p:xfrm>
         <a:graphic>
           <a:graphicData uri="http://schemas.openxmlformats.org/drawingml/2006/chart">
@@ -9065,7 +9259,7 @@
     </p:spTree>
     <p:extLst>
       <p:ext uri="{BB962C8B-B14F-4D97-AF65-F5344CB8AC3E}">
-        <p14:creationId xmlns:p14="http://schemas.microsoft.com/office/powerpoint/2010/main" val="2985966692"/>
+        <p14:creationId xmlns:p14="http://schemas.microsoft.com/office/powerpoint/2010/main" val="1364081688"/>
       </p:ext>
     </p:extLst>
   </p:cSld>
@@ -9129,7 +9323,7 @@
             <a:pPr algn="ctr"/>
             <a:r>
               <a:rPr lang="en-US" dirty="0" smtClean="0"/>
-              <a:t>Post-Mortem/Key Take Away/ not Accomplished</a:t>
+              <a:t>Team Burndown/ Velocity Chart</a:t>
             </a:r>
             <a:endParaRPr lang="en-US" dirty="0"/>
           </a:p>
@@ -9137,12 +9331,12 @@
       </p:sp>
       <p:sp>
         <p:nvSpPr>
-          <p:cNvPr id="3" name="Content Placeholder 2"/>
-          <p:cNvSpPr>
-            <a:spLocks noGrp="1"/>
-          </p:cNvSpPr>
-          <p:nvPr>
-            <p:ph idx="1"/>
+          <p:cNvPr id="4" name="Date Placeholder 3"/>
+          <p:cNvSpPr>
+            <a:spLocks noGrp="1"/>
+          </p:cNvSpPr>
+          <p:nvPr>
+            <p:ph type="dt" sz="half" idx="10"/>
           </p:nvPr>
         </p:nvSpPr>
         <p:spPr/>
@@ -9151,74 +9345,7 @@
           <a:lstStyle/>
           <a:p>
             <a:r>
-              <a:rPr lang="en-US" sz="3200" dirty="0" smtClean="0"/>
-              <a:t>Good:</a:t>
-            </a:r>
-          </a:p>
-          <a:p>
-            <a:pPr lvl="1"/>
-            <a:r>
-              <a:rPr lang="en-US" sz="3200" dirty="0" smtClean="0"/>
-              <a:t>Completed our project fully.</a:t>
-            </a:r>
-          </a:p>
-          <a:p>
-            <a:pPr lvl="1"/>
-            <a:r>
-              <a:rPr lang="en-US" sz="3200" dirty="0" smtClean="0"/>
-              <a:t>Learned some great technologies on the way.</a:t>
-            </a:r>
-          </a:p>
-          <a:p>
-            <a:pPr lvl="1"/>
-            <a:endParaRPr lang="en-US" sz="3200" dirty="0"/>
-          </a:p>
-          <a:p>
-            <a:pPr lvl="1"/>
-            <a:endParaRPr lang="en-US" sz="3200" dirty="0"/>
-          </a:p>
-          <a:p>
-            <a:r>
-              <a:rPr lang="en-US" sz="3200" dirty="0" smtClean="0"/>
-              <a:t>Bad:</a:t>
-            </a:r>
-          </a:p>
-          <a:p>
-            <a:pPr lvl="1"/>
-            <a:r>
-              <a:rPr lang="en-US" sz="3200" dirty="0" smtClean="0"/>
-              <a:t>We wish we had longer to work on it!</a:t>
-            </a:r>
-          </a:p>
-          <a:p>
-            <a:pPr marL="228532" lvl="1" indent="0">
-              <a:buNone/>
-            </a:pPr>
-            <a:endParaRPr lang="en-US" dirty="0" smtClean="0"/>
-          </a:p>
-          <a:p>
-            <a:pPr lvl="1"/>
-            <a:endParaRPr lang="en-US" dirty="0"/>
-          </a:p>
-        </p:txBody>
-      </p:sp>
-      <p:sp>
-        <p:nvSpPr>
-          <p:cNvPr id="4" name="Date Placeholder 3"/>
-          <p:cNvSpPr>
-            <a:spLocks noGrp="1"/>
-          </p:cNvSpPr>
-          <p:nvPr>
-            <p:ph type="dt" sz="half" idx="10"/>
-          </p:nvPr>
-        </p:nvSpPr>
-        <p:spPr/>
-        <p:txBody>
-          <a:bodyPr/>
-          <a:lstStyle/>
-          <a:p>
-            <a:r>
-              <a:rPr lang="en-US" sz="1200" smtClean="0"/>
+              <a:rPr lang="en-US" sz="1200" dirty="0" smtClean="0"/>
               <a:t>04/15/2016</a:t>
             </a:r>
             <a:endParaRPr lang="en-US" sz="1200" dirty="0"/>
@@ -9271,10 +9398,35 @@
           </a:p>
         </p:txBody>
       </p:sp>
+      <p:graphicFrame>
+        <p:nvGraphicFramePr>
+          <p:cNvPr id="8" name="Content Placeholder 7"/>
+          <p:cNvGraphicFramePr>
+            <a:graphicFrameLocks noGrp="1"/>
+          </p:cNvGraphicFramePr>
+          <p:nvPr>
+            <p:ph idx="1"/>
+            <p:extLst>
+              <p:ext uri="{D42A27DB-BD31-4B8C-83A1-F6EECF244321}">
+                <p14:modId xmlns:p14="http://schemas.microsoft.com/office/powerpoint/2010/main" val="1503173150"/>
+              </p:ext>
+            </p:extLst>
+          </p:nvPr>
+        </p:nvGraphicFramePr>
+        <p:xfrm>
+          <a:off x="0" y="1828800"/>
+          <a:ext cx="12114212" cy="4517855"/>
+        </p:xfrm>
+        <a:graphic>
+          <a:graphicData uri="http://schemas.openxmlformats.org/drawingml/2006/chart">
+            <c:chart xmlns:c="http://schemas.openxmlformats.org/drawingml/2006/chart" xmlns:r="http://schemas.openxmlformats.org/officeDocument/2006/relationships" r:id="rId2"/>
+          </a:graphicData>
+        </a:graphic>
+      </p:graphicFrame>
     </p:spTree>
     <p:extLst>
       <p:ext uri="{BB962C8B-B14F-4D97-AF65-F5344CB8AC3E}">
-        <p14:creationId xmlns:p14="http://schemas.microsoft.com/office/powerpoint/2010/main" val="3671086265"/>
+        <p14:creationId xmlns:p14="http://schemas.microsoft.com/office/powerpoint/2010/main" val="2985966692"/>
       </p:ext>
     </p:extLst>
   </p:cSld>

--- a/Documentation/Presentations/CS499 Final Presentation.pptx
+++ b/Documentation/Presentations/CS499 Final Presentation.pptx
@@ -8587,12 +8587,8 @@
           <a:p>
             <a:pPr algn="ctr"/>
             <a:r>
-              <a:rPr lang="en-US" smtClean="0"/>
-              <a:t>Testing/Requirements </a:t>
-            </a:r>
-            <a:r>
               <a:rPr lang="en-US" dirty="0" smtClean="0"/>
-              <a:t>Met</a:t>
+              <a:t>Testing/Requirements Met</a:t>
             </a:r>
             <a:endParaRPr lang="en-US" dirty="0"/>
           </a:p>
@@ -8928,6 +8924,114 @@
           </a:prstGeom>
         </p:spPr>
       </p:pic>
+      <p:sp>
+        <p:nvSpPr>
+          <p:cNvPr id="4" name="TextBox 3"/>
+          <p:cNvSpPr txBox="1"/>
+          <p:nvPr/>
+        </p:nvSpPr>
+        <p:spPr>
+          <a:xfrm>
+            <a:off x="912812" y="5029200"/>
+            <a:ext cx="10084049" cy="461665"/>
+          </a:xfrm>
+          <a:prstGeom prst="rect">
+            <a:avLst/>
+          </a:prstGeom>
+          <a:noFill/>
+        </p:spPr>
+        <p:txBody>
+          <a:bodyPr wrap="square" rtlCol="0">
+            <a:spAutoFit/>
+          </a:bodyPr>
+          <a:lstStyle/>
+          <a:p>
+            <a:pPr algn="ctr"/>
+            <a:r>
+              <a:rPr lang="en-US" dirty="0" smtClean="0"/>
+              <a:t>Technologies</a:t>
+            </a:r>
+            <a:endParaRPr lang="en-US" dirty="0"/>
+          </a:p>
+        </p:txBody>
+      </p:sp>
+      <p:sp>
+        <p:nvSpPr>
+          <p:cNvPr id="12" name="TextBox 11"/>
+          <p:cNvSpPr txBox="1"/>
+          <p:nvPr/>
+        </p:nvSpPr>
+        <p:spPr>
+          <a:xfrm>
+            <a:off x="1979612" y="2057400"/>
+            <a:ext cx="8379351" cy="2923877"/>
+          </a:xfrm>
+          <a:prstGeom prst="rect">
+            <a:avLst/>
+          </a:prstGeom>
+          <a:noFill/>
+        </p:spPr>
+        <p:txBody>
+          <a:bodyPr wrap="square" rtlCol="0">
+            <a:spAutoFit/>
+          </a:bodyPr>
+          <a:lstStyle/>
+          <a:p>
+            <a:r>
+              <a:rPr lang="en-US" dirty="0" smtClean="0"/>
+              <a:t>Capabilities</a:t>
+            </a:r>
+          </a:p>
+          <a:p>
+            <a:pPr marL="342900" indent="-342900">
+              <a:buFont typeface="Arial"/>
+              <a:buChar char="•"/>
+            </a:pPr>
+            <a:r>
+              <a:rPr lang="en-US" sz="4000" dirty="0" smtClean="0"/>
+              <a:t>Clone a public </a:t>
+            </a:r>
+            <a:r>
+              <a:rPr lang="en-US" sz="4000" dirty="0" err="1" smtClean="0"/>
+              <a:t>git</a:t>
+            </a:r>
+            <a:r>
+              <a:rPr lang="en-US" sz="4000" dirty="0" smtClean="0"/>
+              <a:t> based repository</a:t>
+            </a:r>
+          </a:p>
+          <a:p>
+            <a:pPr marL="342900" indent="-342900">
+              <a:buFont typeface="Arial"/>
+              <a:buChar char="•"/>
+            </a:pPr>
+            <a:r>
+              <a:rPr lang="en-US" sz="4000" dirty="0" smtClean="0"/>
+              <a:t>Run metrics on a cloned repository</a:t>
+            </a:r>
+          </a:p>
+          <a:p>
+            <a:pPr marL="342900" indent="-342900">
+              <a:buFont typeface="Arial"/>
+              <a:buChar char="•"/>
+            </a:pPr>
+            <a:r>
+              <a:rPr lang="en-US" sz="4000" dirty="0" smtClean="0"/>
+              <a:t>Create graph of metrics.</a:t>
+            </a:r>
+          </a:p>
+          <a:p>
+            <a:pPr marL="342900" indent="-342900">
+              <a:buFont typeface="Arial"/>
+              <a:buChar char="•"/>
+            </a:pPr>
+            <a:r>
+              <a:rPr lang="en-US" sz="4000" dirty="0" smtClean="0"/>
+              <a:t>Export metrics to an excel file</a:t>
+            </a:r>
+          </a:p>
+        </p:txBody>
+      </p:sp>
     </p:spTree>
     <p:extLst>
       <p:ext uri="{BB962C8B-B14F-4D97-AF65-F5344CB8AC3E}">

--- a/Documentation/Presentations/CS499 Final Presentation.pptx
+++ b/Documentation/Presentations/CS499 Final Presentation.pptx
@@ -122,7 +122,7 @@
   </p:defaultTextStyle>
   <p:extLst>
     <p:ext uri="{EFAFB233-063F-42B5-8137-9DF3F51BA10A}">
-      <p15:sldGuideLst xmlns:p15="http://schemas.microsoft.com/office/powerpoint/2012/main" xmlns="">
+      <p15:sldGuideLst xmlns:p15="http://schemas.microsoft.com/office/powerpoint/2012/main">
         <p15:guide id="1" orient="horz" pos="2160" userDrawn="1">
           <p15:clr>
             <a:srgbClr val="A4A3A4"/>
@@ -191,7 +191,7 @@
       </p15:sldGuideLst>
     </p:ext>
     <p:ext uri="{2D200454-40CA-4A62-9FC3-DE9A4176ACB9}">
-      <p15:notesGuideLst xmlns:p15="http://schemas.microsoft.com/office/powerpoint/2012/main" xmlns="">
+      <p15:notesGuideLst xmlns:p15="http://schemas.microsoft.com/office/powerpoint/2012/main">
         <p15:guide id="1" orient="horz" pos="2880">
           <p15:clr>
             <a:srgbClr val="A4A3A4"/>
@@ -248,17 +248,7 @@
           </a:p>
           <a:p>
             <a:pPr>
-              <a:defRPr sz="1400" b="0" i="0" u="none" strike="noStrike" kern="1200" spc="0" baseline="0">
-                <a:solidFill>
-                  <a:schemeClr val="tx1">
-                    <a:lumMod val="65000"/>
-                    <a:lumOff val="35000"/>
-                  </a:schemeClr>
-                </a:solidFill>
-                <a:latin typeface="+mn-lt"/>
-                <a:ea typeface="+mn-ea"/>
-                <a:cs typeface="+mn-cs"/>
-              </a:defRPr>
+              <a:defRPr/>
             </a:pPr>
             <a:r>
               <a:rPr lang="en-US"/>
@@ -281,6 +271,26 @@
         </a:ln>
         <a:effectLst/>
       </c:spPr>
+      <c:txPr>
+        <a:bodyPr rot="0" spcFirstLastPara="1" vertOverflow="ellipsis" vert="horz" wrap="square" anchor="ctr" anchorCtr="1"/>
+        <a:lstStyle/>
+        <a:p>
+          <a:pPr>
+            <a:defRPr sz="1400" b="0" i="0" u="none" strike="noStrike" kern="1200" spc="0" baseline="0">
+              <a:solidFill>
+                <a:schemeClr val="tx1">
+                  <a:lumMod val="65000"/>
+                  <a:lumOff val="35000"/>
+                </a:schemeClr>
+              </a:solidFill>
+              <a:latin typeface="+mn-lt"/>
+              <a:ea typeface="+mn-ea"/>
+              <a:cs typeface="+mn-cs"/>
+            </a:defRPr>
+          </a:pPr>
+          <a:endParaRPr lang="en-US"/>
+        </a:p>
+      </c:txPr>
     </c:title>
     <c:autoTitleDeleted val="0"/>
     <c:plotArea>
@@ -332,61 +342,61 @@
                   <c:v>6.25</c:v>
                 </c:pt>
                 <c:pt idx="4">
-                  <c:v>3.0</c:v>
+                  <c:v>3</c:v>
                 </c:pt>
                 <c:pt idx="5">
-                  <c:v>0.0</c:v>
+                  <c:v>0</c:v>
                 </c:pt>
                 <c:pt idx="6">
-                  <c:v>0.0</c:v>
+                  <c:v>0</c:v>
                 </c:pt>
                 <c:pt idx="7">
-                  <c:v>0.0</c:v>
+                  <c:v>0</c:v>
                 </c:pt>
                 <c:pt idx="8">
-                  <c:v>0.0</c:v>
+                  <c:v>0</c:v>
                 </c:pt>
                 <c:pt idx="9">
-                  <c:v>2.0</c:v>
+                  <c:v>2</c:v>
                 </c:pt>
                 <c:pt idx="10">
                   <c:v>0.5</c:v>
                 </c:pt>
                 <c:pt idx="11">
-                  <c:v>0.0</c:v>
+                  <c:v>0</c:v>
                 </c:pt>
                 <c:pt idx="12">
-                  <c:v>0.0</c:v>
+                  <c:v>0</c:v>
                 </c:pt>
                 <c:pt idx="13">
-                  <c:v>0.0</c:v>
+                  <c:v>0</c:v>
                 </c:pt>
                 <c:pt idx="14">
-                  <c:v>0.0</c:v>
+                  <c:v>0</c:v>
                 </c:pt>
                 <c:pt idx="15">
-                  <c:v>0.0</c:v>
+                  <c:v>0</c:v>
                 </c:pt>
                 <c:pt idx="16">
-                  <c:v>0.0</c:v>
+                  <c:v>0</c:v>
                 </c:pt>
                 <c:pt idx="17">
-                  <c:v>0.0</c:v>
+                  <c:v>0</c:v>
                 </c:pt>
                 <c:pt idx="18">
-                  <c:v>0.0</c:v>
+                  <c:v>0</c:v>
                 </c:pt>
                 <c:pt idx="19">
-                  <c:v>0.0</c:v>
+                  <c:v>0</c:v>
                 </c:pt>
                 <c:pt idx="20">
-                  <c:v>0.0</c:v>
+                  <c:v>0</c:v>
                 </c:pt>
                 <c:pt idx="21">
-                  <c:v>0.0</c:v>
+                  <c:v>0</c:v>
                 </c:pt>
                 <c:pt idx="22">
-                  <c:v>0.0</c:v>
+                  <c:v>0</c:v>
                 </c:pt>
               </c:numCache>
             </c:numRef>
@@ -428,73 +438,73 @@
                 <c:formatCode>[$-409]dd\-mmm;@</c:formatCode>
                 <c:ptCount val="23"/>
                 <c:pt idx="0">
-                  <c:v>42254.0</c:v>
+                  <c:v>42254</c:v>
                 </c:pt>
                 <c:pt idx="1">
-                  <c:v>42261.0</c:v>
+                  <c:v>42261</c:v>
                 </c:pt>
                 <c:pt idx="2">
-                  <c:v>42268.0</c:v>
+                  <c:v>42268</c:v>
                 </c:pt>
                 <c:pt idx="3">
-                  <c:v>42275.0</c:v>
+                  <c:v>42275</c:v>
                 </c:pt>
                 <c:pt idx="4">
-                  <c:v>42282.0</c:v>
+                  <c:v>42282</c:v>
                 </c:pt>
                 <c:pt idx="5">
-                  <c:v>42289.0</c:v>
+                  <c:v>42289</c:v>
                 </c:pt>
                 <c:pt idx="6">
-                  <c:v>42296.0</c:v>
+                  <c:v>42296</c:v>
                 </c:pt>
                 <c:pt idx="7">
-                  <c:v>42303.0</c:v>
+                  <c:v>42303</c:v>
                 </c:pt>
                 <c:pt idx="8">
-                  <c:v>42310.0</c:v>
+                  <c:v>42310</c:v>
                 </c:pt>
                 <c:pt idx="9">
-                  <c:v>42317.0</c:v>
+                  <c:v>42317</c:v>
                 </c:pt>
                 <c:pt idx="10">
-                  <c:v>42324.0</c:v>
+                  <c:v>42324</c:v>
                 </c:pt>
                 <c:pt idx="11">
-                  <c:v>42380.0</c:v>
+                  <c:v>42380</c:v>
                 </c:pt>
                 <c:pt idx="12">
-                  <c:v>42387.0</c:v>
+                  <c:v>42387</c:v>
                 </c:pt>
                 <c:pt idx="13">
-                  <c:v>42394.0</c:v>
+                  <c:v>42394</c:v>
                 </c:pt>
                 <c:pt idx="14">
-                  <c:v>42401.0</c:v>
+                  <c:v>42401</c:v>
                 </c:pt>
                 <c:pt idx="15">
-                  <c:v>42408.0</c:v>
+                  <c:v>42408</c:v>
                 </c:pt>
                 <c:pt idx="16">
-                  <c:v>42415.0</c:v>
+                  <c:v>42415</c:v>
                 </c:pt>
                 <c:pt idx="17">
-                  <c:v>42422.0</c:v>
+                  <c:v>42422</c:v>
                 </c:pt>
                 <c:pt idx="18">
-                  <c:v>42429.0</c:v>
+                  <c:v>42429</c:v>
                 </c:pt>
                 <c:pt idx="19">
-                  <c:v>42436.0</c:v>
+                  <c:v>42436</c:v>
                 </c:pt>
                 <c:pt idx="20">
-                  <c:v>42443.0</c:v>
+                  <c:v>42443</c:v>
                 </c:pt>
                 <c:pt idx="21">
-                  <c:v>42450.0</c:v>
+                  <c:v>42450</c:v>
                 </c:pt>
                 <c:pt idx="22">
-                  <c:v>42457.0</c:v>
+                  <c:v>42457</c:v>
                 </c:pt>
               </c:numCache>
             </c:numRef>
@@ -506,7 +516,7 @@
                 <c:formatCode>0.00</c:formatCode>
                 <c:ptCount val="23"/>
                 <c:pt idx="0">
-                  <c:v>3.0</c:v>
+                  <c:v>3</c:v>
                 </c:pt>
                 <c:pt idx="1">
                   <c:v>3.25</c:v>
@@ -527,52 +537,52 @@
                   <c:v>28.003</c:v>
                 </c:pt>
                 <c:pt idx="7">
-                  <c:v>28.0</c:v>
+                  <c:v>28</c:v>
                 </c:pt>
                 <c:pt idx="8">
-                  <c:v>22.0</c:v>
+                  <c:v>22</c:v>
                 </c:pt>
                 <c:pt idx="9">
-                  <c:v>8.0</c:v>
+                  <c:v>8</c:v>
                 </c:pt>
                 <c:pt idx="10">
-                  <c:v>15.0</c:v>
+                  <c:v>15</c:v>
                 </c:pt>
                 <c:pt idx="11">
                   <c:v>23.5</c:v>
                 </c:pt>
                 <c:pt idx="12">
-                  <c:v>23.0</c:v>
+                  <c:v>23</c:v>
                 </c:pt>
                 <c:pt idx="13">
-                  <c:v>12.0</c:v>
+                  <c:v>12</c:v>
                 </c:pt>
                 <c:pt idx="14">
-                  <c:v>29.0</c:v>
+                  <c:v>29</c:v>
                 </c:pt>
                 <c:pt idx="15">
-                  <c:v>16.0</c:v>
+                  <c:v>16</c:v>
                 </c:pt>
                 <c:pt idx="16">
-                  <c:v>16.0</c:v>
+                  <c:v>16</c:v>
                 </c:pt>
                 <c:pt idx="17">
-                  <c:v>18.0</c:v>
+                  <c:v>18</c:v>
                 </c:pt>
                 <c:pt idx="18">
-                  <c:v>16.0</c:v>
+                  <c:v>16</c:v>
                 </c:pt>
                 <c:pt idx="19">
-                  <c:v>0.0</c:v>
+                  <c:v>0</c:v>
                 </c:pt>
                 <c:pt idx="20">
-                  <c:v>0.0</c:v>
+                  <c:v>0</c:v>
                 </c:pt>
                 <c:pt idx="21">
-                  <c:v>0.0</c:v>
+                  <c:v>0</c:v>
                 </c:pt>
                 <c:pt idx="22">
-                  <c:v>0.0</c:v>
+                  <c:v>0</c:v>
                 </c:pt>
               </c:numCache>
             </c:numRef>
@@ -593,8 +603,8 @@
         </c:dLbls>
         <c:gapWidth val="150"/>
         <c:overlap val="100"/>
-        <c:axId val="2130262888"/>
-        <c:axId val="2130287000"/>
+        <c:axId val="235434680"/>
+        <c:axId val="235431544"/>
       </c:barChart>
       <c:lineChart>
         <c:grouping val="standard"/>
@@ -639,7 +649,7 @@
                   <c:v>11.455</c:v>
                 </c:pt>
                 <c:pt idx="2">
-                  <c:v>13.93666666666667</c:v>
+                  <c:v>13.936666666666669</c:v>
                 </c:pt>
                 <c:pt idx="3">
                   <c:v>13.14</c:v>
@@ -648,34 +658,34 @@
                   <c:v>12.612</c:v>
                 </c:pt>
                 <c:pt idx="5">
-                  <c:v>12.52116666666667</c:v>
+                  <c:v>12.521166666666669</c:v>
                 </c:pt>
                 <c:pt idx="6">
                   <c:v>14.73285714285714</c:v>
                 </c:pt>
                 <c:pt idx="7">
-                  <c:v>16.39125</c:v>
+                  <c:v>16.391249999999999</c:v>
                 </c:pt>
                 <c:pt idx="8">
                   <c:v>17.01444444444445</c:v>
                 </c:pt>
                 <c:pt idx="9">
-                  <c:v>16.313</c:v>
+                  <c:v>16.312999999999999</c:v>
                 </c:pt>
                 <c:pt idx="10">
-                  <c:v>16.23909090909091</c:v>
+                  <c:v>16.239090909090908</c:v>
                 </c:pt>
                 <c:pt idx="11">
                   <c:v>16.84416666666667</c:v>
                 </c:pt>
                 <c:pt idx="12">
-                  <c:v>17.31769230769231</c:v>
+                  <c:v>17.317692307692312</c:v>
                 </c:pt>
                 <c:pt idx="13">
-                  <c:v>16.93785714285715</c:v>
+                  <c:v>16.937857142857151</c:v>
                 </c:pt>
                 <c:pt idx="14">
-                  <c:v>17.742</c:v>
+                  <c:v>17.742000000000001</c:v>
                 </c:pt>
                 <c:pt idx="15">
                   <c:v>17.633125</c:v>
@@ -684,22 +694,22 @@
                   <c:v>17.53705882352941</c:v>
                 </c:pt>
                 <c:pt idx="17">
-                  <c:v>17.56277777777778</c:v>
+                  <c:v>17.562777777777779</c:v>
                 </c:pt>
                 <c:pt idx="18">
-                  <c:v>17.48052631578947</c:v>
+                  <c:v>17.480526315789469</c:v>
                 </c:pt>
                 <c:pt idx="19">
                   <c:v>16.6065</c:v>
                 </c:pt>
                 <c:pt idx="20">
-                  <c:v>15.81571428571429</c:v>
+                  <c:v>15.815714285714289</c:v>
                 </c:pt>
                 <c:pt idx="21">
-                  <c:v>15.09681818181818</c:v>
+                  <c:v>15.096818181818181</c:v>
                 </c:pt>
                 <c:pt idx="22">
-                  <c:v>14.4404347826087</c:v>
+                  <c:v>14.440434782608699</c:v>
                 </c:pt>
               </c:numCache>
             </c:numRef>
@@ -721,11 +731,11 @@
         </c:dLbls>
         <c:marker val="1"/>
         <c:smooth val="0"/>
-        <c:axId val="2130262888"/>
-        <c:axId val="2130287000"/>
+        <c:axId val="235434680"/>
+        <c:axId val="235431544"/>
       </c:lineChart>
       <c:catAx>
-        <c:axId val="2130262888"/>
+        <c:axId val="235434680"/>
         <c:scaling>
           <c:orientation val="minMax"/>
         </c:scaling>
@@ -766,6 +776,26 @@
             </a:ln>
             <a:effectLst/>
           </c:spPr>
+          <c:txPr>
+            <a:bodyPr rot="0" spcFirstLastPara="1" vertOverflow="ellipsis" vert="horz" wrap="square" anchor="ctr" anchorCtr="1"/>
+            <a:lstStyle/>
+            <a:p>
+              <a:pPr>
+                <a:defRPr sz="2000" b="0" i="0" u="none" strike="noStrike" kern="1200" baseline="0">
+                  <a:solidFill>
+                    <a:schemeClr val="tx1">
+                      <a:lumMod val="65000"/>
+                      <a:lumOff val="35000"/>
+                    </a:schemeClr>
+                  </a:solidFill>
+                  <a:latin typeface="+mn-lt"/>
+                  <a:ea typeface="+mn-ea"/>
+                  <a:cs typeface="+mn-cs"/>
+                </a:defRPr>
+              </a:pPr>
+              <a:endParaRPr lang="en-US"/>
+            </a:p>
+          </c:txPr>
         </c:title>
         <c:numFmt formatCode="[$-409]dd\-mmm;@" sourceLinked="1"/>
         <c:majorTickMark val="none"/>
@@ -804,7 +834,7 @@
             <a:endParaRPr lang="en-US"/>
           </a:p>
         </c:txPr>
-        <c:crossAx val="2130287000"/>
+        <c:crossAx val="235431544"/>
         <c:crosses val="autoZero"/>
         <c:auto val="0"/>
         <c:lblAlgn val="ctr"/>
@@ -812,7 +842,7 @@
         <c:noMultiLvlLbl val="0"/>
       </c:catAx>
       <c:valAx>
-        <c:axId val="2130287000"/>
+        <c:axId val="235431544"/>
         <c:scaling>
           <c:orientation val="minMax"/>
         </c:scaling>
@@ -871,6 +901,26 @@
             </a:ln>
             <a:effectLst/>
           </c:spPr>
+          <c:txPr>
+            <a:bodyPr rot="-5400000" spcFirstLastPara="1" vertOverflow="ellipsis" vert="horz" wrap="square" anchor="ctr" anchorCtr="1"/>
+            <a:lstStyle/>
+            <a:p>
+              <a:pPr>
+                <a:defRPr sz="2000" b="0" i="0" u="none" strike="noStrike" kern="1200" baseline="0">
+                  <a:solidFill>
+                    <a:schemeClr val="tx1">
+                      <a:lumMod val="65000"/>
+                      <a:lumOff val="35000"/>
+                    </a:schemeClr>
+                  </a:solidFill>
+                  <a:latin typeface="+mn-lt"/>
+                  <a:ea typeface="+mn-ea"/>
+                  <a:cs typeface="+mn-cs"/>
+                </a:defRPr>
+              </a:pPr>
+              <a:endParaRPr lang="en-US"/>
+            </a:p>
+          </c:txPr>
         </c:title>
         <c:numFmt formatCode="0.00" sourceLinked="1"/>
         <c:majorTickMark val="none"/>
@@ -903,7 +953,7 @@
             <a:endParaRPr lang="en-US"/>
           </a:p>
         </c:txPr>
-        <c:crossAx val="2130262888"/>
+        <c:crossAx val="235434680"/>
         <c:crosses val="autoZero"/>
         <c:crossBetween val="between"/>
       </c:valAx>
@@ -968,7 +1018,7 @@
       <a:endParaRPr lang="en-US"/>
     </a:p>
   </c:txPr>
-  <c:externalData r:id="rId1">
+  <c:externalData r:id="rId3">
     <c:autoUpdate val="0"/>
   </c:externalData>
 </c:chartSpace>
@@ -1023,6 +1073,26 @@
         </a:ln>
         <a:effectLst/>
       </c:spPr>
+      <c:txPr>
+        <a:bodyPr rot="0" spcFirstLastPara="1" vertOverflow="ellipsis" vert="horz" wrap="square" anchor="ctr" anchorCtr="1"/>
+        <a:lstStyle/>
+        <a:p>
+          <a:pPr>
+            <a:defRPr sz="1400" b="0" i="0" u="none" strike="noStrike" kern="1200" spc="0" baseline="0">
+              <a:solidFill>
+                <a:schemeClr val="tx1">
+                  <a:lumMod val="65000"/>
+                  <a:lumOff val="35000"/>
+                </a:schemeClr>
+              </a:solidFill>
+              <a:latin typeface="+mn-lt"/>
+              <a:ea typeface="+mn-ea"/>
+              <a:cs typeface="+mn-cs"/>
+            </a:defRPr>
+          </a:pPr>
+          <a:endParaRPr lang="en-US"/>
+        </a:p>
+      </c:txPr>
     </c:title>
     <c:autoTitleDeleted val="0"/>
     <c:plotArea>
@@ -1032,9 +1102,9 @@
           <c:xMode val="edge"/>
           <c:yMode val="edge"/>
           <c:x val="0.11306238578013"/>
-          <c:y val="0.13511839708561"/>
-          <c:w val="0.853421189879536"/>
-          <c:h val="0.73344204925204"/>
+          <c:y val="0.13511839708560999"/>
+          <c:w val="0.85342118987953597"/>
+          <c:h val="0.73344204925204004"/>
         </c:manualLayout>
       </c:layout>
       <c:lineChart>
@@ -1132,34 +1202,34 @@
                 <c:formatCode>General</c:formatCode>
                 <c:ptCount val="10"/>
                 <c:pt idx="0">
-                  <c:v>1.0</c:v>
+                  <c:v>1</c:v>
                 </c:pt>
                 <c:pt idx="1">
-                  <c:v>2.0</c:v>
+                  <c:v>2</c:v>
                 </c:pt>
                 <c:pt idx="2">
-                  <c:v>3.0</c:v>
+                  <c:v>3</c:v>
                 </c:pt>
                 <c:pt idx="3">
-                  <c:v>4.0</c:v>
+                  <c:v>4</c:v>
                 </c:pt>
                 <c:pt idx="4">
-                  <c:v>5.0</c:v>
+                  <c:v>5</c:v>
                 </c:pt>
                 <c:pt idx="5">
-                  <c:v>6.0</c:v>
+                  <c:v>6</c:v>
                 </c:pt>
                 <c:pt idx="6">
-                  <c:v>7.0</c:v>
+                  <c:v>7</c:v>
                 </c:pt>
                 <c:pt idx="7">
-                  <c:v>8.0</c:v>
+                  <c:v>8</c:v>
                 </c:pt>
                 <c:pt idx="8">
-                  <c:v>9.0</c:v>
+                  <c:v>9</c:v>
                 </c:pt>
                 <c:pt idx="9">
-                  <c:v>10.0</c:v>
+                  <c:v>10</c:v>
                 </c:pt>
               </c:numCache>
             </c:numRef>
@@ -1171,28 +1241,28 @@
                 <c:formatCode>General</c:formatCode>
                 <c:ptCount val="10"/>
                 <c:pt idx="0">
-                  <c:v>250.0</c:v>
+                  <c:v>250</c:v>
                 </c:pt>
                 <c:pt idx="1">
-                  <c:v>532.0</c:v>
+                  <c:v>532</c:v>
                 </c:pt>
                 <c:pt idx="2">
-                  <c:v>481.0</c:v>
+                  <c:v>481</c:v>
                 </c:pt>
                 <c:pt idx="3">
                   <c:v>455.5</c:v>
                 </c:pt>
                 <c:pt idx="4">
-                  <c:v>409.0</c:v>
+                  <c:v>409</c:v>
                 </c:pt>
                 <c:pt idx="5">
-                  <c:v>368.0</c:v>
+                  <c:v>368</c:v>
                 </c:pt>
                 <c:pt idx="6">
-                  <c:v>72.0</c:v>
+                  <c:v>72</c:v>
                 </c:pt>
                 <c:pt idx="7">
-                  <c:v>38.0</c:v>
+                  <c:v>38</c:v>
                 </c:pt>
               </c:numCache>
             </c:numRef>
@@ -1297,34 +1367,34 @@
                 <c:formatCode>General</c:formatCode>
                 <c:ptCount val="10"/>
                 <c:pt idx="0">
-                  <c:v>1.0</c:v>
+                  <c:v>1</c:v>
                 </c:pt>
                 <c:pt idx="1">
-                  <c:v>2.0</c:v>
+                  <c:v>2</c:v>
                 </c:pt>
                 <c:pt idx="2">
-                  <c:v>3.0</c:v>
+                  <c:v>3</c:v>
                 </c:pt>
                 <c:pt idx="3">
-                  <c:v>4.0</c:v>
+                  <c:v>4</c:v>
                 </c:pt>
                 <c:pt idx="4">
-                  <c:v>5.0</c:v>
+                  <c:v>5</c:v>
                 </c:pt>
                 <c:pt idx="5">
-                  <c:v>6.0</c:v>
+                  <c:v>6</c:v>
                 </c:pt>
                 <c:pt idx="6">
-                  <c:v>7.0</c:v>
+                  <c:v>7</c:v>
                 </c:pt>
                 <c:pt idx="7">
-                  <c:v>8.0</c:v>
+                  <c:v>8</c:v>
                 </c:pt>
                 <c:pt idx="8">
-                  <c:v>9.0</c:v>
+                  <c:v>9</c:v>
                 </c:pt>
                 <c:pt idx="9">
-                  <c:v>10.0</c:v>
+                  <c:v>10</c:v>
                 </c:pt>
               </c:numCache>
             </c:numRef>
@@ -1336,34 +1406,34 @@
                 <c:formatCode>General</c:formatCode>
                 <c:ptCount val="10"/>
                 <c:pt idx="0">
-                  <c:v>532.0</c:v>
+                  <c:v>532</c:v>
                 </c:pt>
                 <c:pt idx="1">
-                  <c:v>479.0</c:v>
+                  <c:v>479</c:v>
                 </c:pt>
                 <c:pt idx="2">
-                  <c:v>426.0</c:v>
+                  <c:v>426</c:v>
                 </c:pt>
                 <c:pt idx="3">
-                  <c:v>373.0</c:v>
+                  <c:v>373</c:v>
                 </c:pt>
                 <c:pt idx="4">
-                  <c:v>320.0</c:v>
+                  <c:v>320</c:v>
                 </c:pt>
                 <c:pt idx="5">
-                  <c:v>267.0</c:v>
+                  <c:v>267</c:v>
                 </c:pt>
                 <c:pt idx="6">
-                  <c:v>214.0</c:v>
+                  <c:v>214</c:v>
                 </c:pt>
                 <c:pt idx="7">
-                  <c:v>161.0</c:v>
+                  <c:v>161</c:v>
                 </c:pt>
                 <c:pt idx="8">
-                  <c:v>108.0</c:v>
+                  <c:v>108</c:v>
                 </c:pt>
                 <c:pt idx="9">
-                  <c:v>55.0</c:v>
+                  <c:v>55</c:v>
                 </c:pt>
               </c:numCache>
             </c:numRef>
@@ -1384,13 +1454,12 @@
           <c:showPercent val="0"/>
           <c:showBubbleSize val="0"/>
         </c:dLbls>
-        <c:marker val="1"/>
         <c:smooth val="0"/>
-        <c:axId val="2124324952"/>
-        <c:axId val="2124331816"/>
+        <c:axId val="235760456"/>
+        <c:axId val="235760848"/>
       </c:lineChart>
       <c:catAx>
-        <c:axId val="2124324952"/>
+        <c:axId val="235760456"/>
         <c:scaling>
           <c:orientation val="minMax"/>
         </c:scaling>
@@ -1441,7 +1510,7 @@
               <c:xMode val="edge"/>
               <c:yMode val="edge"/>
               <c:x val="0.481902887139108"/>
-              <c:y val="0.903948256467942"/>
+              <c:y val="0.90394825646794197"/>
             </c:manualLayout>
           </c:layout>
           <c:overlay val="0"/>
@@ -1452,6 +1521,26 @@
             </a:ln>
             <a:effectLst/>
           </c:spPr>
+          <c:txPr>
+            <a:bodyPr rot="0" spcFirstLastPara="1" vertOverflow="ellipsis" vert="horz" wrap="square" anchor="ctr" anchorCtr="1"/>
+            <a:lstStyle/>
+            <a:p>
+              <a:pPr>
+                <a:defRPr sz="2000" b="0" i="0" u="none" strike="noStrike" kern="1200" baseline="0">
+                  <a:solidFill>
+                    <a:schemeClr val="tx1">
+                      <a:lumMod val="65000"/>
+                      <a:lumOff val="35000"/>
+                    </a:schemeClr>
+                  </a:solidFill>
+                  <a:latin typeface="+mn-lt"/>
+                  <a:ea typeface="+mn-ea"/>
+                  <a:cs typeface="+mn-cs"/>
+                </a:defRPr>
+              </a:pPr>
+              <a:endParaRPr lang="en-US"/>
+            </a:p>
+          </c:txPr>
         </c:title>
         <c:numFmt formatCode="General" sourceLinked="1"/>
         <c:majorTickMark val="none"/>
@@ -1490,7 +1579,7 @@
             <a:endParaRPr lang="en-US"/>
           </a:p>
         </c:txPr>
-        <c:crossAx val="2124331816"/>
+        <c:crossAx val="235760848"/>
         <c:crosses val="autoZero"/>
         <c:auto val="1"/>
         <c:lblAlgn val="ctr"/>
@@ -1499,7 +1588,7 @@
         <c:noMultiLvlLbl val="0"/>
       </c:catAx>
       <c:valAx>
-        <c:axId val="2124331816"/>
+        <c:axId val="235760848"/>
         <c:scaling>
           <c:orientation val="minMax"/>
         </c:scaling>
@@ -1568,8 +1657,8 @@
             <c:manualLayout>
               <c:xMode val="edge"/>
               <c:yMode val="edge"/>
-              <c:x val="0.0139707961832966"/>
-              <c:y val="0.235254875221354"/>
+              <c:x val="1.3970796183296601E-2"/>
+              <c:y val="0.23525487522135399"/>
             </c:manualLayout>
           </c:layout>
           <c:overlay val="0"/>
@@ -1580,6 +1669,40 @@
             </a:ln>
             <a:effectLst/>
           </c:spPr>
+          <c:txPr>
+            <a:bodyPr rot="-5400000" spcFirstLastPara="1" vertOverflow="ellipsis" vert="horz" wrap="square" anchor="ctr" anchorCtr="1"/>
+            <a:lstStyle/>
+            <a:p>
+              <a:pPr marL="0" marR="0" indent="0" algn="ctr" defTabSz="914400" rtl="0" eaLnBrk="1" fontAlgn="auto" latinLnBrk="0" hangingPunct="1">
+                <a:lnSpc>
+                  <a:spcPct val="100000"/>
+                </a:lnSpc>
+                <a:spcBef>
+                  <a:spcPts val="0"/>
+                </a:spcBef>
+                <a:spcAft>
+                  <a:spcPts val="0"/>
+                </a:spcAft>
+                <a:buClrTx/>
+                <a:buSzTx/>
+                <a:buFontTx/>
+                <a:buNone/>
+                <a:tabLst/>
+                <a:defRPr sz="2000" b="0" i="0" u="none" strike="noStrike" kern="1200" baseline="0">
+                  <a:solidFill>
+                    <a:sysClr val="windowText" lastClr="000000">
+                      <a:lumMod val="65000"/>
+                      <a:lumOff val="35000"/>
+                    </a:sysClr>
+                  </a:solidFill>
+                  <a:latin typeface="+mn-lt"/>
+                  <a:ea typeface="+mn-ea"/>
+                  <a:cs typeface="+mn-cs"/>
+                </a:defRPr>
+              </a:pPr>
+              <a:endParaRPr lang="en-US"/>
+            </a:p>
+          </c:txPr>
         </c:title>
         <c:numFmt formatCode="General" sourceLinked="1"/>
         <c:majorTickMark val="none"/>
@@ -1618,7 +1741,7 @@
             <a:endParaRPr lang="en-US"/>
           </a:p>
         </c:txPr>
-        <c:crossAx val="2124324952"/>
+        <c:crossAx val="235760456"/>
         <c:crosses val="autoZero"/>
         <c:crossBetween val="midCat"/>
       </c:valAx>
@@ -1636,10 +1759,10 @@
         <c:manualLayout>
           <c:xMode val="edge"/>
           <c:yMode val="edge"/>
-          <c:x val="0.0428327799897388"/>
-          <c:y val="0.914560188173199"/>
-          <c:w val="0.400445282881306"/>
-          <c:h val="0.0669647544056993"/>
+          <c:x val="4.2832779989738799E-2"/>
+          <c:y val="0.91456018817319895"/>
+          <c:w val="0.40044528288130599"/>
+          <c:h val="6.6964754405699295E-2"/>
         </c:manualLayout>
       </c:layout>
       <c:overlay val="0"/>
@@ -1692,7 +1815,7 @@
       <a:endParaRPr lang="en-US"/>
     </a:p>
   </c:txPr>
-  <c:externalData r:id="rId1">
+  <c:externalData r:id="rId3">
     <c:autoUpdate val="0"/>
   </c:externalData>
 </c:chartSpace>
@@ -2892,7 +3015,7 @@
           <a:p>
             <a:fld id="{4954C6E1-AF92-4FB7-A013-0B520EBC30AE}" type="datetimeFigureOut">
               <a:rPr lang="en-US"/>
-              <a:t>4/4/16</a:t>
+              <a:t>4/4/2016</a:t>
             </a:fld>
             <a:endParaRPr/>
           </a:p>
@@ -3058,7 +3181,7 @@
           <a:p>
             <a:fld id="{95C10850-0874-4A61-99B4-D613C5E8D9EA}" type="datetimeFigureOut">
               <a:rPr lang="en-US"/>
-              <a:t>4/4/16</a:t>
+              <a:t>4/4/2016</a:t>
             </a:fld>
             <a:endParaRPr/>
           </a:p>
@@ -3884,13 +4007,13 @@
   <p:timing>
     <p:tnLst>
       <p:par>
-        <p:cTn xmlns:p14="http://schemas.microsoft.com/office/powerpoint/2010/main" id="1" dur="indefinite" restart="never" nodeType="tmRoot"/>
+        <p:cTn id="1" dur="indefinite" restart="never" nodeType="tmRoot"/>
       </p:par>
     </p:tnLst>
   </p:timing>
   <p:extLst mod="1">
     <p:ext uri="{DCECCB84-F9BA-43D5-87BE-67443E8EF086}">
-      <p15:sldGuideLst xmlns:p15="http://schemas.microsoft.com/office/powerpoint/2012/main" xmlns="">
+      <p15:sldGuideLst xmlns:p15="http://schemas.microsoft.com/office/powerpoint/2012/main">
         <p15:guide id="1" orient="horz" pos="2160" userDrawn="1">
           <p15:clr>
             <a:srgbClr val="FBAE40"/>
@@ -4093,7 +4216,7 @@
   <p:timing>
     <p:tnLst>
       <p:par>
-        <p:cTn xmlns:p14="http://schemas.microsoft.com/office/powerpoint/2010/main" id="1" dur="indefinite" restart="never" nodeType="tmRoot"/>
+        <p:cTn id="1" dur="indefinite" restart="never" nodeType="tmRoot"/>
       </p:par>
     </p:tnLst>
   </p:timing>
@@ -4349,7 +4472,7 @@
   <p:timing>
     <p:tnLst>
       <p:par>
-        <p:cTn xmlns:p14="http://schemas.microsoft.com/office/powerpoint/2010/main" id="1" dur="indefinite" restart="never" nodeType="tmRoot"/>
+        <p:cTn id="1" dur="indefinite" restart="never" nodeType="tmRoot"/>
       </p:par>
     </p:tnLst>
   </p:timing>
@@ -4542,7 +4665,7 @@
   <p:timing>
     <p:tnLst>
       <p:par>
-        <p:cTn xmlns:p14="http://schemas.microsoft.com/office/powerpoint/2010/main" id="1" dur="indefinite" restart="never" nodeType="tmRoot"/>
+        <p:cTn id="1" dur="indefinite" restart="never" nodeType="tmRoot"/>
       </p:par>
     </p:tnLst>
   </p:timing>
@@ -4920,7 +5043,7 @@
   <p:timing>
     <p:tnLst>
       <p:par>
-        <p:cTn xmlns:p14="http://schemas.microsoft.com/office/powerpoint/2010/main" id="1" dur="indefinite" restart="never" nodeType="tmRoot"/>
+        <p:cTn id="1" dur="indefinite" restart="never" nodeType="tmRoot"/>
       </p:par>
     </p:tnLst>
   </p:timing>
@@ -5231,7 +5354,7 @@
   <p:timing>
     <p:tnLst>
       <p:par>
-        <p:cTn xmlns:p14="http://schemas.microsoft.com/office/powerpoint/2010/main" id="1" dur="indefinite" restart="never" nodeType="tmRoot"/>
+        <p:cTn id="1" dur="indefinite" restart="never" nodeType="tmRoot"/>
       </p:par>
     </p:tnLst>
   </p:timing>
@@ -5676,7 +5799,7 @@
   <p:timing>
     <p:tnLst>
       <p:par>
-        <p:cTn xmlns:p14="http://schemas.microsoft.com/office/powerpoint/2010/main" id="1" dur="indefinite" restart="never" nodeType="tmRoot"/>
+        <p:cTn id="1" dur="indefinite" restart="never" nodeType="tmRoot"/>
       </p:par>
     </p:tnLst>
   </p:timing>
@@ -5817,7 +5940,7 @@
   <p:timing>
     <p:tnLst>
       <p:par>
-        <p:cTn xmlns:p14="http://schemas.microsoft.com/office/powerpoint/2010/main" id="1" dur="indefinite" restart="never" nodeType="tmRoot"/>
+        <p:cTn id="1" dur="indefinite" restart="never" nodeType="tmRoot"/>
       </p:par>
     </p:tnLst>
   </p:timing>
@@ -5936,7 +6059,7 @@
   <p:timing>
     <p:tnLst>
       <p:par>
-        <p:cTn xmlns:p14="http://schemas.microsoft.com/office/powerpoint/2010/main" id="1" dur="indefinite" restart="never" nodeType="tmRoot"/>
+        <p:cTn id="1" dur="indefinite" restart="never" nodeType="tmRoot"/>
       </p:par>
     </p:tnLst>
   </p:timing>
@@ -6233,7 +6356,7 @@
   <p:timing>
     <p:tnLst>
       <p:par>
-        <p:cTn xmlns:p14="http://schemas.microsoft.com/office/powerpoint/2010/main" id="1" dur="indefinite" restart="never" nodeType="tmRoot"/>
+        <p:cTn id="1" dur="indefinite" restart="never" nodeType="tmRoot"/>
       </p:par>
     </p:tnLst>
   </p:timing>
@@ -6522,7 +6645,7 @@
   <p:timing>
     <p:tnLst>
       <p:par>
-        <p:cTn xmlns:p14="http://schemas.microsoft.com/office/powerpoint/2010/main" id="1" dur="indefinite" restart="never" nodeType="tmRoot"/>
+        <p:cTn id="1" dur="indefinite" restart="never" nodeType="tmRoot"/>
       </p:par>
     </p:tnLst>
   </p:timing>
@@ -6838,7 +6961,7 @@
   <p:timing>
     <p:tnLst>
       <p:par>
-        <p:cTn xmlns:p14="http://schemas.microsoft.com/office/powerpoint/2010/main" id="1" dur="indefinite" restart="never" nodeType="tmRoot"/>
+        <p:cTn id="1" dur="indefinite" restart="never" nodeType="tmRoot"/>
       </p:par>
     </p:tnLst>
   </p:timing>
@@ -7528,7 +7651,7 @@
   <p:timing>
     <p:tnLst>
       <p:par>
-        <p:cTn xmlns:p14="http://schemas.microsoft.com/office/powerpoint/2010/main" id="1" dur="indefinite" restart="never" nodeType="tmRoot"/>
+        <p:cTn id="1" dur="indefinite" restart="never" nodeType="tmRoot"/>
       </p:par>
     </p:tnLst>
   </p:timing>
@@ -7583,53 +7706,53 @@
             <a:spLocks noGrp="1"/>
           </p:cNvSpPr>
           <p:nvPr>
-            <p:ph idx="1"/>
-          </p:nvPr>
-        </p:nvSpPr>
-        <p:spPr/>
-        <p:txBody>
-          <a:bodyPr/>
-          <a:lstStyle/>
-          <a:p>
+            <p:ph sz="half" idx="1"/>
+          </p:nvPr>
+        </p:nvSpPr>
+        <p:spPr>
+          <a:xfrm>
+            <a:off x="303212" y="2011680"/>
+            <a:ext cx="5655460" cy="4206240"/>
+          </a:xfrm>
+        </p:spPr>
+        <p:txBody>
+          <a:bodyPr>
+            <a:normAutofit/>
+          </a:bodyPr>
+          <a:lstStyle/>
+          <a:p>
+            <a:r>
+              <a:rPr lang="en-US" sz="3600" i="1" dirty="0" smtClean="0"/>
+              <a:t>Good</a:t>
+            </a:r>
+            <a:endParaRPr lang="en-US" sz="3200" i="1" dirty="0" smtClean="0"/>
+          </a:p>
+          <a:p>
+            <a:pPr lvl="1"/>
             <a:r>
               <a:rPr lang="en-US" sz="3200" dirty="0" smtClean="0"/>
-              <a:t>Good:</a:t>
-            </a:r>
+              <a:t>Met all of client’s requirements</a:t>
+            </a:r>
+            <a:endParaRPr lang="en-US" sz="3200" dirty="0" smtClean="0"/>
           </a:p>
           <a:p>
             <a:pPr lvl="1"/>
             <a:r>
               <a:rPr lang="en-US" sz="3200" dirty="0" smtClean="0"/>
-              <a:t>Completed our project fully.</a:t>
+              <a:t>Learned </a:t>
+            </a:r>
+            <a:r>
+              <a:rPr lang="en-US" sz="3200" dirty="0" smtClean="0"/>
+              <a:t>to develop with modern web frameworks</a:t>
             </a:r>
           </a:p>
           <a:p>
             <a:pPr lvl="1"/>
             <a:r>
               <a:rPr lang="en-US" sz="3200" dirty="0" smtClean="0"/>
-              <a:t>Learned some great technologies on the way.</a:t>
-            </a:r>
-          </a:p>
-          <a:p>
-            <a:pPr lvl="1"/>
+              <a:t>Acquired an intimate understanding of git version control</a:t>
+            </a:r>
             <a:endParaRPr lang="en-US" sz="3200" dirty="0"/>
-          </a:p>
-          <a:p>
-            <a:pPr lvl="1"/>
-            <a:endParaRPr lang="en-US" sz="3200" dirty="0"/>
-          </a:p>
-          <a:p>
-            <a:r>
-              <a:rPr lang="en-US" sz="3200" dirty="0" smtClean="0"/>
-              <a:t>Bad:</a:t>
-            </a:r>
-          </a:p>
-          <a:p>
-            <a:pPr lvl="1"/>
-            <a:r>
-              <a:rPr lang="en-US" sz="3200" dirty="0" smtClean="0"/>
-              <a:t>We wish we had longer to work on it!</a:t>
-            </a:r>
           </a:p>
           <a:p>
             <a:pPr marL="228532" lvl="1" indent="0">
@@ -7640,6 +7763,62 @@
           <a:p>
             <a:pPr lvl="1"/>
             <a:endParaRPr lang="en-US" dirty="0"/>
+          </a:p>
+        </p:txBody>
+      </p:sp>
+      <p:sp>
+        <p:nvSpPr>
+          <p:cNvPr id="7" name="Content Placeholder 6"/>
+          <p:cNvSpPr>
+            <a:spLocks noGrp="1"/>
+          </p:cNvSpPr>
+          <p:nvPr>
+            <p:ph sz="half" idx="2"/>
+          </p:nvPr>
+        </p:nvSpPr>
+        <p:spPr>
+          <a:xfrm>
+            <a:off x="6228768" y="2011680"/>
+            <a:ext cx="5580644" cy="4206240"/>
+          </a:xfrm>
+        </p:spPr>
+        <p:txBody>
+          <a:bodyPr>
+            <a:normAutofit/>
+          </a:bodyPr>
+          <a:lstStyle/>
+          <a:p>
+            <a:r>
+              <a:rPr lang="en-US" sz="3600" i="1" dirty="0" smtClean="0"/>
+              <a:t>Bad</a:t>
+            </a:r>
+          </a:p>
+          <a:p>
+            <a:pPr lvl="1"/>
+            <a:r>
+              <a:rPr lang="en-US" sz="3200" dirty="0" smtClean="0"/>
+              <a:t>Better time estimation</a:t>
+            </a:r>
+          </a:p>
+          <a:p>
+            <a:pPr lvl="3"/>
+            <a:r>
+              <a:rPr lang="en-US" sz="2801" smtClean="0"/>
+              <a:t>Burndown spikes and dives</a:t>
+            </a:r>
+            <a:endParaRPr lang="en-US" sz="2801" dirty="0"/>
+          </a:p>
+          <a:p>
+            <a:pPr lvl="1"/>
+            <a:r>
+              <a:rPr lang="en-US" sz="3200" dirty="0"/>
+              <a:t>We wish we had longer to work on it</a:t>
+            </a:r>
+            <a:r>
+              <a:rPr lang="en-US" sz="3200" dirty="0" smtClean="0"/>
+              <a:t>!</a:t>
+            </a:r>
+            <a:endParaRPr lang="en-US" sz="3200" dirty="0"/>
           </a:p>
         </p:txBody>
       </p:sp>
@@ -7737,7 +7916,7 @@
   <p:timing>
     <p:tnLst>
       <p:par>
-        <p:cTn xmlns:p14="http://schemas.microsoft.com/office/powerpoint/2010/main" id="1" dur="indefinite" restart="never" nodeType="tmRoot"/>
+        <p:cTn id="1" dur="indefinite" restart="never" nodeType="tmRoot"/>
       </p:par>
     </p:tnLst>
   </p:timing>
@@ -7886,7 +8065,7 @@
   <p:timing>
     <p:tnLst>
       <p:par>
-        <p:cTn xmlns:p14="http://schemas.microsoft.com/office/powerpoint/2010/main" id="1" dur="indefinite" restart="never" nodeType="tmRoot"/>
+        <p:cTn id="1" dur="indefinite" restart="never" nodeType="tmRoot"/>
       </p:par>
     </p:tnLst>
   </p:timing>
@@ -8086,7 +8265,7 @@
   <p:timing>
     <p:tnLst>
       <p:par>
-        <p:cTn xmlns:p14="http://schemas.microsoft.com/office/powerpoint/2010/main" id="1" dur="indefinite" restart="never" nodeType="tmRoot"/>
+        <p:cTn id="1" dur="indefinite" restart="never" nodeType="tmRoot"/>
       </p:par>
     </p:tnLst>
   </p:timing>
@@ -8167,8 +8346,13 @@
             </a:pPr>
             <a:r>
               <a:rPr lang="en-US" sz="2400" dirty="0" smtClean="0"/>
-              <a:t>Our client wanted a platform in which he could reliably use to find buggy potions of code in a repository. He then wanted to use this to better predict and prevent bugs from happening in the future.</a:t>
-            </a:r>
+              <a:t>Our client </a:t>
+            </a:r>
+            <a:r>
+              <a:rPr lang="en-US" sz="2400" dirty="0" smtClean="0"/>
+              <a:t>requested a platform that could be used to detect unstable and potentially buggy areas of code within a repository. With export capabilities, the data could also be analyzed to detect trends and to better predict troublesome code.</a:t>
+            </a:r>
+            <a:endParaRPr lang="en-US" sz="2400" dirty="0" smtClean="0"/>
           </a:p>
           <a:p>
             <a:pPr lvl="1"/>
@@ -8364,7 +8548,7 @@
   <p:timing>
     <p:tnLst>
       <p:par>
-        <p:cTn xmlns:p14="http://schemas.microsoft.com/office/powerpoint/2010/main" id="1" dur="indefinite" restart="never" nodeType="tmRoot"/>
+        <p:cTn id="1" dur="indefinite" restart="never" nodeType="tmRoot"/>
       </p:par>
     </p:tnLst>
   </p:timing>
@@ -8541,7 +8725,7 @@
   <p:timing>
     <p:tnLst>
       <p:par>
-        <p:cTn xmlns:p14="http://schemas.microsoft.com/office/powerpoint/2010/main" id="1" dur="indefinite" restart="never" nodeType="tmRoot"/>
+        <p:cTn id="1" dur="indefinite" restart="never" nodeType="tmRoot"/>
       </p:par>
     </p:tnLst>
   </p:timing>
@@ -8688,7 +8872,7 @@
   <p:timing>
     <p:tnLst>
       <p:par>
-        <p:cTn xmlns:p14="http://schemas.microsoft.com/office/powerpoint/2010/main" id="1" dur="indefinite" restart="never" nodeType="tmRoot"/>
+        <p:cTn id="1" dur="indefinite" restart="never" nodeType="tmRoot"/>
       </p:par>
     </p:tnLst>
   </p:timing>
@@ -8989,15 +9173,7 @@
             </a:pPr>
             <a:r>
               <a:rPr lang="en-US" sz="4000" dirty="0" smtClean="0"/>
-              <a:t>Clone a public </a:t>
-            </a:r>
-            <a:r>
-              <a:rPr lang="en-US" sz="4000" dirty="0" err="1" smtClean="0"/>
-              <a:t>git</a:t>
-            </a:r>
-            <a:r>
-              <a:rPr lang="en-US" sz="4000" dirty="0" smtClean="0"/>
-              <a:t> based repository</a:t>
+              <a:t>Clone a public git based repository</a:t>
             </a:r>
           </a:p>
           <a:p>
@@ -9027,8 +9203,13 @@
             </a:pPr>
             <a:r>
               <a:rPr lang="en-US" sz="4000" dirty="0" smtClean="0"/>
-              <a:t>Export metrics to an excel file</a:t>
-            </a:r>
+              <a:t>Export metrics to </a:t>
+            </a:r>
+            <a:r>
+              <a:rPr lang="en-US" sz="4000" dirty="0" smtClean="0"/>
+              <a:t>a CSV file</a:t>
+            </a:r>
+            <a:endParaRPr lang="en-US" sz="4000" dirty="0" smtClean="0"/>
           </a:p>
         </p:txBody>
       </p:sp>
@@ -9385,7 +9566,7 @@
   <p:timing>
     <p:tnLst>
       <p:par>
-        <p:cTn xmlns:p14="http://schemas.microsoft.com/office/powerpoint/2010/main" id="1" dur="indefinite" restart="never" nodeType="tmRoot"/>
+        <p:cTn id="1" dur="indefinite" restart="never" nodeType="tmRoot"/>
       </p:par>
     </p:tnLst>
   </p:timing>
@@ -9552,7 +9733,7 @@
   <p:timing>
     <p:tnLst>
       <p:par>
-        <p:cTn xmlns:p14="http://schemas.microsoft.com/office/powerpoint/2010/main" id="1" dur="indefinite" restart="never" nodeType="tmRoot"/>
+        <p:cTn id="1" dur="indefinite" restart="never" nodeType="tmRoot"/>
       </p:par>
     </p:tnLst>
   </p:timing>
@@ -9815,7 +9996,7 @@
   <a:extraClrSchemeLst/>
   <a:extLst>
     <a:ext uri="{05A4C25C-085E-4340-85A3-A5531E510DB2}">
-      <thm15:themeFamily xmlns:thm15="http://schemas.microsoft.com/office/thememl/2012/main" xmlns="" name="Banded" id="{98DFF888-2449-4D28-977C-6306C017633E}" vid="{B7CF026C-957E-4F4E-893C-D02C23AB6317}"/>
+      <thm15:themeFamily xmlns:thm15="http://schemas.microsoft.com/office/thememl/2012/main" name="Banded" id="{98DFF888-2449-4D28-977C-6306C017633E}" vid="{B7CF026C-957E-4F4E-893C-D02C23AB6317}"/>
     </a:ext>
   </a:extLst>
 </a:theme>

--- a/Documentation/Presentations/CS499 Final Presentation.pptx
+++ b/Documentation/Presentations/CS499 Final Presentation.pptx
@@ -5,23 +5,22 @@
     <p:sldMasterId id="2147483808" r:id="rId2"/>
   </p:sldMasterIdLst>
   <p:notesMasterIdLst>
-    <p:notesMasterId r:id="rId14"/>
+    <p:notesMasterId r:id="rId13"/>
   </p:notesMasterIdLst>
   <p:handoutMasterIdLst>
-    <p:handoutMasterId r:id="rId15"/>
+    <p:handoutMasterId r:id="rId14"/>
   </p:handoutMasterIdLst>
   <p:sldIdLst>
     <p:sldId id="259" r:id="rId3"/>
-    <p:sldId id="260" r:id="rId4"/>
-    <p:sldId id="280" r:id="rId5"/>
-    <p:sldId id="266" r:id="rId6"/>
-    <p:sldId id="284" r:id="rId7"/>
-    <p:sldId id="282" r:id="rId8"/>
-    <p:sldId id="281" r:id="rId9"/>
-    <p:sldId id="270" r:id="rId10"/>
-    <p:sldId id="283" r:id="rId11"/>
-    <p:sldId id="271" r:id="rId12"/>
-    <p:sldId id="278" r:id="rId13"/>
+    <p:sldId id="280" r:id="rId4"/>
+    <p:sldId id="266" r:id="rId5"/>
+    <p:sldId id="284" r:id="rId6"/>
+    <p:sldId id="282" r:id="rId7"/>
+    <p:sldId id="281" r:id="rId8"/>
+    <p:sldId id="270" r:id="rId9"/>
+    <p:sldId id="283" r:id="rId10"/>
+    <p:sldId id="271" r:id="rId11"/>
+    <p:sldId id="278" r:id="rId12"/>
   </p:sldIdLst>
   <p:sldSz cx="12188825" cy="6858000"/>
   <p:notesSz cx="6858000" cy="9144000"/>
@@ -603,8 +602,8 @@
         </c:dLbls>
         <c:gapWidth val="150"/>
         <c:overlap val="100"/>
-        <c:axId val="235434680"/>
-        <c:axId val="235431544"/>
+        <c:axId val="-2108980048"/>
+        <c:axId val="-2108981680"/>
       </c:barChart>
       <c:lineChart>
         <c:grouping val="standard"/>
@@ -731,11 +730,11 @@
         </c:dLbls>
         <c:marker val="1"/>
         <c:smooth val="0"/>
-        <c:axId val="235434680"/>
-        <c:axId val="235431544"/>
+        <c:axId val="-2108980048"/>
+        <c:axId val="-2108981680"/>
       </c:lineChart>
       <c:catAx>
-        <c:axId val="235434680"/>
+        <c:axId val="-2108980048"/>
         <c:scaling>
           <c:orientation val="minMax"/>
         </c:scaling>
@@ -834,7 +833,7 @@
             <a:endParaRPr lang="en-US"/>
           </a:p>
         </c:txPr>
-        <c:crossAx val="235431544"/>
+        <c:crossAx val="-2108981680"/>
         <c:crosses val="autoZero"/>
         <c:auto val="0"/>
         <c:lblAlgn val="ctr"/>
@@ -842,7 +841,7 @@
         <c:noMultiLvlLbl val="0"/>
       </c:catAx>
       <c:valAx>
-        <c:axId val="235431544"/>
+        <c:axId val="-2108981680"/>
         <c:scaling>
           <c:orientation val="minMax"/>
         </c:scaling>
@@ -953,7 +952,7 @@
             <a:endParaRPr lang="en-US"/>
           </a:p>
         </c:txPr>
-        <c:crossAx val="235434680"/>
+        <c:crossAx val="-2108980048"/>
         <c:crosses val="autoZero"/>
         <c:crossBetween val="between"/>
       </c:valAx>
@@ -1455,11 +1454,11 @@
           <c:showBubbleSize val="0"/>
         </c:dLbls>
         <c:smooth val="0"/>
-        <c:axId val="235760456"/>
-        <c:axId val="235760848"/>
+        <c:axId val="-2066785088"/>
+        <c:axId val="-2066784544"/>
       </c:lineChart>
       <c:catAx>
-        <c:axId val="235760456"/>
+        <c:axId val="-2066785088"/>
         <c:scaling>
           <c:orientation val="minMax"/>
         </c:scaling>
@@ -1579,7 +1578,7 @@
             <a:endParaRPr lang="en-US"/>
           </a:p>
         </c:txPr>
-        <c:crossAx val="235760848"/>
+        <c:crossAx val="-2066784544"/>
         <c:crosses val="autoZero"/>
         <c:auto val="1"/>
         <c:lblAlgn val="ctr"/>
@@ -1588,7 +1587,7 @@
         <c:noMultiLvlLbl val="0"/>
       </c:catAx>
       <c:valAx>
-        <c:axId val="235760848"/>
+        <c:axId val="-2066784544"/>
         <c:scaling>
           <c:orientation val="minMax"/>
         </c:scaling>
@@ -1741,7 +1740,7 @@
             <a:endParaRPr lang="en-US"/>
           </a:p>
         </c:txPr>
-        <c:crossAx val="235760456"/>
+        <c:crossAx val="-2066785088"/>
         <c:crosses val="autoZero"/>
         <c:crossBetween val="midCat"/>
       </c:valAx>
@@ -3015,7 +3014,7 @@
           <a:p>
             <a:fld id="{4954C6E1-AF92-4FB7-A013-0B520EBC30AE}" type="datetimeFigureOut">
               <a:rPr lang="en-US"/>
-              <a:t>4/4/2016</a:t>
+              <a:t>04/04/2016</a:t>
             </a:fld>
             <a:endParaRPr/>
           </a:p>
@@ -3181,7 +3180,7 @@
           <a:p>
             <a:fld id="{95C10850-0874-4A61-99B4-D613C5E8D9EA}" type="datetimeFigureOut">
               <a:rPr lang="en-US"/>
-              <a:t>4/4/2016</a:t>
+              <a:t>04/04/2016</a:t>
             </a:fld>
             <a:endParaRPr/>
           </a:p>
@@ -3599,90 +3598,6 @@
             <a:fld id="{9E11EC53-F507-411E-9ADC-FBCFECE09D3D}" type="slidenum">
               <a:rPr lang="en-US" smtClean="0"/>
               <a:t>2</a:t>
-            </a:fld>
-            <a:endParaRPr lang="en-US"/>
-          </a:p>
-        </p:txBody>
-      </p:sp>
-    </p:spTree>
-    <p:extLst>
-      <p:ext uri="{BB962C8B-B14F-4D97-AF65-F5344CB8AC3E}">
-        <p14:creationId xmlns:p14="http://schemas.microsoft.com/office/powerpoint/2010/main" val="1822422118"/>
-      </p:ext>
-    </p:extLst>
-  </p:cSld>
-  <p:clrMapOvr>
-    <a:masterClrMapping/>
-  </p:clrMapOvr>
-</p:notes>
-</file>
-
-<file path=ppt/notesSlides/notesSlide3.xml><?xml version="1.0" encoding="utf-8"?>
-<p:notes xmlns:a="http://schemas.openxmlformats.org/drawingml/2006/main" xmlns:r="http://schemas.openxmlformats.org/officeDocument/2006/relationships" xmlns:p="http://schemas.openxmlformats.org/presentationml/2006/main">
-  <p:cSld>
-    <p:spTree>
-      <p:nvGrpSpPr>
-        <p:cNvPr id="1" name=""/>
-        <p:cNvGrpSpPr/>
-        <p:nvPr/>
-      </p:nvGrpSpPr>
-      <p:grpSpPr>
-        <a:xfrm>
-          <a:off x="0" y="0"/>
-          <a:ext cx="0" cy="0"/>
-          <a:chOff x="0" y="0"/>
-          <a:chExt cx="0" cy="0"/>
-        </a:xfrm>
-      </p:grpSpPr>
-      <p:sp>
-        <p:nvSpPr>
-          <p:cNvPr id="2" name="Slide Image Placeholder 1"/>
-          <p:cNvSpPr>
-            <a:spLocks noGrp="1" noRot="1" noChangeAspect="1"/>
-          </p:cNvSpPr>
-          <p:nvPr>
-            <p:ph type="sldImg"/>
-          </p:nvPr>
-        </p:nvSpPr>
-        <p:spPr/>
-      </p:sp>
-      <p:sp>
-        <p:nvSpPr>
-          <p:cNvPr id="3" name="Notes Placeholder 2"/>
-          <p:cNvSpPr>
-            <a:spLocks noGrp="1"/>
-          </p:cNvSpPr>
-          <p:nvPr>
-            <p:ph type="body" idx="1"/>
-          </p:nvPr>
-        </p:nvSpPr>
-        <p:spPr/>
-        <p:txBody>
-          <a:bodyPr/>
-          <a:lstStyle/>
-          <a:p>
-            <a:endParaRPr lang="en-US"/>
-          </a:p>
-        </p:txBody>
-      </p:sp>
-      <p:sp>
-        <p:nvSpPr>
-          <p:cNvPr id="4" name="Slide Number Placeholder 3"/>
-          <p:cNvSpPr>
-            <a:spLocks noGrp="1"/>
-          </p:cNvSpPr>
-          <p:nvPr>
-            <p:ph type="sldNum" sz="quarter" idx="10"/>
-          </p:nvPr>
-        </p:nvSpPr>
-        <p:spPr/>
-        <p:txBody>
-          <a:bodyPr/>
-          <a:lstStyle/>
-          <a:p>
-            <a:fld id="{9E11EC53-F507-411E-9ADC-FBCFECE09D3D}" type="slidenum">
-              <a:rPr lang="en-US" smtClean="0"/>
-              <a:t>3</a:t>
             </a:fld>
             <a:endParaRPr lang="en-US"/>
           </a:p>
@@ -7677,12 +7592,12 @@
       </p:grpSpPr>
       <p:sp>
         <p:nvSpPr>
-          <p:cNvPr id="2" name="Title 1"/>
-          <p:cNvSpPr>
-            <a:spLocks noGrp="1"/>
-          </p:cNvSpPr>
-          <p:nvPr>
-            <p:ph type="title"/>
+          <p:cNvPr id="4" name="Date Placeholder 3"/>
+          <p:cNvSpPr>
+            <a:spLocks noGrp="1"/>
+          </p:cNvSpPr>
+          <p:nvPr>
+            <p:ph type="dt" sz="half" idx="10"/>
           </p:nvPr>
         </p:nvSpPr>
         <p:spPr/>
@@ -7690,146 +7605,22 @@
           <a:bodyPr/>
           <a:lstStyle/>
           <a:p>
-            <a:pPr algn="ctr"/>
-            <a:r>
-              <a:rPr lang="en-US" dirty="0" smtClean="0"/>
-              <a:t>Post-Mortem/Key Take Away/ not Accomplished</a:t>
-            </a:r>
-            <a:endParaRPr lang="en-US" dirty="0"/>
-          </a:p>
-        </p:txBody>
-      </p:sp>
-      <p:sp>
-        <p:nvSpPr>
-          <p:cNvPr id="3" name="Content Placeholder 2"/>
-          <p:cNvSpPr>
-            <a:spLocks noGrp="1"/>
-          </p:cNvSpPr>
-          <p:nvPr>
-            <p:ph sz="half" idx="1"/>
-          </p:nvPr>
-        </p:nvSpPr>
-        <p:spPr>
-          <a:xfrm>
-            <a:off x="303212" y="2011680"/>
-            <a:ext cx="5655460" cy="4206240"/>
-          </a:xfrm>
-        </p:spPr>
-        <p:txBody>
-          <a:bodyPr>
-            <a:normAutofit/>
-          </a:bodyPr>
-          <a:lstStyle/>
-          <a:p>
-            <a:r>
-              <a:rPr lang="en-US" sz="3600" i="1" dirty="0" smtClean="0"/>
-              <a:t>Good</a:t>
-            </a:r>
-            <a:endParaRPr lang="en-US" sz="3200" i="1" dirty="0" smtClean="0"/>
-          </a:p>
-          <a:p>
-            <a:pPr lvl="1"/>
-            <a:r>
-              <a:rPr lang="en-US" sz="3200" dirty="0" smtClean="0"/>
-              <a:t>Met all of client’s requirements</a:t>
-            </a:r>
-            <a:endParaRPr lang="en-US" sz="3200" dirty="0" smtClean="0"/>
-          </a:p>
-          <a:p>
-            <a:pPr lvl="1"/>
-            <a:r>
-              <a:rPr lang="en-US" sz="3200" dirty="0" smtClean="0"/>
-              <a:t>Learned </a:t>
-            </a:r>
-            <a:r>
-              <a:rPr lang="en-US" sz="3200" dirty="0" smtClean="0"/>
-              <a:t>to develop with modern web frameworks</a:t>
-            </a:r>
-          </a:p>
-          <a:p>
-            <a:pPr lvl="1"/>
-            <a:r>
-              <a:rPr lang="en-US" sz="3200" dirty="0" smtClean="0"/>
-              <a:t>Acquired an intimate understanding of git version control</a:t>
-            </a:r>
-            <a:endParaRPr lang="en-US" sz="3200" dirty="0"/>
-          </a:p>
-          <a:p>
-            <a:pPr marL="228532" lvl="1" indent="0">
-              <a:buNone/>
-            </a:pPr>
-            <a:endParaRPr lang="en-US" dirty="0" smtClean="0"/>
-          </a:p>
-          <a:p>
-            <a:pPr lvl="1"/>
-            <a:endParaRPr lang="en-US" dirty="0"/>
-          </a:p>
-        </p:txBody>
-      </p:sp>
-      <p:sp>
-        <p:nvSpPr>
-          <p:cNvPr id="7" name="Content Placeholder 6"/>
-          <p:cNvSpPr>
-            <a:spLocks noGrp="1"/>
-          </p:cNvSpPr>
-          <p:nvPr>
-            <p:ph sz="half" idx="2"/>
-          </p:nvPr>
-        </p:nvSpPr>
-        <p:spPr>
-          <a:xfrm>
-            <a:off x="6228768" y="2011680"/>
-            <a:ext cx="5580644" cy="4206240"/>
-          </a:xfrm>
-        </p:spPr>
-        <p:txBody>
-          <a:bodyPr>
-            <a:normAutofit/>
-          </a:bodyPr>
-          <a:lstStyle/>
-          <a:p>
-            <a:r>
-              <a:rPr lang="en-US" sz="3600" i="1" dirty="0" smtClean="0"/>
-              <a:t>Bad</a:t>
-            </a:r>
-          </a:p>
-          <a:p>
-            <a:pPr lvl="1"/>
-            <a:r>
-              <a:rPr lang="en-US" sz="3200" dirty="0" smtClean="0"/>
-              <a:t>Better time estimation</a:t>
-            </a:r>
-          </a:p>
-          <a:p>
-            <a:pPr lvl="3"/>
-            <a:r>
-              <a:rPr lang="en-US" sz="2801" smtClean="0"/>
-              <a:t>Burndown spikes and dives</a:t>
-            </a:r>
-            <a:endParaRPr lang="en-US" sz="2801" dirty="0"/>
-          </a:p>
-          <a:p>
-            <a:pPr lvl="1"/>
-            <a:r>
-              <a:rPr lang="en-US" sz="3200" dirty="0"/>
-              <a:t>We wish we had longer to work on it</a:t>
-            </a:r>
-            <a:r>
-              <a:rPr lang="en-US" sz="3200" dirty="0" smtClean="0"/>
-              <a:t>!</a:t>
-            </a:r>
-            <a:endParaRPr lang="en-US" sz="3200" dirty="0"/>
-          </a:p>
-        </p:txBody>
-      </p:sp>
-      <p:sp>
-        <p:nvSpPr>
-          <p:cNvPr id="4" name="Date Placeholder 3"/>
-          <p:cNvSpPr>
-            <a:spLocks noGrp="1"/>
-          </p:cNvSpPr>
-          <p:nvPr>
-            <p:ph type="dt" sz="half" idx="10"/>
+            <a:r>
+              <a:rPr lang="en-US" sz="1200" smtClean="0"/>
+              <a:t>04/15/2016</a:t>
+            </a:r>
+            <a:endParaRPr lang="en-US" sz="1200" dirty="0"/>
+          </a:p>
+        </p:txBody>
+      </p:sp>
+      <p:sp>
+        <p:nvSpPr>
+          <p:cNvPr id="5" name="Footer Placeholder 4"/>
+          <p:cNvSpPr>
+            <a:spLocks noGrp="1"/>
+          </p:cNvSpPr>
+          <p:nvPr>
+            <p:ph type="ftr" sz="quarter" idx="11"/>
           </p:nvPr>
         </p:nvSpPr>
         <p:spPr/>
@@ -7839,7 +7630,7 @@
           <a:p>
             <a:r>
               <a:rPr lang="en-US" sz="1200" smtClean="0"/>
-              <a:t>04/15/2016</a:t>
+              <a:t>CS499 Team Hotspotter</a:t>
             </a:r>
             <a:endParaRPr lang="en-US" sz="1200" dirty="0"/>
           </a:p>
@@ -7847,12 +7638,12 @@
       </p:sp>
       <p:sp>
         <p:nvSpPr>
-          <p:cNvPr id="5" name="Footer Placeholder 4"/>
-          <p:cNvSpPr>
-            <a:spLocks noGrp="1"/>
-          </p:cNvSpPr>
-          <p:nvPr>
-            <p:ph type="ftr" sz="quarter" idx="11"/>
+          <p:cNvPr id="6" name="Slide Number Placeholder 5"/>
+          <p:cNvSpPr>
+            <a:spLocks noGrp="1"/>
+          </p:cNvSpPr>
+          <p:nvPr>
+            <p:ph type="sldNum" sz="quarter" idx="12"/>
           </p:nvPr>
         </p:nvSpPr>
         <p:spPr/>
@@ -7860,150 +7651,9 @@
           <a:bodyPr/>
           <a:lstStyle/>
           <a:p>
-            <a:r>
-              <a:rPr lang="en-US" sz="1200" smtClean="0"/>
-              <a:t>CS499 Team Hotspotter</a:t>
-            </a:r>
-            <a:endParaRPr lang="en-US" sz="1200" dirty="0"/>
-          </a:p>
-        </p:txBody>
-      </p:sp>
-      <p:sp>
-        <p:nvSpPr>
-          <p:cNvPr id="6" name="Slide Number Placeholder 5"/>
-          <p:cNvSpPr>
-            <a:spLocks noGrp="1"/>
-          </p:cNvSpPr>
-          <p:nvPr>
-            <p:ph type="sldNum" sz="quarter" idx="12"/>
-          </p:nvPr>
-        </p:nvSpPr>
-        <p:spPr/>
-        <p:txBody>
-          <a:bodyPr/>
-          <a:lstStyle/>
-          <a:p>
             <a:fld id="{E5FD5434-F838-4DD4-A17B-1CB1A1850DF4}" type="slidenum">
               <a:rPr lang="en-US" smtClean="0"/>
               <a:t>10</a:t>
-            </a:fld>
-            <a:endParaRPr lang="en-US"/>
-          </a:p>
-        </p:txBody>
-      </p:sp>
-    </p:spTree>
-    <p:extLst>
-      <p:ext uri="{BB962C8B-B14F-4D97-AF65-F5344CB8AC3E}">
-        <p14:creationId xmlns:p14="http://schemas.microsoft.com/office/powerpoint/2010/main" val="3671086265"/>
-      </p:ext>
-    </p:extLst>
-  </p:cSld>
-  <p:clrMapOvr>
-    <a:masterClrMapping/>
-  </p:clrMapOvr>
-  <mc:AlternateContent xmlns:mc="http://schemas.openxmlformats.org/markup-compatibility/2006" xmlns:p14="http://schemas.microsoft.com/office/powerpoint/2010/main">
-    <mc:Choice Requires="p14">
-      <p:transition spd="med" p14:dur="700">
-        <p:fade/>
-      </p:transition>
-    </mc:Choice>
-    <mc:Fallback xmlns="">
-      <p:transition spd="med">
-        <p:fade/>
-      </p:transition>
-    </mc:Fallback>
-  </mc:AlternateContent>
-  <p:timing>
-    <p:tnLst>
-      <p:par>
-        <p:cTn id="1" dur="indefinite" restart="never" nodeType="tmRoot"/>
-      </p:par>
-    </p:tnLst>
-  </p:timing>
-</p:sld>
-</file>
-
-<file path=ppt/slides/slide11.xml><?xml version="1.0" encoding="utf-8"?>
-<p:sld xmlns:a="http://schemas.openxmlformats.org/drawingml/2006/main" xmlns:r="http://schemas.openxmlformats.org/officeDocument/2006/relationships" xmlns:p="http://schemas.openxmlformats.org/presentationml/2006/main">
-  <p:cSld>
-    <p:spTree>
-      <p:nvGrpSpPr>
-        <p:cNvPr id="1" name=""/>
-        <p:cNvGrpSpPr/>
-        <p:nvPr/>
-      </p:nvGrpSpPr>
-      <p:grpSpPr>
-        <a:xfrm>
-          <a:off x="0" y="0"/>
-          <a:ext cx="0" cy="0"/>
-          <a:chOff x="0" y="0"/>
-          <a:chExt cx="0" cy="0"/>
-        </a:xfrm>
-      </p:grpSpPr>
-      <p:sp>
-        <p:nvSpPr>
-          <p:cNvPr id="4" name="Date Placeholder 3"/>
-          <p:cNvSpPr>
-            <a:spLocks noGrp="1"/>
-          </p:cNvSpPr>
-          <p:nvPr>
-            <p:ph type="dt" sz="half" idx="10"/>
-          </p:nvPr>
-        </p:nvSpPr>
-        <p:spPr/>
-        <p:txBody>
-          <a:bodyPr/>
-          <a:lstStyle/>
-          <a:p>
-            <a:r>
-              <a:rPr lang="en-US" sz="1200" smtClean="0"/>
-              <a:t>04/15/2016</a:t>
-            </a:r>
-            <a:endParaRPr lang="en-US" sz="1200" dirty="0"/>
-          </a:p>
-        </p:txBody>
-      </p:sp>
-      <p:sp>
-        <p:nvSpPr>
-          <p:cNvPr id="5" name="Footer Placeholder 4"/>
-          <p:cNvSpPr>
-            <a:spLocks noGrp="1"/>
-          </p:cNvSpPr>
-          <p:nvPr>
-            <p:ph type="ftr" sz="quarter" idx="11"/>
-          </p:nvPr>
-        </p:nvSpPr>
-        <p:spPr/>
-        <p:txBody>
-          <a:bodyPr/>
-          <a:lstStyle/>
-          <a:p>
-            <a:r>
-              <a:rPr lang="en-US" sz="1200" smtClean="0"/>
-              <a:t>CS499 Team Hotspotter</a:t>
-            </a:r>
-            <a:endParaRPr lang="en-US" sz="1200" dirty="0"/>
-          </a:p>
-        </p:txBody>
-      </p:sp>
-      <p:sp>
-        <p:nvSpPr>
-          <p:cNvPr id="6" name="Slide Number Placeholder 5"/>
-          <p:cNvSpPr>
-            <a:spLocks noGrp="1"/>
-          </p:cNvSpPr>
-          <p:nvPr>
-            <p:ph type="sldNum" sz="quarter" idx="12"/>
-          </p:nvPr>
-        </p:nvSpPr>
-        <p:spPr/>
-        <p:txBody>
-          <a:bodyPr/>
-          <a:lstStyle/>
-          <a:p>
-            <a:fld id="{E5FD5434-F838-4DD4-A17B-1CB1A1850DF4}" type="slidenum">
-              <a:rPr lang="en-US" smtClean="0"/>
-              <a:t>11</a:t>
             </a:fld>
             <a:endParaRPr lang="en-US" dirty="0"/>
           </a:p>
@@ -8099,12 +7749,7 @@
             <p:ph type="title"/>
           </p:nvPr>
         </p:nvSpPr>
-        <p:spPr>
-          <a:xfrm>
-            <a:off x="1325258" y="381000"/>
-            <a:ext cx="9781532" cy="1508760"/>
-          </a:xfrm>
-        </p:spPr>
+        <p:spPr/>
         <p:txBody>
           <a:bodyPr>
             <a:normAutofit/>
@@ -8114,7 +7759,7 @@
             <a:pPr algn="ctr"/>
             <a:r>
               <a:rPr lang="en-US" sz="4400" dirty="0" smtClean="0"/>
-              <a:t>Genesis: inspiration/Motivation</a:t>
+              <a:t>About our project</a:t>
             </a:r>
             <a:endParaRPr lang="en-US" sz="4400" dirty="0"/>
           </a:p>
@@ -8130,15 +7775,10 @@
             <p:ph sz="half" idx="1"/>
           </p:nvPr>
         </p:nvSpPr>
-        <p:spPr>
-          <a:xfrm>
-            <a:off x="2497045" y="2399177"/>
-            <a:ext cx="7437958" cy="4206240"/>
-          </a:xfrm>
-        </p:spPr>
+        <p:spPr/>
         <p:txBody>
           <a:bodyPr>
-            <a:normAutofit/>
+            <a:normAutofit fontScale="92500" lnSpcReduction="10000"/>
           </a:bodyPr>
           <a:lstStyle/>
           <a:p>
@@ -8146,28 +7786,116 @@
               <a:buNone/>
             </a:pPr>
             <a:r>
-              <a:rPr lang="en-US" sz="3200" dirty="0" smtClean="0"/>
-              <a:t>Dr. </a:t>
-            </a:r>
-            <a:r>
-              <a:rPr lang="en-US" sz="3200" dirty="0" err="1" smtClean="0"/>
-              <a:t>Crk</a:t>
-            </a:r>
-            <a:r>
-              <a:rPr lang="en-US" sz="3200" dirty="0" smtClean="0"/>
-              <a:t> came to our class with the goal to find  a  better way to predict and prevent buggy code in a repository. </a:t>
-            </a:r>
-            <a:endParaRPr lang="en-US" sz="3200" dirty="0"/>
-          </a:p>
+              <a:rPr lang="en-US" sz="3900" u="sng" dirty="0" smtClean="0"/>
+              <a:t>Overview</a:t>
+            </a:r>
+          </a:p>
+          <a:p>
+            <a:pPr marL="0" indent="0">
+              <a:buNone/>
+            </a:pPr>
+            <a:r>
+              <a:rPr lang="en-US" sz="2400" dirty="0" smtClean="0"/>
+              <a:t>Our client requested a platform that could be used to detect unstable and potentially buggy areas of code within a repository. With export capabilities, the data could also be analyzed to detect trends and to better predict troublesome code.</a:t>
+            </a:r>
+          </a:p>
+          <a:p>
+            <a:pPr lvl="1"/>
+            <a:endParaRPr lang="en-US" dirty="0"/>
+          </a:p>
+        </p:txBody>
+      </p:sp>
+      <p:sp>
+        <p:nvSpPr>
+          <p:cNvPr id="7" name="Content Placeholder 6"/>
+          <p:cNvSpPr>
+            <a:spLocks noGrp="1"/>
+          </p:cNvSpPr>
+          <p:nvPr>
+            <p:ph sz="half" idx="2"/>
+          </p:nvPr>
+        </p:nvSpPr>
+        <p:spPr/>
+        <p:txBody>
+          <a:bodyPr>
+            <a:normAutofit fontScale="92500" lnSpcReduction="10000"/>
+          </a:bodyPr>
+          <a:lstStyle/>
           <a:p>
             <a:pPr marL="0" indent="0" algn="ctr">
               <a:buNone/>
             </a:pPr>
             <a:r>
-              <a:rPr lang="en-US" sz="3200" dirty="0" smtClean="0"/>
-              <a:t>We as a team saw great value in this which inspired us to create a great product which could be used in the industry.</a:t>
-            </a:r>
-            <a:endParaRPr lang="en-US" dirty="0"/>
+              <a:rPr lang="en-US" sz="4000" u="sng" dirty="0" smtClean="0"/>
+              <a:t>Domain </a:t>
+            </a:r>
+            <a:r>
+              <a:rPr lang="en-US" sz="4000" u="sng" dirty="0"/>
+              <a:t>and </a:t>
+            </a:r>
+            <a:r>
+              <a:rPr lang="en-US" sz="4000" u="sng" dirty="0" smtClean="0"/>
+              <a:t>Business</a:t>
+            </a:r>
+          </a:p>
+          <a:p>
+            <a:pPr marL="52388" indent="0"/>
+            <a:r>
+              <a:rPr lang="en-US" sz="2400" dirty="0"/>
+              <a:t>Developers</a:t>
+            </a:r>
+          </a:p>
+          <a:p>
+            <a:pPr lvl="1"/>
+            <a:r>
+              <a:rPr lang="en-US" sz="2400" dirty="0"/>
+              <a:t>Tracking bug-fixing commits</a:t>
+            </a:r>
+          </a:p>
+          <a:p>
+            <a:pPr lvl="1"/>
+            <a:r>
+              <a:rPr lang="en-US" sz="2400" dirty="0"/>
+              <a:t>Testing code before pulling into project master</a:t>
+            </a:r>
+          </a:p>
+          <a:p>
+            <a:pPr marL="0" indent="0">
+              <a:buNone/>
+            </a:pPr>
+            <a:r>
+              <a:rPr lang="en-US" sz="2400" dirty="0"/>
+              <a:t>  Project Managers</a:t>
+            </a:r>
+          </a:p>
+          <a:p>
+            <a:pPr lvl="1"/>
+            <a:r>
+              <a:rPr lang="en-US" sz="2400" dirty="0"/>
+              <a:t>Assigning troublesome tasks to more experienced developers</a:t>
+            </a:r>
+          </a:p>
+          <a:p>
+            <a:pPr marL="0" indent="0">
+              <a:buNone/>
+            </a:pPr>
+            <a:r>
+              <a:rPr lang="en-US" sz="2400" dirty="0"/>
+              <a:t>  Open Source Contributors</a:t>
+            </a:r>
+          </a:p>
+          <a:p>
+            <a:pPr lvl="1"/>
+            <a:r>
+              <a:rPr lang="en-US" sz="2400" dirty="0"/>
+              <a:t>Looking to contribute code to most relevant portions of the codebase</a:t>
+            </a:r>
+          </a:p>
+          <a:p>
+            <a:pPr marL="0" indent="0">
+              <a:buNone/>
+            </a:pPr>
+            <a:endParaRPr lang="en-US" sz="4000" u="sng" dirty="0"/>
           </a:p>
         </p:txBody>
       </p:sp>
@@ -8243,7 +7971,7 @@
     </p:spTree>
     <p:extLst>
       <p:ext uri="{BB962C8B-B14F-4D97-AF65-F5344CB8AC3E}">
-        <p14:creationId xmlns:p14="http://schemas.microsoft.com/office/powerpoint/2010/main" val="3912520735"/>
+        <p14:creationId xmlns:p14="http://schemas.microsoft.com/office/powerpoint/2010/main" val="429626325"/>
       </p:ext>
     </p:extLst>
   </p:cSld>
@@ -8291,289 +8019,6 @@
       </p:grpSpPr>
       <p:sp>
         <p:nvSpPr>
-          <p:cNvPr id="13" name="Title 12"/>
-          <p:cNvSpPr>
-            <a:spLocks noGrp="1"/>
-          </p:cNvSpPr>
-          <p:nvPr>
-            <p:ph type="title"/>
-          </p:nvPr>
-        </p:nvSpPr>
-        <p:spPr/>
-        <p:txBody>
-          <a:bodyPr>
-            <a:normAutofit/>
-          </a:bodyPr>
-          <a:lstStyle/>
-          <a:p>
-            <a:pPr algn="ctr"/>
-            <a:r>
-              <a:rPr lang="en-US" sz="4400" dirty="0" smtClean="0"/>
-              <a:t>Clients Needs</a:t>
-            </a:r>
-            <a:endParaRPr lang="en-US" sz="4400" dirty="0"/>
-          </a:p>
-        </p:txBody>
-      </p:sp>
-      <p:sp>
-        <p:nvSpPr>
-          <p:cNvPr id="6" name="Content Placeholder 5"/>
-          <p:cNvSpPr>
-            <a:spLocks noGrp="1"/>
-          </p:cNvSpPr>
-          <p:nvPr>
-            <p:ph sz="half" idx="1"/>
-          </p:nvPr>
-        </p:nvSpPr>
-        <p:spPr/>
-        <p:txBody>
-          <a:bodyPr>
-            <a:normAutofit fontScale="92500" lnSpcReduction="10000"/>
-          </a:bodyPr>
-          <a:lstStyle/>
-          <a:p>
-            <a:pPr marL="0" indent="0" algn="ctr">
-              <a:buNone/>
-            </a:pPr>
-            <a:r>
-              <a:rPr lang="en-US" sz="3900" u="sng" dirty="0" smtClean="0"/>
-              <a:t>Overview</a:t>
-            </a:r>
-          </a:p>
-          <a:p>
-            <a:pPr marL="0" indent="0">
-              <a:buNone/>
-            </a:pPr>
-            <a:r>
-              <a:rPr lang="en-US" sz="2400" dirty="0" smtClean="0"/>
-              <a:t>Our client </a:t>
-            </a:r>
-            <a:r>
-              <a:rPr lang="en-US" sz="2400" dirty="0" smtClean="0"/>
-              <a:t>requested a platform that could be used to detect unstable and potentially buggy areas of code within a repository. With export capabilities, the data could also be analyzed to detect trends and to better predict troublesome code.</a:t>
-            </a:r>
-            <a:endParaRPr lang="en-US" sz="2400" dirty="0" smtClean="0"/>
-          </a:p>
-          <a:p>
-            <a:pPr lvl="1"/>
-            <a:endParaRPr lang="en-US" dirty="0"/>
-          </a:p>
-        </p:txBody>
-      </p:sp>
-      <p:sp>
-        <p:nvSpPr>
-          <p:cNvPr id="7" name="Content Placeholder 6"/>
-          <p:cNvSpPr>
-            <a:spLocks noGrp="1"/>
-          </p:cNvSpPr>
-          <p:nvPr>
-            <p:ph sz="half" idx="2"/>
-          </p:nvPr>
-        </p:nvSpPr>
-        <p:spPr/>
-        <p:txBody>
-          <a:bodyPr>
-            <a:normAutofit fontScale="92500" lnSpcReduction="10000"/>
-          </a:bodyPr>
-          <a:lstStyle/>
-          <a:p>
-            <a:pPr marL="0" indent="0" algn="ctr">
-              <a:buNone/>
-            </a:pPr>
-            <a:r>
-              <a:rPr lang="en-US" sz="4000" u="sng" dirty="0" smtClean="0"/>
-              <a:t>Domain </a:t>
-            </a:r>
-            <a:r>
-              <a:rPr lang="en-US" sz="4000" u="sng" dirty="0"/>
-              <a:t>and </a:t>
-            </a:r>
-            <a:r>
-              <a:rPr lang="en-US" sz="4000" u="sng" dirty="0" smtClean="0"/>
-              <a:t>Business</a:t>
-            </a:r>
-          </a:p>
-          <a:p>
-            <a:pPr marL="52388" indent="0"/>
-            <a:r>
-              <a:rPr lang="en-US" sz="2400" dirty="0"/>
-              <a:t>Developers</a:t>
-            </a:r>
-          </a:p>
-          <a:p>
-            <a:pPr lvl="1"/>
-            <a:r>
-              <a:rPr lang="en-US" sz="2400" dirty="0"/>
-              <a:t>Tracking bug-fixing commits</a:t>
-            </a:r>
-          </a:p>
-          <a:p>
-            <a:pPr lvl="1"/>
-            <a:r>
-              <a:rPr lang="en-US" sz="2400" dirty="0"/>
-              <a:t>Testing code before pulling into project master</a:t>
-            </a:r>
-          </a:p>
-          <a:p>
-            <a:pPr marL="0" indent="0">
-              <a:buNone/>
-            </a:pPr>
-            <a:r>
-              <a:rPr lang="en-US" sz="2400" dirty="0"/>
-              <a:t>  Project Managers</a:t>
-            </a:r>
-          </a:p>
-          <a:p>
-            <a:pPr lvl="1"/>
-            <a:r>
-              <a:rPr lang="en-US" sz="2400" dirty="0"/>
-              <a:t>Assigning troublesome tasks to more experienced developers</a:t>
-            </a:r>
-          </a:p>
-          <a:p>
-            <a:pPr marL="0" indent="0">
-              <a:buNone/>
-            </a:pPr>
-            <a:r>
-              <a:rPr lang="en-US" sz="2400" dirty="0"/>
-              <a:t>  Open Source Contributors</a:t>
-            </a:r>
-          </a:p>
-          <a:p>
-            <a:pPr lvl="1"/>
-            <a:r>
-              <a:rPr lang="en-US" sz="2400" dirty="0"/>
-              <a:t>Looking to contribute code to most relevant portions of the codebase</a:t>
-            </a:r>
-          </a:p>
-          <a:p>
-            <a:pPr marL="0" indent="0">
-              <a:buNone/>
-            </a:pPr>
-            <a:endParaRPr lang="en-US" sz="4000" u="sng" dirty="0"/>
-          </a:p>
-        </p:txBody>
-      </p:sp>
-      <p:sp>
-        <p:nvSpPr>
-          <p:cNvPr id="8" name="Date Placeholder 7"/>
-          <p:cNvSpPr>
-            <a:spLocks noGrp="1"/>
-          </p:cNvSpPr>
-          <p:nvPr>
-            <p:ph type="dt" sz="half" idx="10"/>
-          </p:nvPr>
-        </p:nvSpPr>
-        <p:spPr/>
-        <p:txBody>
-          <a:bodyPr/>
-          <a:lstStyle/>
-          <a:p>
-            <a:r>
-              <a:rPr lang="en-US" sz="1200" smtClean="0"/>
-              <a:t>04/15/2016</a:t>
-            </a:r>
-            <a:endParaRPr lang="en-US" dirty="0"/>
-          </a:p>
-        </p:txBody>
-      </p:sp>
-      <p:sp>
-        <p:nvSpPr>
-          <p:cNvPr id="9" name="Footer Placeholder 8"/>
-          <p:cNvSpPr>
-            <a:spLocks noGrp="1"/>
-          </p:cNvSpPr>
-          <p:nvPr>
-            <p:ph type="ftr" sz="quarter" idx="11"/>
-          </p:nvPr>
-        </p:nvSpPr>
-        <p:spPr/>
-        <p:txBody>
-          <a:bodyPr/>
-          <a:lstStyle/>
-          <a:p>
-            <a:r>
-              <a:rPr lang="en-US" sz="1200" smtClean="0"/>
-              <a:t>CS499 Team Hotspotter</a:t>
-            </a:r>
-            <a:endParaRPr lang="en-US" sz="1200" dirty="0"/>
-          </a:p>
-        </p:txBody>
-      </p:sp>
-      <p:sp>
-        <p:nvSpPr>
-          <p:cNvPr id="10" name="Slide Number Placeholder 9"/>
-          <p:cNvSpPr>
-            <a:spLocks noGrp="1"/>
-          </p:cNvSpPr>
-          <p:nvPr>
-            <p:ph type="sldNum" sz="quarter" idx="12"/>
-          </p:nvPr>
-        </p:nvSpPr>
-        <p:spPr/>
-        <p:txBody>
-          <a:bodyPr/>
-          <a:lstStyle/>
-          <a:p>
-            <a:fld id="{E5FD5434-F838-4DD4-A17B-1CB1A1850DF4}" type="slidenum">
-              <a:rPr lang="en-US" sz="1600" smtClean="0"/>
-              <a:t>3</a:t>
-            </a:fld>
-            <a:endParaRPr lang="en-US" sz="1600" dirty="0"/>
-          </a:p>
-        </p:txBody>
-      </p:sp>
-    </p:spTree>
-    <p:extLst>
-      <p:ext uri="{BB962C8B-B14F-4D97-AF65-F5344CB8AC3E}">
-        <p14:creationId xmlns:p14="http://schemas.microsoft.com/office/powerpoint/2010/main" val="429626325"/>
-      </p:ext>
-    </p:extLst>
-  </p:cSld>
-  <p:clrMapOvr>
-    <a:masterClrMapping/>
-  </p:clrMapOvr>
-  <mc:AlternateContent xmlns:mc="http://schemas.openxmlformats.org/markup-compatibility/2006" xmlns:p14="http://schemas.microsoft.com/office/powerpoint/2010/main">
-    <mc:Choice Requires="p14">
-      <p:transition spd="med" p14:dur="700">
-        <p:fade/>
-      </p:transition>
-    </mc:Choice>
-    <mc:Fallback xmlns="">
-      <p:transition spd="med">
-        <p:fade/>
-      </p:transition>
-    </mc:Fallback>
-  </mc:AlternateContent>
-  <p:timing>
-    <p:tnLst>
-      <p:par>
-        <p:cTn id="1" dur="indefinite" restart="never" nodeType="tmRoot"/>
-      </p:par>
-    </p:tnLst>
-  </p:timing>
-</p:sld>
-</file>
-
-<file path=ppt/slides/slide4.xml><?xml version="1.0" encoding="utf-8"?>
-<p:sld xmlns:a="http://schemas.openxmlformats.org/drawingml/2006/main" xmlns:r="http://schemas.openxmlformats.org/officeDocument/2006/relationships" xmlns:p="http://schemas.openxmlformats.org/presentationml/2006/main">
-  <p:cSld>
-    <p:spTree>
-      <p:nvGrpSpPr>
-        <p:cNvPr id="1" name=""/>
-        <p:cNvGrpSpPr/>
-        <p:nvPr/>
-      </p:nvGrpSpPr>
-      <p:grpSpPr>
-        <a:xfrm>
-          <a:off x="0" y="0"/>
-          <a:ext cx="0" cy="0"/>
-          <a:chOff x="0" y="0"/>
-          <a:chExt cx="0" cy="0"/>
-        </a:xfrm>
-      </p:grpSpPr>
-      <p:sp>
-        <p:nvSpPr>
           <p:cNvPr id="2" name="Title 1"/>
           <p:cNvSpPr>
             <a:spLocks noGrp="1"/>
@@ -8664,7 +8109,7 @@
           <a:p>
             <a:fld id="{E5FD5434-F838-4DD4-A17B-1CB1A1850DF4}" type="slidenum">
               <a:rPr lang="en-US" smtClean="0"/>
-              <a:t>4</a:t>
+              <a:t>3</a:t>
             </a:fld>
             <a:endParaRPr lang="en-US"/>
           </a:p>
@@ -8732,7 +8177,7 @@
 </p:sld>
 </file>
 
-<file path=ppt/slides/slide5.xml><?xml version="1.0" encoding="utf-8"?>
+<file path=ppt/slides/slide4.xml><?xml version="1.0" encoding="utf-8"?>
 <p:sld xmlns:a="http://schemas.openxmlformats.org/drawingml/2006/main" xmlns:r="http://schemas.openxmlformats.org/officeDocument/2006/relationships" xmlns:p="http://schemas.openxmlformats.org/presentationml/2006/main">
   <p:cSld>
     <p:spTree>
@@ -8772,7 +8217,11 @@
             <a:pPr algn="ctr"/>
             <a:r>
               <a:rPr lang="en-US" dirty="0" smtClean="0"/>
-              <a:t>Testing/Requirements Met</a:t>
+              <a:t>Testing and Requirements </a:t>
+            </a:r>
+            <a:r>
+              <a:rPr lang="en-US" dirty="0" smtClean="0"/>
+              <a:t>Met</a:t>
             </a:r>
             <a:endParaRPr lang="en-US" dirty="0"/>
           </a:p>
@@ -8841,7 +8290,7 @@
           <a:p>
             <a:fld id="{E5FD5434-F838-4DD4-A17B-1CB1A1850DF4}" type="slidenum">
               <a:rPr lang="en-US" smtClean="0"/>
-              <a:t>5</a:t>
+              <a:t>4</a:t>
             </a:fld>
             <a:endParaRPr lang="en-US"/>
           </a:p>
@@ -8879,7 +8328,7 @@
 </p:sld>
 </file>
 
-<file path=ppt/slides/slide6.xml><?xml version="1.0" encoding="utf-8"?>
+<file path=ppt/slides/slide5.xml><?xml version="1.0" encoding="utf-8"?>
 <p:sld xmlns:a="http://schemas.openxmlformats.org/drawingml/2006/main" xmlns:r="http://schemas.openxmlformats.org/officeDocument/2006/relationships" xmlns:p="http://schemas.openxmlformats.org/presentationml/2006/main">
   <p:cSld>
     <p:spTree>
@@ -8913,7 +8362,7 @@
           <a:p>
             <a:r>
               <a:rPr lang="en-US" dirty="0" smtClean="0"/>
-              <a:t>Capabilities/Technologies</a:t>
+              <a:t>Capabilities and Technologies</a:t>
             </a:r>
             <a:endParaRPr lang="en-US" dirty="0"/>
           </a:p>
@@ -8983,7 +8432,7 @@
             <a:fld id="{E5FD5434-F838-4DD4-A17B-1CB1A1850DF4}" type="slidenum">
               <a:rPr lang="en-US" smtClean="0"/>
               <a:pPr/>
-              <a:t>6</a:t>
+              <a:t>5</a:t>
             </a:fld>
             <a:endParaRPr lang="en-US"/>
           </a:p>
@@ -9147,8 +8596,8 @@
         </p:nvSpPr>
         <p:spPr>
           <a:xfrm>
-            <a:off x="1979612" y="2057400"/>
-            <a:ext cx="8379351" cy="2923877"/>
+            <a:off x="1979612" y="1962985"/>
+            <a:ext cx="8379351" cy="2554545"/>
           </a:xfrm>
           <a:prstGeom prst="rect">
             <a:avLst/>
@@ -9161,19 +8610,17 @@
           </a:bodyPr>
           <a:lstStyle/>
           <a:p>
-            <a:r>
-              <a:rPr lang="en-US" dirty="0" smtClean="0"/>
-              <a:t>Capabilities</a:t>
-            </a:r>
-          </a:p>
-          <a:p>
             <a:pPr marL="342900" indent="-342900">
               <a:buFont typeface="Arial"/>
               <a:buChar char="•"/>
             </a:pPr>
             <a:r>
               <a:rPr lang="en-US" sz="4000" dirty="0" smtClean="0"/>
-              <a:t>Clone a public git based repository</a:t>
+              <a:t>Clone </a:t>
+            </a:r>
+            <a:r>
+              <a:rPr lang="en-US" sz="4000" dirty="0" smtClean="0"/>
+              <a:t>a public git based repository</a:t>
             </a:r>
           </a:p>
           <a:p>
@@ -9203,13 +8650,8 @@
             </a:pPr>
             <a:r>
               <a:rPr lang="en-US" sz="4000" dirty="0" smtClean="0"/>
-              <a:t>Export metrics to </a:t>
-            </a:r>
-            <a:r>
-              <a:rPr lang="en-US" sz="4000" dirty="0" smtClean="0"/>
-              <a:t>a CSV file</a:t>
-            </a:r>
-            <a:endParaRPr lang="en-US" sz="4000" dirty="0" smtClean="0"/>
+              <a:t>Export metrics to a CSV file</a:t>
+            </a:r>
           </a:p>
         </p:txBody>
       </p:sp>
@@ -9217,6 +8659,174 @@
     <p:extLst>
       <p:ext uri="{BB962C8B-B14F-4D97-AF65-F5344CB8AC3E}">
         <p14:creationId xmlns:p14="http://schemas.microsoft.com/office/powerpoint/2010/main" val="2128315463"/>
+      </p:ext>
+    </p:extLst>
+  </p:cSld>
+  <p:clrMapOvr>
+    <a:masterClrMapping/>
+  </p:clrMapOvr>
+  <mc:AlternateContent xmlns:mc="http://schemas.openxmlformats.org/markup-compatibility/2006" xmlns:p14="http://schemas.microsoft.com/office/powerpoint/2010/main">
+    <mc:Choice Requires="p14">
+      <p:transition spd="med" p14:dur="700">
+        <p:fade/>
+      </p:transition>
+    </mc:Choice>
+    <mc:Fallback xmlns="">
+      <p:transition spd="med">
+        <p:fade/>
+      </p:transition>
+    </mc:Fallback>
+  </mc:AlternateContent>
+</p:sld>
+</file>
+
+<file path=ppt/slides/slide6.xml><?xml version="1.0" encoding="utf-8"?>
+<p:sld xmlns:a="http://schemas.openxmlformats.org/drawingml/2006/main" xmlns:r="http://schemas.openxmlformats.org/officeDocument/2006/relationships" xmlns:p="http://schemas.openxmlformats.org/presentationml/2006/main">
+  <p:cSld>
+    <p:spTree>
+      <p:nvGrpSpPr>
+        <p:cNvPr id="1" name=""/>
+        <p:cNvGrpSpPr/>
+        <p:nvPr/>
+      </p:nvGrpSpPr>
+      <p:grpSpPr>
+        <a:xfrm>
+          <a:off x="0" y="0"/>
+          <a:ext cx="0" cy="0"/>
+          <a:chOff x="0" y="0"/>
+          <a:chExt cx="0" cy="0"/>
+        </a:xfrm>
+      </p:grpSpPr>
+      <p:sp>
+        <p:nvSpPr>
+          <p:cNvPr id="2" name="Title 1"/>
+          <p:cNvSpPr>
+            <a:spLocks noGrp="1"/>
+          </p:cNvSpPr>
+          <p:nvPr>
+            <p:ph type="title"/>
+          </p:nvPr>
+        </p:nvSpPr>
+        <p:spPr>
+          <a:xfrm rot="1518443">
+            <a:off x="-25458" y="2571527"/>
+            <a:ext cx="12341374" cy="1508760"/>
+          </a:xfrm>
+        </p:spPr>
+        <p:txBody>
+          <a:bodyPr/>
+          <a:lstStyle/>
+          <a:p>
+            <a:r>
+              <a:rPr lang="en-US" dirty="0" smtClean="0"/>
+              <a:t>DEMO DEMO </a:t>
+            </a:r>
+            <a:r>
+              <a:rPr lang="en-US" dirty="0" smtClean="0">
+                <a:solidFill>
+                  <a:schemeClr val="tx1"/>
+                </a:solidFill>
+              </a:rPr>
+              <a:t>DEMO DEMO DEMO </a:t>
+            </a:r>
+            <a:r>
+              <a:rPr lang="en-US" dirty="0">
+                <a:solidFill>
+                  <a:schemeClr val="tx1"/>
+                </a:solidFill>
+              </a:rPr>
+              <a:t>DEMO DEMO </a:t>
+            </a:r>
+            <a:r>
+              <a:rPr lang="en-US" dirty="0" smtClean="0">
+                <a:solidFill>
+                  <a:schemeClr val="tx1"/>
+                </a:solidFill>
+              </a:rPr>
+              <a:t>DEMO</a:t>
+            </a:r>
+            <a:endParaRPr lang="en-US" dirty="0">
+              <a:solidFill>
+                <a:schemeClr val="tx1"/>
+              </a:solidFill>
+            </a:endParaRPr>
+          </a:p>
+        </p:txBody>
+      </p:sp>
+      <p:sp>
+        <p:nvSpPr>
+          <p:cNvPr id="5" name="Date Placeholder 4"/>
+          <p:cNvSpPr>
+            <a:spLocks noGrp="1"/>
+          </p:cNvSpPr>
+          <p:nvPr>
+            <p:ph type="dt" sz="half" idx="10"/>
+          </p:nvPr>
+        </p:nvSpPr>
+        <p:spPr/>
+        <p:txBody>
+          <a:bodyPr/>
+          <a:lstStyle/>
+          <a:p>
+            <a:r>
+              <a:rPr lang="en-US" smtClean="0"/>
+              <a:t>04/15/2016</a:t>
+            </a:r>
+            <a:endParaRPr lang="en-US" dirty="0"/>
+          </a:p>
+        </p:txBody>
+      </p:sp>
+      <p:sp>
+        <p:nvSpPr>
+          <p:cNvPr id="6" name="Footer Placeholder 5"/>
+          <p:cNvSpPr>
+            <a:spLocks noGrp="1"/>
+          </p:cNvSpPr>
+          <p:nvPr>
+            <p:ph type="ftr" sz="quarter" idx="11"/>
+          </p:nvPr>
+        </p:nvSpPr>
+        <p:spPr/>
+        <p:txBody>
+          <a:bodyPr/>
+          <a:lstStyle/>
+          <a:p>
+            <a:r>
+              <a:rPr lang="en-US" smtClean="0"/>
+              <a:t>CS499 Team Hotspotter</a:t>
+            </a:r>
+            <a:endParaRPr lang="en-US"/>
+          </a:p>
+        </p:txBody>
+      </p:sp>
+      <p:sp>
+        <p:nvSpPr>
+          <p:cNvPr id="7" name="Slide Number Placeholder 6"/>
+          <p:cNvSpPr>
+            <a:spLocks noGrp="1"/>
+          </p:cNvSpPr>
+          <p:nvPr>
+            <p:ph type="sldNum" sz="quarter" idx="12"/>
+          </p:nvPr>
+        </p:nvSpPr>
+        <p:spPr/>
+        <p:txBody>
+          <a:bodyPr/>
+          <a:lstStyle/>
+          <a:p>
+            <a:fld id="{E5FD5434-F838-4DD4-A17B-1CB1A1850DF4}" type="slidenum">
+              <a:rPr lang="en-US" smtClean="0"/>
+              <a:pPr/>
+              <a:t>6</a:t>
+            </a:fld>
+            <a:endParaRPr lang="en-US"/>
+          </a:p>
+        </p:txBody>
+      </p:sp>
+    </p:spTree>
+    <p:extLst>
+      <p:ext uri="{BB962C8B-B14F-4D97-AF65-F5344CB8AC3E}">
+        <p14:creationId xmlns:p14="http://schemas.microsoft.com/office/powerpoint/2010/main" val="2920361429"/>
       </p:ext>
     </p:extLst>
   </p:cSld>
@@ -9265,55 +8875,23 @@
             <p:ph type="title"/>
           </p:nvPr>
         </p:nvSpPr>
-        <p:spPr>
-          <a:xfrm rot="1518443">
-            <a:off x="-25458" y="2571527"/>
-            <a:ext cx="12341374" cy="1508760"/>
-          </a:xfrm>
-        </p:spPr>
+        <p:spPr/>
         <p:txBody>
           <a:bodyPr/>
           <a:lstStyle/>
           <a:p>
+            <a:pPr algn="ctr"/>
             <a:r>
               <a:rPr lang="en-US" dirty="0" smtClean="0"/>
-              <a:t>DEMO DEMO </a:t>
-            </a:r>
-            <a:r>
-              <a:rPr lang="en-US" dirty="0" smtClean="0">
-                <a:solidFill>
-                  <a:schemeClr val="tx1"/>
-                </a:solidFill>
-              </a:rPr>
-              <a:t>DEMO DEMO DEMO </a:t>
-            </a:r>
-            <a:r>
-              <a:rPr lang="en-US" dirty="0">
-                <a:solidFill>
-                  <a:schemeClr val="tx1"/>
-                </a:solidFill>
-              </a:rPr>
-              <a:t>DEMO DEMO </a:t>
-            </a:r>
-            <a:r>
-              <a:rPr lang="en-US" dirty="0" smtClean="0">
-                <a:solidFill>
-                  <a:schemeClr val="tx1"/>
-                </a:solidFill>
-              </a:rPr>
-              <a:t>DEMO</a:t>
-            </a:r>
-            <a:endParaRPr lang="en-US" dirty="0">
-              <a:solidFill>
-                <a:schemeClr val="tx1"/>
-              </a:solidFill>
-            </a:endParaRPr>
-          </a:p>
-        </p:txBody>
-      </p:sp>
-      <p:sp>
-        <p:nvSpPr>
-          <p:cNvPr id="5" name="Date Placeholder 4"/>
+              <a:t>Team Burndown/ Velocity Chart</a:t>
+            </a:r>
+            <a:endParaRPr lang="en-US" dirty="0"/>
+          </a:p>
+        </p:txBody>
+      </p:sp>
+      <p:sp>
+        <p:nvSpPr>
+          <p:cNvPr id="4" name="Date Placeholder 3"/>
           <p:cNvSpPr>
             <a:spLocks noGrp="1"/>
           </p:cNvSpPr>
@@ -9327,16 +8905,16 @@
           <a:lstStyle/>
           <a:p>
             <a:r>
-              <a:rPr lang="en-US" smtClean="0"/>
+              <a:rPr lang="en-US" sz="1200" smtClean="0"/>
               <a:t>04/15/2016</a:t>
             </a:r>
-            <a:endParaRPr lang="en-US" dirty="0"/>
-          </a:p>
-        </p:txBody>
-      </p:sp>
-      <p:sp>
-        <p:nvSpPr>
-          <p:cNvPr id="6" name="Footer Placeholder 5"/>
+            <a:endParaRPr lang="en-US" sz="1200" dirty="0"/>
+          </a:p>
+        </p:txBody>
+      </p:sp>
+      <p:sp>
+        <p:nvSpPr>
+          <p:cNvPr id="5" name="Footer Placeholder 4"/>
           <p:cNvSpPr>
             <a:spLocks noGrp="1"/>
           </p:cNvSpPr>
@@ -9350,16 +8928,16 @@
           <a:lstStyle/>
           <a:p>
             <a:r>
-              <a:rPr lang="en-US" smtClean="0"/>
+              <a:rPr lang="en-US" sz="1200" smtClean="0"/>
               <a:t>CS499 Team Hotspotter</a:t>
             </a:r>
-            <a:endParaRPr lang="en-US"/>
-          </a:p>
-        </p:txBody>
-      </p:sp>
-      <p:sp>
-        <p:nvSpPr>
-          <p:cNvPr id="7" name="Slide Number Placeholder 6"/>
+            <a:endParaRPr lang="en-US" sz="1200" dirty="0"/>
+          </a:p>
+        </p:txBody>
+      </p:sp>
+      <p:sp>
+        <p:nvSpPr>
+          <p:cNvPr id="6" name="Slide Number Placeholder 5"/>
           <p:cNvSpPr>
             <a:spLocks noGrp="1"/>
           </p:cNvSpPr>
@@ -9374,17 +8952,41 @@
           <a:p>
             <a:fld id="{E5FD5434-F838-4DD4-A17B-1CB1A1850DF4}" type="slidenum">
               <a:rPr lang="en-US" smtClean="0"/>
-              <a:pPr/>
               <a:t>7</a:t>
             </a:fld>
             <a:endParaRPr lang="en-US"/>
           </a:p>
         </p:txBody>
       </p:sp>
+      <p:graphicFrame>
+        <p:nvGraphicFramePr>
+          <p:cNvPr id="7" name="Content Placeholder 6"/>
+          <p:cNvGraphicFramePr>
+            <a:graphicFrameLocks noGrp="1"/>
+          </p:cNvGraphicFramePr>
+          <p:nvPr>
+            <p:ph idx="1"/>
+            <p:extLst>
+              <p:ext uri="{D42A27DB-BD31-4B8C-83A1-F6EECF244321}">
+                <p14:modId xmlns:p14="http://schemas.microsoft.com/office/powerpoint/2010/main" val="57911693"/>
+              </p:ext>
+            </p:extLst>
+          </p:nvPr>
+        </p:nvGraphicFramePr>
+        <p:xfrm>
+          <a:off x="893950" y="1752600"/>
+          <a:ext cx="10398844" cy="4680111"/>
+        </p:xfrm>
+        <a:graphic>
+          <a:graphicData uri="http://schemas.openxmlformats.org/drawingml/2006/chart">
+            <c:chart xmlns:c="http://schemas.openxmlformats.org/drawingml/2006/chart" xmlns:r="http://schemas.openxmlformats.org/officeDocument/2006/relationships" r:id="rId2"/>
+          </a:graphicData>
+        </a:graphic>
+      </p:graphicFrame>
     </p:spTree>
     <p:extLst>
       <p:ext uri="{BB962C8B-B14F-4D97-AF65-F5344CB8AC3E}">
-        <p14:creationId xmlns:p14="http://schemas.microsoft.com/office/powerpoint/2010/main" val="2920361429"/>
+        <p14:creationId xmlns:p14="http://schemas.microsoft.com/office/powerpoint/2010/main" val="1364081688"/>
       </p:ext>
     </p:extLst>
   </p:cSld>
@@ -9403,6 +9005,13 @@
       </p:transition>
     </mc:Fallback>
   </mc:AlternateContent>
+  <p:timing>
+    <p:tnLst>
+      <p:par>
+        <p:cTn id="1" dur="indefinite" restart="never" nodeType="tmRoot"/>
+      </p:par>
+    </p:tnLst>
+  </p:timing>
 </p:sld>
 </file>
 
@@ -9463,7 +9072,7 @@
           <a:lstStyle/>
           <a:p>
             <a:r>
-              <a:rPr lang="en-US" sz="1200" smtClean="0"/>
+              <a:rPr lang="en-US" sz="1200" dirty="0" smtClean="0"/>
               <a:t>04/15/2016</a:t>
             </a:r>
             <a:endParaRPr lang="en-US" sz="1200" dirty="0"/>
@@ -9518,7 +9127,7 @@
       </p:sp>
       <p:graphicFrame>
         <p:nvGraphicFramePr>
-          <p:cNvPr id="7" name="Content Placeholder 6"/>
+          <p:cNvPr id="8" name="Content Placeholder 7"/>
           <p:cNvGraphicFramePr>
             <a:graphicFrameLocks noGrp="1"/>
           </p:cNvGraphicFramePr>
@@ -9526,14 +9135,14 @@
             <p:ph idx="1"/>
             <p:extLst>
               <p:ext uri="{D42A27DB-BD31-4B8C-83A1-F6EECF244321}">
-                <p14:modId xmlns:p14="http://schemas.microsoft.com/office/powerpoint/2010/main" val="57911693"/>
+                <p14:modId xmlns:p14="http://schemas.microsoft.com/office/powerpoint/2010/main" val="1503173150"/>
               </p:ext>
             </p:extLst>
           </p:nvPr>
         </p:nvGraphicFramePr>
         <p:xfrm>
-          <a:off x="893950" y="1752600"/>
-          <a:ext cx="10398844" cy="4680111"/>
+          <a:off x="0" y="1828800"/>
+          <a:ext cx="12114212" cy="4517855"/>
         </p:xfrm>
         <a:graphic>
           <a:graphicData uri="http://schemas.openxmlformats.org/drawingml/2006/chart">
@@ -9544,7 +9153,7 @@
     </p:spTree>
     <p:extLst>
       <p:ext uri="{BB962C8B-B14F-4D97-AF65-F5344CB8AC3E}">
-        <p14:creationId xmlns:p14="http://schemas.microsoft.com/office/powerpoint/2010/main" val="1364081688"/>
+        <p14:creationId xmlns:p14="http://schemas.microsoft.com/office/powerpoint/2010/main" val="2985966692"/>
       </p:ext>
     </p:extLst>
   </p:cSld>
@@ -9608,9 +9217,127 @@
             <a:pPr algn="ctr"/>
             <a:r>
               <a:rPr lang="en-US" dirty="0" smtClean="0"/>
-              <a:t>Team Burndown/ Velocity Chart</a:t>
+              <a:t>Post-Mortem/Key Take Away/ not Accomplished</a:t>
             </a:r>
             <a:endParaRPr lang="en-US" dirty="0"/>
+          </a:p>
+        </p:txBody>
+      </p:sp>
+      <p:sp>
+        <p:nvSpPr>
+          <p:cNvPr id="3" name="Content Placeholder 2"/>
+          <p:cNvSpPr>
+            <a:spLocks noGrp="1"/>
+          </p:cNvSpPr>
+          <p:nvPr>
+            <p:ph sz="half" idx="1"/>
+          </p:nvPr>
+        </p:nvSpPr>
+        <p:spPr>
+          <a:xfrm>
+            <a:off x="303212" y="2011680"/>
+            <a:ext cx="5655460" cy="4206240"/>
+          </a:xfrm>
+        </p:spPr>
+        <p:txBody>
+          <a:bodyPr>
+            <a:normAutofit/>
+          </a:bodyPr>
+          <a:lstStyle/>
+          <a:p>
+            <a:r>
+              <a:rPr lang="en-US" sz="3600" i="1" dirty="0" smtClean="0"/>
+              <a:t>Good</a:t>
+            </a:r>
+            <a:endParaRPr lang="en-US" sz="3200" i="1" dirty="0" smtClean="0"/>
+          </a:p>
+          <a:p>
+            <a:pPr lvl="1"/>
+            <a:r>
+              <a:rPr lang="en-US" sz="3200" dirty="0" smtClean="0"/>
+              <a:t>Met all of client’s requirements</a:t>
+            </a:r>
+          </a:p>
+          <a:p>
+            <a:pPr lvl="1"/>
+            <a:r>
+              <a:rPr lang="en-US" sz="3200" dirty="0" smtClean="0"/>
+              <a:t>Learned to develop with modern web frameworks</a:t>
+            </a:r>
+          </a:p>
+          <a:p>
+            <a:pPr lvl="1"/>
+            <a:r>
+              <a:rPr lang="en-US" sz="3200" dirty="0" smtClean="0"/>
+              <a:t>Acquired an intimate understanding of git version control</a:t>
+            </a:r>
+            <a:endParaRPr lang="en-US" sz="3200" dirty="0"/>
+          </a:p>
+          <a:p>
+            <a:pPr marL="228532" lvl="1" indent="0">
+              <a:buNone/>
+            </a:pPr>
+            <a:endParaRPr lang="en-US" dirty="0" smtClean="0"/>
+          </a:p>
+          <a:p>
+            <a:pPr lvl="1"/>
+            <a:endParaRPr lang="en-US" dirty="0"/>
+          </a:p>
+        </p:txBody>
+      </p:sp>
+      <p:sp>
+        <p:nvSpPr>
+          <p:cNvPr id="7" name="Content Placeholder 6"/>
+          <p:cNvSpPr>
+            <a:spLocks noGrp="1"/>
+          </p:cNvSpPr>
+          <p:nvPr>
+            <p:ph sz="half" idx="2"/>
+          </p:nvPr>
+        </p:nvSpPr>
+        <p:spPr>
+          <a:xfrm>
+            <a:off x="6228768" y="2011680"/>
+            <a:ext cx="5580644" cy="4206240"/>
+          </a:xfrm>
+        </p:spPr>
+        <p:txBody>
+          <a:bodyPr>
+            <a:normAutofit/>
+          </a:bodyPr>
+          <a:lstStyle/>
+          <a:p>
+            <a:r>
+              <a:rPr lang="en-US" sz="3600" i="1" dirty="0" smtClean="0"/>
+              <a:t>Bad</a:t>
+            </a:r>
+          </a:p>
+          <a:p>
+            <a:pPr lvl="1"/>
+            <a:r>
+              <a:rPr lang="en-US" sz="3200" dirty="0" smtClean="0"/>
+              <a:t>Better time estimation</a:t>
+            </a:r>
+          </a:p>
+          <a:p>
+            <a:pPr lvl="3"/>
+            <a:r>
+              <a:rPr lang="en-US" sz="2801" smtClean="0"/>
+              <a:t>Burndown spikes and dives</a:t>
+            </a:r>
+            <a:endParaRPr lang="en-US" sz="2801" dirty="0"/>
+          </a:p>
+          <a:p>
+            <a:pPr lvl="1"/>
+            <a:r>
+              <a:rPr lang="en-US" sz="3200" dirty="0"/>
+              <a:t>We wish we had longer to work on it</a:t>
+            </a:r>
+            <a:r>
+              <a:rPr lang="en-US" sz="3200" dirty="0" smtClean="0"/>
+              <a:t>!</a:t>
+            </a:r>
+            <a:endParaRPr lang="en-US" sz="3200" dirty="0"/>
           </a:p>
         </p:txBody>
       </p:sp>
@@ -9630,7 +9357,7 @@
           <a:lstStyle/>
           <a:p>
             <a:r>
-              <a:rPr lang="en-US" sz="1200" dirty="0" smtClean="0"/>
+              <a:rPr lang="en-US" sz="1200" smtClean="0"/>
               <a:t>04/15/2016</a:t>
             </a:r>
             <a:endParaRPr lang="en-US" sz="1200" dirty="0"/>
@@ -9683,35 +9410,10 @@
           </a:p>
         </p:txBody>
       </p:sp>
-      <p:graphicFrame>
-        <p:nvGraphicFramePr>
-          <p:cNvPr id="8" name="Content Placeholder 7"/>
-          <p:cNvGraphicFramePr>
-            <a:graphicFrameLocks noGrp="1"/>
-          </p:cNvGraphicFramePr>
-          <p:nvPr>
-            <p:ph idx="1"/>
-            <p:extLst>
-              <p:ext uri="{D42A27DB-BD31-4B8C-83A1-F6EECF244321}">
-                <p14:modId xmlns:p14="http://schemas.microsoft.com/office/powerpoint/2010/main" val="1503173150"/>
-              </p:ext>
-            </p:extLst>
-          </p:nvPr>
-        </p:nvGraphicFramePr>
-        <p:xfrm>
-          <a:off x="0" y="1828800"/>
-          <a:ext cx="12114212" cy="4517855"/>
-        </p:xfrm>
-        <a:graphic>
-          <a:graphicData uri="http://schemas.openxmlformats.org/drawingml/2006/chart">
-            <c:chart xmlns:c="http://schemas.openxmlformats.org/drawingml/2006/chart" xmlns:r="http://schemas.openxmlformats.org/officeDocument/2006/relationships" r:id="rId2"/>
-          </a:graphicData>
-        </a:graphic>
-      </p:graphicFrame>
     </p:spTree>
     <p:extLst>
       <p:ext uri="{BB962C8B-B14F-4D97-AF65-F5344CB8AC3E}">
-        <p14:creationId xmlns:p14="http://schemas.microsoft.com/office/powerpoint/2010/main" val="2985966692"/>
+        <p14:creationId xmlns:p14="http://schemas.microsoft.com/office/powerpoint/2010/main" val="3671086265"/>
       </p:ext>
     </p:extLst>
   </p:cSld>

--- a/Documentation/Presentations/CS499 Final Presentation.pptx
+++ b/Documentation/Presentations/CS499 Final Presentation.pptx
@@ -208,7 +208,7 @@
 </file>
 
 <file path=ppt/charts/chart1.xml><?xml version="1.0" encoding="utf-8"?>
-<c:chartSpace xmlns:c="http://schemas.openxmlformats.org/drawingml/2006/chart" xmlns:a="http://schemas.openxmlformats.org/drawingml/2006/main" xmlns:r="http://schemas.openxmlformats.org/officeDocument/2006/relationships">
+<c:chartSpace xmlns:c="http://schemas.openxmlformats.org/drawingml/2006/chart" xmlns:a="http://schemas.openxmlformats.org/drawingml/2006/main" xmlns:r="http://schemas.openxmlformats.org/officeDocument/2006/relationships" xmlns:c16r2="http://schemas.microsoft.com/office/drawing/2015/06/chart">
   <c:date1904 val="0"/>
   <c:lang val="en-US"/>
   <c:roundedCorners val="0"/>
@@ -261,7 +261,6 @@
           </a:p>
         </c:rich>
       </c:tx>
-      <c:layout/>
       <c:overlay val="0"/>
       <c:spPr>
         <a:noFill/>
@@ -400,7 +399,7 @@
               </c:numCache>
             </c:numRef>
           </c:val>
-          <c:extLst xmlns:c16r2="http://schemas.microsoft.com/office/drawing/2015/06/chart">
+          <c:extLst>
             <c:ext xmlns:c16="http://schemas.microsoft.com/office/drawing/2014/chart" uri="{C3380CC4-5D6E-409C-BE32-E72D297353CC}">
               <c16:uniqueId val="{00000000-C998-45E2-B113-3A76F2ADAB4D}"/>
             </c:ext>
@@ -586,7 +585,7 @@
               </c:numCache>
             </c:numRef>
           </c:val>
-          <c:extLst xmlns:c16r2="http://schemas.microsoft.com/office/drawing/2015/06/chart">
+          <c:extLst>
             <c:ext xmlns:c16="http://schemas.microsoft.com/office/drawing/2014/chart" uri="{C3380CC4-5D6E-409C-BE32-E72D297353CC}">
               <c16:uniqueId val="{00000001-C998-45E2-B113-3A76F2ADAB4D}"/>
             </c:ext>
@@ -714,7 +713,7 @@
             </c:numRef>
           </c:val>
           <c:smooth val="0"/>
-          <c:extLst xmlns:c16r2="http://schemas.microsoft.com/office/drawing/2015/06/chart">
+          <c:extLst>
             <c:ext xmlns:c16="http://schemas.microsoft.com/office/drawing/2014/chart" uri="{C3380CC4-5D6E-409C-BE32-E72D297353CC}">
               <c16:uniqueId val="{00000002-C998-45E2-B113-3A76F2ADAB4D}"/>
             </c:ext>
@@ -766,7 +765,6 @@
               </a:p>
             </c:rich>
           </c:tx>
-          <c:layout/>
           <c:overlay val="0"/>
           <c:spPr>
             <a:noFill/>
@@ -891,7 +889,6 @@
               </a:p>
             </c:rich>
           </c:tx>
-          <c:layout/>
           <c:overlay val="0"/>
           <c:spPr>
             <a:noFill/>
@@ -966,7 +963,6 @@
     </c:plotArea>
     <c:legend>
       <c:legendPos val="b"/>
-      <c:layout/>
       <c:overlay val="0"/>
       <c:spPr>
         <a:noFill/>
@@ -1024,7 +1020,7 @@
 </file>
 
 <file path=ppt/charts/chart2.xml><?xml version="1.0" encoding="utf-8"?>
-<c:chartSpace xmlns:c="http://schemas.openxmlformats.org/drawingml/2006/chart" xmlns:a="http://schemas.openxmlformats.org/drawingml/2006/main" xmlns:r="http://schemas.openxmlformats.org/officeDocument/2006/relationships">
+<c:chartSpace xmlns:c="http://schemas.openxmlformats.org/drawingml/2006/chart" xmlns:a="http://schemas.openxmlformats.org/drawingml/2006/main" xmlns:r="http://schemas.openxmlformats.org/officeDocument/2006/relationships" xmlns:c16r2="http://schemas.microsoft.com/office/drawing/2015/06/chart">
   <c:date1904 val="0"/>
   <c:lang val="en-US"/>
   <c:roundedCorners val="0"/>
@@ -1063,7 +1059,6 @@
           </a:p>
         </c:rich>
       </c:tx>
-      <c:layout/>
       <c:overlay val="0"/>
       <c:spPr>
         <a:noFill/>
@@ -1173,9 +1168,8 @@
             <c:showPercent val="0"/>
             <c:showBubbleSize val="0"/>
             <c:showLeaderLines val="0"/>
-            <c:extLst xmlns:c16r2="http://schemas.microsoft.com/office/drawing/2015/06/chart">
+            <c:extLst>
               <c:ext xmlns:c15="http://schemas.microsoft.com/office/drawing/2012/chart" uri="{CE6537A1-D6FC-4f65-9D91-7224C49458BB}">
-                <c15:layout/>
                 <c15:showLeaderLines val="1"/>
                 <c15:leaderLines>
                   <c:spPr>
@@ -1267,7 +1261,7 @@
             </c:numRef>
           </c:val>
           <c:smooth val="0"/>
-          <c:extLst xmlns:c16r2="http://schemas.microsoft.com/office/drawing/2015/06/chart">
+          <c:extLst>
             <c:ext xmlns:c16="http://schemas.microsoft.com/office/drawing/2014/chart" uri="{C3380CC4-5D6E-409C-BE32-E72D297353CC}">
               <c16:uniqueId val="{00000000-7036-49FB-A3F7-6BDC1515C86F}"/>
             </c:ext>
@@ -1338,9 +1332,8 @@
             <c:showPercent val="0"/>
             <c:showBubbleSize val="0"/>
             <c:showLeaderLines val="0"/>
-            <c:extLst xmlns:c16r2="http://schemas.microsoft.com/office/drawing/2015/06/chart">
+            <c:extLst>
               <c:ext xmlns:c15="http://schemas.microsoft.com/office/drawing/2012/chart" uri="{CE6537A1-D6FC-4f65-9D91-7224C49458BB}">
-                <c15:layout/>
                 <c15:showLeaderLines val="1"/>
                 <c15:leaderLines>
                   <c:spPr>
@@ -1438,7 +1431,7 @@
             </c:numRef>
           </c:val>
           <c:smooth val="0"/>
-          <c:extLst xmlns:c16r2="http://schemas.microsoft.com/office/drawing/2015/06/chart">
+          <c:extLst>
             <c:ext xmlns:c16="http://schemas.microsoft.com/office/drawing/2014/chart" uri="{C3380CC4-5D6E-409C-BE32-E72D297353CC}">
               <c16:uniqueId val="{00000001-7036-49FB-A3F7-6BDC1515C86F}"/>
             </c:ext>
@@ -3014,7 +3007,7 @@
           <a:p>
             <a:fld id="{4954C6E1-AF92-4FB7-A013-0B520EBC30AE}" type="datetimeFigureOut">
               <a:rPr lang="en-US"/>
-              <a:t>04/04/2016</a:t>
+              <a:t>4/4/2016</a:t>
             </a:fld>
             <a:endParaRPr/>
           </a:p>
@@ -3180,7 +3173,7 @@
           <a:p>
             <a:fld id="{95C10850-0874-4A61-99B4-D613C5E8D9EA}" type="datetimeFigureOut">
               <a:rPr lang="en-US"/>
-              <a:t>04/04/2016</a:t>
+              <a:t>4/4/2016</a:t>
             </a:fld>
             <a:endParaRPr/>
           </a:p>
@@ -3743,7 +3736,7 @@
           </a:lstStyle>
           <a:p>
             <a:r>
-              <a:rPr lang="en-US" smtClean="0"/>
+              <a:rPr lang="en-US"/>
               <a:t>Click to edit Master title style</a:t>
             </a:r>
             <a:endParaRPr lang="en-US" dirty="0"/>
@@ -3820,7 +3813,7 @@
           </a:lstStyle>
           <a:p>
             <a:r>
-              <a:rPr lang="en-US" smtClean="0"/>
+              <a:rPr lang="en-US"/>
               <a:t>Click to edit Master subtitle style</a:t>
             </a:r>
             <a:endParaRPr lang="en-US" dirty="0"/>
@@ -3843,10 +3836,9 @@
           <a:lstStyle/>
           <a:p>
             <a:r>
-              <a:rPr lang="en-US" smtClean="0"/>
+              <a:rPr lang="en-US"/>
               <a:t>04/15/2016</a:t>
             </a:r>
-            <a:endParaRPr lang="en-US"/>
           </a:p>
         </p:txBody>
       </p:sp>
@@ -3866,10 +3858,9 @@
           <a:lstStyle/>
           <a:p>
             <a:r>
-              <a:rPr lang="en-US" smtClean="0"/>
+              <a:rPr lang="en-US"/>
               <a:t>CS499 Team Hotspotter</a:t>
             </a:r>
-            <a:endParaRPr lang="en-US"/>
           </a:p>
         </p:txBody>
       </p:sp>
@@ -3919,13 +3910,6 @@
       </p:transition>
     </mc:Fallback>
   </mc:AlternateContent>
-  <p:timing>
-    <p:tnLst>
-      <p:par>
-        <p:cTn id="1" dur="indefinite" restart="never" nodeType="tmRoot"/>
-      </p:par>
-    </p:tnLst>
-  </p:timing>
   <p:extLst mod="1">
     <p:ext uri="{DCECCB84-F9BA-43D5-87BE-67443E8EF086}">
       <p15:sldGuideLst xmlns:p15="http://schemas.microsoft.com/office/powerpoint/2012/main">
@@ -3978,7 +3962,7 @@
           <a:lstStyle/>
           <a:p>
             <a:r>
-              <a:rPr lang="en-US" smtClean="0"/>
+              <a:rPr lang="en-US"/>
               <a:t>Click to edit Master title style</a:t>
             </a:r>
             <a:endParaRPr lang="en-US" dirty="0"/>
@@ -4002,35 +3986,35 @@
           <a:p>
             <a:pPr lvl="0"/>
             <a:r>
-              <a:rPr lang="en-US" smtClean="0"/>
+              <a:rPr lang="en-US"/>
               <a:t>Click to edit Master text styles</a:t>
             </a:r>
           </a:p>
           <a:p>
             <a:pPr lvl="1"/>
             <a:r>
-              <a:rPr lang="en-US" smtClean="0"/>
+              <a:rPr lang="en-US"/>
               <a:t>Second level</a:t>
             </a:r>
           </a:p>
           <a:p>
             <a:pPr lvl="2"/>
             <a:r>
-              <a:rPr lang="en-US" smtClean="0"/>
+              <a:rPr lang="en-US"/>
               <a:t>Third level</a:t>
             </a:r>
           </a:p>
           <a:p>
             <a:pPr lvl="3"/>
             <a:r>
-              <a:rPr lang="en-US" smtClean="0"/>
+              <a:rPr lang="en-US"/>
               <a:t>Fourth level</a:t>
             </a:r>
           </a:p>
           <a:p>
             <a:pPr lvl="4"/>
             <a:r>
-              <a:rPr lang="en-US" smtClean="0"/>
+              <a:rPr lang="en-US"/>
               <a:t>Fifth level</a:t>
             </a:r>
             <a:endParaRPr lang="en-US" dirty="0"/>
@@ -4053,10 +4037,9 @@
           <a:lstStyle/>
           <a:p>
             <a:r>
-              <a:rPr lang="en-US" smtClean="0"/>
+              <a:rPr lang="en-US"/>
               <a:t>04/15/2016</a:t>
             </a:r>
-            <a:endParaRPr lang="en-US"/>
           </a:p>
         </p:txBody>
       </p:sp>
@@ -4076,10 +4059,9 @@
           <a:lstStyle/>
           <a:p>
             <a:r>
-              <a:rPr lang="en-US" smtClean="0"/>
+              <a:rPr lang="en-US"/>
               <a:t>CS499 Team Hotspotter</a:t>
             </a:r>
-            <a:endParaRPr lang="en-US"/>
           </a:p>
         </p:txBody>
       </p:sp>
@@ -4128,13 +4110,6 @@
       </p:transition>
     </mc:Fallback>
   </mc:AlternateContent>
-  <p:timing>
-    <p:tnLst>
-      <p:par>
-        <p:cTn id="1" dur="indefinite" restart="never" nodeType="tmRoot"/>
-      </p:par>
-    </p:tnLst>
-  </p:timing>
 </p:sldLayout>
 </file>
 
@@ -4214,7 +4189,7 @@
           <a:lstStyle/>
           <a:p>
             <a:r>
-              <a:rPr lang="en-US" smtClean="0"/>
+              <a:rPr lang="en-US"/>
               <a:t>Click to edit Master title style</a:t>
             </a:r>
             <a:endParaRPr lang="en-US" dirty="0"/>
@@ -4243,35 +4218,35 @@
           <a:p>
             <a:pPr lvl="0"/>
             <a:r>
-              <a:rPr lang="en-US" smtClean="0"/>
+              <a:rPr lang="en-US"/>
               <a:t>Click to edit Master text styles</a:t>
             </a:r>
           </a:p>
           <a:p>
             <a:pPr lvl="1"/>
             <a:r>
-              <a:rPr lang="en-US" smtClean="0"/>
+              <a:rPr lang="en-US"/>
               <a:t>Second level</a:t>
             </a:r>
           </a:p>
           <a:p>
             <a:pPr lvl="2"/>
             <a:r>
-              <a:rPr lang="en-US" smtClean="0"/>
+              <a:rPr lang="en-US"/>
               <a:t>Third level</a:t>
             </a:r>
           </a:p>
           <a:p>
             <a:pPr lvl="3"/>
             <a:r>
-              <a:rPr lang="en-US" smtClean="0"/>
+              <a:rPr lang="en-US"/>
               <a:t>Fourth level</a:t>
             </a:r>
           </a:p>
           <a:p>
             <a:pPr lvl="4"/>
             <a:r>
-              <a:rPr lang="en-US" smtClean="0"/>
+              <a:rPr lang="en-US"/>
               <a:t>Fifth level</a:t>
             </a:r>
             <a:endParaRPr lang="en-US" dirty="0"/>
@@ -4299,10 +4274,9 @@
           <a:lstStyle/>
           <a:p>
             <a:r>
-              <a:rPr lang="en-US" smtClean="0"/>
+              <a:rPr lang="en-US"/>
               <a:t>04/15/2016</a:t>
             </a:r>
-            <a:endParaRPr lang="en-US"/>
           </a:p>
         </p:txBody>
       </p:sp>
@@ -4327,10 +4301,9 @@
           <a:lstStyle/>
           <a:p>
             <a:r>
-              <a:rPr lang="en-US" smtClean="0"/>
+              <a:rPr lang="en-US"/>
               <a:t>CS499 Team Hotspotter</a:t>
             </a:r>
-            <a:endParaRPr lang="en-US"/>
           </a:p>
         </p:txBody>
       </p:sp>
@@ -4384,13 +4357,6 @@
       </p:transition>
     </mc:Fallback>
   </mc:AlternateContent>
-  <p:timing>
-    <p:tnLst>
-      <p:par>
-        <p:cTn id="1" dur="indefinite" restart="never" nodeType="tmRoot"/>
-      </p:par>
-    </p:tnLst>
-  </p:timing>
 </p:sldLayout>
 </file>
 
@@ -4427,7 +4393,7 @@
           <a:lstStyle/>
           <a:p>
             <a:r>
-              <a:rPr lang="en-US" smtClean="0"/>
+              <a:rPr lang="en-US"/>
               <a:t>Click to edit Master title style</a:t>
             </a:r>
             <a:endParaRPr lang="en-US" dirty="0"/>
@@ -4451,35 +4417,35 @@
           <a:p>
             <a:pPr lvl="0"/>
             <a:r>
-              <a:rPr lang="en-US" smtClean="0"/>
+              <a:rPr lang="en-US"/>
               <a:t>Click to edit Master text styles</a:t>
             </a:r>
           </a:p>
           <a:p>
             <a:pPr lvl="1"/>
             <a:r>
-              <a:rPr lang="en-US" smtClean="0"/>
+              <a:rPr lang="en-US"/>
               <a:t>Second level</a:t>
             </a:r>
           </a:p>
           <a:p>
             <a:pPr lvl="2"/>
             <a:r>
-              <a:rPr lang="en-US" smtClean="0"/>
+              <a:rPr lang="en-US"/>
               <a:t>Third level</a:t>
             </a:r>
           </a:p>
           <a:p>
             <a:pPr lvl="3"/>
             <a:r>
-              <a:rPr lang="en-US" smtClean="0"/>
+              <a:rPr lang="en-US"/>
               <a:t>Fourth level</a:t>
             </a:r>
           </a:p>
           <a:p>
             <a:pPr lvl="4"/>
             <a:r>
-              <a:rPr lang="en-US" smtClean="0"/>
+              <a:rPr lang="en-US"/>
               <a:t>Fifth level</a:t>
             </a:r>
             <a:endParaRPr lang="en-US" dirty="0"/>
@@ -4502,10 +4468,9 @@
           <a:lstStyle/>
           <a:p>
             <a:r>
-              <a:rPr lang="en-US" smtClean="0"/>
+              <a:rPr lang="en-US"/>
               <a:t>04/15/2016</a:t>
             </a:r>
-            <a:endParaRPr lang="en-US"/>
           </a:p>
         </p:txBody>
       </p:sp>
@@ -4525,10 +4490,9 @@
           <a:lstStyle/>
           <a:p>
             <a:r>
-              <a:rPr lang="en-US" smtClean="0"/>
+              <a:rPr lang="en-US"/>
               <a:t>CS499 Team Hotspotter</a:t>
             </a:r>
-            <a:endParaRPr lang="en-US"/>
           </a:p>
         </p:txBody>
       </p:sp>
@@ -4577,13 +4541,6 @@
       </p:transition>
     </mc:Fallback>
   </mc:AlternateContent>
-  <p:timing>
-    <p:tnLst>
-      <p:par>
-        <p:cTn id="1" dur="indefinite" restart="never" nodeType="tmRoot"/>
-      </p:par>
-    </p:tnLst>
-  </p:timing>
 </p:sldLayout>
 </file>
 
@@ -4714,7 +4671,7 @@
           </a:lstStyle>
           <a:p>
             <a:r>
-              <a:rPr lang="en-US" smtClean="0"/>
+              <a:rPr lang="en-US"/>
               <a:t>Click to edit Master title style</a:t>
             </a:r>
             <a:endParaRPr lang="en-US" dirty="0"/>
@@ -4834,7 +4791,7 @@
           <a:p>
             <a:pPr lvl="0"/>
             <a:r>
-              <a:rPr lang="en-US" smtClean="0"/>
+              <a:rPr lang="en-US"/>
               <a:t>Click to edit Master text styles</a:t>
             </a:r>
           </a:p>
@@ -4864,10 +4821,9 @@
           </a:lstStyle>
           <a:p>
             <a:r>
-              <a:rPr lang="en-US" smtClean="0"/>
+              <a:rPr lang="en-US"/>
               <a:t>04/15/2016</a:t>
             </a:r>
-            <a:endParaRPr lang="en-US"/>
           </a:p>
         </p:txBody>
       </p:sp>
@@ -4895,10 +4851,9 @@
           </a:lstStyle>
           <a:p>
             <a:r>
-              <a:rPr lang="en-US" smtClean="0"/>
+              <a:rPr lang="en-US"/>
               <a:t>CS499 Team Hotspotter</a:t>
             </a:r>
-            <a:endParaRPr lang="en-US"/>
           </a:p>
         </p:txBody>
       </p:sp>
@@ -4955,13 +4910,6 @@
       </p:transition>
     </mc:Fallback>
   </mc:AlternateContent>
-  <p:timing>
-    <p:tnLst>
-      <p:par>
-        <p:cTn id="1" dur="indefinite" restart="never" nodeType="tmRoot"/>
-      </p:par>
-    </p:tnLst>
-  </p:timing>
 </p:sldLayout>
 </file>
 
@@ -4998,7 +4946,7 @@
           <a:lstStyle/>
           <a:p>
             <a:r>
-              <a:rPr lang="en-US" smtClean="0"/>
+              <a:rPr lang="en-US"/>
               <a:t>Click to edit Master title style</a:t>
             </a:r>
             <a:endParaRPr lang="en-US" dirty="0"/>
@@ -5055,35 +5003,35 @@
           <a:p>
             <a:pPr lvl="0"/>
             <a:r>
-              <a:rPr lang="en-US" smtClean="0"/>
+              <a:rPr lang="en-US"/>
               <a:t>Click to edit Master text styles</a:t>
             </a:r>
           </a:p>
           <a:p>
             <a:pPr lvl="1"/>
             <a:r>
-              <a:rPr lang="en-US" smtClean="0"/>
+              <a:rPr lang="en-US"/>
               <a:t>Second level</a:t>
             </a:r>
           </a:p>
           <a:p>
             <a:pPr lvl="2"/>
             <a:r>
-              <a:rPr lang="en-US" smtClean="0"/>
+              <a:rPr lang="en-US"/>
               <a:t>Third level</a:t>
             </a:r>
           </a:p>
           <a:p>
             <a:pPr lvl="3"/>
             <a:r>
-              <a:rPr lang="en-US" smtClean="0"/>
+              <a:rPr lang="en-US"/>
               <a:t>Fourth level</a:t>
             </a:r>
           </a:p>
           <a:p>
             <a:pPr lvl="4"/>
             <a:r>
-              <a:rPr lang="en-US" smtClean="0"/>
+              <a:rPr lang="en-US"/>
               <a:t>Fifth level</a:t>
             </a:r>
             <a:endParaRPr lang="en-US" dirty="0"/>
@@ -5140,35 +5088,35 @@
           <a:p>
             <a:pPr lvl="0"/>
             <a:r>
-              <a:rPr lang="en-US" smtClean="0"/>
+              <a:rPr lang="en-US"/>
               <a:t>Click to edit Master text styles</a:t>
             </a:r>
           </a:p>
           <a:p>
             <a:pPr lvl="1"/>
             <a:r>
-              <a:rPr lang="en-US" smtClean="0"/>
+              <a:rPr lang="en-US"/>
               <a:t>Second level</a:t>
             </a:r>
           </a:p>
           <a:p>
             <a:pPr lvl="2"/>
             <a:r>
-              <a:rPr lang="en-US" smtClean="0"/>
+              <a:rPr lang="en-US"/>
               <a:t>Third level</a:t>
             </a:r>
           </a:p>
           <a:p>
             <a:pPr lvl="3"/>
             <a:r>
-              <a:rPr lang="en-US" smtClean="0"/>
+              <a:rPr lang="en-US"/>
               <a:t>Fourth level</a:t>
             </a:r>
           </a:p>
           <a:p>
             <a:pPr lvl="4"/>
             <a:r>
-              <a:rPr lang="en-US" smtClean="0"/>
+              <a:rPr lang="en-US"/>
               <a:t>Fifth level</a:t>
             </a:r>
             <a:endParaRPr lang="en-US" dirty="0"/>
@@ -5191,10 +5139,9 @@
           <a:lstStyle/>
           <a:p>
             <a:r>
-              <a:rPr lang="en-US" smtClean="0"/>
+              <a:rPr lang="en-US"/>
               <a:t>04/15/2016</a:t>
             </a:r>
-            <a:endParaRPr lang="en-US"/>
           </a:p>
         </p:txBody>
       </p:sp>
@@ -5214,10 +5161,9 @@
           <a:lstStyle/>
           <a:p>
             <a:r>
-              <a:rPr lang="en-US" smtClean="0"/>
+              <a:rPr lang="en-US"/>
               <a:t>CS499 Team Hotspotter</a:t>
             </a:r>
-            <a:endParaRPr lang="en-US"/>
           </a:p>
         </p:txBody>
       </p:sp>
@@ -5266,13 +5212,6 @@
       </p:transition>
     </mc:Fallback>
   </mc:AlternateContent>
-  <p:timing>
-    <p:tnLst>
-      <p:par>
-        <p:cTn id="1" dur="indefinite" restart="never" nodeType="tmRoot"/>
-      </p:par>
-    </p:tnLst>
-  </p:timing>
 </p:sldLayout>
 </file>
 
@@ -5309,7 +5248,7 @@
           <a:lstStyle/>
           <a:p>
             <a:r>
-              <a:rPr lang="en-US" smtClean="0"/>
+              <a:rPr lang="en-US"/>
               <a:t>Click to edit Master title style</a:t>
             </a:r>
             <a:endParaRPr lang="en-US" dirty="0"/>
@@ -5377,7 +5316,7 @@
           <a:p>
             <a:pPr lvl="0"/>
             <a:r>
-              <a:rPr lang="en-US" smtClean="0"/>
+              <a:rPr lang="en-US"/>
               <a:t>Click to edit Master text styles</a:t>
             </a:r>
           </a:p>
@@ -5433,35 +5372,35 @@
           <a:p>
             <a:pPr lvl="0"/>
             <a:r>
-              <a:rPr lang="en-US" smtClean="0"/>
+              <a:rPr lang="en-US"/>
               <a:t>Click to edit Master text styles</a:t>
             </a:r>
           </a:p>
           <a:p>
             <a:pPr lvl="1"/>
             <a:r>
-              <a:rPr lang="en-US" smtClean="0"/>
+              <a:rPr lang="en-US"/>
               <a:t>Second level</a:t>
             </a:r>
           </a:p>
           <a:p>
             <a:pPr lvl="2"/>
             <a:r>
-              <a:rPr lang="en-US" smtClean="0"/>
+              <a:rPr lang="en-US"/>
               <a:t>Third level</a:t>
             </a:r>
           </a:p>
           <a:p>
             <a:pPr lvl="3"/>
             <a:r>
-              <a:rPr lang="en-US" smtClean="0"/>
+              <a:rPr lang="en-US"/>
               <a:t>Fourth level</a:t>
             </a:r>
           </a:p>
           <a:p>
             <a:pPr lvl="4"/>
             <a:r>
-              <a:rPr lang="en-US" smtClean="0"/>
+              <a:rPr lang="en-US"/>
               <a:t>Fifth level</a:t>
             </a:r>
             <a:endParaRPr lang="en-US" dirty="0"/>
@@ -5529,7 +5468,7 @@
           <a:p>
             <a:pPr lvl="0"/>
             <a:r>
-              <a:rPr lang="en-US" smtClean="0"/>
+              <a:rPr lang="en-US"/>
               <a:t>Click to edit Master text styles</a:t>
             </a:r>
           </a:p>
@@ -5585,35 +5524,35 @@
           <a:p>
             <a:pPr lvl="0"/>
             <a:r>
-              <a:rPr lang="en-US" smtClean="0"/>
+              <a:rPr lang="en-US"/>
               <a:t>Click to edit Master text styles</a:t>
             </a:r>
           </a:p>
           <a:p>
             <a:pPr lvl="1"/>
             <a:r>
-              <a:rPr lang="en-US" smtClean="0"/>
+              <a:rPr lang="en-US"/>
               <a:t>Second level</a:t>
             </a:r>
           </a:p>
           <a:p>
             <a:pPr lvl="2"/>
             <a:r>
-              <a:rPr lang="en-US" smtClean="0"/>
+              <a:rPr lang="en-US"/>
               <a:t>Third level</a:t>
             </a:r>
           </a:p>
           <a:p>
             <a:pPr lvl="3"/>
             <a:r>
-              <a:rPr lang="en-US" smtClean="0"/>
+              <a:rPr lang="en-US"/>
               <a:t>Fourth level</a:t>
             </a:r>
           </a:p>
           <a:p>
             <a:pPr lvl="4"/>
             <a:r>
-              <a:rPr lang="en-US" smtClean="0"/>
+              <a:rPr lang="en-US"/>
               <a:t>Fifth level</a:t>
             </a:r>
             <a:endParaRPr lang="en-US" dirty="0"/>
@@ -5636,10 +5575,9 @@
           <a:lstStyle/>
           <a:p>
             <a:r>
-              <a:rPr lang="en-US" smtClean="0"/>
+              <a:rPr lang="en-US"/>
               <a:t>04/15/2016</a:t>
             </a:r>
-            <a:endParaRPr lang="en-US"/>
           </a:p>
         </p:txBody>
       </p:sp>
@@ -5659,10 +5597,9 @@
           <a:lstStyle/>
           <a:p>
             <a:r>
-              <a:rPr lang="en-US" smtClean="0"/>
+              <a:rPr lang="en-US"/>
               <a:t>CS499 Team Hotspotter</a:t>
             </a:r>
-            <a:endParaRPr lang="en-US"/>
           </a:p>
         </p:txBody>
       </p:sp>
@@ -5711,13 +5648,6 @@
       </p:transition>
     </mc:Fallback>
   </mc:AlternateContent>
-  <p:timing>
-    <p:tnLst>
-      <p:par>
-        <p:cTn id="1" dur="indefinite" restart="never" nodeType="tmRoot"/>
-      </p:par>
-    </p:tnLst>
-  </p:timing>
 </p:sldLayout>
 </file>
 
@@ -5754,7 +5684,7 @@
           <a:lstStyle/>
           <a:p>
             <a:r>
-              <a:rPr lang="en-US" smtClean="0"/>
+              <a:rPr lang="en-US"/>
               <a:t>Click to edit Master title style</a:t>
             </a:r>
             <a:endParaRPr lang="en-US" dirty="0"/>
@@ -5777,10 +5707,9 @@
           <a:lstStyle/>
           <a:p>
             <a:r>
-              <a:rPr lang="en-US" smtClean="0"/>
+              <a:rPr lang="en-US"/>
               <a:t>04/15/2016</a:t>
             </a:r>
-            <a:endParaRPr lang="en-US"/>
           </a:p>
         </p:txBody>
       </p:sp>
@@ -5800,10 +5729,9 @@
           <a:lstStyle/>
           <a:p>
             <a:r>
-              <a:rPr lang="en-US" smtClean="0"/>
+              <a:rPr lang="en-US"/>
               <a:t>CS499 Team Hotspotter</a:t>
             </a:r>
-            <a:endParaRPr lang="en-US"/>
           </a:p>
         </p:txBody>
       </p:sp>
@@ -5852,13 +5780,6 @@
       </p:transition>
     </mc:Fallback>
   </mc:AlternateContent>
-  <p:timing>
-    <p:tnLst>
-      <p:par>
-        <p:cTn id="1" dur="indefinite" restart="never" nodeType="tmRoot"/>
-      </p:par>
-    </p:tnLst>
-  </p:timing>
 </p:sldLayout>
 </file>
 
@@ -5895,10 +5816,9 @@
           <a:lstStyle/>
           <a:p>
             <a:r>
-              <a:rPr lang="en-US" smtClean="0"/>
+              <a:rPr lang="en-US"/>
               <a:t>04/15/2016</a:t>
             </a:r>
-            <a:endParaRPr lang="en-US"/>
           </a:p>
         </p:txBody>
       </p:sp>
@@ -5918,10 +5838,9 @@
           <a:lstStyle/>
           <a:p>
             <a:r>
-              <a:rPr lang="en-US" smtClean="0"/>
+              <a:rPr lang="en-US"/>
               <a:t>CS499 Team Hotspotter</a:t>
             </a:r>
-            <a:endParaRPr lang="en-US"/>
           </a:p>
         </p:txBody>
       </p:sp>
@@ -5971,13 +5890,6 @@
       </p:transition>
     </mc:Fallback>
   </mc:AlternateContent>
-  <p:timing>
-    <p:tnLst>
-      <p:par>
-        <p:cTn id="1" dur="indefinite" restart="never" nodeType="tmRoot"/>
-      </p:par>
-    </p:tnLst>
-  </p:timing>
 </p:sldLayout>
 </file>
 
@@ -6014,7 +5926,7 @@
           <a:lstStyle/>
           <a:p>
             <a:r>
-              <a:rPr lang="en-US" smtClean="0"/>
+              <a:rPr lang="en-US"/>
               <a:t>Click to edit Master title style</a:t>
             </a:r>
             <a:endParaRPr lang="en-US" dirty="0"/>
@@ -6071,35 +5983,35 @@
           <a:p>
             <a:pPr lvl="0"/>
             <a:r>
-              <a:rPr lang="en-US" smtClean="0"/>
+              <a:rPr lang="en-US"/>
               <a:t>Click to edit Master text styles</a:t>
             </a:r>
           </a:p>
           <a:p>
             <a:pPr lvl="1"/>
             <a:r>
-              <a:rPr lang="en-US" smtClean="0"/>
+              <a:rPr lang="en-US"/>
               <a:t>Second level</a:t>
             </a:r>
           </a:p>
           <a:p>
             <a:pPr lvl="2"/>
             <a:r>
-              <a:rPr lang="en-US" smtClean="0"/>
+              <a:rPr lang="en-US"/>
               <a:t>Third level</a:t>
             </a:r>
           </a:p>
           <a:p>
             <a:pPr lvl="3"/>
             <a:r>
-              <a:rPr lang="en-US" smtClean="0"/>
+              <a:rPr lang="en-US"/>
               <a:t>Fourth level</a:t>
             </a:r>
           </a:p>
           <a:p>
             <a:pPr lvl="4"/>
             <a:r>
-              <a:rPr lang="en-US" smtClean="0"/>
+              <a:rPr lang="en-US"/>
               <a:t>Fifth level</a:t>
             </a:r>
             <a:endParaRPr lang="en-US" dirty="0"/>
@@ -6170,7 +6082,7 @@
           <a:p>
             <a:pPr lvl="0"/>
             <a:r>
-              <a:rPr lang="en-US" smtClean="0"/>
+              <a:rPr lang="en-US"/>
               <a:t>Click to edit Master text styles</a:t>
             </a:r>
           </a:p>
@@ -6192,10 +6104,9 @@
           <a:lstStyle/>
           <a:p>
             <a:r>
-              <a:rPr lang="en-US" smtClean="0"/>
+              <a:rPr lang="en-US"/>
               <a:t>04/15/2016</a:t>
             </a:r>
-            <a:endParaRPr lang="en-US"/>
           </a:p>
         </p:txBody>
       </p:sp>
@@ -6215,10 +6126,9 @@
           <a:lstStyle/>
           <a:p>
             <a:r>
-              <a:rPr lang="en-US" smtClean="0"/>
+              <a:rPr lang="en-US"/>
               <a:t>CS499 Team Hotspotter</a:t>
             </a:r>
-            <a:endParaRPr lang="en-US"/>
           </a:p>
         </p:txBody>
       </p:sp>
@@ -6268,13 +6178,6 @@
       </p:transition>
     </mc:Fallback>
   </mc:AlternateContent>
-  <p:timing>
-    <p:tnLst>
-      <p:par>
-        <p:cTn id="1" dur="indefinite" restart="never" nodeType="tmRoot"/>
-      </p:par>
-    </p:tnLst>
-  </p:timing>
 </p:sldLayout>
 </file>
 
@@ -6311,7 +6214,7 @@
           <a:lstStyle/>
           <a:p>
             <a:r>
-              <a:rPr lang="en-US" smtClean="0"/>
+              <a:rPr lang="en-US"/>
               <a:t>Click to edit Master title style</a:t>
             </a:r>
             <a:endParaRPr lang="en-US" dirty="0"/>
@@ -6388,7 +6291,7 @@
           </a:lstStyle>
           <a:p>
             <a:r>
-              <a:rPr lang="en-US" smtClean="0"/>
+              <a:rPr lang="en-US"/>
               <a:t>Click icon to add picture</a:t>
             </a:r>
             <a:endParaRPr lang="en-US" dirty="0"/>
@@ -6459,7 +6362,7 @@
           <a:p>
             <a:pPr lvl="0"/>
             <a:r>
-              <a:rPr lang="en-US" smtClean="0"/>
+              <a:rPr lang="en-US"/>
               <a:t>Click to edit Master text styles</a:t>
             </a:r>
           </a:p>
@@ -6481,10 +6384,9 @@
           <a:lstStyle/>
           <a:p>
             <a:r>
-              <a:rPr lang="en-US" smtClean="0"/>
+              <a:rPr lang="en-US"/>
               <a:t>04/15/2016</a:t>
             </a:r>
-            <a:endParaRPr lang="en-US"/>
           </a:p>
         </p:txBody>
       </p:sp>
@@ -6504,10 +6406,9 @@
           <a:lstStyle/>
           <a:p>
             <a:r>
-              <a:rPr lang="en-US" smtClean="0"/>
+              <a:rPr lang="en-US"/>
               <a:t>CS499 Team Hotspotter</a:t>
             </a:r>
-            <a:endParaRPr lang="en-US"/>
           </a:p>
         </p:txBody>
       </p:sp>
@@ -6557,13 +6458,6 @@
       </p:transition>
     </mc:Fallback>
   </mc:AlternateContent>
-  <p:timing>
-    <p:tnLst>
-      <p:par>
-        <p:cTn id="1" dur="indefinite" restart="never" nodeType="tmRoot"/>
-      </p:par>
-    </p:tnLst>
-  </p:timing>
 </p:sldLayout>
 </file>
 
@@ -6653,7 +6547,7 @@
           <a:lstStyle/>
           <a:p>
             <a:r>
-              <a:rPr lang="en-US" smtClean="0"/>
+              <a:rPr lang="en-US"/>
               <a:t>Click to edit Master title style</a:t>
             </a:r>
             <a:endParaRPr lang="en-US" dirty="0"/>
@@ -6687,35 +6581,35 @@
           <a:p>
             <a:pPr lvl="0"/>
             <a:r>
-              <a:rPr lang="en-US" smtClean="0"/>
+              <a:rPr lang="en-US"/>
               <a:t>Click to edit Master text styles</a:t>
             </a:r>
           </a:p>
           <a:p>
             <a:pPr lvl="1"/>
             <a:r>
-              <a:rPr lang="en-US" smtClean="0"/>
+              <a:rPr lang="en-US"/>
               <a:t>Second level</a:t>
             </a:r>
           </a:p>
           <a:p>
             <a:pPr lvl="2"/>
             <a:r>
-              <a:rPr lang="en-US" smtClean="0"/>
+              <a:rPr lang="en-US"/>
               <a:t>Third level</a:t>
             </a:r>
           </a:p>
           <a:p>
             <a:pPr lvl="3"/>
             <a:r>
-              <a:rPr lang="en-US" smtClean="0"/>
+              <a:rPr lang="en-US"/>
               <a:t>Fourth level</a:t>
             </a:r>
           </a:p>
           <a:p>
             <a:pPr lvl="4"/>
             <a:r>
-              <a:rPr lang="en-US" smtClean="0"/>
+              <a:rPr lang="en-US"/>
               <a:t>Fifth level</a:t>
             </a:r>
             <a:endParaRPr lang="en-US" dirty="0"/>
@@ -6754,10 +6648,9 @@
           </a:lstStyle>
           <a:p>
             <a:r>
-              <a:rPr lang="en-US" smtClean="0"/>
+              <a:rPr lang="en-US"/>
               <a:t>04/15/2016</a:t>
             </a:r>
-            <a:endParaRPr lang="en-US"/>
           </a:p>
         </p:txBody>
       </p:sp>
@@ -6793,10 +6686,9 @@
           </a:lstStyle>
           <a:p>
             <a:r>
-              <a:rPr lang="en-US" smtClean="0"/>
+              <a:rPr lang="en-US"/>
               <a:t>CS499 Team Hotspotter</a:t>
             </a:r>
-            <a:endParaRPr lang="en-US"/>
           </a:p>
         </p:txBody>
       </p:sp>
@@ -6873,13 +6765,6 @@
       </p:transition>
     </mc:Fallback>
   </mc:AlternateContent>
-  <p:timing>
-    <p:tnLst>
-      <p:par>
-        <p:cTn id="1" dur="indefinite" restart="never" nodeType="tmRoot"/>
-      </p:par>
-    </p:tnLst>
-  </p:timing>
   <p:hf hdr="0"/>
   <p:txStyles>
     <p:titleStyle>
@@ -7253,10 +7138,9 @@
           <a:lstStyle/>
           <a:p>
             <a:r>
-              <a:rPr lang="en-US" sz="6600" dirty="0" smtClean="0"/>
+              <a:rPr lang="en-US" sz="6600" dirty="0"/>
               <a:t>Team Hotspotter</a:t>
             </a:r>
-            <a:endParaRPr lang="en-US" sz="6600" dirty="0"/>
           </a:p>
         </p:txBody>
       </p:sp>
@@ -7283,7 +7167,7 @@
           <a:lstStyle/>
           <a:p>
             <a:r>
-              <a:rPr lang="en-US" sz="3600" b="1" u="sng" dirty="0" smtClean="0">
+              <a:rPr lang="en-US" sz="3600" b="1" u="sng" dirty="0">
                 <a:solidFill>
                   <a:schemeClr val="tx2">
                     <a:lumMod val="90000"/>
@@ -7295,7 +7179,7 @@
             </a:r>
           </a:p>
           <a:p>
-            <a:endParaRPr lang="en-US" sz="3600" b="1" u="sng" dirty="0" smtClean="0">
+            <a:endParaRPr lang="en-US" sz="3600" b="1" u="sng" dirty="0">
               <a:solidFill>
                 <a:schemeClr val="tx2">
                   <a:lumMod val="90000"/>
@@ -7307,7 +7191,7 @@
           <a:p>
             <a:pPr algn="l"/>
             <a:r>
-              <a:rPr lang="en-US" sz="2400" dirty="0" smtClean="0">
+              <a:rPr lang="en-US" sz="2400" dirty="0">
                 <a:solidFill>
                   <a:schemeClr val="tx2">
                     <a:lumMod val="90000"/>
@@ -7321,7 +7205,7 @@
           <a:p>
             <a:pPr algn="l"/>
             <a:r>
-              <a:rPr lang="en-US" sz="2400" dirty="0" smtClean="0">
+              <a:rPr lang="en-US" sz="2400" dirty="0">
                 <a:solidFill>
                   <a:schemeClr val="tx2">
                     <a:lumMod val="90000"/>
@@ -7335,7 +7219,7 @@
           <a:p>
             <a:pPr algn="l"/>
             <a:r>
-              <a:rPr lang="en-US" sz="2400" dirty="0" smtClean="0">
+              <a:rPr lang="en-US" sz="2400" dirty="0">
                 <a:solidFill>
                   <a:schemeClr val="tx2">
                     <a:lumMod val="90000"/>
@@ -7347,7 +7231,7 @@
             </a:r>
           </a:p>
           <a:p>
-            <a:endParaRPr lang="en-US" sz="3600" b="1" u="sng" dirty="0" smtClean="0">
+            <a:endParaRPr lang="en-US" sz="3600" b="1" u="sng" dirty="0">
               <a:solidFill>
                 <a:schemeClr val="tx2">
                   <a:lumMod val="90000"/>
@@ -7358,7 +7242,7 @@
           </a:p>
           <a:p>
             <a:r>
-              <a:rPr lang="en-US" sz="3600" b="1" u="sng" dirty="0" smtClean="0">
+              <a:rPr lang="en-US" sz="3600" b="1" u="sng" dirty="0">
                 <a:solidFill>
                   <a:schemeClr val="tx2">
                     <a:lumMod val="90000"/>
@@ -7370,7 +7254,7 @@
             </a:r>
           </a:p>
           <a:p>
-            <a:endParaRPr lang="en-US" sz="3600" b="1" u="sng" dirty="0" smtClean="0">
+            <a:endParaRPr lang="en-US" sz="3600" b="1" u="sng" dirty="0">
               <a:solidFill>
                 <a:schemeClr val="tx2">
                   <a:lumMod val="90000"/>
@@ -7392,7 +7276,7 @@
               <a:t>Dr. Igor </a:t>
             </a:r>
             <a:r>
-              <a:rPr lang="en-US" sz="2400" dirty="0" err="1" smtClean="0">
+              <a:rPr lang="en-US" sz="2400" dirty="0" err="1">
                 <a:solidFill>
                   <a:schemeClr val="tx2">
                     <a:lumMod val="90000"/>
@@ -7401,17 +7285,6 @@
                 </a:solidFill>
               </a:rPr>
               <a:t>Crk</a:t>
-            </a:r>
-            <a:r>
-              <a:rPr lang="en-US" sz="2400" dirty="0">
-                <a:solidFill>
-                  <a:schemeClr val="tx2">
-                    <a:lumMod val="90000"/>
-                    <a:lumOff val="10000"/>
-                  </a:schemeClr>
-                </a:solidFill>
-              </a:rPr>
-              <a:t/>
             </a:r>
             <a:br>
               <a:rPr lang="en-US" sz="2400" dirty="0">
@@ -7563,13 +7436,6 @@
       </p:transition>
     </mc:Fallback>
   </mc:AlternateContent>
-  <p:timing>
-    <p:tnLst>
-      <p:par>
-        <p:cTn id="1" dur="indefinite" restart="never" nodeType="tmRoot"/>
-      </p:par>
-    </p:tnLst>
-  </p:timing>
 </p:sld>
 </file>
 
@@ -7606,7 +7472,7 @@
           <a:lstStyle/>
           <a:p>
             <a:r>
-              <a:rPr lang="en-US" sz="1200" smtClean="0"/>
+              <a:rPr lang="en-US" sz="1200"/>
               <a:t>04/15/2016</a:t>
             </a:r>
             <a:endParaRPr lang="en-US" sz="1200" dirty="0"/>
@@ -7629,7 +7495,7 @@
           <a:lstStyle/>
           <a:p>
             <a:r>
-              <a:rPr lang="en-US" sz="1200" smtClean="0"/>
+              <a:rPr lang="en-US" sz="1200"/>
               <a:t>CS499 Team Hotspotter</a:t>
             </a:r>
             <a:endParaRPr lang="en-US" sz="1200" dirty="0"/>
@@ -7683,10 +7549,9 @@
           <a:p>
             <a:pPr algn="ctr"/>
             <a:r>
-              <a:rPr lang="en-US" sz="8800" dirty="0" smtClean="0"/>
+              <a:rPr lang="en-US" sz="8800" dirty="0"/>
               <a:t>Questions?</a:t>
             </a:r>
-            <a:endParaRPr lang="en-US" sz="8800" dirty="0"/>
           </a:p>
         </p:txBody>
       </p:sp>
@@ -7712,13 +7577,6 @@
       </p:transition>
     </mc:Fallback>
   </mc:AlternateContent>
-  <p:timing>
-    <p:tnLst>
-      <p:par>
-        <p:cTn id="1" dur="indefinite" restart="never" nodeType="tmRoot"/>
-      </p:par>
-    </p:tnLst>
-  </p:timing>
 </p:sld>
 </file>
 
@@ -7758,10 +7616,9 @@
           <a:p>
             <a:pPr algn="ctr"/>
             <a:r>
-              <a:rPr lang="en-US" sz="4400" dirty="0" smtClean="0"/>
+              <a:rPr lang="en-US" sz="4400" dirty="0"/>
               <a:t>About our project</a:t>
             </a:r>
-            <a:endParaRPr lang="en-US" sz="4400" dirty="0"/>
           </a:p>
         </p:txBody>
       </p:sp>
@@ -7786,7 +7643,7 @@
               <a:buNone/>
             </a:pPr>
             <a:r>
-              <a:rPr lang="en-US" sz="3900" u="sng" dirty="0" smtClean="0"/>
+              <a:rPr lang="en-US" sz="3900" u="sng" dirty="0"/>
               <a:t>Overview</a:t>
             </a:r>
           </a:p>
@@ -7795,7 +7652,7 @@
               <a:buNone/>
             </a:pPr>
             <a:r>
-              <a:rPr lang="en-US" sz="2400" dirty="0" smtClean="0"/>
+              <a:rPr lang="en-US" sz="2400" dirty="0"/>
               <a:t>Our client requested a platform that could be used to detect unstable and potentially buggy areas of code within a repository. With export capabilities, the data could also be analyzed to detect trends and to better predict troublesome code.</a:t>
             </a:r>
           </a:p>
@@ -7826,16 +7683,8 @@
               <a:buNone/>
             </a:pPr>
             <a:r>
-              <a:rPr lang="en-US" sz="4000" u="sng" dirty="0" smtClean="0"/>
-              <a:t>Domain </a:t>
-            </a:r>
-            <a:r>
               <a:rPr lang="en-US" sz="4000" u="sng" dirty="0"/>
-              <a:t>and </a:t>
-            </a:r>
-            <a:r>
-              <a:rPr lang="en-US" sz="4000" u="sng" dirty="0" smtClean="0"/>
-              <a:t>Business</a:t>
+              <a:t>Domain and Business</a:t>
             </a:r>
           </a:p>
           <a:p>
@@ -7915,7 +7764,7 @@
           <a:lstStyle/>
           <a:p>
             <a:r>
-              <a:rPr lang="en-US" sz="1200" smtClean="0"/>
+              <a:rPr lang="en-US" sz="1200"/>
               <a:t>04/15/2016</a:t>
             </a:r>
             <a:endParaRPr lang="en-US" dirty="0"/>
@@ -7938,7 +7787,7 @@
           <a:lstStyle/>
           <a:p>
             <a:r>
-              <a:rPr lang="en-US" sz="1200" smtClean="0"/>
+              <a:rPr lang="en-US" sz="1200"/>
               <a:t>CS499 Team Hotspotter</a:t>
             </a:r>
             <a:endParaRPr lang="en-US" sz="1200" dirty="0"/>
@@ -7990,13 +7839,6 @@
       </p:transition>
     </mc:Fallback>
   </mc:AlternateContent>
-  <p:timing>
-    <p:tnLst>
-      <p:par>
-        <p:cTn id="1" dur="indefinite" restart="never" nodeType="tmRoot"/>
-      </p:par>
-    </p:tnLst>
-  </p:timing>
 </p:sld>
 </file>
 
@@ -8039,10 +7881,9 @@
           <a:p>
             <a:pPr algn="ctr"/>
             <a:r>
-              <a:rPr lang="en-US" dirty="0" smtClean="0"/>
+              <a:rPr lang="en-US" dirty="0"/>
               <a:t>Project Architecture</a:t>
             </a:r>
-            <a:endParaRPr lang="en-US" dirty="0"/>
           </a:p>
         </p:txBody>
       </p:sp>
@@ -8062,7 +7903,7 @@
           <a:lstStyle/>
           <a:p>
             <a:r>
-              <a:rPr lang="en-US" sz="1200" smtClean="0"/>
+              <a:rPr lang="en-US" sz="1200"/>
               <a:t>04/15/2016</a:t>
             </a:r>
             <a:endParaRPr lang="en-US" sz="1200" dirty="0"/>
@@ -8085,7 +7926,7 @@
           <a:lstStyle/>
           <a:p>
             <a:r>
-              <a:rPr lang="en-US" sz="1200" smtClean="0"/>
+              <a:rPr lang="en-US" sz="1200"/>
               <a:t>CS499 Team Hotspotter</a:t>
             </a:r>
             <a:endParaRPr lang="en-US" sz="1200" dirty="0"/>
@@ -8167,13 +8008,6 @@
       </p:transition>
     </mc:Fallback>
   </mc:AlternateContent>
-  <p:timing>
-    <p:tnLst>
-      <p:par>
-        <p:cTn id="1" dur="indefinite" restart="never" nodeType="tmRoot"/>
-      </p:par>
-    </p:tnLst>
-  </p:timing>
 </p:sld>
 </file>
 
@@ -8204,25 +8038,83 @@
             <p:ph type="title"/>
           </p:nvPr>
         </p:nvSpPr>
+        <p:spPr/>
+        <p:txBody>
+          <a:bodyPr/>
+          <a:lstStyle/>
+          <a:p>
+            <a:pPr algn="ctr"/>
+            <a:r>
+              <a:rPr lang="en-US" dirty="0"/>
+              <a:t>Testing and Requirements Met</a:t>
+            </a:r>
+          </a:p>
+        </p:txBody>
+      </p:sp>
+      <p:sp>
+        <p:nvSpPr>
+          <p:cNvPr id="3" name="Content Placeholder 2"/>
+          <p:cNvSpPr>
+            <a:spLocks noGrp="1"/>
+          </p:cNvSpPr>
+          <p:nvPr>
+            <p:ph idx="1"/>
+          </p:nvPr>
+        </p:nvSpPr>
         <p:spPr>
           <a:xfrm>
-            <a:off x="1217612" y="35611"/>
-            <a:ext cx="9781532" cy="1508760"/>
+            <a:off x="1201953" y="2011680"/>
+            <a:ext cx="9782185" cy="4206240"/>
           </a:xfrm>
         </p:spPr>
         <p:txBody>
           <a:bodyPr/>
           <a:lstStyle/>
           <a:p>
-            <a:pPr algn="ctr"/>
-            <a:r>
-              <a:rPr lang="en-US" dirty="0" smtClean="0"/>
-              <a:t>Testing and Requirements </a:t>
-            </a:r>
-            <a:r>
-              <a:rPr lang="en-US" dirty="0" smtClean="0"/>
-              <a:t>Met</a:t>
-            </a:r>
+            <a:pPr lvl="1">
+              <a:buFont typeface="Arial" panose="020B0604020202020204" pitchFamily="34" charset="0"/>
+              <a:buChar char="•"/>
+            </a:pPr>
+            <a:r>
+              <a:rPr lang="en-US" sz="4000" dirty="0"/>
+              <a:t> No environment specific requirement </a:t>
+            </a:r>
+          </a:p>
+          <a:p>
+            <a:pPr lvl="1">
+              <a:buFont typeface="Arial" panose="020B0604020202020204" pitchFamily="34" charset="0"/>
+              <a:buChar char="•"/>
+            </a:pPr>
+            <a:r>
+              <a:rPr lang="en-US" sz="4000" dirty="0"/>
+              <a:t> Continuous access to product</a:t>
+            </a:r>
+          </a:p>
+          <a:p>
+            <a:pPr lvl="1">
+              <a:buFont typeface="Arial" panose="020B0604020202020204" pitchFamily="34" charset="0"/>
+              <a:buChar char="•"/>
+            </a:pPr>
+            <a:r>
+              <a:rPr lang="en-US" sz="4000" dirty="0"/>
+              <a:t> Behavior driven development </a:t>
+            </a:r>
+          </a:p>
+          <a:p>
+            <a:pPr lvl="1">
+              <a:buFont typeface="Arial" panose="020B0604020202020204" pitchFamily="34" charset="0"/>
+              <a:buChar char="•"/>
+            </a:pPr>
+            <a:r>
+              <a:rPr lang="en-US" sz="4000" dirty="0"/>
+              <a:t> Validation every sprint  </a:t>
+            </a:r>
+          </a:p>
+          <a:p>
+            <a:pPr lvl="1">
+              <a:buFont typeface="Arial" panose="020B0604020202020204" pitchFamily="34" charset="0"/>
+              <a:buChar char="•"/>
+            </a:pPr>
             <a:endParaRPr lang="en-US" dirty="0"/>
           </a:p>
         </p:txBody>
@@ -8243,7 +8135,7 @@
           <a:lstStyle/>
           <a:p>
             <a:r>
-              <a:rPr lang="en-US" sz="1200" smtClean="0"/>
+              <a:rPr lang="en-US" sz="1200"/>
               <a:t>04/15/2016</a:t>
             </a:r>
             <a:endParaRPr lang="en-US" sz="1200" dirty="0"/>
@@ -8266,7 +8158,7 @@
           <a:lstStyle/>
           <a:p>
             <a:r>
-              <a:rPr lang="en-US" sz="1200" smtClean="0"/>
+              <a:rPr lang="en-US" sz="1200"/>
               <a:t>CS499 Team Hotspotter</a:t>
             </a:r>
             <a:endParaRPr lang="en-US" sz="1200" dirty="0"/>
@@ -8318,13 +8210,6 @@
       </p:transition>
     </mc:Fallback>
   </mc:AlternateContent>
-  <p:timing>
-    <p:tnLst>
-      <p:par>
-        <p:cTn id="1" dur="indefinite" restart="never" nodeType="tmRoot"/>
-      </p:par>
-    </p:tnLst>
-  </p:timing>
 </p:sld>
 </file>
 
@@ -8361,10 +8246,9 @@
           <a:lstStyle/>
           <a:p>
             <a:r>
-              <a:rPr lang="en-US" dirty="0" smtClean="0"/>
+              <a:rPr lang="en-US" dirty="0"/>
               <a:t>Capabilities and Technologies</a:t>
             </a:r>
-            <a:endParaRPr lang="en-US" dirty="0"/>
           </a:p>
         </p:txBody>
       </p:sp>
@@ -8384,10 +8268,9 @@
           <a:lstStyle/>
           <a:p>
             <a:r>
-              <a:rPr lang="en-US" smtClean="0"/>
+              <a:rPr lang="en-US"/>
               <a:t>04/15/2016</a:t>
             </a:r>
-            <a:endParaRPr lang="en-US"/>
           </a:p>
         </p:txBody>
       </p:sp>
@@ -8407,10 +8290,9 @@
           <a:lstStyle/>
           <a:p>
             <a:r>
-              <a:rPr lang="en-US" smtClean="0"/>
+              <a:rPr lang="en-US"/>
               <a:t>CS499 Team Hotspotter</a:t>
             </a:r>
-            <a:endParaRPr lang="en-US"/>
           </a:p>
         </p:txBody>
       </p:sp>
@@ -8581,10 +8463,9 @@
           <a:p>
             <a:pPr algn="ctr"/>
             <a:r>
-              <a:rPr lang="en-US" dirty="0" smtClean="0"/>
+              <a:rPr lang="en-US" dirty="0"/>
               <a:t>Technologies</a:t>
             </a:r>
-            <a:endParaRPr lang="en-US" dirty="0"/>
           </a:p>
         </p:txBody>
       </p:sp>
@@ -8615,12 +8496,8 @@
               <a:buChar char="•"/>
             </a:pPr>
             <a:r>
-              <a:rPr lang="en-US" sz="4000" dirty="0" smtClean="0"/>
-              <a:t>Clone </a:t>
-            </a:r>
-            <a:r>
-              <a:rPr lang="en-US" sz="4000" dirty="0" smtClean="0"/>
-              <a:t>a public git based repository</a:t>
+              <a:rPr lang="en-US" sz="4000" dirty="0"/>
+              <a:t>Clone a public git based repository</a:t>
             </a:r>
           </a:p>
           <a:p>
@@ -8629,7 +8506,7 @@
               <a:buChar char="•"/>
             </a:pPr>
             <a:r>
-              <a:rPr lang="en-US" sz="4000" dirty="0" smtClean="0"/>
+              <a:rPr lang="en-US" sz="4000" dirty="0"/>
               <a:t>Run metrics on a cloned repository</a:t>
             </a:r>
           </a:p>
@@ -8639,7 +8516,7 @@
               <a:buChar char="•"/>
             </a:pPr>
             <a:r>
-              <a:rPr lang="en-US" sz="4000" dirty="0" smtClean="0"/>
+              <a:rPr lang="en-US" sz="4000" dirty="0"/>
               <a:t>Create graph of metrics.</a:t>
             </a:r>
           </a:p>
@@ -8649,7 +8526,7 @@
               <a:buChar char="•"/>
             </a:pPr>
             <a:r>
-              <a:rPr lang="en-US" sz="4000" dirty="0" smtClean="0"/>
+              <a:rPr lang="en-US" sz="4000" dirty="0"/>
               <a:t>Export metrics to a CSV file</a:t>
             </a:r>
           </a:p>
@@ -8718,16 +8595,8 @@
           <a:lstStyle/>
           <a:p>
             <a:r>
-              <a:rPr lang="en-US" dirty="0" smtClean="0"/>
+              <a:rPr lang="en-US" dirty="0"/>
               <a:t>DEMO DEMO </a:t>
-            </a:r>
-            <a:r>
-              <a:rPr lang="en-US" dirty="0" smtClean="0">
-                <a:solidFill>
-                  <a:schemeClr val="tx1"/>
-                </a:solidFill>
-              </a:rPr>
-              <a:t>DEMO DEMO DEMO </a:t>
             </a:r>
             <a:r>
               <a:rPr lang="en-US" dirty="0">
@@ -8735,21 +8604,8 @@
                   <a:schemeClr val="tx1"/>
                 </a:solidFill>
               </a:rPr>
-              <a:t>DEMO DEMO </a:t>
-            </a:r>
-            <a:r>
-              <a:rPr lang="en-US" dirty="0" smtClean="0">
-                <a:solidFill>
-                  <a:schemeClr val="tx1"/>
-                </a:solidFill>
-              </a:rPr>
-              <a:t>DEMO</a:t>
-            </a:r>
-            <a:endParaRPr lang="en-US" dirty="0">
-              <a:solidFill>
-                <a:schemeClr val="tx1"/>
-              </a:solidFill>
-            </a:endParaRPr>
+              <a:t>DEMO DEMO DEMO DEMO DEMO DEMO</a:t>
+            </a:r>
           </a:p>
         </p:txBody>
       </p:sp>
@@ -8769,7 +8625,7 @@
           <a:lstStyle/>
           <a:p>
             <a:r>
-              <a:rPr lang="en-US" smtClean="0"/>
+              <a:rPr lang="en-US"/>
               <a:t>04/15/2016</a:t>
             </a:r>
             <a:endParaRPr lang="en-US" dirty="0"/>
@@ -8792,10 +8648,9 @@
           <a:lstStyle/>
           <a:p>
             <a:r>
-              <a:rPr lang="en-US" smtClean="0"/>
+              <a:rPr lang="en-US"/>
               <a:t>CS499 Team Hotspotter</a:t>
             </a:r>
-            <a:endParaRPr lang="en-US"/>
           </a:p>
         </p:txBody>
       </p:sp>
@@ -8882,10 +8737,9 @@
           <a:p>
             <a:pPr algn="ctr"/>
             <a:r>
-              <a:rPr lang="en-US" dirty="0" smtClean="0"/>
+              <a:rPr lang="en-US" dirty="0"/>
               <a:t>Team Burndown/ Velocity Chart</a:t>
             </a:r>
-            <a:endParaRPr lang="en-US" dirty="0"/>
           </a:p>
         </p:txBody>
       </p:sp>
@@ -8905,7 +8759,7 @@
           <a:lstStyle/>
           <a:p>
             <a:r>
-              <a:rPr lang="en-US" sz="1200" smtClean="0"/>
+              <a:rPr lang="en-US" sz="1200"/>
               <a:t>04/15/2016</a:t>
             </a:r>
             <a:endParaRPr lang="en-US" sz="1200" dirty="0"/>
@@ -8928,7 +8782,7 @@
           <a:lstStyle/>
           <a:p>
             <a:r>
-              <a:rPr lang="en-US" sz="1200" smtClean="0"/>
+              <a:rPr lang="en-US" sz="1200"/>
               <a:t>CS499 Team Hotspotter</a:t>
             </a:r>
             <a:endParaRPr lang="en-US" sz="1200" dirty="0"/>
@@ -9005,13 +8859,6 @@
       </p:transition>
     </mc:Fallback>
   </mc:AlternateContent>
-  <p:timing>
-    <p:tnLst>
-      <p:par>
-        <p:cTn id="1" dur="indefinite" restart="never" nodeType="tmRoot"/>
-      </p:par>
-    </p:tnLst>
-  </p:timing>
 </p:sld>
 </file>
 
@@ -9049,10 +8896,9 @@
           <a:p>
             <a:pPr algn="ctr"/>
             <a:r>
-              <a:rPr lang="en-US" dirty="0" smtClean="0"/>
+              <a:rPr lang="en-US" dirty="0"/>
               <a:t>Team Burndown/ Velocity Chart</a:t>
             </a:r>
-            <a:endParaRPr lang="en-US" dirty="0"/>
           </a:p>
         </p:txBody>
       </p:sp>
@@ -9072,10 +8918,9 @@
           <a:lstStyle/>
           <a:p>
             <a:r>
-              <a:rPr lang="en-US" sz="1200" dirty="0" smtClean="0"/>
+              <a:rPr lang="en-US" sz="1200" dirty="0"/>
               <a:t>04/15/2016</a:t>
             </a:r>
-            <a:endParaRPr lang="en-US" sz="1200" dirty="0"/>
           </a:p>
         </p:txBody>
       </p:sp>
@@ -9095,7 +8940,7 @@
           <a:lstStyle/>
           <a:p>
             <a:r>
-              <a:rPr lang="en-US" sz="1200" smtClean="0"/>
+              <a:rPr lang="en-US" sz="1200"/>
               <a:t>CS499 Team Hotspotter</a:t>
             </a:r>
             <a:endParaRPr lang="en-US" sz="1200" dirty="0"/>
@@ -9172,13 +9017,6 @@
       </p:transition>
     </mc:Fallback>
   </mc:AlternateContent>
-  <p:timing>
-    <p:tnLst>
-      <p:par>
-        <p:cTn id="1" dur="indefinite" restart="never" nodeType="tmRoot"/>
-      </p:par>
-    </p:tnLst>
-  </p:timing>
 </p:sld>
 </file>
 
@@ -9216,10 +9054,9 @@
           <a:p>
             <a:pPr algn="ctr"/>
             <a:r>
-              <a:rPr lang="en-US" dirty="0" smtClean="0"/>
+              <a:rPr lang="en-US" dirty="0"/>
               <a:t>Post-Mortem/Key Take Away/ not Accomplished</a:t>
             </a:r>
-            <a:endParaRPr lang="en-US" dirty="0"/>
           </a:p>
         </p:txBody>
       </p:sp>
@@ -9246,38 +9083,37 @@
           <a:lstStyle/>
           <a:p>
             <a:r>
-              <a:rPr lang="en-US" sz="3600" i="1" dirty="0" smtClean="0"/>
+              <a:rPr lang="en-US" sz="3600" i="1" dirty="0"/>
               <a:t>Good</a:t>
             </a:r>
-            <a:endParaRPr lang="en-US" sz="3200" i="1" dirty="0" smtClean="0"/>
+            <a:endParaRPr lang="en-US" sz="3200" i="1" dirty="0"/>
           </a:p>
           <a:p>
             <a:pPr lvl="1"/>
             <a:r>
-              <a:rPr lang="en-US" sz="3200" dirty="0" smtClean="0"/>
+              <a:rPr lang="en-US" sz="3200" dirty="0"/>
               <a:t>Met all of client’s requirements</a:t>
             </a:r>
           </a:p>
           <a:p>
             <a:pPr lvl="1"/>
             <a:r>
-              <a:rPr lang="en-US" sz="3200" dirty="0" smtClean="0"/>
+              <a:rPr lang="en-US" sz="3200" dirty="0"/>
               <a:t>Learned to develop with modern web frameworks</a:t>
             </a:r>
           </a:p>
           <a:p>
             <a:pPr lvl="1"/>
             <a:r>
-              <a:rPr lang="en-US" sz="3200" dirty="0" smtClean="0"/>
+              <a:rPr lang="en-US" sz="3200" dirty="0"/>
               <a:t>Acquired an intimate understanding of git version control</a:t>
             </a:r>
-            <a:endParaRPr lang="en-US" sz="3200" dirty="0"/>
           </a:p>
           <a:p>
             <a:pPr marL="228532" lvl="1" indent="0">
               <a:buNone/>
             </a:pPr>
-            <a:endParaRPr lang="en-US" dirty="0" smtClean="0"/>
+            <a:endParaRPr lang="en-US" dirty="0"/>
           </a:p>
           <a:p>
             <a:pPr lvl="1"/>
@@ -9308,21 +9144,21 @@
           <a:lstStyle/>
           <a:p>
             <a:r>
-              <a:rPr lang="en-US" sz="3600" i="1" dirty="0" smtClean="0"/>
+              <a:rPr lang="en-US" sz="3600" i="1" dirty="0"/>
               <a:t>Bad</a:t>
             </a:r>
           </a:p>
           <a:p>
             <a:pPr lvl="1"/>
             <a:r>
-              <a:rPr lang="en-US" sz="3200" dirty="0" smtClean="0"/>
+              <a:rPr lang="en-US" sz="3200" dirty="0"/>
               <a:t>Better time estimation</a:t>
             </a:r>
           </a:p>
           <a:p>
             <a:pPr lvl="3"/>
             <a:r>
-              <a:rPr lang="en-US" sz="2801" smtClean="0"/>
+              <a:rPr lang="en-US" sz="2801"/>
               <a:t>Burndown spikes and dives</a:t>
             </a:r>
             <a:endParaRPr lang="en-US" sz="2801" dirty="0"/>
@@ -9331,13 +9167,8 @@
             <a:pPr lvl="1"/>
             <a:r>
               <a:rPr lang="en-US" sz="3200" dirty="0"/>
-              <a:t>We wish we had longer to work on it</a:t>
-            </a:r>
-            <a:r>
-              <a:rPr lang="en-US" sz="3200" dirty="0" smtClean="0"/>
-              <a:t>!</a:t>
-            </a:r>
-            <a:endParaRPr lang="en-US" sz="3200" dirty="0"/>
+              <a:t>We wish we had longer to work on it!</a:t>
+            </a:r>
           </a:p>
         </p:txBody>
       </p:sp>
@@ -9357,7 +9188,7 @@
           <a:lstStyle/>
           <a:p>
             <a:r>
-              <a:rPr lang="en-US" sz="1200" smtClean="0"/>
+              <a:rPr lang="en-US" sz="1200"/>
               <a:t>04/15/2016</a:t>
             </a:r>
             <a:endParaRPr lang="en-US" sz="1200" dirty="0"/>
@@ -9380,7 +9211,7 @@
           <a:lstStyle/>
           <a:p>
             <a:r>
-              <a:rPr lang="en-US" sz="1200" smtClean="0"/>
+              <a:rPr lang="en-US" sz="1200"/>
               <a:t>CS499 Team Hotspotter</a:t>
             </a:r>
             <a:endParaRPr lang="en-US" sz="1200" dirty="0"/>
@@ -9432,13 +9263,6 @@
       </p:transition>
     </mc:Fallback>
   </mc:AlternateContent>
-  <p:timing>
-    <p:tnLst>
-      <p:par>
-        <p:cTn id="1" dur="indefinite" restart="never" nodeType="tmRoot"/>
-      </p:par>
-    </p:tnLst>
-  </p:timing>
 </p:sld>
 </file>
 

--- a/Documentation/Presentations/CS499 Final Presentation.pptx
+++ b/Documentation/Presentations/CS499 Final Presentation.pptx
@@ -5,22 +5,23 @@
     <p:sldMasterId id="2147483808" r:id="rId2"/>
   </p:sldMasterIdLst>
   <p:notesMasterIdLst>
-    <p:notesMasterId r:id="rId13"/>
+    <p:notesMasterId r:id="rId14"/>
   </p:notesMasterIdLst>
   <p:handoutMasterIdLst>
-    <p:handoutMasterId r:id="rId14"/>
+    <p:handoutMasterId r:id="rId15"/>
   </p:handoutMasterIdLst>
   <p:sldIdLst>
     <p:sldId id="259" r:id="rId3"/>
-    <p:sldId id="280" r:id="rId4"/>
-    <p:sldId id="266" r:id="rId5"/>
-    <p:sldId id="284" r:id="rId6"/>
-    <p:sldId id="282" r:id="rId7"/>
-    <p:sldId id="281" r:id="rId8"/>
-    <p:sldId id="270" r:id="rId9"/>
-    <p:sldId id="283" r:id="rId10"/>
-    <p:sldId id="271" r:id="rId11"/>
-    <p:sldId id="278" r:id="rId12"/>
+    <p:sldId id="285" r:id="rId4"/>
+    <p:sldId id="280" r:id="rId5"/>
+    <p:sldId id="266" r:id="rId6"/>
+    <p:sldId id="284" r:id="rId7"/>
+    <p:sldId id="282" r:id="rId8"/>
+    <p:sldId id="281" r:id="rId9"/>
+    <p:sldId id="270" r:id="rId10"/>
+    <p:sldId id="283" r:id="rId11"/>
+    <p:sldId id="271" r:id="rId12"/>
+    <p:sldId id="278" r:id="rId13"/>
   </p:sldIdLst>
   <p:sldSz cx="12188825" cy="6858000"/>
   <p:notesSz cx="6858000" cy="9144000"/>
@@ -208,7 +209,7 @@
 </file>
 
 <file path=ppt/charts/chart1.xml><?xml version="1.0" encoding="utf-8"?>
-<c:chartSpace xmlns:c="http://schemas.openxmlformats.org/drawingml/2006/chart" xmlns:a="http://schemas.openxmlformats.org/drawingml/2006/main" xmlns:r="http://schemas.openxmlformats.org/officeDocument/2006/relationships" xmlns:c16r2="http://schemas.microsoft.com/office/drawing/2015/06/chart">
+<c:chartSpace xmlns:c="http://schemas.openxmlformats.org/drawingml/2006/chart" xmlns:a="http://schemas.openxmlformats.org/drawingml/2006/main" xmlns:r="http://schemas.openxmlformats.org/officeDocument/2006/relationships">
   <c:date1904 val="0"/>
   <c:lang val="en-US"/>
   <c:roundedCorners val="0"/>
@@ -399,7 +400,7 @@
               </c:numCache>
             </c:numRef>
           </c:val>
-          <c:extLst>
+          <c:extLst xmlns:c16r2="http://schemas.microsoft.com/office/drawing/2015/06/chart">
             <c:ext xmlns:c16="http://schemas.microsoft.com/office/drawing/2014/chart" uri="{C3380CC4-5D6E-409C-BE32-E72D297353CC}">
               <c16:uniqueId val="{00000000-C998-45E2-B113-3A76F2ADAB4D}"/>
             </c:ext>
@@ -585,7 +586,7 @@
               </c:numCache>
             </c:numRef>
           </c:val>
-          <c:extLst>
+          <c:extLst xmlns:c16r2="http://schemas.microsoft.com/office/drawing/2015/06/chart">
             <c:ext xmlns:c16="http://schemas.microsoft.com/office/drawing/2014/chart" uri="{C3380CC4-5D6E-409C-BE32-E72D297353CC}">
               <c16:uniqueId val="{00000001-C998-45E2-B113-3A76F2ADAB4D}"/>
             </c:ext>
@@ -601,8 +602,8 @@
         </c:dLbls>
         <c:gapWidth val="150"/>
         <c:overlap val="100"/>
-        <c:axId val="-2108980048"/>
-        <c:axId val="-2108981680"/>
+        <c:axId val="1597328736"/>
+        <c:axId val="1597329824"/>
       </c:barChart>
       <c:lineChart>
         <c:grouping val="standard"/>
@@ -713,7 +714,7 @@
             </c:numRef>
           </c:val>
           <c:smooth val="0"/>
-          <c:extLst>
+          <c:extLst xmlns:c16r2="http://schemas.microsoft.com/office/drawing/2015/06/chart">
             <c:ext xmlns:c16="http://schemas.microsoft.com/office/drawing/2014/chart" uri="{C3380CC4-5D6E-409C-BE32-E72D297353CC}">
               <c16:uniqueId val="{00000002-C998-45E2-B113-3A76F2ADAB4D}"/>
             </c:ext>
@@ -729,11 +730,11 @@
         </c:dLbls>
         <c:marker val="1"/>
         <c:smooth val="0"/>
-        <c:axId val="-2108980048"/>
-        <c:axId val="-2108981680"/>
+        <c:axId val="1597328736"/>
+        <c:axId val="1597329824"/>
       </c:lineChart>
       <c:catAx>
-        <c:axId val="-2108980048"/>
+        <c:axId val="1597328736"/>
         <c:scaling>
           <c:orientation val="minMax"/>
         </c:scaling>
@@ -831,7 +832,7 @@
             <a:endParaRPr lang="en-US"/>
           </a:p>
         </c:txPr>
-        <c:crossAx val="-2108981680"/>
+        <c:crossAx val="1597329824"/>
         <c:crosses val="autoZero"/>
         <c:auto val="0"/>
         <c:lblAlgn val="ctr"/>
@@ -839,7 +840,7 @@
         <c:noMultiLvlLbl val="0"/>
       </c:catAx>
       <c:valAx>
-        <c:axId val="-2108981680"/>
+        <c:axId val="1597329824"/>
         <c:scaling>
           <c:orientation val="minMax"/>
         </c:scaling>
@@ -949,7 +950,7 @@
             <a:endParaRPr lang="en-US"/>
           </a:p>
         </c:txPr>
-        <c:crossAx val="-2108980048"/>
+        <c:crossAx val="1597328736"/>
         <c:crosses val="autoZero"/>
         <c:crossBetween val="between"/>
       </c:valAx>
@@ -1020,7 +1021,7 @@
 </file>
 
 <file path=ppt/charts/chart2.xml><?xml version="1.0" encoding="utf-8"?>
-<c:chartSpace xmlns:c="http://schemas.openxmlformats.org/drawingml/2006/chart" xmlns:a="http://schemas.openxmlformats.org/drawingml/2006/main" xmlns:r="http://schemas.openxmlformats.org/officeDocument/2006/relationships" xmlns:c16r2="http://schemas.microsoft.com/office/drawing/2015/06/chart">
+<c:chartSpace xmlns:c="http://schemas.openxmlformats.org/drawingml/2006/chart" xmlns:a="http://schemas.openxmlformats.org/drawingml/2006/main" xmlns:r="http://schemas.openxmlformats.org/officeDocument/2006/relationships">
   <c:date1904 val="0"/>
   <c:lang val="en-US"/>
   <c:roundedCorners val="0"/>
@@ -1059,6 +1060,7 @@
           </a:p>
         </c:rich>
       </c:tx>
+      <c:layout/>
       <c:overlay val="0"/>
       <c:spPr>
         <a:noFill/>
@@ -1168,8 +1170,9 @@
             <c:showPercent val="0"/>
             <c:showBubbleSize val="0"/>
             <c:showLeaderLines val="0"/>
-            <c:extLst>
+            <c:extLst xmlns:c16r2="http://schemas.microsoft.com/office/drawing/2015/06/chart">
               <c:ext xmlns:c15="http://schemas.microsoft.com/office/drawing/2012/chart" uri="{CE6537A1-D6FC-4f65-9D91-7224C49458BB}">
+                <c15:layout/>
                 <c15:showLeaderLines val="1"/>
                 <c15:leaderLines>
                   <c:spPr>
@@ -1261,7 +1264,7 @@
             </c:numRef>
           </c:val>
           <c:smooth val="0"/>
-          <c:extLst>
+          <c:extLst xmlns:c16r2="http://schemas.microsoft.com/office/drawing/2015/06/chart">
             <c:ext xmlns:c16="http://schemas.microsoft.com/office/drawing/2014/chart" uri="{C3380CC4-5D6E-409C-BE32-E72D297353CC}">
               <c16:uniqueId val="{00000000-7036-49FB-A3F7-6BDC1515C86F}"/>
             </c:ext>
@@ -1332,8 +1335,9 @@
             <c:showPercent val="0"/>
             <c:showBubbleSize val="0"/>
             <c:showLeaderLines val="0"/>
-            <c:extLst>
+            <c:extLst xmlns:c16r2="http://schemas.microsoft.com/office/drawing/2015/06/chart">
               <c:ext xmlns:c15="http://schemas.microsoft.com/office/drawing/2012/chart" uri="{CE6537A1-D6FC-4f65-9D91-7224C49458BB}">
+                <c15:layout/>
                 <c15:showLeaderLines val="1"/>
                 <c15:leaderLines>
                   <c:spPr>
@@ -1431,7 +1435,7 @@
             </c:numRef>
           </c:val>
           <c:smooth val="0"/>
-          <c:extLst>
+          <c:extLst xmlns:c16r2="http://schemas.microsoft.com/office/drawing/2015/06/chart">
             <c:ext xmlns:c16="http://schemas.microsoft.com/office/drawing/2014/chart" uri="{C3380CC4-5D6E-409C-BE32-E72D297353CC}">
               <c16:uniqueId val="{00000001-7036-49FB-A3F7-6BDC1515C86F}"/>
             </c:ext>
@@ -1447,11 +1451,11 @@
           <c:showBubbleSize val="0"/>
         </c:dLbls>
         <c:smooth val="0"/>
-        <c:axId val="-2066785088"/>
-        <c:axId val="-2066784544"/>
+        <c:axId val="1602261456"/>
+        <c:axId val="1602264720"/>
       </c:lineChart>
       <c:catAx>
-        <c:axId val="-2066785088"/>
+        <c:axId val="1602261456"/>
         <c:scaling>
           <c:orientation val="minMax"/>
         </c:scaling>
@@ -1571,7 +1575,7 @@
             <a:endParaRPr lang="en-US"/>
           </a:p>
         </c:txPr>
-        <c:crossAx val="-2066784544"/>
+        <c:crossAx val="1602264720"/>
         <c:crosses val="autoZero"/>
         <c:auto val="1"/>
         <c:lblAlgn val="ctr"/>
@@ -1580,7 +1584,7 @@
         <c:noMultiLvlLbl val="0"/>
       </c:catAx>
       <c:valAx>
-        <c:axId val="-2066784544"/>
+        <c:axId val="1602264720"/>
         <c:scaling>
           <c:orientation val="minMax"/>
         </c:scaling>
@@ -1733,7 +1737,7 @@
             <a:endParaRPr lang="en-US"/>
           </a:p>
         </c:txPr>
-        <c:crossAx val="-2066785088"/>
+        <c:crossAx val="1602261456"/>
         <c:crosses val="autoZero"/>
         <c:crossBetween val="midCat"/>
       </c:valAx>
@@ -3007,7 +3011,7 @@
           <a:p>
             <a:fld id="{4954C6E1-AF92-4FB7-A013-0B520EBC30AE}" type="datetimeFigureOut">
               <a:rPr lang="en-US"/>
-              <a:t>4/4/2016</a:t>
+              <a:t>04/04/2016</a:t>
             </a:fld>
             <a:endParaRPr/>
           </a:p>
@@ -3173,7 +3177,7 @@
           <a:p>
             <a:fld id="{95C10850-0874-4A61-99B4-D613C5E8D9EA}" type="datetimeFigureOut">
               <a:rPr lang="en-US"/>
-              <a:t>4/4/2016</a:t>
+              <a:t>04/04/2016</a:t>
             </a:fld>
             <a:endParaRPr/>
           </a:p>
@@ -3590,7 +3594,7 @@
           <a:p>
             <a:fld id="{9E11EC53-F507-411E-9ADC-FBCFECE09D3D}" type="slidenum">
               <a:rPr lang="en-US" smtClean="0"/>
-              <a:t>2</a:t>
+              <a:t>3</a:t>
             </a:fld>
             <a:endParaRPr lang="en-US"/>
           </a:p>
@@ -7286,6 +7290,17 @@
               </a:rPr>
               <a:t>Crk</a:t>
             </a:r>
+            <a:r>
+              <a:rPr lang="en-US" sz="2400" dirty="0">
+                <a:solidFill>
+                  <a:schemeClr val="tx2">
+                    <a:lumMod val="90000"/>
+                    <a:lumOff val="10000"/>
+                  </a:schemeClr>
+                </a:solidFill>
+              </a:rPr>
+              <a:t/>
+            </a:r>
             <a:br>
               <a:rPr lang="en-US" sz="2400" dirty="0">
                 <a:solidFill>
@@ -7458,6 +7473,141 @@
       </p:grpSpPr>
       <p:sp>
         <p:nvSpPr>
+          <p:cNvPr id="2" name="Title 1"/>
+          <p:cNvSpPr>
+            <a:spLocks noGrp="1"/>
+          </p:cNvSpPr>
+          <p:nvPr>
+            <p:ph type="title"/>
+          </p:nvPr>
+        </p:nvSpPr>
+        <p:spPr/>
+        <p:txBody>
+          <a:bodyPr/>
+          <a:lstStyle/>
+          <a:p>
+            <a:pPr algn="ctr"/>
+            <a:r>
+              <a:rPr lang="en-US" dirty="0"/>
+              <a:t>Post-Mortem/Key Take Away/ not Accomplished</a:t>
+            </a:r>
+          </a:p>
+        </p:txBody>
+      </p:sp>
+      <p:sp>
+        <p:nvSpPr>
+          <p:cNvPr id="3" name="Content Placeholder 2"/>
+          <p:cNvSpPr>
+            <a:spLocks noGrp="1"/>
+          </p:cNvSpPr>
+          <p:nvPr>
+            <p:ph sz="half" idx="1"/>
+          </p:nvPr>
+        </p:nvSpPr>
+        <p:spPr>
+          <a:xfrm>
+            <a:off x="303212" y="2011680"/>
+            <a:ext cx="5655460" cy="4206240"/>
+          </a:xfrm>
+        </p:spPr>
+        <p:txBody>
+          <a:bodyPr>
+            <a:normAutofit/>
+          </a:bodyPr>
+          <a:lstStyle/>
+          <a:p>
+            <a:r>
+              <a:rPr lang="en-US" sz="3600" i="1" dirty="0"/>
+              <a:t>Good</a:t>
+            </a:r>
+            <a:endParaRPr lang="en-US" sz="3200" i="1" dirty="0"/>
+          </a:p>
+          <a:p>
+            <a:pPr lvl="1"/>
+            <a:r>
+              <a:rPr lang="en-US" sz="3200" dirty="0"/>
+              <a:t>Met all of client’s requirements</a:t>
+            </a:r>
+          </a:p>
+          <a:p>
+            <a:pPr lvl="1"/>
+            <a:r>
+              <a:rPr lang="en-US" sz="3200" dirty="0"/>
+              <a:t>Learned to develop with modern web frameworks</a:t>
+            </a:r>
+          </a:p>
+          <a:p>
+            <a:pPr lvl="1"/>
+            <a:r>
+              <a:rPr lang="en-US" sz="3200" dirty="0"/>
+              <a:t>Acquired an intimate understanding of git version control</a:t>
+            </a:r>
+          </a:p>
+          <a:p>
+            <a:pPr marL="228532" lvl="1" indent="0">
+              <a:buNone/>
+            </a:pPr>
+            <a:endParaRPr lang="en-US" dirty="0"/>
+          </a:p>
+          <a:p>
+            <a:pPr lvl="1"/>
+            <a:endParaRPr lang="en-US" dirty="0"/>
+          </a:p>
+        </p:txBody>
+      </p:sp>
+      <p:sp>
+        <p:nvSpPr>
+          <p:cNvPr id="7" name="Content Placeholder 6"/>
+          <p:cNvSpPr>
+            <a:spLocks noGrp="1"/>
+          </p:cNvSpPr>
+          <p:nvPr>
+            <p:ph sz="half" idx="2"/>
+          </p:nvPr>
+        </p:nvSpPr>
+        <p:spPr>
+          <a:xfrm>
+            <a:off x="6228768" y="2011680"/>
+            <a:ext cx="5580644" cy="4206240"/>
+          </a:xfrm>
+        </p:spPr>
+        <p:txBody>
+          <a:bodyPr>
+            <a:normAutofit/>
+          </a:bodyPr>
+          <a:lstStyle/>
+          <a:p>
+            <a:r>
+              <a:rPr lang="en-US" sz="3600" i="1" dirty="0"/>
+              <a:t>Bad</a:t>
+            </a:r>
+          </a:p>
+          <a:p>
+            <a:pPr lvl="1"/>
+            <a:r>
+              <a:rPr lang="en-US" sz="3200" dirty="0"/>
+              <a:t>Better time estimation</a:t>
+            </a:r>
+          </a:p>
+          <a:p>
+            <a:pPr lvl="3"/>
+            <a:r>
+              <a:rPr lang="en-US" sz="2801"/>
+              <a:t>Burndown spikes and dives</a:t>
+            </a:r>
+            <a:endParaRPr lang="en-US" sz="2801" dirty="0"/>
+          </a:p>
+          <a:p>
+            <a:pPr lvl="1"/>
+            <a:r>
+              <a:rPr lang="en-US" sz="3200" dirty="0"/>
+              <a:t>We wish we had longer to work on it!</a:t>
+            </a:r>
+          </a:p>
+        </p:txBody>
+      </p:sp>
+      <p:sp>
+        <p:nvSpPr>
           <p:cNvPr id="4" name="Date Placeholder 3"/>
           <p:cNvSpPr>
             <a:spLocks noGrp="1"/>
@@ -7520,6 +7670,117 @@
             <a:fld id="{E5FD5434-F838-4DD4-A17B-1CB1A1850DF4}" type="slidenum">
               <a:rPr lang="en-US" smtClean="0"/>
               <a:t>10</a:t>
+            </a:fld>
+            <a:endParaRPr lang="en-US"/>
+          </a:p>
+        </p:txBody>
+      </p:sp>
+    </p:spTree>
+    <p:extLst>
+      <p:ext uri="{BB962C8B-B14F-4D97-AF65-F5344CB8AC3E}">
+        <p14:creationId xmlns:p14="http://schemas.microsoft.com/office/powerpoint/2010/main" val="3671086265"/>
+      </p:ext>
+    </p:extLst>
+  </p:cSld>
+  <p:clrMapOvr>
+    <a:masterClrMapping/>
+  </p:clrMapOvr>
+  <mc:AlternateContent xmlns:mc="http://schemas.openxmlformats.org/markup-compatibility/2006" xmlns:p14="http://schemas.microsoft.com/office/powerpoint/2010/main">
+    <mc:Choice Requires="p14">
+      <p:transition spd="med" p14:dur="700">
+        <p:fade/>
+      </p:transition>
+    </mc:Choice>
+    <mc:Fallback xmlns="">
+      <p:transition spd="med">
+        <p:fade/>
+      </p:transition>
+    </mc:Fallback>
+  </mc:AlternateContent>
+</p:sld>
+</file>
+
+<file path=ppt/slides/slide11.xml><?xml version="1.0" encoding="utf-8"?>
+<p:sld xmlns:a="http://schemas.openxmlformats.org/drawingml/2006/main" xmlns:r="http://schemas.openxmlformats.org/officeDocument/2006/relationships" xmlns:p="http://schemas.openxmlformats.org/presentationml/2006/main">
+  <p:cSld>
+    <p:spTree>
+      <p:nvGrpSpPr>
+        <p:cNvPr id="1" name=""/>
+        <p:cNvGrpSpPr/>
+        <p:nvPr/>
+      </p:nvGrpSpPr>
+      <p:grpSpPr>
+        <a:xfrm>
+          <a:off x="0" y="0"/>
+          <a:ext cx="0" cy="0"/>
+          <a:chOff x="0" y="0"/>
+          <a:chExt cx="0" cy="0"/>
+        </a:xfrm>
+      </p:grpSpPr>
+      <p:sp>
+        <p:nvSpPr>
+          <p:cNvPr id="4" name="Date Placeholder 3"/>
+          <p:cNvSpPr>
+            <a:spLocks noGrp="1"/>
+          </p:cNvSpPr>
+          <p:nvPr>
+            <p:ph type="dt" sz="half" idx="10"/>
+          </p:nvPr>
+        </p:nvSpPr>
+        <p:spPr/>
+        <p:txBody>
+          <a:bodyPr/>
+          <a:lstStyle/>
+          <a:p>
+            <a:r>
+              <a:rPr lang="en-US" sz="1200"/>
+              <a:t>04/15/2016</a:t>
+            </a:r>
+            <a:endParaRPr lang="en-US" sz="1200" dirty="0"/>
+          </a:p>
+        </p:txBody>
+      </p:sp>
+      <p:sp>
+        <p:nvSpPr>
+          <p:cNvPr id="5" name="Footer Placeholder 4"/>
+          <p:cNvSpPr>
+            <a:spLocks noGrp="1"/>
+          </p:cNvSpPr>
+          <p:nvPr>
+            <p:ph type="ftr" sz="quarter" idx="11"/>
+          </p:nvPr>
+        </p:nvSpPr>
+        <p:spPr/>
+        <p:txBody>
+          <a:bodyPr/>
+          <a:lstStyle/>
+          <a:p>
+            <a:r>
+              <a:rPr lang="en-US" sz="1200"/>
+              <a:t>CS499 Team Hotspotter</a:t>
+            </a:r>
+            <a:endParaRPr lang="en-US" sz="1200" dirty="0"/>
+          </a:p>
+        </p:txBody>
+      </p:sp>
+      <p:sp>
+        <p:nvSpPr>
+          <p:cNvPr id="6" name="Slide Number Placeholder 5"/>
+          <p:cNvSpPr>
+            <a:spLocks noGrp="1"/>
+          </p:cNvSpPr>
+          <p:nvPr>
+            <p:ph type="sldNum" sz="quarter" idx="12"/>
+          </p:nvPr>
+        </p:nvSpPr>
+        <p:spPr/>
+        <p:txBody>
+          <a:bodyPr/>
+          <a:lstStyle/>
+          <a:p>
+            <a:fld id="{E5FD5434-F838-4DD4-A17B-1CB1A1850DF4}" type="slidenum">
+              <a:rPr lang="en-US" smtClean="0"/>
+              <a:t>11</a:t>
             </a:fld>
             <a:endParaRPr lang="en-US" dirty="0"/>
           </a:p>
@@ -7599,7 +7860,7 @@
       </p:grpSpPr>
       <p:sp>
         <p:nvSpPr>
-          <p:cNvPr id="13" name="Title 12"/>
+          <p:cNvPr id="2" name="Title 1"/>
           <p:cNvSpPr>
             <a:spLocks noGrp="1"/>
           </p:cNvSpPr>
@@ -7616,15 +7877,16 @@
           <a:p>
             <a:pPr algn="ctr"/>
             <a:r>
-              <a:rPr lang="en-US" sz="4400" dirty="0"/>
-              <a:t>About our project</a:t>
-            </a:r>
-          </a:p>
-        </p:txBody>
-      </p:sp>
-      <p:sp>
-        <p:nvSpPr>
-          <p:cNvPr id="6" name="Content Placeholder 5"/>
+              <a:rPr lang="en-US" sz="4400" dirty="0" smtClean="0"/>
+              <a:t>Overview</a:t>
+            </a:r>
+            <a:endParaRPr lang="en-US" sz="4400" dirty="0"/>
+          </a:p>
+        </p:txBody>
+      </p:sp>
+      <p:sp>
+        <p:nvSpPr>
+          <p:cNvPr id="3" name="Content Placeholder 2"/>
           <p:cNvSpPr>
             <a:spLocks noGrp="1"/>
           </p:cNvSpPr>
@@ -7632,130 +7894,64 @@
             <p:ph sz="half" idx="1"/>
           </p:nvPr>
         </p:nvSpPr>
-        <p:spPr/>
-        <p:txBody>
-          <a:bodyPr>
-            <a:normAutofit fontScale="92500" lnSpcReduction="10000"/>
-          </a:bodyPr>
-          <a:lstStyle/>
-          <a:p>
-            <a:pPr marL="0" indent="0" algn="ctr">
-              <a:buNone/>
-            </a:pPr>
-            <a:r>
-              <a:rPr lang="en-US" sz="3900" u="sng" dirty="0"/>
-              <a:t>Overview</a:t>
-            </a:r>
-          </a:p>
+        <p:spPr>
+          <a:xfrm>
+            <a:off x="2132012" y="2057400"/>
+            <a:ext cx="8153400" cy="4167426"/>
+          </a:xfrm>
+        </p:spPr>
+        <p:txBody>
+          <a:bodyPr/>
+          <a:lstStyle/>
           <a:p>
             <a:pPr marL="0" indent="0">
               <a:buNone/>
             </a:pPr>
             <a:r>
-              <a:rPr lang="en-US" sz="2400" dirty="0"/>
-              <a:t>Our client requested a platform that could be used to detect unstable and potentially buggy areas of code within a repository. With export capabilities, the data could also be analyzed to detect trends and to better predict troublesome code.</a:t>
-            </a:r>
-          </a:p>
-          <a:p>
-            <a:pPr lvl="1"/>
+              <a:rPr lang="en-US" sz="3200" dirty="0" smtClean="0"/>
+              <a:t>Our </a:t>
+            </a:r>
+            <a:r>
+              <a:rPr lang="en-US" sz="3200" dirty="0"/>
+              <a:t>client requested a platform that could be used to detect unstable and potentially buggy areas of code within a repository. With export capabilities, the data could also be analyzed to detect trends and to better predict troublesome code.</a:t>
+            </a:r>
+          </a:p>
+          <a:p>
             <a:endParaRPr lang="en-US" dirty="0"/>
           </a:p>
         </p:txBody>
       </p:sp>
       <p:sp>
         <p:nvSpPr>
-          <p:cNvPr id="7" name="Content Placeholder 6"/>
-          <p:cNvSpPr>
-            <a:spLocks noGrp="1"/>
-          </p:cNvSpPr>
-          <p:nvPr>
-            <p:ph sz="half" idx="2"/>
+          <p:cNvPr id="5" name="Date Placeholder 4"/>
+          <p:cNvSpPr>
+            <a:spLocks noGrp="1"/>
+          </p:cNvSpPr>
+          <p:nvPr>
+            <p:ph type="dt" sz="half" idx="10"/>
           </p:nvPr>
         </p:nvSpPr>
         <p:spPr/>
         <p:txBody>
-          <a:bodyPr>
-            <a:normAutofit fontScale="92500" lnSpcReduction="10000"/>
-          </a:bodyPr>
-          <a:lstStyle/>
-          <a:p>
-            <a:pPr marL="0" indent="0" algn="ctr">
-              <a:buNone/>
-            </a:pPr>
-            <a:r>
-              <a:rPr lang="en-US" sz="4000" u="sng" dirty="0"/>
-              <a:t>Domain and Business</a:t>
-            </a:r>
-          </a:p>
-          <a:p>
-            <a:pPr marL="52388" indent="0"/>
-            <a:r>
-              <a:rPr lang="en-US" sz="2400" dirty="0"/>
-              <a:t>Developers</a:t>
-            </a:r>
-          </a:p>
-          <a:p>
-            <a:pPr lvl="1"/>
-            <a:r>
-              <a:rPr lang="en-US" sz="2400" dirty="0"/>
-              <a:t>Tracking bug-fixing commits</a:t>
-            </a:r>
-          </a:p>
-          <a:p>
-            <a:pPr lvl="1"/>
-            <a:r>
-              <a:rPr lang="en-US" sz="2400" dirty="0"/>
-              <a:t>Testing code before pulling into project master</a:t>
-            </a:r>
-          </a:p>
-          <a:p>
-            <a:pPr marL="0" indent="0">
-              <a:buNone/>
-            </a:pPr>
-            <a:r>
-              <a:rPr lang="en-US" sz="2400" dirty="0"/>
-              <a:t>  Project Managers</a:t>
-            </a:r>
-          </a:p>
-          <a:p>
-            <a:pPr lvl="1"/>
-            <a:r>
-              <a:rPr lang="en-US" sz="2400" dirty="0"/>
-              <a:t>Assigning troublesome tasks to more experienced developers</a:t>
-            </a:r>
-          </a:p>
-          <a:p>
-            <a:pPr marL="0" indent="0">
-              <a:buNone/>
-            </a:pPr>
-            <a:r>
-              <a:rPr lang="en-US" sz="2400" dirty="0"/>
-              <a:t>  Open Source Contributors</a:t>
-            </a:r>
-          </a:p>
-          <a:p>
-            <a:pPr lvl="1"/>
-            <a:r>
-              <a:rPr lang="en-US" sz="2400" dirty="0"/>
-              <a:t>Looking to contribute code to most relevant portions of the codebase</a:t>
-            </a:r>
-          </a:p>
-          <a:p>
-            <a:pPr marL="0" indent="0">
-              <a:buNone/>
-            </a:pPr>
-            <a:endParaRPr lang="en-US" sz="4000" u="sng" dirty="0"/>
-          </a:p>
-        </p:txBody>
-      </p:sp>
-      <p:sp>
-        <p:nvSpPr>
-          <p:cNvPr id="8" name="Date Placeholder 7"/>
-          <p:cNvSpPr>
-            <a:spLocks noGrp="1"/>
-          </p:cNvSpPr>
-          <p:nvPr>
-            <p:ph type="dt" sz="half" idx="10"/>
+          <a:bodyPr/>
+          <a:lstStyle/>
+          <a:p>
+            <a:r>
+              <a:rPr lang="en-US" smtClean="0"/>
+              <a:t>04/15/2016</a:t>
+            </a:r>
+            <a:endParaRPr lang="en-US"/>
+          </a:p>
+        </p:txBody>
+      </p:sp>
+      <p:sp>
+        <p:nvSpPr>
+          <p:cNvPr id="6" name="Footer Placeholder 5"/>
+          <p:cNvSpPr>
+            <a:spLocks noGrp="1"/>
+          </p:cNvSpPr>
+          <p:nvPr>
+            <p:ph type="ftr" sz="quarter" idx="11"/>
           </p:nvPr>
         </p:nvSpPr>
         <p:spPr/>
@@ -7764,21 +7960,21 @@
           <a:lstStyle/>
           <a:p>
             <a:r>
-              <a:rPr lang="en-US" sz="1200"/>
-              <a:t>04/15/2016</a:t>
-            </a:r>
-            <a:endParaRPr lang="en-US" dirty="0"/>
-          </a:p>
-        </p:txBody>
-      </p:sp>
-      <p:sp>
-        <p:nvSpPr>
-          <p:cNvPr id="9" name="Footer Placeholder 8"/>
-          <p:cNvSpPr>
-            <a:spLocks noGrp="1"/>
-          </p:cNvSpPr>
-          <p:nvPr>
-            <p:ph type="ftr" sz="quarter" idx="11"/>
+              <a:rPr lang="en-US" smtClean="0"/>
+              <a:t>CS499 Team Hotspotter</a:t>
+            </a:r>
+            <a:endParaRPr lang="en-US"/>
+          </a:p>
+        </p:txBody>
+      </p:sp>
+      <p:sp>
+        <p:nvSpPr>
+          <p:cNvPr id="7" name="Slide Number Placeholder 6"/>
+          <p:cNvSpPr>
+            <a:spLocks noGrp="1"/>
+          </p:cNvSpPr>
+          <p:nvPr>
+            <p:ph type="sldNum" sz="quarter" idx="12"/>
           </p:nvPr>
         </p:nvSpPr>
         <p:spPr/>
@@ -7786,41 +7982,18 @@
           <a:bodyPr/>
           <a:lstStyle/>
           <a:p>
-            <a:r>
-              <a:rPr lang="en-US" sz="1200"/>
-              <a:t>CS499 Team Hotspotter</a:t>
-            </a:r>
-            <a:endParaRPr lang="en-US" sz="1200" dirty="0"/>
-          </a:p>
-        </p:txBody>
-      </p:sp>
-      <p:sp>
-        <p:nvSpPr>
-          <p:cNvPr id="10" name="Slide Number Placeholder 9"/>
-          <p:cNvSpPr>
-            <a:spLocks noGrp="1"/>
-          </p:cNvSpPr>
-          <p:nvPr>
-            <p:ph type="sldNum" sz="quarter" idx="12"/>
-          </p:nvPr>
-        </p:nvSpPr>
-        <p:spPr/>
-        <p:txBody>
-          <a:bodyPr/>
-          <a:lstStyle/>
-          <a:p>
             <a:fld id="{E5FD5434-F838-4DD4-A17B-1CB1A1850DF4}" type="slidenum">
-              <a:rPr lang="en-US" sz="1600" smtClean="0"/>
+              <a:rPr lang="en-US" smtClean="0"/>
               <a:t>2</a:t>
             </a:fld>
-            <a:endParaRPr lang="en-US" sz="1600" dirty="0"/>
+            <a:endParaRPr lang="en-US"/>
           </a:p>
         </p:txBody>
       </p:sp>
     </p:spTree>
     <p:extLst>
       <p:ext uri="{BB962C8B-B14F-4D97-AF65-F5344CB8AC3E}">
-        <p14:creationId xmlns:p14="http://schemas.microsoft.com/office/powerpoint/2010/main" val="429626325"/>
+        <p14:creationId xmlns:p14="http://schemas.microsoft.com/office/powerpoint/2010/main" val="3521293684"/>
       </p:ext>
     </p:extLst>
   </p:cSld>
@@ -7861,6 +8034,249 @@
       </p:grpSpPr>
       <p:sp>
         <p:nvSpPr>
+          <p:cNvPr id="13" name="Title 12"/>
+          <p:cNvSpPr>
+            <a:spLocks noGrp="1"/>
+          </p:cNvSpPr>
+          <p:nvPr>
+            <p:ph type="title"/>
+          </p:nvPr>
+        </p:nvSpPr>
+        <p:spPr/>
+        <p:txBody>
+          <a:bodyPr>
+            <a:normAutofit/>
+          </a:bodyPr>
+          <a:lstStyle/>
+          <a:p>
+            <a:pPr algn="ctr"/>
+            <a:r>
+              <a:rPr lang="en-US" sz="4400" dirty="0"/>
+              <a:t>About our </a:t>
+            </a:r>
+            <a:r>
+              <a:rPr lang="en-US" sz="4400" dirty="0" smtClean="0"/>
+              <a:t>project Motivation</a:t>
+            </a:r>
+            <a:endParaRPr lang="en-US" sz="4400" dirty="0"/>
+          </a:p>
+        </p:txBody>
+      </p:sp>
+      <p:sp>
+        <p:nvSpPr>
+          <p:cNvPr id="7" name="Content Placeholder 6"/>
+          <p:cNvSpPr>
+            <a:spLocks noGrp="1"/>
+          </p:cNvSpPr>
+          <p:nvPr>
+            <p:ph sz="half" idx="2"/>
+          </p:nvPr>
+        </p:nvSpPr>
+        <p:spPr>
+          <a:xfrm>
+            <a:off x="1598612" y="2011680"/>
+            <a:ext cx="9383798" cy="4206240"/>
+          </a:xfrm>
+        </p:spPr>
+        <p:txBody>
+          <a:bodyPr>
+            <a:normAutofit/>
+          </a:bodyPr>
+          <a:lstStyle/>
+          <a:p>
+            <a:pPr marL="0" indent="0" algn="ctr">
+              <a:buNone/>
+            </a:pPr>
+            <a:r>
+              <a:rPr lang="en-US" sz="4000" u="sng" dirty="0"/>
+              <a:t>Domain and Business</a:t>
+            </a:r>
+          </a:p>
+          <a:p>
+            <a:pPr marL="52388" indent="0"/>
+            <a:r>
+              <a:rPr lang="en-US" sz="2400" dirty="0"/>
+              <a:t>Developers</a:t>
+            </a:r>
+          </a:p>
+          <a:p>
+            <a:pPr lvl="1"/>
+            <a:r>
+              <a:rPr lang="en-US" sz="2400" dirty="0"/>
+              <a:t>Tracking bug-fixing commits</a:t>
+            </a:r>
+          </a:p>
+          <a:p>
+            <a:pPr lvl="1"/>
+            <a:r>
+              <a:rPr lang="en-US" sz="2400" dirty="0"/>
+              <a:t>Testing code before </a:t>
+            </a:r>
+            <a:r>
+              <a:rPr lang="en-US" sz="2400" dirty="0" smtClean="0"/>
+              <a:t>committing code into the master build</a:t>
+            </a:r>
+            <a:endParaRPr lang="en-US" sz="2400" dirty="0"/>
+          </a:p>
+          <a:p>
+            <a:pPr marL="0" indent="0">
+              <a:buNone/>
+            </a:pPr>
+            <a:r>
+              <a:rPr lang="en-US" sz="2400" dirty="0"/>
+              <a:t>  Project Managers</a:t>
+            </a:r>
+          </a:p>
+          <a:p>
+            <a:pPr lvl="1"/>
+            <a:r>
+              <a:rPr lang="en-US" sz="2400" dirty="0"/>
+              <a:t>Assigning troublesome tasks to more experienced </a:t>
+            </a:r>
+            <a:r>
+              <a:rPr lang="en-US" sz="2400" dirty="0" smtClean="0"/>
+              <a:t>developers</a:t>
+            </a:r>
+            <a:endParaRPr lang="en-US" sz="2400" dirty="0"/>
+          </a:p>
+          <a:p>
+            <a:pPr marL="0" indent="0">
+              <a:buNone/>
+            </a:pPr>
+            <a:r>
+              <a:rPr lang="en-US" sz="2400" dirty="0"/>
+              <a:t>  Open Source Contributors</a:t>
+            </a:r>
+          </a:p>
+          <a:p>
+            <a:pPr lvl="1"/>
+            <a:r>
+              <a:rPr lang="en-US" sz="2400" dirty="0" smtClean="0"/>
+              <a:t>Allows contributors to grow and develop based on the history of their contributions</a:t>
+            </a:r>
+            <a:endParaRPr lang="en-US" sz="2400" dirty="0"/>
+          </a:p>
+          <a:p>
+            <a:pPr marL="0" indent="0">
+              <a:buNone/>
+            </a:pPr>
+            <a:endParaRPr lang="en-US" sz="4000" u="sng" dirty="0"/>
+          </a:p>
+        </p:txBody>
+      </p:sp>
+      <p:sp>
+        <p:nvSpPr>
+          <p:cNvPr id="8" name="Date Placeholder 7"/>
+          <p:cNvSpPr>
+            <a:spLocks noGrp="1"/>
+          </p:cNvSpPr>
+          <p:nvPr>
+            <p:ph type="dt" sz="half" idx="10"/>
+          </p:nvPr>
+        </p:nvSpPr>
+        <p:spPr/>
+        <p:txBody>
+          <a:bodyPr/>
+          <a:lstStyle/>
+          <a:p>
+            <a:r>
+              <a:rPr lang="en-US" sz="1200"/>
+              <a:t>04/15/2016</a:t>
+            </a:r>
+            <a:endParaRPr lang="en-US" dirty="0"/>
+          </a:p>
+        </p:txBody>
+      </p:sp>
+      <p:sp>
+        <p:nvSpPr>
+          <p:cNvPr id="9" name="Footer Placeholder 8"/>
+          <p:cNvSpPr>
+            <a:spLocks noGrp="1"/>
+          </p:cNvSpPr>
+          <p:nvPr>
+            <p:ph type="ftr" sz="quarter" idx="11"/>
+          </p:nvPr>
+        </p:nvSpPr>
+        <p:spPr/>
+        <p:txBody>
+          <a:bodyPr/>
+          <a:lstStyle/>
+          <a:p>
+            <a:r>
+              <a:rPr lang="en-US" sz="1200"/>
+              <a:t>CS499 Team Hotspotter</a:t>
+            </a:r>
+            <a:endParaRPr lang="en-US" sz="1200" dirty="0"/>
+          </a:p>
+        </p:txBody>
+      </p:sp>
+      <p:sp>
+        <p:nvSpPr>
+          <p:cNvPr id="10" name="Slide Number Placeholder 9"/>
+          <p:cNvSpPr>
+            <a:spLocks noGrp="1"/>
+          </p:cNvSpPr>
+          <p:nvPr>
+            <p:ph type="sldNum" sz="quarter" idx="12"/>
+          </p:nvPr>
+        </p:nvSpPr>
+        <p:spPr/>
+        <p:txBody>
+          <a:bodyPr/>
+          <a:lstStyle/>
+          <a:p>
+            <a:fld id="{E5FD5434-F838-4DD4-A17B-1CB1A1850DF4}" type="slidenum">
+              <a:rPr lang="en-US" sz="1600" smtClean="0"/>
+              <a:t>3</a:t>
+            </a:fld>
+            <a:endParaRPr lang="en-US" sz="1600" dirty="0"/>
+          </a:p>
+        </p:txBody>
+      </p:sp>
+    </p:spTree>
+    <p:extLst>
+      <p:ext uri="{BB962C8B-B14F-4D97-AF65-F5344CB8AC3E}">
+        <p14:creationId xmlns:p14="http://schemas.microsoft.com/office/powerpoint/2010/main" val="429626325"/>
+      </p:ext>
+    </p:extLst>
+  </p:cSld>
+  <p:clrMapOvr>
+    <a:masterClrMapping/>
+  </p:clrMapOvr>
+  <mc:AlternateContent xmlns:mc="http://schemas.openxmlformats.org/markup-compatibility/2006" xmlns:p14="http://schemas.microsoft.com/office/powerpoint/2010/main">
+    <mc:Choice Requires="p14">
+      <p:transition spd="med" p14:dur="700">
+        <p:fade/>
+      </p:transition>
+    </mc:Choice>
+    <mc:Fallback xmlns="">
+      <p:transition spd="med">
+        <p:fade/>
+      </p:transition>
+    </mc:Fallback>
+  </mc:AlternateContent>
+</p:sld>
+</file>
+
+<file path=ppt/slides/slide4.xml><?xml version="1.0" encoding="utf-8"?>
+<p:sld xmlns:a="http://schemas.openxmlformats.org/drawingml/2006/main" xmlns:r="http://schemas.openxmlformats.org/officeDocument/2006/relationships" xmlns:p="http://schemas.openxmlformats.org/presentationml/2006/main">
+  <p:cSld>
+    <p:spTree>
+      <p:nvGrpSpPr>
+        <p:cNvPr id="1" name=""/>
+        <p:cNvGrpSpPr/>
+        <p:nvPr/>
+      </p:nvGrpSpPr>
+      <p:grpSpPr>
+        <a:xfrm>
+          <a:off x="0" y="0"/>
+          <a:ext cx="0" cy="0"/>
+          <a:chOff x="0" y="0"/>
+          <a:chExt cx="0" cy="0"/>
+        </a:xfrm>
+      </p:grpSpPr>
+      <p:sp>
+        <p:nvSpPr>
           <p:cNvPr id="2" name="Title 1"/>
           <p:cNvSpPr>
             <a:spLocks noGrp="1"/>
@@ -7950,7 +8366,7 @@
           <a:p>
             <a:fld id="{E5FD5434-F838-4DD4-A17B-1CB1A1850DF4}" type="slidenum">
               <a:rPr lang="en-US" smtClean="0"/>
-              <a:t>3</a:t>
+              <a:t>4</a:t>
             </a:fld>
             <a:endParaRPr lang="en-US"/>
           </a:p>
@@ -8011,7 +8427,7 @@
 </p:sld>
 </file>
 
-<file path=ppt/slides/slide4.xml><?xml version="1.0" encoding="utf-8"?>
+<file path=ppt/slides/slide5.xml><?xml version="1.0" encoding="utf-8"?>
 <p:sld xmlns:a="http://schemas.openxmlformats.org/drawingml/2006/main" xmlns:r="http://schemas.openxmlformats.org/officeDocument/2006/relationships" xmlns:p="http://schemas.openxmlformats.org/presentationml/2006/main">
   <p:cSld>
     <p:spTree>
@@ -8182,7 +8598,7 @@
           <a:p>
             <a:fld id="{E5FD5434-F838-4DD4-A17B-1CB1A1850DF4}" type="slidenum">
               <a:rPr lang="en-US" smtClean="0"/>
-              <a:t>4</a:t>
+              <a:t>5</a:t>
             </a:fld>
             <a:endParaRPr lang="en-US"/>
           </a:p>
@@ -8213,7 +8629,7 @@
 </p:sld>
 </file>
 
-<file path=ppt/slides/slide5.xml><?xml version="1.0" encoding="utf-8"?>
+<file path=ppt/slides/slide6.xml><?xml version="1.0" encoding="utf-8"?>
 <p:sld xmlns:a="http://schemas.openxmlformats.org/drawingml/2006/main" xmlns:r="http://schemas.openxmlformats.org/officeDocument/2006/relationships" xmlns:p="http://schemas.openxmlformats.org/presentationml/2006/main">
   <p:cSld>
     <p:spTree>
@@ -8314,7 +8730,7 @@
             <a:fld id="{E5FD5434-F838-4DD4-A17B-1CB1A1850DF4}" type="slidenum">
               <a:rPr lang="en-US" smtClean="0"/>
               <a:pPr/>
-              <a:t>5</a:t>
+              <a:t>6</a:t>
             </a:fld>
             <a:endParaRPr lang="en-US"/>
           </a:p>
@@ -8557,152 +8973,6 @@
 </p:sld>
 </file>
 
-<file path=ppt/slides/slide6.xml><?xml version="1.0" encoding="utf-8"?>
-<p:sld xmlns:a="http://schemas.openxmlformats.org/drawingml/2006/main" xmlns:r="http://schemas.openxmlformats.org/officeDocument/2006/relationships" xmlns:p="http://schemas.openxmlformats.org/presentationml/2006/main">
-  <p:cSld>
-    <p:spTree>
-      <p:nvGrpSpPr>
-        <p:cNvPr id="1" name=""/>
-        <p:cNvGrpSpPr/>
-        <p:nvPr/>
-      </p:nvGrpSpPr>
-      <p:grpSpPr>
-        <a:xfrm>
-          <a:off x="0" y="0"/>
-          <a:ext cx="0" cy="0"/>
-          <a:chOff x="0" y="0"/>
-          <a:chExt cx="0" cy="0"/>
-        </a:xfrm>
-      </p:grpSpPr>
-      <p:sp>
-        <p:nvSpPr>
-          <p:cNvPr id="2" name="Title 1"/>
-          <p:cNvSpPr>
-            <a:spLocks noGrp="1"/>
-          </p:cNvSpPr>
-          <p:nvPr>
-            <p:ph type="title"/>
-          </p:nvPr>
-        </p:nvSpPr>
-        <p:spPr>
-          <a:xfrm rot="1518443">
-            <a:off x="-25458" y="2571527"/>
-            <a:ext cx="12341374" cy="1508760"/>
-          </a:xfrm>
-        </p:spPr>
-        <p:txBody>
-          <a:bodyPr/>
-          <a:lstStyle/>
-          <a:p>
-            <a:r>
-              <a:rPr lang="en-US" dirty="0"/>
-              <a:t>DEMO DEMO </a:t>
-            </a:r>
-            <a:r>
-              <a:rPr lang="en-US" dirty="0">
-                <a:solidFill>
-                  <a:schemeClr val="tx1"/>
-                </a:solidFill>
-              </a:rPr>
-              <a:t>DEMO DEMO DEMO DEMO DEMO DEMO</a:t>
-            </a:r>
-          </a:p>
-        </p:txBody>
-      </p:sp>
-      <p:sp>
-        <p:nvSpPr>
-          <p:cNvPr id="5" name="Date Placeholder 4"/>
-          <p:cNvSpPr>
-            <a:spLocks noGrp="1"/>
-          </p:cNvSpPr>
-          <p:nvPr>
-            <p:ph type="dt" sz="half" idx="10"/>
-          </p:nvPr>
-        </p:nvSpPr>
-        <p:spPr/>
-        <p:txBody>
-          <a:bodyPr/>
-          <a:lstStyle/>
-          <a:p>
-            <a:r>
-              <a:rPr lang="en-US"/>
-              <a:t>04/15/2016</a:t>
-            </a:r>
-            <a:endParaRPr lang="en-US" dirty="0"/>
-          </a:p>
-        </p:txBody>
-      </p:sp>
-      <p:sp>
-        <p:nvSpPr>
-          <p:cNvPr id="6" name="Footer Placeholder 5"/>
-          <p:cNvSpPr>
-            <a:spLocks noGrp="1"/>
-          </p:cNvSpPr>
-          <p:nvPr>
-            <p:ph type="ftr" sz="quarter" idx="11"/>
-          </p:nvPr>
-        </p:nvSpPr>
-        <p:spPr/>
-        <p:txBody>
-          <a:bodyPr/>
-          <a:lstStyle/>
-          <a:p>
-            <a:r>
-              <a:rPr lang="en-US"/>
-              <a:t>CS499 Team Hotspotter</a:t>
-            </a:r>
-          </a:p>
-        </p:txBody>
-      </p:sp>
-      <p:sp>
-        <p:nvSpPr>
-          <p:cNvPr id="7" name="Slide Number Placeholder 6"/>
-          <p:cNvSpPr>
-            <a:spLocks noGrp="1"/>
-          </p:cNvSpPr>
-          <p:nvPr>
-            <p:ph type="sldNum" sz="quarter" idx="12"/>
-          </p:nvPr>
-        </p:nvSpPr>
-        <p:spPr/>
-        <p:txBody>
-          <a:bodyPr/>
-          <a:lstStyle/>
-          <a:p>
-            <a:fld id="{E5FD5434-F838-4DD4-A17B-1CB1A1850DF4}" type="slidenum">
-              <a:rPr lang="en-US" smtClean="0"/>
-              <a:pPr/>
-              <a:t>6</a:t>
-            </a:fld>
-            <a:endParaRPr lang="en-US"/>
-          </a:p>
-        </p:txBody>
-      </p:sp>
-    </p:spTree>
-    <p:extLst>
-      <p:ext uri="{BB962C8B-B14F-4D97-AF65-F5344CB8AC3E}">
-        <p14:creationId xmlns:p14="http://schemas.microsoft.com/office/powerpoint/2010/main" val="2920361429"/>
-      </p:ext>
-    </p:extLst>
-  </p:cSld>
-  <p:clrMapOvr>
-    <a:masterClrMapping/>
-  </p:clrMapOvr>
-  <mc:AlternateContent xmlns:mc="http://schemas.openxmlformats.org/markup-compatibility/2006" xmlns:p14="http://schemas.microsoft.com/office/powerpoint/2010/main">
-    <mc:Choice Requires="p14">
-      <p:transition spd="med" p14:dur="700">
-        <p:fade/>
-      </p:transition>
-    </mc:Choice>
-    <mc:Fallback xmlns="">
-      <p:transition spd="med">
-        <p:fade/>
-      </p:transition>
-    </mc:Fallback>
-  </mc:AlternateContent>
-</p:sld>
-</file>
-
 <file path=ppt/slides/slide7.xml><?xml version="1.0" encoding="utf-8"?>
 <p:sld xmlns:a="http://schemas.openxmlformats.org/drawingml/2006/main" xmlns:r="http://schemas.openxmlformats.org/officeDocument/2006/relationships" xmlns:p="http://schemas.openxmlformats.org/presentationml/2006/main">
   <p:cSld>
@@ -8730,27 +9000,62 @@
             <p:ph type="title"/>
           </p:nvPr>
         </p:nvSpPr>
+        <p:spPr>
+          <a:xfrm rot="1518443">
+            <a:off x="-25458" y="2571527"/>
+            <a:ext cx="12341374" cy="1508760"/>
+          </a:xfrm>
+        </p:spPr>
+        <p:txBody>
+          <a:bodyPr/>
+          <a:lstStyle/>
+          <a:p>
+            <a:r>
+              <a:rPr lang="en-US" dirty="0"/>
+              <a:t>DEMO DEMO </a:t>
+            </a:r>
+            <a:r>
+              <a:rPr lang="en-US" dirty="0">
+                <a:solidFill>
+                  <a:schemeClr val="tx1"/>
+                </a:solidFill>
+              </a:rPr>
+              <a:t>DEMO DEMO DEMO DEMO DEMO DEMO</a:t>
+            </a:r>
+          </a:p>
+        </p:txBody>
+      </p:sp>
+      <p:sp>
+        <p:nvSpPr>
+          <p:cNvPr id="5" name="Date Placeholder 4"/>
+          <p:cNvSpPr>
+            <a:spLocks noGrp="1"/>
+          </p:cNvSpPr>
+          <p:nvPr>
+            <p:ph type="dt" sz="half" idx="10"/>
+          </p:nvPr>
+        </p:nvSpPr>
         <p:spPr/>
         <p:txBody>
           <a:bodyPr/>
           <a:lstStyle/>
           <a:p>
-            <a:pPr algn="ctr"/>
-            <a:r>
-              <a:rPr lang="en-US" dirty="0"/>
-              <a:t>Team Burndown/ Velocity Chart</a:t>
-            </a:r>
-          </a:p>
-        </p:txBody>
-      </p:sp>
-      <p:sp>
-        <p:nvSpPr>
-          <p:cNvPr id="4" name="Date Placeholder 3"/>
-          <p:cNvSpPr>
-            <a:spLocks noGrp="1"/>
-          </p:cNvSpPr>
-          <p:nvPr>
-            <p:ph type="dt" sz="half" idx="10"/>
+            <a:r>
+              <a:rPr lang="en-US"/>
+              <a:t>04/15/2016</a:t>
+            </a:r>
+            <a:endParaRPr lang="en-US" dirty="0"/>
+          </a:p>
+        </p:txBody>
+      </p:sp>
+      <p:sp>
+        <p:nvSpPr>
+          <p:cNvPr id="6" name="Footer Placeholder 5"/>
+          <p:cNvSpPr>
+            <a:spLocks noGrp="1"/>
+          </p:cNvSpPr>
+          <p:nvPr>
+            <p:ph type="ftr" sz="quarter" idx="11"/>
           </p:nvPr>
         </p:nvSpPr>
         <p:spPr/>
@@ -8759,39 +9064,15 @@
           <a:lstStyle/>
           <a:p>
             <a:r>
-              <a:rPr lang="en-US" sz="1200"/>
-              <a:t>04/15/2016</a:t>
-            </a:r>
-            <a:endParaRPr lang="en-US" sz="1200" dirty="0"/>
-          </a:p>
-        </p:txBody>
-      </p:sp>
-      <p:sp>
-        <p:nvSpPr>
-          <p:cNvPr id="5" name="Footer Placeholder 4"/>
-          <p:cNvSpPr>
-            <a:spLocks noGrp="1"/>
-          </p:cNvSpPr>
-          <p:nvPr>
-            <p:ph type="ftr" sz="quarter" idx="11"/>
-          </p:nvPr>
-        </p:nvSpPr>
-        <p:spPr/>
-        <p:txBody>
-          <a:bodyPr/>
-          <a:lstStyle/>
-          <a:p>
-            <a:r>
-              <a:rPr lang="en-US" sz="1200"/>
+              <a:rPr lang="en-US"/>
               <a:t>CS499 Team Hotspotter</a:t>
             </a:r>
-            <a:endParaRPr lang="en-US" sz="1200" dirty="0"/>
-          </a:p>
-        </p:txBody>
-      </p:sp>
-      <p:sp>
-        <p:nvSpPr>
-          <p:cNvPr id="6" name="Slide Number Placeholder 5"/>
+          </a:p>
+        </p:txBody>
+      </p:sp>
+      <p:sp>
+        <p:nvSpPr>
+          <p:cNvPr id="7" name="Slide Number Placeholder 6"/>
           <p:cNvSpPr>
             <a:spLocks noGrp="1"/>
           </p:cNvSpPr>
@@ -8806,41 +9087,17 @@
           <a:p>
             <a:fld id="{E5FD5434-F838-4DD4-A17B-1CB1A1850DF4}" type="slidenum">
               <a:rPr lang="en-US" smtClean="0"/>
+              <a:pPr/>
               <a:t>7</a:t>
             </a:fld>
             <a:endParaRPr lang="en-US"/>
           </a:p>
         </p:txBody>
       </p:sp>
-      <p:graphicFrame>
-        <p:nvGraphicFramePr>
-          <p:cNvPr id="7" name="Content Placeholder 6"/>
-          <p:cNvGraphicFramePr>
-            <a:graphicFrameLocks noGrp="1"/>
-          </p:cNvGraphicFramePr>
-          <p:nvPr>
-            <p:ph idx="1"/>
-            <p:extLst>
-              <p:ext uri="{D42A27DB-BD31-4B8C-83A1-F6EECF244321}">
-                <p14:modId xmlns:p14="http://schemas.microsoft.com/office/powerpoint/2010/main" val="57911693"/>
-              </p:ext>
-            </p:extLst>
-          </p:nvPr>
-        </p:nvGraphicFramePr>
-        <p:xfrm>
-          <a:off x="893950" y="1752600"/>
-          <a:ext cx="10398844" cy="4680111"/>
-        </p:xfrm>
-        <a:graphic>
-          <a:graphicData uri="http://schemas.openxmlformats.org/drawingml/2006/chart">
-            <c:chart xmlns:c="http://schemas.openxmlformats.org/drawingml/2006/chart" xmlns:r="http://schemas.openxmlformats.org/officeDocument/2006/relationships" r:id="rId2"/>
-          </a:graphicData>
-        </a:graphic>
-      </p:graphicFrame>
     </p:spTree>
     <p:extLst>
       <p:ext uri="{BB962C8B-B14F-4D97-AF65-F5344CB8AC3E}">
-        <p14:creationId xmlns:p14="http://schemas.microsoft.com/office/powerpoint/2010/main" val="1364081688"/>
+        <p14:creationId xmlns:p14="http://schemas.microsoft.com/office/powerpoint/2010/main" val="2920361429"/>
       </p:ext>
     </p:extLst>
   </p:cSld>
@@ -8918,9 +9175,10 @@
           <a:lstStyle/>
           <a:p>
             <a:r>
-              <a:rPr lang="en-US" sz="1200" dirty="0"/>
+              <a:rPr lang="en-US" sz="1200"/>
               <a:t>04/15/2016</a:t>
             </a:r>
+            <a:endParaRPr lang="en-US" sz="1200" dirty="0"/>
           </a:p>
         </p:txBody>
       </p:sp>
@@ -8972,7 +9230,7 @@
       </p:sp>
       <p:graphicFrame>
         <p:nvGraphicFramePr>
-          <p:cNvPr id="8" name="Content Placeholder 7"/>
+          <p:cNvPr id="7" name="Content Placeholder 6"/>
           <p:cNvGraphicFramePr>
             <a:graphicFrameLocks noGrp="1"/>
           </p:cNvGraphicFramePr>
@@ -8980,14 +9238,14 @@
             <p:ph idx="1"/>
             <p:extLst>
               <p:ext uri="{D42A27DB-BD31-4B8C-83A1-F6EECF244321}">
-                <p14:modId xmlns:p14="http://schemas.microsoft.com/office/powerpoint/2010/main" val="1503173150"/>
+                <p14:modId xmlns:p14="http://schemas.microsoft.com/office/powerpoint/2010/main" val="57911693"/>
               </p:ext>
             </p:extLst>
           </p:nvPr>
         </p:nvGraphicFramePr>
         <p:xfrm>
-          <a:off x="0" y="1828800"/>
-          <a:ext cx="12114212" cy="4517855"/>
+          <a:off x="893950" y="1752600"/>
+          <a:ext cx="10398844" cy="4680111"/>
         </p:xfrm>
         <a:graphic>
           <a:graphicData uri="http://schemas.openxmlformats.org/drawingml/2006/chart">
@@ -8998,7 +9256,7 @@
     </p:spTree>
     <p:extLst>
       <p:ext uri="{BB962C8B-B14F-4D97-AF65-F5344CB8AC3E}">
-        <p14:creationId xmlns:p14="http://schemas.microsoft.com/office/powerpoint/2010/main" val="2985966692"/>
+        <p14:creationId xmlns:p14="http://schemas.microsoft.com/office/powerpoint/2010/main" val="1364081688"/>
       </p:ext>
     </p:extLst>
   </p:cSld>
@@ -9055,119 +9313,7 @@
             <a:pPr algn="ctr"/>
             <a:r>
               <a:rPr lang="en-US" dirty="0"/>
-              <a:t>Post-Mortem/Key Take Away/ not Accomplished</a:t>
-            </a:r>
-          </a:p>
-        </p:txBody>
-      </p:sp>
-      <p:sp>
-        <p:nvSpPr>
-          <p:cNvPr id="3" name="Content Placeholder 2"/>
-          <p:cNvSpPr>
-            <a:spLocks noGrp="1"/>
-          </p:cNvSpPr>
-          <p:nvPr>
-            <p:ph sz="half" idx="1"/>
-          </p:nvPr>
-        </p:nvSpPr>
-        <p:spPr>
-          <a:xfrm>
-            <a:off x="303212" y="2011680"/>
-            <a:ext cx="5655460" cy="4206240"/>
-          </a:xfrm>
-        </p:spPr>
-        <p:txBody>
-          <a:bodyPr>
-            <a:normAutofit/>
-          </a:bodyPr>
-          <a:lstStyle/>
-          <a:p>
-            <a:r>
-              <a:rPr lang="en-US" sz="3600" i="1" dirty="0"/>
-              <a:t>Good</a:t>
-            </a:r>
-            <a:endParaRPr lang="en-US" sz="3200" i="1" dirty="0"/>
-          </a:p>
-          <a:p>
-            <a:pPr lvl="1"/>
-            <a:r>
-              <a:rPr lang="en-US" sz="3200" dirty="0"/>
-              <a:t>Met all of client’s requirements</a:t>
-            </a:r>
-          </a:p>
-          <a:p>
-            <a:pPr lvl="1"/>
-            <a:r>
-              <a:rPr lang="en-US" sz="3200" dirty="0"/>
-              <a:t>Learned to develop with modern web frameworks</a:t>
-            </a:r>
-          </a:p>
-          <a:p>
-            <a:pPr lvl="1"/>
-            <a:r>
-              <a:rPr lang="en-US" sz="3200" dirty="0"/>
-              <a:t>Acquired an intimate understanding of git version control</a:t>
-            </a:r>
-          </a:p>
-          <a:p>
-            <a:pPr marL="228532" lvl="1" indent="0">
-              <a:buNone/>
-            </a:pPr>
-            <a:endParaRPr lang="en-US" dirty="0"/>
-          </a:p>
-          <a:p>
-            <a:pPr lvl="1"/>
-            <a:endParaRPr lang="en-US" dirty="0"/>
-          </a:p>
-        </p:txBody>
-      </p:sp>
-      <p:sp>
-        <p:nvSpPr>
-          <p:cNvPr id="7" name="Content Placeholder 6"/>
-          <p:cNvSpPr>
-            <a:spLocks noGrp="1"/>
-          </p:cNvSpPr>
-          <p:nvPr>
-            <p:ph sz="half" idx="2"/>
-          </p:nvPr>
-        </p:nvSpPr>
-        <p:spPr>
-          <a:xfrm>
-            <a:off x="6228768" y="2011680"/>
-            <a:ext cx="5580644" cy="4206240"/>
-          </a:xfrm>
-        </p:spPr>
-        <p:txBody>
-          <a:bodyPr>
-            <a:normAutofit/>
-          </a:bodyPr>
-          <a:lstStyle/>
-          <a:p>
-            <a:r>
-              <a:rPr lang="en-US" sz="3600" i="1" dirty="0"/>
-              <a:t>Bad</a:t>
-            </a:r>
-          </a:p>
-          <a:p>
-            <a:pPr lvl="1"/>
-            <a:r>
-              <a:rPr lang="en-US" sz="3200" dirty="0"/>
-              <a:t>Better time estimation</a:t>
-            </a:r>
-          </a:p>
-          <a:p>
-            <a:pPr lvl="3"/>
-            <a:r>
-              <a:rPr lang="en-US" sz="2801"/>
-              <a:t>Burndown spikes and dives</a:t>
-            </a:r>
-            <a:endParaRPr lang="en-US" sz="2801" dirty="0"/>
-          </a:p>
-          <a:p>
-            <a:pPr lvl="1"/>
-            <a:r>
-              <a:rPr lang="en-US" sz="3200" dirty="0"/>
-              <a:t>We wish we had longer to work on it!</a:t>
+              <a:t>Team Burndown/ Velocity Chart</a:t>
             </a:r>
           </a:p>
         </p:txBody>
@@ -9188,10 +9334,9 @@
           <a:lstStyle/>
           <a:p>
             <a:r>
-              <a:rPr lang="en-US" sz="1200"/>
+              <a:rPr lang="en-US" sz="1200" dirty="0"/>
               <a:t>04/15/2016</a:t>
             </a:r>
-            <a:endParaRPr lang="en-US" sz="1200" dirty="0"/>
           </a:p>
         </p:txBody>
       </p:sp>
@@ -9241,10 +9386,35 @@
           </a:p>
         </p:txBody>
       </p:sp>
+      <p:graphicFrame>
+        <p:nvGraphicFramePr>
+          <p:cNvPr id="8" name="Content Placeholder 7"/>
+          <p:cNvGraphicFramePr>
+            <a:graphicFrameLocks noGrp="1"/>
+          </p:cNvGraphicFramePr>
+          <p:nvPr>
+            <p:ph idx="1"/>
+            <p:extLst>
+              <p:ext uri="{D42A27DB-BD31-4B8C-83A1-F6EECF244321}">
+                <p14:modId xmlns:p14="http://schemas.microsoft.com/office/powerpoint/2010/main" val="1503173150"/>
+              </p:ext>
+            </p:extLst>
+          </p:nvPr>
+        </p:nvGraphicFramePr>
+        <p:xfrm>
+          <a:off x="0" y="1828800"/>
+          <a:ext cx="12114212" cy="4517855"/>
+        </p:xfrm>
+        <a:graphic>
+          <a:graphicData uri="http://schemas.openxmlformats.org/drawingml/2006/chart">
+            <c:chart xmlns:c="http://schemas.openxmlformats.org/drawingml/2006/chart" xmlns:r="http://schemas.openxmlformats.org/officeDocument/2006/relationships" r:id="rId2"/>
+          </a:graphicData>
+        </a:graphic>
+      </p:graphicFrame>
     </p:spTree>
     <p:extLst>
       <p:ext uri="{BB962C8B-B14F-4D97-AF65-F5344CB8AC3E}">
-        <p14:creationId xmlns:p14="http://schemas.microsoft.com/office/powerpoint/2010/main" val="3671086265"/>
+        <p14:creationId xmlns:p14="http://schemas.microsoft.com/office/powerpoint/2010/main" val="2985966692"/>
       </p:ext>
     </p:extLst>
   </p:cSld>

--- a/Documentation/Presentations/CS499 Final Presentation.pptx
+++ b/Documentation/Presentations/CS499 Final Presentation.pptx
@@ -602,8 +602,8 @@
         </c:dLbls>
         <c:gapWidth val="150"/>
         <c:overlap val="100"/>
-        <c:axId val="1597328736"/>
-        <c:axId val="1597329824"/>
+        <c:axId val="-664206240"/>
+        <c:axId val="-664205696"/>
       </c:barChart>
       <c:lineChart>
         <c:grouping val="standard"/>
@@ -730,11 +730,11 @@
         </c:dLbls>
         <c:marker val="1"/>
         <c:smooth val="0"/>
-        <c:axId val="1597328736"/>
-        <c:axId val="1597329824"/>
+        <c:axId val="-664206240"/>
+        <c:axId val="-664205696"/>
       </c:lineChart>
       <c:catAx>
-        <c:axId val="1597328736"/>
+        <c:axId val="-664206240"/>
         <c:scaling>
           <c:orientation val="minMax"/>
         </c:scaling>
@@ -832,7 +832,7 @@
             <a:endParaRPr lang="en-US"/>
           </a:p>
         </c:txPr>
-        <c:crossAx val="1597329824"/>
+        <c:crossAx val="-664205696"/>
         <c:crosses val="autoZero"/>
         <c:auto val="0"/>
         <c:lblAlgn val="ctr"/>
@@ -840,7 +840,7 @@
         <c:noMultiLvlLbl val="0"/>
       </c:catAx>
       <c:valAx>
-        <c:axId val="1597329824"/>
+        <c:axId val="-664205696"/>
         <c:scaling>
           <c:orientation val="minMax"/>
         </c:scaling>
@@ -950,7 +950,7 @@
             <a:endParaRPr lang="en-US"/>
           </a:p>
         </c:txPr>
-        <c:crossAx val="1597328736"/>
+        <c:crossAx val="-664206240"/>
         <c:crosses val="autoZero"/>
         <c:crossBetween val="between"/>
       </c:valAx>
@@ -1060,7 +1060,6 @@
           </a:p>
         </c:rich>
       </c:tx>
-      <c:layout/>
       <c:overlay val="0"/>
       <c:spPr>
         <a:noFill/>
@@ -1172,7 +1171,6 @@
             <c:showLeaderLines val="0"/>
             <c:extLst xmlns:c16r2="http://schemas.microsoft.com/office/drawing/2015/06/chart">
               <c:ext xmlns:c15="http://schemas.microsoft.com/office/drawing/2012/chart" uri="{CE6537A1-D6FC-4f65-9D91-7224C49458BB}">
-                <c15:layout/>
                 <c15:showLeaderLines val="1"/>
                 <c15:leaderLines>
                   <c:spPr>
@@ -1337,7 +1335,6 @@
             <c:showLeaderLines val="0"/>
             <c:extLst xmlns:c16r2="http://schemas.microsoft.com/office/drawing/2015/06/chart">
               <c:ext xmlns:c15="http://schemas.microsoft.com/office/drawing/2012/chart" uri="{CE6537A1-D6FC-4f65-9D91-7224C49458BB}">
-                <c15:layout/>
                 <c15:showLeaderLines val="1"/>
                 <c15:leaderLines>
                   <c:spPr>
@@ -1451,11 +1448,11 @@
           <c:showBubbleSize val="0"/>
         </c:dLbls>
         <c:smooth val="0"/>
-        <c:axId val="1602261456"/>
-        <c:axId val="1602264720"/>
+        <c:axId val="-553046960"/>
+        <c:axId val="-551939664"/>
       </c:lineChart>
       <c:catAx>
-        <c:axId val="1602261456"/>
+        <c:axId val="-553046960"/>
         <c:scaling>
           <c:orientation val="minMax"/>
         </c:scaling>
@@ -1575,7 +1572,7 @@
             <a:endParaRPr lang="en-US"/>
           </a:p>
         </c:txPr>
-        <c:crossAx val="1602264720"/>
+        <c:crossAx val="-551939664"/>
         <c:crosses val="autoZero"/>
         <c:auto val="1"/>
         <c:lblAlgn val="ctr"/>
@@ -1584,7 +1581,7 @@
         <c:noMultiLvlLbl val="0"/>
       </c:catAx>
       <c:valAx>
-        <c:axId val="1602264720"/>
+        <c:axId val="-551939664"/>
         <c:scaling>
           <c:orientation val="minMax"/>
         </c:scaling>
@@ -1737,7 +1734,7 @@
             <a:endParaRPr lang="en-US"/>
           </a:p>
         </c:txPr>
-        <c:crossAx val="1602261456"/>
+        <c:crossAx val="-553046960"/>
         <c:crosses val="autoZero"/>
         <c:crossBetween val="midCat"/>
       </c:valAx>
@@ -8052,11 +8049,15 @@
             <a:pPr algn="ctr"/>
             <a:r>
               <a:rPr lang="en-US" sz="4400" dirty="0"/>
-              <a:t>About our </a:t>
-            </a:r>
-            <a:r>
-              <a:rPr lang="en-US" sz="4400" dirty="0" smtClean="0"/>
-              <a:t>project Motivation</a:t>
+              <a:t>About </a:t>
+            </a:r>
+            <a:r>
+              <a:rPr lang="en-US" sz="4400"/>
+              <a:t>our </a:t>
+            </a:r>
+            <a:r>
+              <a:rPr lang="en-US" sz="4400" smtClean="0"/>
+              <a:t>project</a:t>
             </a:r>
             <a:endParaRPr lang="en-US" sz="4400" dirty="0"/>
           </a:p>

--- a/Documentation/Presentations/CS499 Final Presentation.pptx
+++ b/Documentation/Presentations/CS499 Final Presentation.pptx
@@ -602,8 +602,8 @@
         </c:dLbls>
         <c:gapWidth val="150"/>
         <c:overlap val="100"/>
-        <c:axId val="-664206240"/>
-        <c:axId val="-664205696"/>
+        <c:axId val="-21729408"/>
+        <c:axId val="-21725056"/>
       </c:barChart>
       <c:lineChart>
         <c:grouping val="standard"/>
@@ -730,11 +730,11 @@
         </c:dLbls>
         <c:marker val="1"/>
         <c:smooth val="0"/>
-        <c:axId val="-664206240"/>
-        <c:axId val="-664205696"/>
+        <c:axId val="-21729408"/>
+        <c:axId val="-21725056"/>
       </c:lineChart>
       <c:catAx>
-        <c:axId val="-664206240"/>
+        <c:axId val="-21729408"/>
         <c:scaling>
           <c:orientation val="minMax"/>
         </c:scaling>
@@ -832,7 +832,7 @@
             <a:endParaRPr lang="en-US"/>
           </a:p>
         </c:txPr>
-        <c:crossAx val="-664205696"/>
+        <c:crossAx val="-21725056"/>
         <c:crosses val="autoZero"/>
         <c:auto val="0"/>
         <c:lblAlgn val="ctr"/>
@@ -840,7 +840,7 @@
         <c:noMultiLvlLbl val="0"/>
       </c:catAx>
       <c:valAx>
-        <c:axId val="-664205696"/>
+        <c:axId val="-21725056"/>
         <c:scaling>
           <c:orientation val="minMax"/>
         </c:scaling>
@@ -950,7 +950,7 @@
             <a:endParaRPr lang="en-US"/>
           </a:p>
         </c:txPr>
-        <c:crossAx val="-664206240"/>
+        <c:crossAx val="-21729408"/>
         <c:crosses val="autoZero"/>
         <c:crossBetween val="between"/>
       </c:valAx>
@@ -1448,11 +1448,11 @@
           <c:showBubbleSize val="0"/>
         </c:dLbls>
         <c:smooth val="0"/>
-        <c:axId val="-553046960"/>
-        <c:axId val="-551939664"/>
+        <c:axId val="-1923617152"/>
+        <c:axId val="-1923620960"/>
       </c:lineChart>
       <c:catAx>
-        <c:axId val="-553046960"/>
+        <c:axId val="-1923617152"/>
         <c:scaling>
           <c:orientation val="minMax"/>
         </c:scaling>
@@ -1572,7 +1572,7 @@
             <a:endParaRPr lang="en-US"/>
           </a:p>
         </c:txPr>
-        <c:crossAx val="-551939664"/>
+        <c:crossAx val="-1923620960"/>
         <c:crosses val="autoZero"/>
         <c:auto val="1"/>
         <c:lblAlgn val="ctr"/>
@@ -1581,7 +1581,7 @@
         <c:noMultiLvlLbl val="0"/>
       </c:catAx>
       <c:valAx>
-        <c:axId val="-551939664"/>
+        <c:axId val="-1923620960"/>
         <c:scaling>
           <c:orientation val="minMax"/>
         </c:scaling>
@@ -1734,7 +1734,7 @@
             <a:endParaRPr lang="en-US"/>
           </a:p>
         </c:txPr>
-        <c:crossAx val="-553046960"/>
+        <c:crossAx val="-1923617152"/>
         <c:crosses val="autoZero"/>
         <c:crossBetween val="midCat"/>
       </c:valAx>
@@ -7485,9 +7485,10 @@
           <a:p>
             <a:pPr algn="ctr"/>
             <a:r>
-              <a:rPr lang="en-US" dirty="0"/>
-              <a:t>Post-Mortem/Key Take Away/ not Accomplished</a:t>
-            </a:r>
+              <a:rPr lang="en-US" smtClean="0"/>
+              <a:t>Post-Mortem</a:t>
+            </a:r>
+            <a:endParaRPr lang="en-US" dirty="0"/>
           </a:p>
         </p:txBody>
       </p:sp>
@@ -8153,15 +8154,12 @@
             <a:pPr lvl="1"/>
             <a:r>
               <a:rPr lang="en-US" sz="2400" dirty="0" smtClean="0"/>
-              <a:t>Allows contributors to grow and develop based on the history of their contributions</a:t>
-            </a:r>
-            <a:endParaRPr lang="en-US" sz="2400" dirty="0"/>
-          </a:p>
-          <a:p>
-            <a:pPr marL="0" indent="0">
-              <a:buNone/>
-            </a:pPr>
-            <a:endParaRPr lang="en-US" sz="4000" u="sng" dirty="0"/>
+              <a:t>Allows contributors to grow and develop based on the history of their </a:t>
+            </a:r>
+            <a:r>
+              <a:rPr lang="en-US" sz="2400" dirty="0" smtClean="0"/>
+              <a:t>contributions</a:t>
+            </a:r>
           </a:p>
         </p:txBody>
       </p:sp>

--- a/Documentation/Presentations/CS499 Final Presentation.pptx
+++ b/Documentation/Presentations/CS499 Final Presentation.pptx
@@ -14,8 +14,8 @@
     <p:sldId id="259" r:id="rId3"/>
     <p:sldId id="285" r:id="rId4"/>
     <p:sldId id="280" r:id="rId5"/>
-    <p:sldId id="266" r:id="rId6"/>
-    <p:sldId id="284" r:id="rId7"/>
+    <p:sldId id="284" r:id="rId6"/>
+    <p:sldId id="266" r:id="rId7"/>
     <p:sldId id="282" r:id="rId8"/>
     <p:sldId id="281" r:id="rId9"/>
     <p:sldId id="270" r:id="rId10"/>
@@ -262,6 +262,7 @@
           </a:p>
         </c:rich>
       </c:tx>
+      <c:layout/>
       <c:overlay val="0"/>
       <c:spPr>
         <a:noFill/>
@@ -602,8 +603,8 @@
         </c:dLbls>
         <c:gapWidth val="150"/>
         <c:overlap val="100"/>
-        <c:axId val="-21729408"/>
-        <c:axId val="-21725056"/>
+        <c:axId val="212338952"/>
+        <c:axId val="212341696"/>
       </c:barChart>
       <c:lineChart>
         <c:grouping val="standard"/>
@@ -730,11 +731,11 @@
         </c:dLbls>
         <c:marker val="1"/>
         <c:smooth val="0"/>
-        <c:axId val="-21729408"/>
-        <c:axId val="-21725056"/>
+        <c:axId val="212338952"/>
+        <c:axId val="212341696"/>
       </c:lineChart>
       <c:catAx>
-        <c:axId val="-21729408"/>
+        <c:axId val="212338952"/>
         <c:scaling>
           <c:orientation val="minMax"/>
         </c:scaling>
@@ -766,6 +767,7 @@
               </a:p>
             </c:rich>
           </c:tx>
+          <c:layout/>
           <c:overlay val="0"/>
           <c:spPr>
             <a:noFill/>
@@ -832,7 +834,7 @@
             <a:endParaRPr lang="en-US"/>
           </a:p>
         </c:txPr>
-        <c:crossAx val="-21725056"/>
+        <c:crossAx val="212341696"/>
         <c:crosses val="autoZero"/>
         <c:auto val="0"/>
         <c:lblAlgn val="ctr"/>
@@ -840,7 +842,7 @@
         <c:noMultiLvlLbl val="0"/>
       </c:catAx>
       <c:valAx>
-        <c:axId val="-21725056"/>
+        <c:axId val="212341696"/>
         <c:scaling>
           <c:orientation val="minMax"/>
         </c:scaling>
@@ -890,6 +892,7 @@
               </a:p>
             </c:rich>
           </c:tx>
+          <c:layout/>
           <c:overlay val="0"/>
           <c:spPr>
             <a:noFill/>
@@ -950,7 +953,7 @@
             <a:endParaRPr lang="en-US"/>
           </a:p>
         </c:txPr>
-        <c:crossAx val="-21729408"/>
+        <c:crossAx val="212338952"/>
         <c:crosses val="autoZero"/>
         <c:crossBetween val="between"/>
       </c:valAx>
@@ -964,6 +967,7 @@
     </c:plotArea>
     <c:legend>
       <c:legendPos val="b"/>
+      <c:layout/>
       <c:overlay val="0"/>
       <c:spPr>
         <a:noFill/>
@@ -1060,6 +1064,7 @@
           </a:p>
         </c:rich>
       </c:tx>
+      <c:layout/>
       <c:overlay val="0"/>
       <c:spPr>
         <a:noFill/>
@@ -1171,6 +1176,7 @@
             <c:showLeaderLines val="0"/>
             <c:extLst xmlns:c16r2="http://schemas.microsoft.com/office/drawing/2015/06/chart">
               <c:ext xmlns:c15="http://schemas.microsoft.com/office/drawing/2012/chart" uri="{CE6537A1-D6FC-4f65-9D91-7224C49458BB}">
+                <c15:layout/>
                 <c15:showLeaderLines val="1"/>
                 <c15:leaderLines>
                   <c:spPr>
@@ -1335,6 +1341,7 @@
             <c:showLeaderLines val="0"/>
             <c:extLst xmlns:c16r2="http://schemas.microsoft.com/office/drawing/2015/06/chart">
               <c:ext xmlns:c15="http://schemas.microsoft.com/office/drawing/2012/chart" uri="{CE6537A1-D6FC-4f65-9D91-7224C49458BB}">
+                <c15:layout/>
                 <c15:showLeaderLines val="1"/>
                 <c15:leaderLines>
                   <c:spPr>
@@ -1448,11 +1455,11 @@
           <c:showBubbleSize val="0"/>
         </c:dLbls>
         <c:smooth val="0"/>
-        <c:axId val="-1923617152"/>
-        <c:axId val="-1923620960"/>
+        <c:axId val="284704120"/>
+        <c:axId val="284704512"/>
       </c:lineChart>
       <c:catAx>
-        <c:axId val="-1923617152"/>
+        <c:axId val="284704120"/>
         <c:scaling>
           <c:orientation val="minMax"/>
         </c:scaling>
@@ -1572,7 +1579,7 @@
             <a:endParaRPr lang="en-US"/>
           </a:p>
         </c:txPr>
-        <c:crossAx val="-1923620960"/>
+        <c:crossAx val="284704512"/>
         <c:crosses val="autoZero"/>
         <c:auto val="1"/>
         <c:lblAlgn val="ctr"/>
@@ -1581,7 +1588,7 @@
         <c:noMultiLvlLbl val="0"/>
       </c:catAx>
       <c:valAx>
-        <c:axId val="-1923620960"/>
+        <c:axId val="284704512"/>
         <c:scaling>
           <c:orientation val="minMax"/>
         </c:scaling>
@@ -1734,7 +1741,7 @@
             <a:endParaRPr lang="en-US"/>
           </a:p>
         </c:txPr>
-        <c:crossAx val="-1923617152"/>
+        <c:crossAx val="284704120"/>
         <c:crosses val="autoZero"/>
         <c:crossBetween val="midCat"/>
       </c:valAx>
@@ -3008,7 +3015,7 @@
           <a:p>
             <a:fld id="{4954C6E1-AF92-4FB7-A013-0B520EBC30AE}" type="datetimeFigureOut">
               <a:rPr lang="en-US"/>
-              <a:t>04/04/2016</a:t>
+              <a:t>4/9/2016</a:t>
             </a:fld>
             <a:endParaRPr/>
           </a:p>
@@ -3174,7 +3181,7 @@
           <a:p>
             <a:fld id="{95C10850-0874-4A61-99B4-D613C5E8D9EA}" type="datetimeFigureOut">
               <a:rPr lang="en-US"/>
-              <a:t>04/04/2016</a:t>
+              <a:t>4/9/2016</a:t>
             </a:fld>
             <a:endParaRPr/>
           </a:p>
@@ -7505,7 +7512,7 @@
         <p:spPr>
           <a:xfrm>
             <a:off x="303212" y="2011680"/>
-            <a:ext cx="5655460" cy="4206240"/>
+            <a:ext cx="5925556" cy="4206240"/>
           </a:xfrm>
         </p:spPr>
         <p:txBody>
@@ -7514,8 +7521,11 @@
           </a:bodyPr>
           <a:lstStyle/>
           <a:p>
-            <a:r>
-              <a:rPr lang="en-US" sz="3600" i="1" dirty="0"/>
+            <a:pPr marL="0" indent="0">
+              <a:buNone/>
+            </a:pPr>
+            <a:r>
+              <a:rPr lang="en-US" sz="3600" i="1" dirty="0" smtClean="0"/>
               <a:t>Good</a:t>
             </a:r>
             <a:endParaRPr lang="en-US" sz="3200" i="1" dirty="0"/>
@@ -7524,7 +7534,15 @@
             <a:pPr lvl="1"/>
             <a:r>
               <a:rPr lang="en-US" sz="3200" dirty="0"/>
-              <a:t>Met all of client’s requirements</a:t>
+              <a:t>Met all </a:t>
+            </a:r>
+            <a:r>
+              <a:rPr lang="en-US" sz="3200" dirty="0" smtClean="0"/>
+              <a:t>client </a:t>
+            </a:r>
+            <a:r>
+              <a:rPr lang="en-US" sz="3200" dirty="0"/>
+              <a:t>requirements</a:t>
             </a:r>
           </a:p>
           <a:p>
@@ -7537,19 +7555,18 @@
           <a:p>
             <a:pPr lvl="1"/>
             <a:r>
+              <a:rPr lang="en-US" sz="3200" dirty="0" smtClean="0"/>
+              <a:t>Intimate understanding </a:t>
+            </a:r>
+            <a:r>
               <a:rPr lang="en-US" sz="3200" dirty="0"/>
-              <a:t>Acquired an intimate understanding of git version control</a:t>
-            </a:r>
-          </a:p>
-          <a:p>
-            <a:pPr marL="228532" lvl="1" indent="0">
-              <a:buNone/>
-            </a:pPr>
-            <a:endParaRPr lang="en-US" dirty="0"/>
-          </a:p>
-          <a:p>
-            <a:pPr lvl="1"/>
-            <a:endParaRPr lang="en-US" dirty="0"/>
+              <a:t>of git version </a:t>
+            </a:r>
+            <a:r>
+              <a:rPr lang="en-US" sz="3200" dirty="0" smtClean="0"/>
+              <a:t>control</a:t>
+            </a:r>
+            <a:endParaRPr lang="en-US" sz="3200" dirty="0"/>
           </a:p>
         </p:txBody>
       </p:sp>
@@ -7575,6 +7592,9 @@
           </a:bodyPr>
           <a:lstStyle/>
           <a:p>
+            <a:pPr marL="0" indent="0">
+              <a:buNone/>
+            </a:pPr>
             <a:r>
               <a:rPr lang="en-US" sz="3600" i="1" dirty="0"/>
               <a:t>Bad</a:t>
@@ -7590,10 +7610,9 @@
           <a:p>
             <a:pPr lvl="3"/>
             <a:r>
-              <a:rPr lang="en-US" sz="2801"/>
+              <a:rPr lang="en-US" sz="2801" dirty="0"/>
               <a:t>Burndown spikes and dives</a:t>
             </a:r>
-            <a:endParaRPr lang="en-US" sz="2801" dirty="0"/>
           </a:p>
           <a:p>
             <a:pPr lvl="1"/>
@@ -7866,7 +7885,12 @@
             <p:ph type="title"/>
           </p:nvPr>
         </p:nvSpPr>
-        <p:spPr/>
+        <p:spPr>
+          <a:xfrm>
+            <a:off x="-1" y="284176"/>
+            <a:ext cx="12188825" cy="1508760"/>
+          </a:xfrm>
+        </p:spPr>
         <p:txBody>
           <a:bodyPr>
             <a:normAutofit/>
@@ -7876,7 +7900,7 @@
             <a:pPr algn="ctr"/>
             <a:r>
               <a:rPr lang="en-US" sz="4400" dirty="0" smtClean="0"/>
-              <a:t>Overview</a:t>
+              <a:t>What is A Hotspot?</a:t>
             </a:r>
             <a:endParaRPr lang="en-US" sz="4400" dirty="0"/>
           </a:p>
@@ -7894,28 +7918,45 @@
         </p:nvSpPr>
         <p:spPr>
           <a:xfrm>
-            <a:off x="2132012" y="2057400"/>
-            <a:ext cx="8153400" cy="4167426"/>
+            <a:off x="5180012" y="2255429"/>
+            <a:ext cx="6858000" cy="4167426"/>
           </a:xfrm>
         </p:spPr>
         <p:txBody>
-          <a:bodyPr/>
-          <a:lstStyle/>
-          <a:p>
-            <a:pPr marL="0" indent="0">
-              <a:buNone/>
-            </a:pPr>
-            <a:r>
-              <a:rPr lang="en-US" sz="3200" dirty="0" smtClean="0"/>
-              <a:t>Our </a:t>
-            </a:r>
-            <a:r>
-              <a:rPr lang="en-US" sz="3200" dirty="0"/>
-              <a:t>client requested a platform that could be used to detect unstable and potentially buggy areas of code within a repository. With export capabilities, the data could also be analyzed to detect trends and to better predict troublesome code.</a:t>
-            </a:r>
-          </a:p>
-          <a:p>
-            <a:endParaRPr lang="en-US" dirty="0"/>
+          <a:bodyPr>
+            <a:normAutofit/>
+          </a:bodyPr>
+          <a:lstStyle/>
+          <a:p>
+            <a:r>
+              <a:rPr lang="en-US" sz="2800" dirty="0" smtClean="0"/>
+              <a:t>Area of instability within a codebase</a:t>
+            </a:r>
+          </a:p>
+          <a:p>
+            <a:r>
+              <a:rPr lang="en-US" sz="2800" dirty="0" smtClean="0"/>
+              <a:t>Frequently changed files, many commits</a:t>
+            </a:r>
+          </a:p>
+          <a:p>
+            <a:r>
+              <a:rPr lang="en-US" sz="2800" dirty="0" smtClean="0"/>
+              <a:t>Recently modified files, cooldown over time</a:t>
+            </a:r>
+          </a:p>
+          <a:p>
+            <a:r>
+              <a:rPr lang="en-US" sz="2800" dirty="0" smtClean="0"/>
+              <a:t>Line additions vs. Line deletions</a:t>
+            </a:r>
+          </a:p>
+          <a:p>
+            <a:r>
+              <a:rPr lang="en-US" sz="2800" dirty="0" smtClean="0"/>
+              <a:t>Bug fixing commits vs. Regular commits</a:t>
+            </a:r>
+            <a:endParaRPr lang="en-US" sz="2800" dirty="0"/>
           </a:p>
         </p:txBody>
       </p:sp>
@@ -7988,6 +8029,36 @@
           </a:p>
         </p:txBody>
       </p:sp>
+      <p:pic>
+        <p:nvPicPr>
+          <p:cNvPr id="4" name="Picture 3"/>
+          <p:cNvPicPr>
+            <a:picLocks noChangeAspect="1"/>
+          </p:cNvPicPr>
+          <p:nvPr/>
+        </p:nvPicPr>
+        <p:blipFill>
+          <a:blip r:embed="rId2" cstate="print">
+            <a:extLst>
+              <a:ext uri="{28A0092B-C50C-407E-A947-70E740481C1C}">
+                <a14:useLocalDpi xmlns:a14="http://schemas.microsoft.com/office/drawing/2010/main" val="0"/>
+              </a:ext>
+            </a:extLst>
+          </a:blip>
+          <a:stretch>
+            <a:fillRect/>
+          </a:stretch>
+        </p:blipFill>
+        <p:spPr>
+          <a:xfrm>
+            <a:off x="340897" y="2068286"/>
+            <a:ext cx="4722223" cy="4011597"/>
+          </a:xfrm>
+          <a:prstGeom prst="rect">
+            <a:avLst/>
+          </a:prstGeom>
+        </p:spPr>
+      </p:pic>
     </p:spTree>
     <p:extLst>
       <p:ext uri="{BB962C8B-B14F-4D97-AF65-F5344CB8AC3E}">
@@ -8040,7 +8111,12 @@
             <p:ph type="title"/>
           </p:nvPr>
         </p:nvSpPr>
-        <p:spPr/>
+        <p:spPr>
+          <a:xfrm>
+            <a:off x="-1" y="284176"/>
+            <a:ext cx="12188825" cy="1508760"/>
+          </a:xfrm>
+        </p:spPr>
         <p:txBody>
           <a:bodyPr>
             <a:normAutofit/>
@@ -8050,14 +8126,10 @@
             <a:pPr algn="ctr"/>
             <a:r>
               <a:rPr lang="en-US" sz="4400" dirty="0"/>
-              <a:t>About </a:t>
-            </a:r>
-            <a:r>
-              <a:rPr lang="en-US" sz="4400"/>
-              <a:t>our </a:t>
-            </a:r>
-            <a:r>
-              <a:rPr lang="en-US" sz="4400" smtClean="0"/>
+              <a:t>About our </a:t>
+            </a:r>
+            <a:r>
+              <a:rPr lang="en-US" sz="4400" dirty="0" smtClean="0"/>
               <a:t>project</a:t>
             </a:r>
             <a:endParaRPr lang="en-US" sz="4400" dirty="0"/>
@@ -8095,7 +8167,9 @@
             </a:r>
           </a:p>
           <a:p>
-            <a:pPr marL="52388" indent="0"/>
+            <a:pPr marL="52388" indent="0">
+              <a:buNone/>
+            </a:pPr>
             <a:r>
               <a:rPr lang="en-US" sz="2400" dirty="0"/>
               <a:t>Developers</a:t>
@@ -8154,11 +8228,7 @@
             <a:pPr lvl="1"/>
             <a:r>
               <a:rPr lang="en-US" sz="2400" dirty="0" smtClean="0"/>
-              <a:t>Allows contributors to grow and develop based on the history of their </a:t>
-            </a:r>
-            <a:r>
-              <a:rPr lang="en-US" sz="2400" dirty="0" smtClean="0"/>
-              <a:t>contributions</a:t>
+              <a:t>Allows contributors to grow and develop based on the history of their contributions</a:t>
             </a:r>
           </a:p>
         </p:txBody>
@@ -8286,8 +8356,8 @@
         </p:nvSpPr>
         <p:spPr>
           <a:xfrm>
-            <a:off x="1217612" y="35611"/>
-            <a:ext cx="9781532" cy="1508760"/>
+            <a:off x="-1" y="284176"/>
+            <a:ext cx="12188825" cy="1508760"/>
           </a:xfrm>
         </p:spPr>
         <p:txBody>
@@ -8296,9 +8366,110 @@
           <a:p>
             <a:pPr algn="ctr"/>
             <a:r>
-              <a:rPr lang="en-US" dirty="0"/>
-              <a:t>Project Architecture</a:t>
-            </a:r>
+              <a:rPr lang="en-US" dirty="0" smtClean="0"/>
+              <a:t>Project Requirements</a:t>
+            </a:r>
+            <a:endParaRPr lang="en-US" dirty="0"/>
+          </a:p>
+        </p:txBody>
+      </p:sp>
+      <p:sp>
+        <p:nvSpPr>
+          <p:cNvPr id="3" name="Content Placeholder 2"/>
+          <p:cNvSpPr>
+            <a:spLocks noGrp="1"/>
+          </p:cNvSpPr>
+          <p:nvPr>
+            <p:ph idx="1"/>
+          </p:nvPr>
+        </p:nvSpPr>
+        <p:spPr>
+          <a:xfrm>
+            <a:off x="2513011" y="2514600"/>
+            <a:ext cx="7467601" cy="3703320"/>
+          </a:xfrm>
+        </p:spPr>
+        <p:txBody>
+          <a:bodyPr>
+            <a:normAutofit/>
+          </a:bodyPr>
+          <a:lstStyle/>
+          <a:p>
+            <a:pPr lvl="1">
+              <a:buFont typeface="Arial" panose="020B0604020202020204" pitchFamily="34" charset="0"/>
+              <a:buChar char="•"/>
+            </a:pPr>
+            <a:r>
+              <a:rPr lang="en-US" sz="4000" dirty="0"/>
+              <a:t> </a:t>
+            </a:r>
+            <a:r>
+              <a:rPr lang="en-US" sz="4000" dirty="0" smtClean="0"/>
+              <a:t>No client-required platform </a:t>
+            </a:r>
+          </a:p>
+          <a:p>
+            <a:pPr lvl="1">
+              <a:buFont typeface="Arial" panose="020B0604020202020204" pitchFamily="34" charset="0"/>
+              <a:buChar char="•"/>
+            </a:pPr>
+            <a:r>
+              <a:rPr lang="en-US" sz="4000" dirty="0"/>
+              <a:t> </a:t>
+            </a:r>
+            <a:r>
+              <a:rPr lang="en-US" sz="4000" dirty="0" smtClean="0"/>
+              <a:t>Semi-Agile approach</a:t>
+            </a:r>
+          </a:p>
+          <a:p>
+            <a:pPr lvl="3">
+              <a:buFont typeface="Arial" panose="020B0604020202020204" pitchFamily="34" charset="0"/>
+              <a:buChar char="•"/>
+            </a:pPr>
+            <a:r>
+              <a:rPr lang="en-US" sz="3601" dirty="0" smtClean="0"/>
+              <a:t>Behavior Driven Development</a:t>
+            </a:r>
+          </a:p>
+          <a:p>
+            <a:pPr lvl="1">
+              <a:buFont typeface="Arial" panose="020B0604020202020204" pitchFamily="34" charset="0"/>
+              <a:buChar char="•"/>
+            </a:pPr>
+            <a:r>
+              <a:rPr lang="en-US" sz="4000" dirty="0" smtClean="0"/>
+              <a:t> </a:t>
+            </a:r>
+            <a:r>
+              <a:rPr lang="en-US" sz="4000" dirty="0"/>
+              <a:t>Continuous access to </a:t>
+            </a:r>
+            <a:r>
+              <a:rPr lang="en-US" sz="4000" dirty="0" smtClean="0"/>
+              <a:t>product</a:t>
+            </a:r>
+          </a:p>
+          <a:p>
+            <a:pPr lvl="1">
+              <a:buFont typeface="Arial" panose="020B0604020202020204" pitchFamily="34" charset="0"/>
+              <a:buChar char="•"/>
+            </a:pPr>
+            <a:r>
+              <a:rPr lang="en-US" sz="4000" dirty="0" smtClean="0"/>
+              <a:t> Client validation </a:t>
+            </a:r>
+            <a:r>
+              <a:rPr lang="en-US" sz="4000" dirty="0"/>
+              <a:t>every sprint  </a:t>
+            </a:r>
+          </a:p>
+          <a:p>
+            <a:pPr lvl="1">
+              <a:buFont typeface="Arial" panose="020B0604020202020204" pitchFamily="34" charset="0"/>
+              <a:buChar char="•"/>
+            </a:pPr>
+            <a:endParaRPr lang="en-US" dirty="0"/>
           </a:p>
         </p:txBody>
       </p:sp>
@@ -8371,40 +8542,10 @@
           </a:p>
         </p:txBody>
       </p:sp>
-      <p:pic>
-        <p:nvPicPr>
-          <p:cNvPr id="21" name="Picture 20"/>
-          <p:cNvPicPr>
-            <a:picLocks noChangeAspect="1"/>
-          </p:cNvPicPr>
-          <p:nvPr/>
-        </p:nvPicPr>
-        <p:blipFill>
-          <a:blip r:embed="rId2">
-            <a:extLst>
-              <a:ext uri="{28A0092B-C50C-407E-A947-70E740481C1C}">
-                <a14:useLocalDpi xmlns:a14="http://schemas.microsoft.com/office/drawing/2010/main" val="0"/>
-              </a:ext>
-            </a:extLst>
-          </a:blip>
-          <a:stretch>
-            <a:fillRect/>
-          </a:stretch>
-        </p:blipFill>
-        <p:spPr>
-          <a:xfrm>
-            <a:off x="1762632" y="1238990"/>
-            <a:ext cx="7628741" cy="5366427"/>
-          </a:xfrm>
-          <a:prstGeom prst="rect">
-            <a:avLst/>
-          </a:prstGeom>
-        </p:spPr>
-      </p:pic>
     </p:spTree>
     <p:extLst>
       <p:ext uri="{BB962C8B-B14F-4D97-AF65-F5344CB8AC3E}">
-        <p14:creationId xmlns:p14="http://schemas.microsoft.com/office/powerpoint/2010/main" val="12138330"/>
+        <p14:creationId xmlns:p14="http://schemas.microsoft.com/office/powerpoint/2010/main" val="709433349"/>
       </p:ext>
     </p:extLst>
   </p:cSld>
@@ -8453,84 +8594,21 @@
             <p:ph type="title"/>
           </p:nvPr>
         </p:nvSpPr>
-        <p:spPr/>
-        <p:txBody>
-          <a:bodyPr/>
-          <a:lstStyle/>
-          <a:p>
-            <a:pPr algn="ctr"/>
-            <a:r>
-              <a:rPr lang="en-US" dirty="0"/>
-              <a:t>Testing and Requirements Met</a:t>
-            </a:r>
-          </a:p>
-        </p:txBody>
-      </p:sp>
-      <p:sp>
-        <p:nvSpPr>
-          <p:cNvPr id="3" name="Content Placeholder 2"/>
-          <p:cNvSpPr>
-            <a:spLocks noGrp="1"/>
-          </p:cNvSpPr>
-          <p:nvPr>
-            <p:ph idx="1"/>
-          </p:nvPr>
-        </p:nvSpPr>
         <p:spPr>
           <a:xfrm>
-            <a:off x="1201953" y="2011680"/>
-            <a:ext cx="9782185" cy="4206240"/>
+            <a:off x="-1" y="35611"/>
+            <a:ext cx="12188825" cy="1508760"/>
           </a:xfrm>
         </p:spPr>
         <p:txBody>
           <a:bodyPr/>
           <a:lstStyle/>
           <a:p>
-            <a:pPr lvl="1">
-              <a:buFont typeface="Arial" panose="020B0604020202020204" pitchFamily="34" charset="0"/>
-              <a:buChar char="•"/>
-            </a:pPr>
-            <a:r>
-              <a:rPr lang="en-US" sz="4000" dirty="0"/>
-              <a:t> No environment specific requirement </a:t>
-            </a:r>
-          </a:p>
-          <a:p>
-            <a:pPr lvl="1">
-              <a:buFont typeface="Arial" panose="020B0604020202020204" pitchFamily="34" charset="0"/>
-              <a:buChar char="•"/>
-            </a:pPr>
-            <a:r>
-              <a:rPr lang="en-US" sz="4000" dirty="0"/>
-              <a:t> Continuous access to product</a:t>
-            </a:r>
-          </a:p>
-          <a:p>
-            <a:pPr lvl="1">
-              <a:buFont typeface="Arial" panose="020B0604020202020204" pitchFamily="34" charset="0"/>
-              <a:buChar char="•"/>
-            </a:pPr>
-            <a:r>
-              <a:rPr lang="en-US" sz="4000" dirty="0"/>
-              <a:t> Behavior driven development </a:t>
-            </a:r>
-          </a:p>
-          <a:p>
-            <a:pPr lvl="1">
-              <a:buFont typeface="Arial" panose="020B0604020202020204" pitchFamily="34" charset="0"/>
-              <a:buChar char="•"/>
-            </a:pPr>
-            <a:r>
-              <a:rPr lang="en-US" sz="4000" dirty="0"/>
-              <a:t> Validation every sprint  </a:t>
-            </a:r>
-          </a:p>
-          <a:p>
-            <a:pPr lvl="1">
-              <a:buFont typeface="Arial" panose="020B0604020202020204" pitchFamily="34" charset="0"/>
-              <a:buChar char="•"/>
-            </a:pPr>
-            <a:endParaRPr lang="en-US" dirty="0"/>
+            <a:pPr algn="ctr"/>
+            <a:r>
+              <a:rPr lang="en-US" dirty="0"/>
+              <a:t>Project Architecture</a:t>
+            </a:r>
           </a:p>
         </p:txBody>
       </p:sp>
@@ -8603,10 +8681,159 @@
           </a:p>
         </p:txBody>
       </p:sp>
+      <p:pic>
+        <p:nvPicPr>
+          <p:cNvPr id="21" name="Picture 20"/>
+          <p:cNvPicPr>
+            <a:picLocks noChangeAspect="1"/>
+          </p:cNvPicPr>
+          <p:nvPr/>
+        </p:nvPicPr>
+        <p:blipFill>
+          <a:blip r:embed="rId2">
+            <a:extLst>
+              <a:ext uri="{28A0092B-C50C-407E-A947-70E740481C1C}">
+                <a14:useLocalDpi xmlns:a14="http://schemas.microsoft.com/office/drawing/2010/main" val="0"/>
+              </a:ext>
+            </a:extLst>
+          </a:blip>
+          <a:stretch>
+            <a:fillRect/>
+          </a:stretch>
+        </p:blipFill>
+        <p:spPr>
+          <a:xfrm>
+            <a:off x="1762632" y="1238990"/>
+            <a:ext cx="7628741" cy="5366427"/>
+          </a:xfrm>
+          <a:prstGeom prst="rect">
+            <a:avLst/>
+          </a:prstGeom>
+        </p:spPr>
+      </p:pic>
+      <p:pic>
+        <p:nvPicPr>
+          <p:cNvPr id="7" name="Picture 6"/>
+          <p:cNvPicPr>
+            <a:picLocks noChangeAspect="1"/>
+          </p:cNvPicPr>
+          <p:nvPr/>
+        </p:nvPicPr>
+        <p:blipFill>
+          <a:blip r:embed="rId3">
+            <a:extLst>
+              <a:ext uri="{28A0092B-C50C-407E-A947-70E740481C1C}">
+                <a14:useLocalDpi xmlns:a14="http://schemas.microsoft.com/office/drawing/2010/main" val="0"/>
+              </a:ext>
+            </a:extLst>
+          </a:blip>
+          <a:stretch>
+            <a:fillRect/>
+          </a:stretch>
+        </p:blipFill>
+        <p:spPr>
+          <a:xfrm>
+            <a:off x="9612827" y="2135426"/>
+            <a:ext cx="2460841" cy="725175"/>
+          </a:xfrm>
+          <a:prstGeom prst="rect">
+            <a:avLst/>
+          </a:prstGeom>
+        </p:spPr>
+      </p:pic>
+      <p:pic>
+        <p:nvPicPr>
+          <p:cNvPr id="8" name="Picture 7"/>
+          <p:cNvPicPr>
+            <a:picLocks noChangeAspect="1"/>
+          </p:cNvPicPr>
+          <p:nvPr/>
+        </p:nvPicPr>
+        <p:blipFill rotWithShape="1">
+          <a:blip r:embed="rId4">
+            <a:extLst>
+              <a:ext uri="{28A0092B-C50C-407E-A947-70E740481C1C}">
+                <a14:useLocalDpi xmlns:a14="http://schemas.microsoft.com/office/drawing/2010/main" val="0"/>
+              </a:ext>
+            </a:extLst>
+          </a:blip>
+          <a:srcRect l="4394" r="10035" b="1890"/>
+          <a:stretch/>
+        </p:blipFill>
+        <p:spPr>
+          <a:xfrm>
+            <a:off x="9713465" y="3372135"/>
+            <a:ext cx="2175215" cy="685800"/>
+          </a:xfrm>
+          <a:prstGeom prst="rect">
+            <a:avLst/>
+          </a:prstGeom>
+        </p:spPr>
+      </p:pic>
+      <p:pic>
+        <p:nvPicPr>
+          <p:cNvPr id="9" name="Picture 8"/>
+          <p:cNvPicPr>
+            <a:picLocks noChangeAspect="1"/>
+          </p:cNvPicPr>
+          <p:nvPr/>
+        </p:nvPicPr>
+        <p:blipFill>
+          <a:blip r:embed="rId5">
+            <a:extLst>
+              <a:ext uri="{28A0092B-C50C-407E-A947-70E740481C1C}">
+                <a14:useLocalDpi xmlns:a14="http://schemas.microsoft.com/office/drawing/2010/main" val="0"/>
+              </a:ext>
+            </a:extLst>
+          </a:blip>
+          <a:stretch>
+            <a:fillRect/>
+          </a:stretch>
+        </p:blipFill>
+        <p:spPr>
+          <a:xfrm>
+            <a:off x="9731898" y="4656602"/>
+            <a:ext cx="2138350" cy="568919"/>
+          </a:xfrm>
+          <a:prstGeom prst="rect">
+            <a:avLst/>
+          </a:prstGeom>
+        </p:spPr>
+      </p:pic>
+      <p:pic>
+        <p:nvPicPr>
+          <p:cNvPr id="10" name="Picture 9"/>
+          <p:cNvPicPr>
+            <a:picLocks noChangeAspect="1"/>
+          </p:cNvPicPr>
+          <p:nvPr/>
+        </p:nvPicPr>
+        <p:blipFill>
+          <a:blip r:embed="rId6">
+            <a:extLst>
+              <a:ext uri="{28A0092B-C50C-407E-A947-70E740481C1C}">
+                <a14:useLocalDpi xmlns:a14="http://schemas.microsoft.com/office/drawing/2010/main" val="0"/>
+              </a:ext>
+            </a:extLst>
+          </a:blip>
+          <a:stretch>
+            <a:fillRect/>
+          </a:stretch>
+        </p:blipFill>
+        <p:spPr>
+          <a:xfrm>
+            <a:off x="9760856" y="5737055"/>
+            <a:ext cx="2164784" cy="699615"/>
+          </a:xfrm>
+          <a:prstGeom prst="rect">
+            <a:avLst/>
+          </a:prstGeom>
+        </p:spPr>
+      </p:pic>
     </p:spTree>
     <p:extLst>
       <p:ext uri="{BB962C8B-B14F-4D97-AF65-F5344CB8AC3E}">
-        <p14:creationId xmlns:p14="http://schemas.microsoft.com/office/powerpoint/2010/main" val="709433349"/>
+        <p14:creationId xmlns:p14="http://schemas.microsoft.com/office/powerpoint/2010/main" val="12138330"/>
       </p:ext>
     </p:extLst>
   </p:cSld>
@@ -8655,15 +8882,22 @@
             <p:ph type="title"/>
           </p:nvPr>
         </p:nvSpPr>
-        <p:spPr/>
+        <p:spPr>
+          <a:xfrm>
+            <a:off x="-1" y="284176"/>
+            <a:ext cx="12188825" cy="1508760"/>
+          </a:xfrm>
+        </p:spPr>
         <p:txBody>
           <a:bodyPr/>
           <a:lstStyle/>
           <a:p>
-            <a:r>
-              <a:rPr lang="en-US" dirty="0"/>
-              <a:t>Capabilities and Technologies</a:t>
-            </a:r>
+            <a:pPr algn="ctr"/>
+            <a:r>
+              <a:rPr lang="en-US" dirty="0" smtClean="0"/>
+              <a:t>Project Capabilities</a:t>
+            </a:r>
+            <a:endParaRPr lang="en-US" dirty="0"/>
           </a:p>
         </p:txBody>
       </p:sp>
@@ -8735,155 +8969,6 @@
           </a:p>
         </p:txBody>
       </p:sp>
-      <p:pic>
-        <p:nvPicPr>
-          <p:cNvPr id="8" name="Picture 7"/>
-          <p:cNvPicPr>
-            <a:picLocks noChangeAspect="1"/>
-          </p:cNvPicPr>
-          <p:nvPr/>
-        </p:nvPicPr>
-        <p:blipFill>
-          <a:blip r:embed="rId2">
-            <a:extLst>
-              <a:ext uri="{28A0092B-C50C-407E-A947-70E740481C1C}">
-                <a14:useLocalDpi xmlns:a14="http://schemas.microsoft.com/office/drawing/2010/main" val="0"/>
-              </a:ext>
-            </a:extLst>
-          </a:blip>
-          <a:stretch>
-            <a:fillRect/>
-          </a:stretch>
-        </p:blipFill>
-        <p:spPr>
-          <a:xfrm>
-            <a:off x="813020" y="5373564"/>
-            <a:ext cx="2460841" cy="725175"/>
-          </a:xfrm>
-          <a:prstGeom prst="rect">
-            <a:avLst/>
-          </a:prstGeom>
-        </p:spPr>
-      </p:pic>
-      <p:pic>
-        <p:nvPicPr>
-          <p:cNvPr id="9" name="Picture 8"/>
-          <p:cNvPicPr>
-            <a:picLocks noChangeAspect="1"/>
-          </p:cNvPicPr>
-          <p:nvPr/>
-        </p:nvPicPr>
-        <p:blipFill rotWithShape="1">
-          <a:blip r:embed="rId3">
-            <a:extLst>
-              <a:ext uri="{28A0092B-C50C-407E-A947-70E740481C1C}">
-                <a14:useLocalDpi xmlns:a14="http://schemas.microsoft.com/office/drawing/2010/main" val="0"/>
-              </a:ext>
-            </a:extLst>
-          </a:blip>
-          <a:srcRect l="4394" r="10035" b="1890"/>
-          <a:stretch/>
-        </p:blipFill>
-        <p:spPr>
-          <a:xfrm>
-            <a:off x="3901329" y="5427959"/>
-            <a:ext cx="2175215" cy="685800"/>
-          </a:xfrm>
-          <a:prstGeom prst="rect">
-            <a:avLst/>
-          </a:prstGeom>
-        </p:spPr>
-      </p:pic>
-      <p:pic>
-        <p:nvPicPr>
-          <p:cNvPr id="10" name="Picture 9"/>
-          <p:cNvPicPr>
-            <a:picLocks noChangeAspect="1"/>
-          </p:cNvPicPr>
-          <p:nvPr/>
-        </p:nvPicPr>
-        <p:blipFill>
-          <a:blip r:embed="rId4">
-            <a:extLst>
-              <a:ext uri="{28A0092B-C50C-407E-A947-70E740481C1C}">
-                <a14:useLocalDpi xmlns:a14="http://schemas.microsoft.com/office/drawing/2010/main" val="0"/>
-              </a:ext>
-            </a:extLst>
-          </a:blip>
-          <a:stretch>
-            <a:fillRect/>
-          </a:stretch>
-        </p:blipFill>
-        <p:spPr>
-          <a:xfrm>
-            <a:off x="6704012" y="5486399"/>
-            <a:ext cx="2138350" cy="568919"/>
-          </a:xfrm>
-          <a:prstGeom prst="rect">
-            <a:avLst/>
-          </a:prstGeom>
-        </p:spPr>
-      </p:pic>
-      <p:pic>
-        <p:nvPicPr>
-          <p:cNvPr id="11" name="Picture 10"/>
-          <p:cNvPicPr>
-            <a:picLocks noChangeAspect="1"/>
-          </p:cNvPicPr>
-          <p:nvPr/>
-        </p:nvPicPr>
-        <p:blipFill>
-          <a:blip r:embed="rId5">
-            <a:extLst>
-              <a:ext uri="{28A0092B-C50C-407E-A947-70E740481C1C}">
-                <a14:useLocalDpi xmlns:a14="http://schemas.microsoft.com/office/drawing/2010/main" val="0"/>
-              </a:ext>
-            </a:extLst>
-          </a:blip>
-          <a:stretch>
-            <a:fillRect/>
-          </a:stretch>
-        </p:blipFill>
-        <p:spPr>
-          <a:xfrm>
-            <a:off x="9437385" y="5427959"/>
-            <a:ext cx="2164784" cy="699615"/>
-          </a:xfrm>
-          <a:prstGeom prst="rect">
-            <a:avLst/>
-          </a:prstGeom>
-        </p:spPr>
-      </p:pic>
-      <p:sp>
-        <p:nvSpPr>
-          <p:cNvPr id="4" name="TextBox 3"/>
-          <p:cNvSpPr txBox="1"/>
-          <p:nvPr/>
-        </p:nvSpPr>
-        <p:spPr>
-          <a:xfrm>
-            <a:off x="912812" y="5029200"/>
-            <a:ext cx="10084049" cy="461665"/>
-          </a:xfrm>
-          <a:prstGeom prst="rect">
-            <a:avLst/>
-          </a:prstGeom>
-          <a:noFill/>
-        </p:spPr>
-        <p:txBody>
-          <a:bodyPr wrap="square" rtlCol="0">
-            <a:spAutoFit/>
-          </a:bodyPr>
-          <a:lstStyle/>
-          <a:p>
-            <a:pPr algn="ctr"/>
-            <a:r>
-              <a:rPr lang="en-US" dirty="0"/>
-              <a:t>Technologies</a:t>
-            </a:r>
-          </a:p>
-        </p:txBody>
-      </p:sp>
       <p:sp>
         <p:nvSpPr>
           <p:cNvPr id="12" name="TextBox 11"/>
@@ -8892,7 +8977,7 @@
         </p:nvSpPr>
         <p:spPr>
           <a:xfrm>
-            <a:off x="1979612" y="1962985"/>
+            <a:off x="2055812" y="2438400"/>
             <a:ext cx="8379351" cy="2554545"/>
           </a:xfrm>
           <a:prstGeom prst="rect">
@@ -8922,7 +9007,15 @@
             </a:pPr>
             <a:r>
               <a:rPr lang="en-US" sz="4000" dirty="0"/>
-              <a:t>Run metrics on a cloned repository</a:t>
+              <a:t>Run metrics </a:t>
+            </a:r>
+            <a:r>
+              <a:rPr lang="en-US" sz="4000" dirty="0" smtClean="0"/>
+              <a:t>on </a:t>
+            </a:r>
+            <a:r>
+              <a:rPr lang="en-US" sz="4000" dirty="0"/>
+              <a:t>cloned repository</a:t>
             </a:r>
           </a:p>
           <a:p>
@@ -8932,8 +9025,13 @@
             </a:pPr>
             <a:r>
               <a:rPr lang="en-US" sz="4000" dirty="0"/>
-              <a:t>Create graph of metrics.</a:t>
-            </a:r>
+              <a:t>Create graph of </a:t>
+            </a:r>
+            <a:r>
+              <a:rPr lang="en-US" sz="4000" dirty="0" smtClean="0"/>
+              <a:t>metrics</a:t>
+            </a:r>
+            <a:endParaRPr lang="en-US" sz="4000" dirty="0"/>
           </a:p>
           <a:p>
             <a:pPr marL="342900" indent="-342900">
@@ -8942,7 +9040,15 @@
             </a:pPr>
             <a:r>
               <a:rPr lang="en-US" sz="4000" dirty="0"/>
-              <a:t>Export metrics to a CSV file</a:t>
+              <a:t>Export </a:t>
+            </a:r>
+            <a:r>
+              <a:rPr lang="en-US" sz="4000" dirty="0" smtClean="0"/>
+              <a:t>data to </a:t>
+            </a:r>
+            <a:r>
+              <a:rPr lang="en-US" sz="4000" dirty="0"/>
+              <a:t>a CSV file</a:t>
             </a:r>
           </a:p>
         </p:txBody>
@@ -9145,16 +9251,22 @@
             <p:ph type="title"/>
           </p:nvPr>
         </p:nvSpPr>
-        <p:spPr/>
+        <p:spPr>
+          <a:xfrm>
+            <a:off x="-1" y="284176"/>
+            <a:ext cx="12188825" cy="1508760"/>
+          </a:xfrm>
+        </p:spPr>
         <p:txBody>
           <a:bodyPr/>
           <a:lstStyle/>
           <a:p>
             <a:pPr algn="ctr"/>
             <a:r>
-              <a:rPr lang="en-US" dirty="0"/>
-              <a:t>Team Burndown/ Velocity Chart</a:t>
-            </a:r>
+              <a:rPr lang="en-US" dirty="0" smtClean="0"/>
+              <a:t>Team Velocity</a:t>
+            </a:r>
+            <a:endParaRPr lang="en-US" dirty="0"/>
           </a:p>
         </p:txBody>
       </p:sp>
@@ -9304,7 +9416,12 @@
             <p:ph type="title"/>
           </p:nvPr>
         </p:nvSpPr>
-        <p:spPr/>
+        <p:spPr>
+          <a:xfrm>
+            <a:off x="-1" y="284176"/>
+            <a:ext cx="12188825" cy="1508760"/>
+          </a:xfrm>
+        </p:spPr>
         <p:txBody>
           <a:bodyPr/>
           <a:lstStyle/>
@@ -9312,8 +9429,13 @@
             <a:pPr algn="ctr"/>
             <a:r>
               <a:rPr lang="en-US" dirty="0"/>
-              <a:t>Team Burndown/ Velocity Chart</a:t>
-            </a:r>
+              <a:t>Team </a:t>
+            </a:r>
+            <a:r>
+              <a:rPr lang="en-US" dirty="0" smtClean="0"/>
+              <a:t>Burndown</a:t>
+            </a:r>
+            <a:endParaRPr lang="en-US" dirty="0"/>
           </a:p>
         </p:txBody>
       </p:sp>

--- a/Documentation/Presentations/CS499 Final Presentation.pptx
+++ b/Documentation/Presentations/CS499 Final Presentation.pptx
@@ -5,23 +5,25 @@
     <p:sldMasterId id="2147483808" r:id="rId2"/>
   </p:sldMasterIdLst>
   <p:notesMasterIdLst>
-    <p:notesMasterId r:id="rId14"/>
+    <p:notesMasterId r:id="rId16"/>
   </p:notesMasterIdLst>
   <p:handoutMasterIdLst>
-    <p:handoutMasterId r:id="rId15"/>
+    <p:handoutMasterId r:id="rId17"/>
   </p:handoutMasterIdLst>
   <p:sldIdLst>
     <p:sldId id="259" r:id="rId3"/>
     <p:sldId id="285" r:id="rId4"/>
     <p:sldId id="280" r:id="rId5"/>
     <p:sldId id="284" r:id="rId6"/>
-    <p:sldId id="266" r:id="rId7"/>
-    <p:sldId id="282" r:id="rId8"/>
-    <p:sldId id="281" r:id="rId9"/>
-    <p:sldId id="270" r:id="rId10"/>
-    <p:sldId id="283" r:id="rId11"/>
-    <p:sldId id="271" r:id="rId12"/>
-    <p:sldId id="278" r:id="rId13"/>
+    <p:sldId id="286" r:id="rId7"/>
+    <p:sldId id="287" r:id="rId8"/>
+    <p:sldId id="266" r:id="rId9"/>
+    <p:sldId id="282" r:id="rId10"/>
+    <p:sldId id="281" r:id="rId11"/>
+    <p:sldId id="270" r:id="rId12"/>
+    <p:sldId id="283" r:id="rId13"/>
+    <p:sldId id="271" r:id="rId14"/>
+    <p:sldId id="278" r:id="rId15"/>
   </p:sldIdLst>
   <p:sldSz cx="12188825" cy="6858000"/>
   <p:notesSz cx="6858000" cy="9144000"/>
@@ -603,8 +605,8 @@
         </c:dLbls>
         <c:gapWidth val="150"/>
         <c:overlap val="100"/>
-        <c:axId val="212338952"/>
-        <c:axId val="212341696"/>
+        <c:axId val="864288720"/>
+        <c:axId val="864289808"/>
       </c:barChart>
       <c:lineChart>
         <c:grouping val="standard"/>
@@ -731,11 +733,11 @@
         </c:dLbls>
         <c:marker val="1"/>
         <c:smooth val="0"/>
-        <c:axId val="212338952"/>
-        <c:axId val="212341696"/>
+        <c:axId val="864288720"/>
+        <c:axId val="864289808"/>
       </c:lineChart>
       <c:catAx>
-        <c:axId val="212338952"/>
+        <c:axId val="864288720"/>
         <c:scaling>
           <c:orientation val="minMax"/>
         </c:scaling>
@@ -834,7 +836,7 @@
             <a:endParaRPr lang="en-US"/>
           </a:p>
         </c:txPr>
-        <c:crossAx val="212341696"/>
+        <c:crossAx val="864289808"/>
         <c:crosses val="autoZero"/>
         <c:auto val="0"/>
         <c:lblAlgn val="ctr"/>
@@ -842,7 +844,7 @@
         <c:noMultiLvlLbl val="0"/>
       </c:catAx>
       <c:valAx>
-        <c:axId val="212341696"/>
+        <c:axId val="864289808"/>
         <c:scaling>
           <c:orientation val="minMax"/>
         </c:scaling>
@@ -953,7 +955,7 @@
             <a:endParaRPr lang="en-US"/>
           </a:p>
         </c:txPr>
-        <c:crossAx val="212338952"/>
+        <c:crossAx val="864288720"/>
         <c:crosses val="autoZero"/>
         <c:crossBetween val="between"/>
       </c:valAx>
@@ -1455,11 +1457,11 @@
           <c:showBubbleSize val="0"/>
         </c:dLbls>
         <c:smooth val="0"/>
-        <c:axId val="284704120"/>
-        <c:axId val="284704512"/>
+        <c:axId val="864293616"/>
+        <c:axId val="764927824"/>
       </c:lineChart>
       <c:catAx>
-        <c:axId val="284704120"/>
+        <c:axId val="864293616"/>
         <c:scaling>
           <c:orientation val="minMax"/>
         </c:scaling>
@@ -1579,7 +1581,7 @@
             <a:endParaRPr lang="en-US"/>
           </a:p>
         </c:txPr>
-        <c:crossAx val="284704512"/>
+        <c:crossAx val="764927824"/>
         <c:crosses val="autoZero"/>
         <c:auto val="1"/>
         <c:lblAlgn val="ctr"/>
@@ -1588,7 +1590,7 @@
         <c:noMultiLvlLbl val="0"/>
       </c:catAx>
       <c:valAx>
-        <c:axId val="284704512"/>
+        <c:axId val="764927824"/>
         <c:scaling>
           <c:orientation val="minMax"/>
         </c:scaling>
@@ -1741,7 +1743,7 @@
             <a:endParaRPr lang="en-US"/>
           </a:p>
         </c:txPr>
-        <c:crossAx val="284704120"/>
+        <c:crossAx val="864293616"/>
         <c:crosses val="autoZero"/>
         <c:crossBetween val="midCat"/>
       </c:valAx>
@@ -3015,7 +3017,7 @@
           <a:p>
             <a:fld id="{4954C6E1-AF92-4FB7-A013-0B520EBC30AE}" type="datetimeFigureOut">
               <a:rPr lang="en-US"/>
-              <a:t>4/9/2016</a:t>
+              <a:t>04/10/2016</a:t>
             </a:fld>
             <a:endParaRPr/>
           </a:p>
@@ -3181,7 +3183,7 @@
           <a:p>
             <a:fld id="{95C10850-0874-4A61-99B4-D613C5E8D9EA}" type="datetimeFigureOut">
               <a:rPr lang="en-US"/>
-              <a:t>4/9/2016</a:t>
+              <a:t>04/10/2016</a:t>
             </a:fld>
             <a:endParaRPr/>
           </a:p>
@@ -3844,9 +3846,10 @@
           <a:lstStyle/>
           <a:p>
             <a:r>
-              <a:rPr lang="en-US"/>
+              <a:rPr lang="en-US" smtClean="0"/>
               <a:t>04/15/2016</a:t>
             </a:r>
+            <a:endParaRPr lang="en-US"/>
           </a:p>
         </p:txBody>
       </p:sp>
@@ -4045,9 +4048,10 @@
           <a:lstStyle/>
           <a:p>
             <a:r>
-              <a:rPr lang="en-US"/>
+              <a:rPr lang="en-US" smtClean="0"/>
               <a:t>04/15/2016</a:t>
             </a:r>
+            <a:endParaRPr lang="en-US"/>
           </a:p>
         </p:txBody>
       </p:sp>
@@ -4282,9 +4286,10 @@
           <a:lstStyle/>
           <a:p>
             <a:r>
-              <a:rPr lang="en-US"/>
+              <a:rPr lang="en-US" smtClean="0"/>
               <a:t>04/15/2016</a:t>
             </a:r>
+            <a:endParaRPr lang="en-US"/>
           </a:p>
         </p:txBody>
       </p:sp>
@@ -4476,9 +4481,10 @@
           <a:lstStyle/>
           <a:p>
             <a:r>
-              <a:rPr lang="en-US"/>
+              <a:rPr lang="en-US" smtClean="0"/>
               <a:t>04/15/2016</a:t>
             </a:r>
+            <a:endParaRPr lang="en-US"/>
           </a:p>
         </p:txBody>
       </p:sp>
@@ -4829,9 +4835,10 @@
           </a:lstStyle>
           <a:p>
             <a:r>
-              <a:rPr lang="en-US"/>
+              <a:rPr lang="en-US" smtClean="0"/>
               <a:t>04/15/2016</a:t>
             </a:r>
+            <a:endParaRPr lang="en-US"/>
           </a:p>
         </p:txBody>
       </p:sp>
@@ -5147,9 +5154,10 @@
           <a:lstStyle/>
           <a:p>
             <a:r>
-              <a:rPr lang="en-US"/>
+              <a:rPr lang="en-US" smtClean="0"/>
               <a:t>04/15/2016</a:t>
             </a:r>
+            <a:endParaRPr lang="en-US"/>
           </a:p>
         </p:txBody>
       </p:sp>
@@ -5583,9 +5591,10 @@
           <a:lstStyle/>
           <a:p>
             <a:r>
-              <a:rPr lang="en-US"/>
+              <a:rPr lang="en-US" smtClean="0"/>
               <a:t>04/15/2016</a:t>
             </a:r>
+            <a:endParaRPr lang="en-US"/>
           </a:p>
         </p:txBody>
       </p:sp>
@@ -5715,9 +5724,10 @@
           <a:lstStyle/>
           <a:p>
             <a:r>
-              <a:rPr lang="en-US"/>
+              <a:rPr lang="en-US" smtClean="0"/>
               <a:t>04/15/2016</a:t>
             </a:r>
+            <a:endParaRPr lang="en-US"/>
           </a:p>
         </p:txBody>
       </p:sp>
@@ -5824,9 +5834,10 @@
           <a:lstStyle/>
           <a:p>
             <a:r>
-              <a:rPr lang="en-US"/>
+              <a:rPr lang="en-US" smtClean="0"/>
               <a:t>04/15/2016</a:t>
             </a:r>
+            <a:endParaRPr lang="en-US"/>
           </a:p>
         </p:txBody>
       </p:sp>
@@ -6112,9 +6123,10 @@
           <a:lstStyle/>
           <a:p>
             <a:r>
-              <a:rPr lang="en-US"/>
+              <a:rPr lang="en-US" smtClean="0"/>
               <a:t>04/15/2016</a:t>
             </a:r>
+            <a:endParaRPr lang="en-US"/>
           </a:p>
         </p:txBody>
       </p:sp>
@@ -6392,9 +6404,10 @@
           <a:lstStyle/>
           <a:p>
             <a:r>
-              <a:rPr lang="en-US"/>
+              <a:rPr lang="en-US" smtClean="0"/>
               <a:t>04/15/2016</a:t>
             </a:r>
+            <a:endParaRPr lang="en-US"/>
           </a:p>
         </p:txBody>
       </p:sp>
@@ -6656,9 +6669,10 @@
           </a:lstStyle>
           <a:p>
             <a:r>
-              <a:rPr lang="en-US"/>
+              <a:rPr lang="en-US" smtClean="0"/>
               <a:t>04/15/2016</a:t>
             </a:r>
+            <a:endParaRPr lang="en-US"/>
           </a:p>
         </p:txBody>
       </p:sp>
@@ -7485,141 +7499,22 @@
             <p:ph type="title"/>
           </p:nvPr>
         </p:nvSpPr>
-        <p:spPr/>
-        <p:txBody>
-          <a:bodyPr/>
-          <a:lstStyle/>
-          <a:p>
-            <a:pPr algn="ctr"/>
-            <a:r>
-              <a:rPr lang="en-US" smtClean="0"/>
-              <a:t>Post-Mortem</a:t>
-            </a:r>
-            <a:endParaRPr lang="en-US" dirty="0"/>
-          </a:p>
-        </p:txBody>
-      </p:sp>
-      <p:sp>
-        <p:nvSpPr>
-          <p:cNvPr id="3" name="Content Placeholder 2"/>
-          <p:cNvSpPr>
-            <a:spLocks noGrp="1"/>
-          </p:cNvSpPr>
-          <p:nvPr>
-            <p:ph sz="half" idx="1"/>
-          </p:nvPr>
-        </p:nvSpPr>
         <p:spPr>
           <a:xfrm>
-            <a:off x="303212" y="2011680"/>
-            <a:ext cx="5925556" cy="4206240"/>
+            <a:off x="-1" y="284176"/>
+            <a:ext cx="12188825" cy="1508760"/>
           </a:xfrm>
         </p:spPr>
         <p:txBody>
-          <a:bodyPr>
-            <a:normAutofit/>
-          </a:bodyPr>
-          <a:lstStyle/>
-          <a:p>
-            <a:pPr marL="0" indent="0">
-              <a:buNone/>
-            </a:pPr>
-            <a:r>
-              <a:rPr lang="en-US" sz="3600" i="1" dirty="0" smtClean="0"/>
-              <a:t>Good</a:t>
-            </a:r>
-            <a:endParaRPr lang="en-US" sz="3200" i="1" dirty="0"/>
-          </a:p>
-          <a:p>
-            <a:pPr lvl="1"/>
-            <a:r>
-              <a:rPr lang="en-US" sz="3200" dirty="0"/>
-              <a:t>Met all </a:t>
-            </a:r>
-            <a:r>
-              <a:rPr lang="en-US" sz="3200" dirty="0" smtClean="0"/>
-              <a:t>client </a:t>
-            </a:r>
-            <a:r>
-              <a:rPr lang="en-US" sz="3200" dirty="0"/>
-              <a:t>requirements</a:t>
-            </a:r>
-          </a:p>
-          <a:p>
-            <a:pPr lvl="1"/>
-            <a:r>
-              <a:rPr lang="en-US" sz="3200" dirty="0"/>
-              <a:t>Learned to develop with modern web frameworks</a:t>
-            </a:r>
-          </a:p>
-          <a:p>
-            <a:pPr lvl="1"/>
-            <a:r>
-              <a:rPr lang="en-US" sz="3200" dirty="0" smtClean="0"/>
-              <a:t>Intimate understanding </a:t>
-            </a:r>
-            <a:r>
-              <a:rPr lang="en-US" sz="3200" dirty="0"/>
-              <a:t>of git version </a:t>
-            </a:r>
-            <a:r>
-              <a:rPr lang="en-US" sz="3200" dirty="0" smtClean="0"/>
-              <a:t>control</a:t>
-            </a:r>
-            <a:endParaRPr lang="en-US" sz="3200" dirty="0"/>
-          </a:p>
-        </p:txBody>
-      </p:sp>
-      <p:sp>
-        <p:nvSpPr>
-          <p:cNvPr id="7" name="Content Placeholder 6"/>
-          <p:cNvSpPr>
-            <a:spLocks noGrp="1"/>
-          </p:cNvSpPr>
-          <p:nvPr>
-            <p:ph sz="half" idx="2"/>
-          </p:nvPr>
-        </p:nvSpPr>
-        <p:spPr>
-          <a:xfrm>
-            <a:off x="6228768" y="2011680"/>
-            <a:ext cx="5580644" cy="4206240"/>
-          </a:xfrm>
-        </p:spPr>
-        <p:txBody>
-          <a:bodyPr>
-            <a:normAutofit/>
-          </a:bodyPr>
-          <a:lstStyle/>
-          <a:p>
-            <a:pPr marL="0" indent="0">
-              <a:buNone/>
-            </a:pPr>
-            <a:r>
-              <a:rPr lang="en-US" sz="3600" i="1" dirty="0"/>
-              <a:t>Bad</a:t>
-            </a:r>
-          </a:p>
-          <a:p>
-            <a:pPr lvl="1"/>
-            <a:r>
-              <a:rPr lang="en-US" sz="3200" dirty="0"/>
-              <a:t>Better time estimation</a:t>
-            </a:r>
-          </a:p>
-          <a:p>
-            <a:pPr lvl="3"/>
-            <a:r>
-              <a:rPr lang="en-US" sz="2801" dirty="0"/>
-              <a:t>Burndown spikes and dives</a:t>
-            </a:r>
-          </a:p>
-          <a:p>
-            <a:pPr lvl="1"/>
-            <a:r>
-              <a:rPr lang="en-US" sz="3200" dirty="0"/>
-              <a:t>We wish we had longer to work on it!</a:t>
-            </a:r>
+          <a:bodyPr/>
+          <a:lstStyle/>
+          <a:p>
+            <a:pPr algn="ctr"/>
+            <a:r>
+              <a:rPr lang="en-US" dirty="0" smtClean="0"/>
+              <a:t>Team Velocity</a:t>
+            </a:r>
+            <a:endParaRPr lang="en-US" dirty="0"/>
           </a:p>
         </p:txBody>
       </p:sp>
@@ -7639,10 +7534,10 @@
           <a:lstStyle/>
           <a:p>
             <a:r>
-              <a:rPr lang="en-US" sz="1200"/>
+              <a:rPr lang="en-US" dirty="0"/>
               <a:t>04/15/2016</a:t>
             </a:r>
-            <a:endParaRPr lang="en-US" sz="1200" dirty="0"/>
+            <a:endParaRPr lang="en-US" dirty="0"/>
           </a:p>
         </p:txBody>
       </p:sp>
@@ -7662,10 +7557,9 @@
           <a:lstStyle/>
           <a:p>
             <a:r>
-              <a:rPr lang="en-US" sz="1200"/>
+              <a:rPr lang="en-US" dirty="0"/>
               <a:t>CS499 Team Hotspotter</a:t>
             </a:r>
-            <a:endParaRPr lang="en-US" sz="1200" dirty="0"/>
           </a:p>
         </p:txBody>
       </p:sp>
@@ -7685,17 +7579,42 @@
           <a:lstStyle/>
           <a:p>
             <a:fld id="{E5FD5434-F838-4DD4-A17B-1CB1A1850DF4}" type="slidenum">
-              <a:rPr lang="en-US" smtClean="0"/>
+              <a:rPr lang="en-US" sz="1050" smtClean="0"/>
               <a:t>10</a:t>
             </a:fld>
-            <a:endParaRPr lang="en-US"/>
-          </a:p>
-        </p:txBody>
-      </p:sp>
+            <a:endParaRPr lang="en-US" sz="1050" dirty="0"/>
+          </a:p>
+        </p:txBody>
+      </p:sp>
+      <p:graphicFrame>
+        <p:nvGraphicFramePr>
+          <p:cNvPr id="7" name="Content Placeholder 6"/>
+          <p:cNvGraphicFramePr>
+            <a:graphicFrameLocks noGrp="1"/>
+          </p:cNvGraphicFramePr>
+          <p:nvPr>
+            <p:ph idx="1"/>
+            <p:extLst>
+              <p:ext uri="{D42A27DB-BD31-4B8C-83A1-F6EECF244321}">
+                <p14:modId xmlns:p14="http://schemas.microsoft.com/office/powerpoint/2010/main" val="57911693"/>
+              </p:ext>
+            </p:extLst>
+          </p:nvPr>
+        </p:nvGraphicFramePr>
+        <p:xfrm>
+          <a:off x="893950" y="1752600"/>
+          <a:ext cx="10398844" cy="4680111"/>
+        </p:xfrm>
+        <a:graphic>
+          <a:graphicData uri="http://schemas.openxmlformats.org/drawingml/2006/chart">
+            <c:chart xmlns:c="http://schemas.openxmlformats.org/drawingml/2006/chart" xmlns:r="http://schemas.openxmlformats.org/officeDocument/2006/relationships" r:id="rId2"/>
+          </a:graphicData>
+        </a:graphic>
+      </p:graphicFrame>
     </p:spTree>
     <p:extLst>
       <p:ext uri="{BB962C8B-B14F-4D97-AF65-F5344CB8AC3E}">
-        <p14:creationId xmlns:p14="http://schemas.microsoft.com/office/powerpoint/2010/main" val="3671086265"/>
+        <p14:creationId xmlns:p14="http://schemas.microsoft.com/office/powerpoint/2010/main" val="1364081688"/>
       </p:ext>
     </p:extLst>
   </p:cSld>
@@ -7736,6 +7655,39 @@
       </p:grpSpPr>
       <p:sp>
         <p:nvSpPr>
+          <p:cNvPr id="2" name="Title 1"/>
+          <p:cNvSpPr>
+            <a:spLocks noGrp="1"/>
+          </p:cNvSpPr>
+          <p:nvPr>
+            <p:ph type="title"/>
+          </p:nvPr>
+        </p:nvSpPr>
+        <p:spPr>
+          <a:xfrm>
+            <a:off x="-1" y="284176"/>
+            <a:ext cx="12188825" cy="1508760"/>
+          </a:xfrm>
+        </p:spPr>
+        <p:txBody>
+          <a:bodyPr/>
+          <a:lstStyle/>
+          <a:p>
+            <a:pPr algn="ctr"/>
+            <a:r>
+              <a:rPr lang="en-US" dirty="0"/>
+              <a:t>Team </a:t>
+            </a:r>
+            <a:r>
+              <a:rPr lang="en-US" dirty="0" smtClean="0"/>
+              <a:t>Burndown</a:t>
+            </a:r>
+            <a:endParaRPr lang="en-US" dirty="0"/>
+          </a:p>
+        </p:txBody>
+      </p:sp>
+      <p:sp>
+        <p:nvSpPr>
           <p:cNvPr id="4" name="Date Placeholder 3"/>
           <p:cNvSpPr>
             <a:spLocks noGrp="1"/>
@@ -7750,10 +7702,10 @@
           <a:lstStyle/>
           <a:p>
             <a:r>
-              <a:rPr lang="en-US" sz="1200"/>
+              <a:rPr lang="en-US" dirty="0"/>
               <a:t>04/15/2016</a:t>
             </a:r>
-            <a:endParaRPr lang="en-US" sz="1200" dirty="0"/>
+            <a:endParaRPr lang="en-US" dirty="0"/>
           </a:p>
         </p:txBody>
       </p:sp>
@@ -7773,10 +7725,9 @@
           <a:lstStyle/>
           <a:p>
             <a:r>
-              <a:rPr lang="en-US" sz="1200"/>
+              <a:rPr lang="en-US" dirty="0"/>
               <a:t>CS499 Team Hotspotter</a:t>
             </a:r>
-            <a:endParaRPr lang="en-US" sz="1200" dirty="0"/>
           </a:p>
         </p:txBody>
       </p:sp>
@@ -7796,10 +7747,403 @@
           <a:lstStyle/>
           <a:p>
             <a:fld id="{E5FD5434-F838-4DD4-A17B-1CB1A1850DF4}" type="slidenum">
-              <a:rPr lang="en-US" smtClean="0"/>
+              <a:rPr lang="en-US" sz="1050" smtClean="0"/>
               <a:t>11</a:t>
             </a:fld>
+            <a:endParaRPr lang="en-US" sz="1050" dirty="0"/>
+          </a:p>
+        </p:txBody>
+      </p:sp>
+      <p:graphicFrame>
+        <p:nvGraphicFramePr>
+          <p:cNvPr id="8" name="Content Placeholder 7"/>
+          <p:cNvGraphicFramePr>
+            <a:graphicFrameLocks noGrp="1"/>
+          </p:cNvGraphicFramePr>
+          <p:nvPr>
+            <p:ph idx="1"/>
+            <p:extLst>
+              <p:ext uri="{D42A27DB-BD31-4B8C-83A1-F6EECF244321}">
+                <p14:modId xmlns:p14="http://schemas.microsoft.com/office/powerpoint/2010/main" val="1503173150"/>
+              </p:ext>
+            </p:extLst>
+          </p:nvPr>
+        </p:nvGraphicFramePr>
+        <p:xfrm>
+          <a:off x="0" y="1828800"/>
+          <a:ext cx="12114212" cy="4517855"/>
+        </p:xfrm>
+        <a:graphic>
+          <a:graphicData uri="http://schemas.openxmlformats.org/drawingml/2006/chart">
+            <c:chart xmlns:c="http://schemas.openxmlformats.org/drawingml/2006/chart" xmlns:r="http://schemas.openxmlformats.org/officeDocument/2006/relationships" r:id="rId2"/>
+          </a:graphicData>
+        </a:graphic>
+      </p:graphicFrame>
+    </p:spTree>
+    <p:extLst>
+      <p:ext uri="{BB962C8B-B14F-4D97-AF65-F5344CB8AC3E}">
+        <p14:creationId xmlns:p14="http://schemas.microsoft.com/office/powerpoint/2010/main" val="2985966692"/>
+      </p:ext>
+    </p:extLst>
+  </p:cSld>
+  <p:clrMapOvr>
+    <a:masterClrMapping/>
+  </p:clrMapOvr>
+  <mc:AlternateContent xmlns:mc="http://schemas.openxmlformats.org/markup-compatibility/2006" xmlns:p14="http://schemas.microsoft.com/office/powerpoint/2010/main">
+    <mc:Choice Requires="p14">
+      <p:transition spd="med" p14:dur="700">
+        <p:fade/>
+      </p:transition>
+    </mc:Choice>
+    <mc:Fallback xmlns="">
+      <p:transition spd="med">
+        <p:fade/>
+      </p:transition>
+    </mc:Fallback>
+  </mc:AlternateContent>
+</p:sld>
+</file>
+
+<file path=ppt/slides/slide12.xml><?xml version="1.0" encoding="utf-8"?>
+<p:sld xmlns:a="http://schemas.openxmlformats.org/drawingml/2006/main" xmlns:r="http://schemas.openxmlformats.org/officeDocument/2006/relationships" xmlns:p="http://schemas.openxmlformats.org/presentationml/2006/main">
+  <p:cSld>
+    <p:spTree>
+      <p:nvGrpSpPr>
+        <p:cNvPr id="1" name=""/>
+        <p:cNvGrpSpPr/>
+        <p:nvPr/>
+      </p:nvGrpSpPr>
+      <p:grpSpPr>
+        <a:xfrm>
+          <a:off x="0" y="0"/>
+          <a:ext cx="0" cy="0"/>
+          <a:chOff x="0" y="0"/>
+          <a:chExt cx="0" cy="0"/>
+        </a:xfrm>
+      </p:grpSpPr>
+      <p:sp>
+        <p:nvSpPr>
+          <p:cNvPr id="2" name="Title 1"/>
+          <p:cNvSpPr>
+            <a:spLocks noGrp="1"/>
+          </p:cNvSpPr>
+          <p:nvPr>
+            <p:ph type="title"/>
+          </p:nvPr>
+        </p:nvSpPr>
+        <p:spPr/>
+        <p:txBody>
+          <a:bodyPr/>
+          <a:lstStyle/>
+          <a:p>
+            <a:pPr algn="ctr"/>
+            <a:r>
+              <a:rPr lang="en-US" smtClean="0"/>
+              <a:t>Post-Mortem</a:t>
+            </a:r>
             <a:endParaRPr lang="en-US" dirty="0"/>
+          </a:p>
+        </p:txBody>
+      </p:sp>
+      <p:sp>
+        <p:nvSpPr>
+          <p:cNvPr id="3" name="Content Placeholder 2"/>
+          <p:cNvSpPr>
+            <a:spLocks noGrp="1"/>
+          </p:cNvSpPr>
+          <p:nvPr>
+            <p:ph sz="half" idx="1"/>
+          </p:nvPr>
+        </p:nvSpPr>
+        <p:spPr>
+          <a:xfrm>
+            <a:off x="303212" y="2011680"/>
+            <a:ext cx="5925556" cy="4206240"/>
+          </a:xfrm>
+        </p:spPr>
+        <p:txBody>
+          <a:bodyPr>
+            <a:normAutofit/>
+          </a:bodyPr>
+          <a:lstStyle/>
+          <a:p>
+            <a:pPr marL="0" indent="0">
+              <a:buNone/>
+            </a:pPr>
+            <a:r>
+              <a:rPr lang="en-US" sz="3600" i="1" dirty="0" smtClean="0"/>
+              <a:t>Good</a:t>
+            </a:r>
+            <a:endParaRPr lang="en-US" sz="3200" i="1" dirty="0"/>
+          </a:p>
+          <a:p>
+            <a:pPr lvl="1"/>
+            <a:r>
+              <a:rPr lang="en-US" sz="3200" dirty="0"/>
+              <a:t>Met all </a:t>
+            </a:r>
+            <a:r>
+              <a:rPr lang="en-US" sz="3200" dirty="0" smtClean="0"/>
+              <a:t>client </a:t>
+            </a:r>
+            <a:r>
+              <a:rPr lang="en-US" sz="3200" dirty="0"/>
+              <a:t>requirements</a:t>
+            </a:r>
+          </a:p>
+          <a:p>
+            <a:pPr lvl="1"/>
+            <a:r>
+              <a:rPr lang="en-US" sz="3200" dirty="0"/>
+              <a:t>Learned to develop with modern web frameworks</a:t>
+            </a:r>
+          </a:p>
+          <a:p>
+            <a:pPr lvl="1"/>
+            <a:r>
+              <a:rPr lang="en-US" sz="3200" dirty="0" smtClean="0"/>
+              <a:t>Intimate understanding </a:t>
+            </a:r>
+            <a:r>
+              <a:rPr lang="en-US" sz="3200" dirty="0"/>
+              <a:t>of git version </a:t>
+            </a:r>
+            <a:r>
+              <a:rPr lang="en-US" sz="3200" dirty="0" smtClean="0"/>
+              <a:t>control</a:t>
+            </a:r>
+            <a:endParaRPr lang="en-US" sz="3200" dirty="0"/>
+          </a:p>
+        </p:txBody>
+      </p:sp>
+      <p:sp>
+        <p:nvSpPr>
+          <p:cNvPr id="7" name="Content Placeholder 6"/>
+          <p:cNvSpPr>
+            <a:spLocks noGrp="1"/>
+          </p:cNvSpPr>
+          <p:nvPr>
+            <p:ph sz="half" idx="2"/>
+          </p:nvPr>
+        </p:nvSpPr>
+        <p:spPr>
+          <a:xfrm>
+            <a:off x="6228768" y="2011680"/>
+            <a:ext cx="5580644" cy="4206240"/>
+          </a:xfrm>
+        </p:spPr>
+        <p:txBody>
+          <a:bodyPr>
+            <a:normAutofit/>
+          </a:bodyPr>
+          <a:lstStyle/>
+          <a:p>
+            <a:pPr marL="0" indent="0">
+              <a:buNone/>
+            </a:pPr>
+            <a:r>
+              <a:rPr lang="en-US" sz="3600" i="1" dirty="0"/>
+              <a:t>Bad</a:t>
+            </a:r>
+          </a:p>
+          <a:p>
+            <a:pPr lvl="1"/>
+            <a:r>
+              <a:rPr lang="en-US" sz="3200" dirty="0"/>
+              <a:t>Better time estimation</a:t>
+            </a:r>
+          </a:p>
+          <a:p>
+            <a:pPr lvl="3"/>
+            <a:r>
+              <a:rPr lang="en-US" sz="2801" dirty="0"/>
+              <a:t>Burndown spikes and dives</a:t>
+            </a:r>
+          </a:p>
+          <a:p>
+            <a:pPr lvl="1"/>
+            <a:r>
+              <a:rPr lang="en-US" sz="3200" dirty="0"/>
+              <a:t>We wish we had longer to work on it!</a:t>
+            </a:r>
+          </a:p>
+        </p:txBody>
+      </p:sp>
+      <p:sp>
+        <p:nvSpPr>
+          <p:cNvPr id="4" name="Date Placeholder 3"/>
+          <p:cNvSpPr>
+            <a:spLocks noGrp="1"/>
+          </p:cNvSpPr>
+          <p:nvPr>
+            <p:ph type="dt" sz="half" idx="10"/>
+          </p:nvPr>
+        </p:nvSpPr>
+        <p:spPr/>
+        <p:txBody>
+          <a:bodyPr/>
+          <a:lstStyle/>
+          <a:p>
+            <a:r>
+              <a:rPr lang="en-US" dirty="0"/>
+              <a:t>04/15/2016</a:t>
+            </a:r>
+            <a:endParaRPr lang="en-US" dirty="0"/>
+          </a:p>
+        </p:txBody>
+      </p:sp>
+      <p:sp>
+        <p:nvSpPr>
+          <p:cNvPr id="5" name="Footer Placeholder 4"/>
+          <p:cNvSpPr>
+            <a:spLocks noGrp="1"/>
+          </p:cNvSpPr>
+          <p:nvPr>
+            <p:ph type="ftr" sz="quarter" idx="11"/>
+          </p:nvPr>
+        </p:nvSpPr>
+        <p:spPr/>
+        <p:txBody>
+          <a:bodyPr/>
+          <a:lstStyle/>
+          <a:p>
+            <a:r>
+              <a:rPr lang="en-US" dirty="0"/>
+              <a:t>CS499 Team Hotspotter</a:t>
+            </a:r>
+          </a:p>
+        </p:txBody>
+      </p:sp>
+      <p:sp>
+        <p:nvSpPr>
+          <p:cNvPr id="6" name="Slide Number Placeholder 5"/>
+          <p:cNvSpPr>
+            <a:spLocks noGrp="1"/>
+          </p:cNvSpPr>
+          <p:nvPr>
+            <p:ph type="sldNum" sz="quarter" idx="12"/>
+          </p:nvPr>
+        </p:nvSpPr>
+        <p:spPr/>
+        <p:txBody>
+          <a:bodyPr/>
+          <a:lstStyle/>
+          <a:p>
+            <a:fld id="{E5FD5434-F838-4DD4-A17B-1CB1A1850DF4}" type="slidenum">
+              <a:rPr lang="en-US" sz="1050" smtClean="0"/>
+              <a:t>12</a:t>
+            </a:fld>
+            <a:endParaRPr lang="en-US" sz="1050" dirty="0"/>
+          </a:p>
+        </p:txBody>
+      </p:sp>
+    </p:spTree>
+    <p:extLst>
+      <p:ext uri="{BB962C8B-B14F-4D97-AF65-F5344CB8AC3E}">
+        <p14:creationId xmlns:p14="http://schemas.microsoft.com/office/powerpoint/2010/main" val="3671086265"/>
+      </p:ext>
+    </p:extLst>
+  </p:cSld>
+  <p:clrMapOvr>
+    <a:masterClrMapping/>
+  </p:clrMapOvr>
+  <mc:AlternateContent xmlns:mc="http://schemas.openxmlformats.org/markup-compatibility/2006" xmlns:p14="http://schemas.microsoft.com/office/powerpoint/2010/main">
+    <mc:Choice Requires="p14">
+      <p:transition spd="med" p14:dur="700">
+        <p:fade/>
+      </p:transition>
+    </mc:Choice>
+    <mc:Fallback xmlns="">
+      <p:transition spd="med">
+        <p:fade/>
+      </p:transition>
+    </mc:Fallback>
+  </mc:AlternateContent>
+</p:sld>
+</file>
+
+<file path=ppt/slides/slide13.xml><?xml version="1.0" encoding="utf-8"?>
+<p:sld xmlns:a="http://schemas.openxmlformats.org/drawingml/2006/main" xmlns:r="http://schemas.openxmlformats.org/officeDocument/2006/relationships" xmlns:p="http://schemas.openxmlformats.org/presentationml/2006/main">
+  <p:cSld>
+    <p:spTree>
+      <p:nvGrpSpPr>
+        <p:cNvPr id="1" name=""/>
+        <p:cNvGrpSpPr/>
+        <p:nvPr/>
+      </p:nvGrpSpPr>
+      <p:grpSpPr>
+        <a:xfrm>
+          <a:off x="0" y="0"/>
+          <a:ext cx="0" cy="0"/>
+          <a:chOff x="0" y="0"/>
+          <a:chExt cx="0" cy="0"/>
+        </a:xfrm>
+      </p:grpSpPr>
+      <p:sp>
+        <p:nvSpPr>
+          <p:cNvPr id="4" name="Date Placeholder 3"/>
+          <p:cNvSpPr>
+            <a:spLocks noGrp="1"/>
+          </p:cNvSpPr>
+          <p:nvPr>
+            <p:ph type="dt" sz="half" idx="10"/>
+          </p:nvPr>
+        </p:nvSpPr>
+        <p:spPr/>
+        <p:txBody>
+          <a:bodyPr/>
+          <a:lstStyle/>
+          <a:p>
+            <a:r>
+              <a:rPr lang="en-US" dirty="0"/>
+              <a:t>04/15/2016</a:t>
+            </a:r>
+            <a:endParaRPr lang="en-US" dirty="0"/>
+          </a:p>
+        </p:txBody>
+      </p:sp>
+      <p:sp>
+        <p:nvSpPr>
+          <p:cNvPr id="5" name="Footer Placeholder 4"/>
+          <p:cNvSpPr>
+            <a:spLocks noGrp="1"/>
+          </p:cNvSpPr>
+          <p:nvPr>
+            <p:ph type="ftr" sz="quarter" idx="11"/>
+          </p:nvPr>
+        </p:nvSpPr>
+        <p:spPr/>
+        <p:txBody>
+          <a:bodyPr/>
+          <a:lstStyle/>
+          <a:p>
+            <a:r>
+              <a:rPr lang="en-US" dirty="0"/>
+              <a:t>CS499 Team Hotspotter</a:t>
+            </a:r>
+          </a:p>
+        </p:txBody>
+      </p:sp>
+      <p:sp>
+        <p:nvSpPr>
+          <p:cNvPr id="6" name="Slide Number Placeholder 5"/>
+          <p:cNvSpPr>
+            <a:spLocks noGrp="1"/>
+          </p:cNvSpPr>
+          <p:nvPr>
+            <p:ph type="sldNum" sz="quarter" idx="12"/>
+          </p:nvPr>
+        </p:nvSpPr>
+        <p:spPr/>
+        <p:txBody>
+          <a:bodyPr/>
+          <a:lstStyle/>
+          <a:p>
+            <a:fld id="{E5FD5434-F838-4DD4-A17B-1CB1A1850DF4}" type="slidenum">
+              <a:rPr lang="en-US" sz="1050"/>
+              <a:t>13</a:t>
+            </a:fld>
+            <a:endParaRPr lang="en-US" sz="1050" dirty="0"/>
           </a:p>
         </p:txBody>
       </p:sp>
@@ -7976,10 +8320,10 @@
           <a:lstStyle/>
           <a:p>
             <a:r>
-              <a:rPr lang="en-US" smtClean="0"/>
+              <a:rPr lang="en-US" dirty="0" smtClean="0"/>
               <a:t>04/15/2016</a:t>
             </a:r>
-            <a:endParaRPr lang="en-US"/>
+            <a:endParaRPr lang="en-US" dirty="0"/>
           </a:p>
         </p:txBody>
       </p:sp>
@@ -7999,10 +8343,10 @@
           <a:lstStyle/>
           <a:p>
             <a:r>
-              <a:rPr lang="en-US" smtClean="0"/>
+              <a:rPr lang="en-US" dirty="0" smtClean="0"/>
               <a:t>CS499 Team Hotspotter</a:t>
             </a:r>
-            <a:endParaRPr lang="en-US"/>
+            <a:endParaRPr lang="en-US" dirty="0"/>
           </a:p>
         </p:txBody>
       </p:sp>
@@ -8249,7 +8593,7 @@
           <a:lstStyle/>
           <a:p>
             <a:r>
-              <a:rPr lang="en-US" sz="1200"/>
+              <a:rPr lang="en-US" dirty="0" smtClean="0"/>
               <a:t>04/15/2016</a:t>
             </a:r>
             <a:endParaRPr lang="en-US" dirty="0"/>
@@ -8272,10 +8616,17 @@
           <a:lstStyle/>
           <a:p>
             <a:r>
-              <a:rPr lang="en-US" sz="1200"/>
-              <a:t>CS499 Team Hotspotter</a:t>
-            </a:r>
-            <a:endParaRPr lang="en-US" sz="1200" dirty="0"/>
+              <a:rPr lang="en-US" dirty="0"/>
+              <a:t>CS499</a:t>
+            </a:r>
+            <a:r>
+              <a:rPr lang="en-US" sz="1200" dirty="0"/>
+              <a:t> </a:t>
+            </a:r>
+            <a:r>
+              <a:rPr lang="en-US" dirty="0"/>
+              <a:t>Team Hotspotter</a:t>
+            </a:r>
           </a:p>
         </p:txBody>
       </p:sp>
@@ -8295,10 +8646,10 @@
           <a:lstStyle/>
           <a:p>
             <a:fld id="{E5FD5434-F838-4DD4-A17B-1CB1A1850DF4}" type="slidenum">
-              <a:rPr lang="en-US" sz="1600" smtClean="0"/>
+              <a:rPr lang="en-US" sz="1050"/>
               <a:t>3</a:t>
             </a:fld>
-            <a:endParaRPr lang="en-US" sz="1600" dirty="0"/>
+            <a:endParaRPr lang="en-US" sz="1050" dirty="0"/>
           </a:p>
         </p:txBody>
       </p:sp>
@@ -8489,10 +8840,10 @@
           <a:lstStyle/>
           <a:p>
             <a:r>
-              <a:rPr lang="en-US" sz="1200"/>
+              <a:rPr lang="en-US" dirty="0"/>
               <a:t>04/15/2016</a:t>
             </a:r>
-            <a:endParaRPr lang="en-US" sz="1200" dirty="0"/>
+            <a:endParaRPr lang="en-US" dirty="0"/>
           </a:p>
         </p:txBody>
       </p:sp>
@@ -8512,10 +8863,9 @@
           <a:lstStyle/>
           <a:p>
             <a:r>
-              <a:rPr lang="en-US" sz="1200"/>
+              <a:rPr lang="en-US" dirty="0"/>
               <a:t>CS499 Team Hotspotter</a:t>
             </a:r>
-            <a:endParaRPr lang="en-US" sz="1200" dirty="0"/>
           </a:p>
         </p:txBody>
       </p:sp>
@@ -8535,10 +8885,10 @@
           <a:lstStyle/>
           <a:p>
             <a:fld id="{E5FD5434-F838-4DD4-A17B-1CB1A1850DF4}" type="slidenum">
-              <a:rPr lang="en-US" smtClean="0"/>
+              <a:rPr lang="en-US" sz="1050" smtClean="0"/>
               <a:t>4</a:t>
             </a:fld>
-            <a:endParaRPr lang="en-US"/>
+            <a:endParaRPr lang="en-US" sz="1050" dirty="0"/>
           </a:p>
         </p:txBody>
       </p:sp>
@@ -8594,6 +8944,579 @@
             <p:ph type="title"/>
           </p:nvPr>
         </p:nvSpPr>
+        <p:spPr/>
+        <p:txBody>
+          <a:bodyPr/>
+          <a:lstStyle/>
+          <a:p>
+            <a:pPr algn="ctr"/>
+            <a:r>
+              <a:rPr lang="en-US" dirty="0" smtClean="0"/>
+              <a:t>Project Plan: Management</a:t>
+            </a:r>
+            <a:endParaRPr lang="en-US" dirty="0"/>
+          </a:p>
+        </p:txBody>
+      </p:sp>
+      <p:sp>
+        <p:nvSpPr>
+          <p:cNvPr id="3" name="Content Placeholder 2"/>
+          <p:cNvSpPr>
+            <a:spLocks noGrp="1"/>
+          </p:cNvSpPr>
+          <p:nvPr>
+            <p:ph idx="1"/>
+          </p:nvPr>
+        </p:nvSpPr>
+        <p:spPr/>
+        <p:txBody>
+          <a:bodyPr>
+            <a:normAutofit/>
+          </a:bodyPr>
+          <a:lstStyle/>
+          <a:p>
+            <a:r>
+              <a:rPr lang="en-US" dirty="0" smtClean="0"/>
+              <a:t>Defined GIT practices</a:t>
+            </a:r>
+          </a:p>
+          <a:p>
+            <a:pPr lvl="2"/>
+            <a:r>
+              <a:rPr lang="en-US" dirty="0" smtClean="0"/>
+              <a:t>Collaboration and responsibility</a:t>
+            </a:r>
+          </a:p>
+          <a:p>
+            <a:r>
+              <a:rPr lang="en-US" dirty="0" smtClean="0"/>
+              <a:t>Jira</a:t>
+            </a:r>
+          </a:p>
+          <a:p>
+            <a:pPr lvl="1"/>
+            <a:r>
+              <a:rPr lang="en-US" dirty="0" smtClean="0"/>
+              <a:t>Agile Planning</a:t>
+            </a:r>
+          </a:p>
+          <a:p>
+            <a:r>
+              <a:rPr lang="en-US" dirty="0" smtClean="0"/>
+              <a:t>Jenkins</a:t>
+            </a:r>
+          </a:p>
+          <a:p>
+            <a:pPr lvl="1"/>
+            <a:r>
+              <a:rPr lang="en-US" dirty="0" smtClean="0"/>
+              <a:t>Automated quality/tests</a:t>
+            </a:r>
+          </a:p>
+          <a:p>
+            <a:pPr lvl="1"/>
+            <a:r>
+              <a:rPr lang="en-US" dirty="0" smtClean="0"/>
+              <a:t>Automated deployment</a:t>
+            </a:r>
+          </a:p>
+        </p:txBody>
+      </p:sp>
+      <p:sp>
+        <p:nvSpPr>
+          <p:cNvPr id="4" name="Date Placeholder 3"/>
+          <p:cNvSpPr>
+            <a:spLocks noGrp="1"/>
+          </p:cNvSpPr>
+          <p:nvPr>
+            <p:ph type="dt" sz="half" idx="10"/>
+          </p:nvPr>
+        </p:nvSpPr>
+        <p:spPr/>
+        <p:txBody>
+          <a:bodyPr/>
+          <a:lstStyle/>
+          <a:p>
+            <a:r>
+              <a:rPr lang="en-US" dirty="0"/>
+              <a:t>04/15/2016</a:t>
+            </a:r>
+            <a:endParaRPr lang="en-US" dirty="0"/>
+          </a:p>
+        </p:txBody>
+      </p:sp>
+      <p:sp>
+        <p:nvSpPr>
+          <p:cNvPr id="5" name="Footer Placeholder 4"/>
+          <p:cNvSpPr>
+            <a:spLocks noGrp="1"/>
+          </p:cNvSpPr>
+          <p:nvPr>
+            <p:ph type="ftr" sz="quarter" idx="11"/>
+          </p:nvPr>
+        </p:nvSpPr>
+        <p:spPr/>
+        <p:txBody>
+          <a:bodyPr/>
+          <a:lstStyle/>
+          <a:p>
+            <a:r>
+              <a:rPr lang="en-US" dirty="0"/>
+              <a:t>CS499 </a:t>
+            </a:r>
+            <a:r>
+              <a:rPr lang="en-US" dirty="0"/>
+              <a:t>Team</a:t>
+            </a:r>
+            <a:r>
+              <a:rPr lang="en-US" dirty="0"/>
+              <a:t> Hotspotter</a:t>
+            </a:r>
+            <a:endParaRPr lang="en-US" dirty="0"/>
+          </a:p>
+        </p:txBody>
+      </p:sp>
+      <p:sp>
+        <p:nvSpPr>
+          <p:cNvPr id="6" name="Slide Number Placeholder 5"/>
+          <p:cNvSpPr>
+            <a:spLocks noGrp="1"/>
+          </p:cNvSpPr>
+          <p:nvPr>
+            <p:ph type="sldNum" sz="quarter" idx="12"/>
+          </p:nvPr>
+        </p:nvSpPr>
+        <p:spPr/>
+        <p:txBody>
+          <a:bodyPr/>
+          <a:lstStyle/>
+          <a:p>
+            <a:fld id="{E5FD5434-F838-4DD4-A17B-1CB1A1850DF4}" type="slidenum">
+              <a:rPr lang="en-US" smtClean="0"/>
+              <a:t>5</a:t>
+            </a:fld>
+            <a:endParaRPr lang="en-US" dirty="0"/>
+          </a:p>
+        </p:txBody>
+      </p:sp>
+      <p:pic>
+        <p:nvPicPr>
+          <p:cNvPr id="9" name="Picture 8"/>
+          <p:cNvPicPr>
+            <a:picLocks noChangeAspect="1"/>
+          </p:cNvPicPr>
+          <p:nvPr/>
+        </p:nvPicPr>
+        <p:blipFill>
+          <a:blip r:embed="rId2">
+            <a:extLst>
+              <a:ext uri="{28A0092B-C50C-407E-A947-70E740481C1C}">
+                <a14:useLocalDpi xmlns:a14="http://schemas.microsoft.com/office/drawing/2010/main" val="0"/>
+              </a:ext>
+            </a:extLst>
+          </a:blip>
+          <a:stretch>
+            <a:fillRect/>
+          </a:stretch>
+        </p:blipFill>
+        <p:spPr>
+          <a:xfrm>
+            <a:off x="8058974" y="3637522"/>
+            <a:ext cx="2461877" cy="1157082"/>
+          </a:xfrm>
+          <a:prstGeom prst="rect">
+            <a:avLst/>
+          </a:prstGeom>
+        </p:spPr>
+      </p:pic>
+      <p:pic>
+        <p:nvPicPr>
+          <p:cNvPr id="10" name="Picture 9"/>
+          <p:cNvPicPr>
+            <a:picLocks noChangeAspect="1"/>
+          </p:cNvPicPr>
+          <p:nvPr/>
+        </p:nvPicPr>
+        <p:blipFill>
+          <a:blip r:embed="rId3">
+            <a:extLst>
+              <a:ext uri="{28A0092B-C50C-407E-A947-70E740481C1C}">
+                <a14:useLocalDpi xmlns:a14="http://schemas.microsoft.com/office/drawing/2010/main" val="0"/>
+              </a:ext>
+            </a:extLst>
+          </a:blip>
+          <a:stretch>
+            <a:fillRect/>
+          </a:stretch>
+        </p:blipFill>
+        <p:spPr>
+          <a:xfrm>
+            <a:off x="7847012" y="5162934"/>
+            <a:ext cx="3028950" cy="971550"/>
+          </a:xfrm>
+          <a:prstGeom prst="rect">
+            <a:avLst/>
+          </a:prstGeom>
+        </p:spPr>
+      </p:pic>
+      <p:pic>
+        <p:nvPicPr>
+          <p:cNvPr id="14" name="Picture 13"/>
+          <p:cNvPicPr>
+            <a:picLocks noChangeAspect="1"/>
+          </p:cNvPicPr>
+          <p:nvPr/>
+        </p:nvPicPr>
+        <p:blipFill>
+          <a:blip r:embed="rId4" cstate="print">
+            <a:extLst>
+              <a:ext uri="{28A0092B-C50C-407E-A947-70E740481C1C}">
+                <a14:useLocalDpi xmlns:a14="http://schemas.microsoft.com/office/drawing/2010/main" val="0"/>
+              </a:ext>
+            </a:extLst>
+          </a:blip>
+          <a:stretch>
+            <a:fillRect/>
+          </a:stretch>
+        </p:blipFill>
+        <p:spPr>
+          <a:xfrm>
+            <a:off x="8690449" y="2070266"/>
+            <a:ext cx="1198926" cy="1198926"/>
+          </a:xfrm>
+          <a:prstGeom prst="rect">
+            <a:avLst/>
+          </a:prstGeom>
+        </p:spPr>
+      </p:pic>
+    </p:spTree>
+    <p:extLst>
+      <p:ext uri="{BB962C8B-B14F-4D97-AF65-F5344CB8AC3E}">
+        <p14:creationId xmlns:p14="http://schemas.microsoft.com/office/powerpoint/2010/main" val="2806046062"/>
+      </p:ext>
+    </p:extLst>
+  </p:cSld>
+  <p:clrMapOvr>
+    <a:masterClrMapping/>
+  </p:clrMapOvr>
+  <mc:AlternateContent xmlns:mc="http://schemas.openxmlformats.org/markup-compatibility/2006" xmlns:p14="http://schemas.microsoft.com/office/powerpoint/2010/main">
+    <mc:Choice Requires="p14">
+      <p:transition spd="med" p14:dur="700">
+        <p:fade/>
+      </p:transition>
+    </mc:Choice>
+    <mc:Fallback xmlns="">
+      <p:transition spd="med">
+        <p:fade/>
+      </p:transition>
+    </mc:Fallback>
+  </mc:AlternateContent>
+  <p:timing>
+    <p:tnLst>
+      <p:par>
+        <p:cTn id="1" dur="indefinite" restart="never" nodeType="tmRoot"/>
+      </p:par>
+    </p:tnLst>
+  </p:timing>
+</p:sld>
+</file>
+
+<file path=ppt/slides/slide6.xml><?xml version="1.0" encoding="utf-8"?>
+<p:sld xmlns:a="http://schemas.openxmlformats.org/drawingml/2006/main" xmlns:r="http://schemas.openxmlformats.org/officeDocument/2006/relationships" xmlns:p="http://schemas.openxmlformats.org/presentationml/2006/main">
+  <p:cSld>
+    <p:spTree>
+      <p:nvGrpSpPr>
+        <p:cNvPr id="1" name=""/>
+        <p:cNvGrpSpPr/>
+        <p:nvPr/>
+      </p:nvGrpSpPr>
+      <p:grpSpPr>
+        <a:xfrm>
+          <a:off x="0" y="0"/>
+          <a:ext cx="0" cy="0"/>
+          <a:chOff x="0" y="0"/>
+          <a:chExt cx="0" cy="0"/>
+        </a:xfrm>
+      </p:grpSpPr>
+      <p:sp>
+        <p:nvSpPr>
+          <p:cNvPr id="2" name="Title 1"/>
+          <p:cNvSpPr>
+            <a:spLocks noGrp="1"/>
+          </p:cNvSpPr>
+          <p:nvPr>
+            <p:ph type="title"/>
+          </p:nvPr>
+        </p:nvSpPr>
+        <p:spPr/>
+        <p:txBody>
+          <a:bodyPr/>
+          <a:lstStyle/>
+          <a:p>
+            <a:pPr algn="ctr"/>
+            <a:r>
+              <a:rPr lang="en-US" dirty="0" smtClean="0"/>
+              <a:t>Project Plan: Management </a:t>
+            </a:r>
+            <a:r>
+              <a:rPr lang="en-US" sz="2000" i="1" dirty="0" smtClean="0"/>
+              <a:t>(Cont.)</a:t>
+            </a:r>
+            <a:endParaRPr lang="en-US" sz="2000" i="1" dirty="0"/>
+          </a:p>
+        </p:txBody>
+      </p:sp>
+      <p:sp>
+        <p:nvSpPr>
+          <p:cNvPr id="4" name="Date Placeholder 3"/>
+          <p:cNvSpPr>
+            <a:spLocks noGrp="1"/>
+          </p:cNvSpPr>
+          <p:nvPr>
+            <p:ph type="dt" sz="half" idx="10"/>
+          </p:nvPr>
+        </p:nvSpPr>
+        <p:spPr/>
+        <p:txBody>
+          <a:bodyPr/>
+          <a:lstStyle/>
+          <a:p>
+            <a:r>
+              <a:rPr lang="en-US" dirty="0"/>
+              <a:t>04/15/2016</a:t>
+            </a:r>
+            <a:endParaRPr lang="en-US" dirty="0"/>
+          </a:p>
+        </p:txBody>
+      </p:sp>
+      <p:sp>
+        <p:nvSpPr>
+          <p:cNvPr id="5" name="Footer Placeholder 4"/>
+          <p:cNvSpPr>
+            <a:spLocks noGrp="1"/>
+          </p:cNvSpPr>
+          <p:nvPr>
+            <p:ph type="ftr" sz="quarter" idx="11"/>
+          </p:nvPr>
+        </p:nvSpPr>
+        <p:spPr/>
+        <p:txBody>
+          <a:bodyPr/>
+          <a:lstStyle/>
+          <a:p>
+            <a:r>
+              <a:rPr lang="en-US" dirty="0"/>
+              <a:t>CS499 Team Hotspotter</a:t>
+            </a:r>
+          </a:p>
+        </p:txBody>
+      </p:sp>
+      <p:sp>
+        <p:nvSpPr>
+          <p:cNvPr id="6" name="Slide Number Placeholder 5"/>
+          <p:cNvSpPr>
+            <a:spLocks noGrp="1"/>
+          </p:cNvSpPr>
+          <p:nvPr>
+            <p:ph type="sldNum" sz="quarter" idx="12"/>
+          </p:nvPr>
+        </p:nvSpPr>
+        <p:spPr/>
+        <p:txBody>
+          <a:bodyPr/>
+          <a:lstStyle/>
+          <a:p>
+            <a:fld id="{E5FD5434-F838-4DD4-A17B-1CB1A1850DF4}" type="slidenum">
+              <a:rPr lang="en-US" sz="1050" smtClean="0"/>
+              <a:t>6</a:t>
+            </a:fld>
+            <a:endParaRPr lang="en-US" sz="1050" dirty="0"/>
+          </a:p>
+        </p:txBody>
+      </p:sp>
+      <p:pic>
+        <p:nvPicPr>
+          <p:cNvPr id="7" name="Picture 6"/>
+          <p:cNvPicPr>
+            <a:picLocks noChangeAspect="1"/>
+          </p:cNvPicPr>
+          <p:nvPr/>
+        </p:nvPicPr>
+        <p:blipFill>
+          <a:blip r:embed="rId2"/>
+          <a:stretch>
+            <a:fillRect/>
+          </a:stretch>
+        </p:blipFill>
+        <p:spPr>
+          <a:xfrm>
+            <a:off x="2985644" y="4047633"/>
+            <a:ext cx="5322223" cy="2557784"/>
+          </a:xfrm>
+          <a:prstGeom prst="rect">
+            <a:avLst/>
+          </a:prstGeom>
+        </p:spPr>
+      </p:pic>
+      <p:pic>
+        <p:nvPicPr>
+          <p:cNvPr id="3" name="Picture 2"/>
+          <p:cNvPicPr>
+            <a:picLocks noChangeAspect="1"/>
+          </p:cNvPicPr>
+          <p:nvPr/>
+        </p:nvPicPr>
+        <p:blipFill>
+          <a:blip r:embed="rId3"/>
+          <a:stretch>
+            <a:fillRect/>
+          </a:stretch>
+        </p:blipFill>
+        <p:spPr>
+          <a:xfrm>
+            <a:off x="6780212" y="1774167"/>
+            <a:ext cx="5313491" cy="2546906"/>
+          </a:xfrm>
+          <a:prstGeom prst="rect">
+            <a:avLst/>
+          </a:prstGeom>
+        </p:spPr>
+      </p:pic>
+      <p:pic>
+        <p:nvPicPr>
+          <p:cNvPr id="8" name="Picture 7"/>
+          <p:cNvPicPr>
+            <a:picLocks noChangeAspect="1"/>
+          </p:cNvPicPr>
+          <p:nvPr/>
+        </p:nvPicPr>
+        <p:blipFill>
+          <a:blip r:embed="rId4" cstate="print">
+            <a:extLst>
+              <a:ext uri="{28A0092B-C50C-407E-A947-70E740481C1C}">
+                <a14:useLocalDpi xmlns:a14="http://schemas.microsoft.com/office/drawing/2010/main" val="0"/>
+              </a:ext>
+            </a:extLst>
+          </a:blip>
+          <a:stretch>
+            <a:fillRect/>
+          </a:stretch>
+        </p:blipFill>
+        <p:spPr>
+          <a:xfrm>
+            <a:off x="9877" y="1828801"/>
+            <a:ext cx="4789136" cy="2349726"/>
+          </a:xfrm>
+          <a:prstGeom prst="rect">
+            <a:avLst/>
+          </a:prstGeom>
+        </p:spPr>
+      </p:pic>
+    </p:spTree>
+    <p:extLst>
+      <p:ext uri="{BB962C8B-B14F-4D97-AF65-F5344CB8AC3E}">
+        <p14:creationId xmlns:p14="http://schemas.microsoft.com/office/powerpoint/2010/main" val="3747307126"/>
+      </p:ext>
+    </p:extLst>
+  </p:cSld>
+  <p:clrMapOvr>
+    <a:masterClrMapping/>
+  </p:clrMapOvr>
+  <mc:AlternateContent xmlns:mc="http://schemas.openxmlformats.org/markup-compatibility/2006" xmlns:p14="http://schemas.microsoft.com/office/powerpoint/2010/main">
+    <mc:Choice Requires="p14">
+      <p:transition spd="med" p14:dur="700">
+        <p:fade/>
+      </p:transition>
+    </mc:Choice>
+    <mc:Fallback xmlns="">
+      <p:transition spd="med">
+        <p:fade/>
+      </p:transition>
+    </mc:Fallback>
+  </mc:AlternateContent>
+  <p:timing>
+    <p:tnLst>
+      <p:par>
+        <p:cTn id="1" dur="indefinite" restart="never" nodeType="tmRoot"/>
+      </p:par>
+    </p:tnLst>
+  </p:timing>
+</p:sld>
+</file>
+
+<file path=ppt/slides/slide7.xml><?xml version="1.0" encoding="utf-8"?>
+<p:sld xmlns:a="http://schemas.openxmlformats.org/drawingml/2006/main" xmlns:r="http://schemas.openxmlformats.org/officeDocument/2006/relationships" xmlns:p="http://schemas.openxmlformats.org/presentationml/2006/main">
+  <p:cSld>
+    <p:spTree>
+      <p:nvGrpSpPr>
+        <p:cNvPr id="1" name=""/>
+        <p:cNvGrpSpPr/>
+        <p:nvPr/>
+      </p:nvGrpSpPr>
+      <p:grpSpPr>
+        <a:xfrm>
+          <a:off x="0" y="0"/>
+          <a:ext cx="0" cy="0"/>
+          <a:chOff x="0" y="0"/>
+          <a:chExt cx="0" cy="0"/>
+        </a:xfrm>
+      </p:grpSpPr>
+      <p:sp>
+        <p:nvSpPr>
+          <p:cNvPr id="3" name="Rectangle 2"/>
+          <p:cNvSpPr/>
+          <p:nvPr/>
+        </p:nvSpPr>
+        <p:spPr>
+          <a:xfrm>
+            <a:off x="1674812" y="1258584"/>
+            <a:ext cx="8382000" cy="570216"/>
+          </a:xfrm>
+          <a:prstGeom prst="rect">
+            <a:avLst/>
+          </a:prstGeom>
+          <a:solidFill>
+            <a:schemeClr val="bg1"/>
+          </a:solidFill>
+          <a:ln>
+            <a:noFill/>
+          </a:ln>
+        </p:spPr>
+        <p:style>
+          <a:lnRef idx="2">
+            <a:schemeClr val="accent1">
+              <a:shade val="50000"/>
+            </a:schemeClr>
+          </a:lnRef>
+          <a:fillRef idx="1">
+            <a:schemeClr val="accent1"/>
+          </a:fillRef>
+          <a:effectRef idx="0">
+            <a:schemeClr val="accent1"/>
+          </a:effectRef>
+          <a:fontRef idx="minor">
+            <a:schemeClr val="lt1"/>
+          </a:fontRef>
+        </p:style>
+        <p:txBody>
+          <a:bodyPr rtlCol="0" anchor="ctr"/>
+          <a:lstStyle/>
+          <a:p>
+            <a:pPr algn="ctr"/>
+            <a:endParaRPr lang="en-US"/>
+          </a:p>
+        </p:txBody>
+      </p:sp>
+      <p:sp>
+        <p:nvSpPr>
+          <p:cNvPr id="2" name="Title 1"/>
+          <p:cNvSpPr>
+            <a:spLocks noGrp="1"/>
+          </p:cNvSpPr>
+          <p:nvPr>
+            <p:ph type="title"/>
+          </p:nvPr>
+        </p:nvSpPr>
         <p:spPr>
           <a:xfrm>
             <a:off x="-1" y="35611"/>
@@ -8628,10 +9551,10 @@
           <a:lstStyle/>
           <a:p>
             <a:r>
-              <a:rPr lang="en-US" sz="1200"/>
+              <a:rPr lang="en-US" dirty="0"/>
               <a:t>04/15/2016</a:t>
             </a:r>
-            <a:endParaRPr lang="en-US" sz="1200" dirty="0"/>
+            <a:endParaRPr lang="en-US" dirty="0"/>
           </a:p>
         </p:txBody>
       </p:sp>
@@ -8651,10 +9574,9 @@
           <a:lstStyle/>
           <a:p>
             <a:r>
-              <a:rPr lang="en-US" sz="1200"/>
+              <a:rPr lang="en-US" dirty="0"/>
               <a:t>CS499 Team Hotspotter</a:t>
             </a:r>
-            <a:endParaRPr lang="en-US" sz="1200" dirty="0"/>
           </a:p>
         </p:txBody>
       </p:sp>
@@ -8674,10 +9596,10 @@
           <a:lstStyle/>
           <a:p>
             <a:fld id="{E5FD5434-F838-4DD4-A17B-1CB1A1850DF4}" type="slidenum">
-              <a:rPr lang="en-US" smtClean="0"/>
-              <a:t>5</a:t>
+              <a:rPr lang="en-US" sz="1050" smtClean="0"/>
+              <a:t>7</a:t>
             </a:fld>
-            <a:endParaRPr lang="en-US"/>
+            <a:endParaRPr lang="en-US" sz="1050" dirty="0"/>
           </a:p>
         </p:txBody>
       </p:sp>
@@ -8703,7 +9625,7 @@
         </p:blipFill>
         <p:spPr>
           <a:xfrm>
-            <a:off x="1762632" y="1238990"/>
+            <a:off x="1839713" y="1226077"/>
             <a:ext cx="7628741" cy="5366427"/>
           </a:xfrm>
           <a:prstGeom prst="rect">
@@ -8855,375 +9777,6 @@
 </p:sld>
 </file>
 
-<file path=ppt/slides/slide6.xml><?xml version="1.0" encoding="utf-8"?>
-<p:sld xmlns:a="http://schemas.openxmlformats.org/drawingml/2006/main" xmlns:r="http://schemas.openxmlformats.org/officeDocument/2006/relationships" xmlns:p="http://schemas.openxmlformats.org/presentationml/2006/main">
-  <p:cSld>
-    <p:spTree>
-      <p:nvGrpSpPr>
-        <p:cNvPr id="1" name=""/>
-        <p:cNvGrpSpPr/>
-        <p:nvPr/>
-      </p:nvGrpSpPr>
-      <p:grpSpPr>
-        <a:xfrm>
-          <a:off x="0" y="0"/>
-          <a:ext cx="0" cy="0"/>
-          <a:chOff x="0" y="0"/>
-          <a:chExt cx="0" cy="0"/>
-        </a:xfrm>
-      </p:grpSpPr>
-      <p:sp>
-        <p:nvSpPr>
-          <p:cNvPr id="2" name="Title 1"/>
-          <p:cNvSpPr>
-            <a:spLocks noGrp="1"/>
-          </p:cNvSpPr>
-          <p:nvPr>
-            <p:ph type="title"/>
-          </p:nvPr>
-        </p:nvSpPr>
-        <p:spPr>
-          <a:xfrm>
-            <a:off x="-1" y="284176"/>
-            <a:ext cx="12188825" cy="1508760"/>
-          </a:xfrm>
-        </p:spPr>
-        <p:txBody>
-          <a:bodyPr/>
-          <a:lstStyle/>
-          <a:p>
-            <a:pPr algn="ctr"/>
-            <a:r>
-              <a:rPr lang="en-US" dirty="0" smtClean="0"/>
-              <a:t>Project Capabilities</a:t>
-            </a:r>
-            <a:endParaRPr lang="en-US" dirty="0"/>
-          </a:p>
-        </p:txBody>
-      </p:sp>
-      <p:sp>
-        <p:nvSpPr>
-          <p:cNvPr id="5" name="Date Placeholder 4"/>
-          <p:cNvSpPr>
-            <a:spLocks noGrp="1"/>
-          </p:cNvSpPr>
-          <p:nvPr>
-            <p:ph type="dt" sz="half" idx="10"/>
-          </p:nvPr>
-        </p:nvSpPr>
-        <p:spPr/>
-        <p:txBody>
-          <a:bodyPr/>
-          <a:lstStyle/>
-          <a:p>
-            <a:r>
-              <a:rPr lang="en-US"/>
-              <a:t>04/15/2016</a:t>
-            </a:r>
-          </a:p>
-        </p:txBody>
-      </p:sp>
-      <p:sp>
-        <p:nvSpPr>
-          <p:cNvPr id="6" name="Footer Placeholder 5"/>
-          <p:cNvSpPr>
-            <a:spLocks noGrp="1"/>
-          </p:cNvSpPr>
-          <p:nvPr>
-            <p:ph type="ftr" sz="quarter" idx="11"/>
-          </p:nvPr>
-        </p:nvSpPr>
-        <p:spPr/>
-        <p:txBody>
-          <a:bodyPr/>
-          <a:lstStyle/>
-          <a:p>
-            <a:r>
-              <a:rPr lang="en-US"/>
-              <a:t>CS499 Team Hotspotter</a:t>
-            </a:r>
-          </a:p>
-        </p:txBody>
-      </p:sp>
-      <p:sp>
-        <p:nvSpPr>
-          <p:cNvPr id="7" name="Slide Number Placeholder 6"/>
-          <p:cNvSpPr>
-            <a:spLocks noGrp="1"/>
-          </p:cNvSpPr>
-          <p:nvPr>
-            <p:ph type="sldNum" sz="quarter" idx="12"/>
-          </p:nvPr>
-        </p:nvSpPr>
-        <p:spPr/>
-        <p:txBody>
-          <a:bodyPr/>
-          <a:lstStyle/>
-          <a:p>
-            <a:fld id="{E5FD5434-F838-4DD4-A17B-1CB1A1850DF4}" type="slidenum">
-              <a:rPr lang="en-US" smtClean="0"/>
-              <a:pPr/>
-              <a:t>6</a:t>
-            </a:fld>
-            <a:endParaRPr lang="en-US"/>
-          </a:p>
-        </p:txBody>
-      </p:sp>
-      <p:sp>
-        <p:nvSpPr>
-          <p:cNvPr id="12" name="TextBox 11"/>
-          <p:cNvSpPr txBox="1"/>
-          <p:nvPr/>
-        </p:nvSpPr>
-        <p:spPr>
-          <a:xfrm>
-            <a:off x="2055812" y="2438400"/>
-            <a:ext cx="8379351" cy="2554545"/>
-          </a:xfrm>
-          <a:prstGeom prst="rect">
-            <a:avLst/>
-          </a:prstGeom>
-          <a:noFill/>
-        </p:spPr>
-        <p:txBody>
-          <a:bodyPr wrap="square" rtlCol="0">
-            <a:spAutoFit/>
-          </a:bodyPr>
-          <a:lstStyle/>
-          <a:p>
-            <a:pPr marL="342900" indent="-342900">
-              <a:buFont typeface="Arial"/>
-              <a:buChar char="•"/>
-            </a:pPr>
-            <a:r>
-              <a:rPr lang="en-US" sz="4000" dirty="0"/>
-              <a:t>Clone a public git based repository</a:t>
-            </a:r>
-          </a:p>
-          <a:p>
-            <a:pPr marL="342900" indent="-342900">
-              <a:buFont typeface="Arial"/>
-              <a:buChar char="•"/>
-            </a:pPr>
-            <a:r>
-              <a:rPr lang="en-US" sz="4000" dirty="0"/>
-              <a:t>Run metrics </a:t>
-            </a:r>
-            <a:r>
-              <a:rPr lang="en-US" sz="4000" dirty="0" smtClean="0"/>
-              <a:t>on </a:t>
-            </a:r>
-            <a:r>
-              <a:rPr lang="en-US" sz="4000" dirty="0"/>
-              <a:t>cloned repository</a:t>
-            </a:r>
-          </a:p>
-          <a:p>
-            <a:pPr marL="342900" indent="-342900">
-              <a:buFont typeface="Arial"/>
-              <a:buChar char="•"/>
-            </a:pPr>
-            <a:r>
-              <a:rPr lang="en-US" sz="4000" dirty="0"/>
-              <a:t>Create graph of </a:t>
-            </a:r>
-            <a:r>
-              <a:rPr lang="en-US" sz="4000" dirty="0" smtClean="0"/>
-              <a:t>metrics</a:t>
-            </a:r>
-            <a:endParaRPr lang="en-US" sz="4000" dirty="0"/>
-          </a:p>
-          <a:p>
-            <a:pPr marL="342900" indent="-342900">
-              <a:buFont typeface="Arial"/>
-              <a:buChar char="•"/>
-            </a:pPr>
-            <a:r>
-              <a:rPr lang="en-US" sz="4000" dirty="0"/>
-              <a:t>Export </a:t>
-            </a:r>
-            <a:r>
-              <a:rPr lang="en-US" sz="4000" dirty="0" smtClean="0"/>
-              <a:t>data to </a:t>
-            </a:r>
-            <a:r>
-              <a:rPr lang="en-US" sz="4000" dirty="0"/>
-              <a:t>a CSV file</a:t>
-            </a:r>
-          </a:p>
-        </p:txBody>
-      </p:sp>
-    </p:spTree>
-    <p:extLst>
-      <p:ext uri="{BB962C8B-B14F-4D97-AF65-F5344CB8AC3E}">
-        <p14:creationId xmlns:p14="http://schemas.microsoft.com/office/powerpoint/2010/main" val="2128315463"/>
-      </p:ext>
-    </p:extLst>
-  </p:cSld>
-  <p:clrMapOvr>
-    <a:masterClrMapping/>
-  </p:clrMapOvr>
-  <mc:AlternateContent xmlns:mc="http://schemas.openxmlformats.org/markup-compatibility/2006" xmlns:p14="http://schemas.microsoft.com/office/powerpoint/2010/main">
-    <mc:Choice Requires="p14">
-      <p:transition spd="med" p14:dur="700">
-        <p:fade/>
-      </p:transition>
-    </mc:Choice>
-    <mc:Fallback xmlns="">
-      <p:transition spd="med">
-        <p:fade/>
-      </p:transition>
-    </mc:Fallback>
-  </mc:AlternateContent>
-</p:sld>
-</file>
-
-<file path=ppt/slides/slide7.xml><?xml version="1.0" encoding="utf-8"?>
-<p:sld xmlns:a="http://schemas.openxmlformats.org/drawingml/2006/main" xmlns:r="http://schemas.openxmlformats.org/officeDocument/2006/relationships" xmlns:p="http://schemas.openxmlformats.org/presentationml/2006/main">
-  <p:cSld>
-    <p:spTree>
-      <p:nvGrpSpPr>
-        <p:cNvPr id="1" name=""/>
-        <p:cNvGrpSpPr/>
-        <p:nvPr/>
-      </p:nvGrpSpPr>
-      <p:grpSpPr>
-        <a:xfrm>
-          <a:off x="0" y="0"/>
-          <a:ext cx="0" cy="0"/>
-          <a:chOff x="0" y="0"/>
-          <a:chExt cx="0" cy="0"/>
-        </a:xfrm>
-      </p:grpSpPr>
-      <p:sp>
-        <p:nvSpPr>
-          <p:cNvPr id="2" name="Title 1"/>
-          <p:cNvSpPr>
-            <a:spLocks noGrp="1"/>
-          </p:cNvSpPr>
-          <p:nvPr>
-            <p:ph type="title"/>
-          </p:nvPr>
-        </p:nvSpPr>
-        <p:spPr>
-          <a:xfrm rot="1518443">
-            <a:off x="-25458" y="2571527"/>
-            <a:ext cx="12341374" cy="1508760"/>
-          </a:xfrm>
-        </p:spPr>
-        <p:txBody>
-          <a:bodyPr/>
-          <a:lstStyle/>
-          <a:p>
-            <a:r>
-              <a:rPr lang="en-US" dirty="0"/>
-              <a:t>DEMO DEMO </a:t>
-            </a:r>
-            <a:r>
-              <a:rPr lang="en-US" dirty="0">
-                <a:solidFill>
-                  <a:schemeClr val="tx1"/>
-                </a:solidFill>
-              </a:rPr>
-              <a:t>DEMO DEMO DEMO DEMO DEMO DEMO</a:t>
-            </a:r>
-          </a:p>
-        </p:txBody>
-      </p:sp>
-      <p:sp>
-        <p:nvSpPr>
-          <p:cNvPr id="5" name="Date Placeholder 4"/>
-          <p:cNvSpPr>
-            <a:spLocks noGrp="1"/>
-          </p:cNvSpPr>
-          <p:nvPr>
-            <p:ph type="dt" sz="half" idx="10"/>
-          </p:nvPr>
-        </p:nvSpPr>
-        <p:spPr/>
-        <p:txBody>
-          <a:bodyPr/>
-          <a:lstStyle/>
-          <a:p>
-            <a:r>
-              <a:rPr lang="en-US"/>
-              <a:t>04/15/2016</a:t>
-            </a:r>
-            <a:endParaRPr lang="en-US" dirty="0"/>
-          </a:p>
-        </p:txBody>
-      </p:sp>
-      <p:sp>
-        <p:nvSpPr>
-          <p:cNvPr id="6" name="Footer Placeholder 5"/>
-          <p:cNvSpPr>
-            <a:spLocks noGrp="1"/>
-          </p:cNvSpPr>
-          <p:nvPr>
-            <p:ph type="ftr" sz="quarter" idx="11"/>
-          </p:nvPr>
-        </p:nvSpPr>
-        <p:spPr/>
-        <p:txBody>
-          <a:bodyPr/>
-          <a:lstStyle/>
-          <a:p>
-            <a:r>
-              <a:rPr lang="en-US"/>
-              <a:t>CS499 Team Hotspotter</a:t>
-            </a:r>
-          </a:p>
-        </p:txBody>
-      </p:sp>
-      <p:sp>
-        <p:nvSpPr>
-          <p:cNvPr id="7" name="Slide Number Placeholder 6"/>
-          <p:cNvSpPr>
-            <a:spLocks noGrp="1"/>
-          </p:cNvSpPr>
-          <p:nvPr>
-            <p:ph type="sldNum" sz="quarter" idx="12"/>
-          </p:nvPr>
-        </p:nvSpPr>
-        <p:spPr/>
-        <p:txBody>
-          <a:bodyPr/>
-          <a:lstStyle/>
-          <a:p>
-            <a:fld id="{E5FD5434-F838-4DD4-A17B-1CB1A1850DF4}" type="slidenum">
-              <a:rPr lang="en-US" smtClean="0"/>
-              <a:pPr/>
-              <a:t>7</a:t>
-            </a:fld>
-            <a:endParaRPr lang="en-US"/>
-          </a:p>
-        </p:txBody>
-      </p:sp>
-    </p:spTree>
-    <p:extLst>
-      <p:ext uri="{BB962C8B-B14F-4D97-AF65-F5344CB8AC3E}">
-        <p14:creationId xmlns:p14="http://schemas.microsoft.com/office/powerpoint/2010/main" val="2920361429"/>
-      </p:ext>
-    </p:extLst>
-  </p:cSld>
-  <p:clrMapOvr>
-    <a:masterClrMapping/>
-  </p:clrMapOvr>
-  <mc:AlternateContent xmlns:mc="http://schemas.openxmlformats.org/markup-compatibility/2006" xmlns:p14="http://schemas.microsoft.com/office/powerpoint/2010/main">
-    <mc:Choice Requires="p14">
-      <p:transition spd="med" p14:dur="700">
-        <p:fade/>
-      </p:transition>
-    </mc:Choice>
-    <mc:Fallback xmlns="">
-      <p:transition spd="med">
-        <p:fade/>
-      </p:transition>
-    </mc:Fallback>
-  </mc:AlternateContent>
-</p:sld>
-</file>
-
 <file path=ppt/slides/slide8.xml><?xml version="1.0" encoding="utf-8"?>
 <p:sld xmlns:a="http://schemas.openxmlformats.org/drawingml/2006/main" xmlns:r="http://schemas.openxmlformats.org/officeDocument/2006/relationships" xmlns:p="http://schemas.openxmlformats.org/presentationml/2006/main">
   <p:cSld>
@@ -9264,7 +9817,7 @@
             <a:pPr algn="ctr"/>
             <a:r>
               <a:rPr lang="en-US" dirty="0" smtClean="0"/>
-              <a:t>Team Velocity</a:t>
+              <a:t>Project Capabilities</a:t>
             </a:r>
             <a:endParaRPr lang="en-US" dirty="0"/>
           </a:p>
@@ -9272,7 +9825,7 @@
       </p:sp>
       <p:sp>
         <p:nvSpPr>
-          <p:cNvPr id="4" name="Date Placeholder 3"/>
+          <p:cNvPr id="5" name="Date Placeholder 4"/>
           <p:cNvSpPr>
             <a:spLocks noGrp="1"/>
           </p:cNvSpPr>
@@ -9286,16 +9839,16 @@
           <a:lstStyle/>
           <a:p>
             <a:r>
-              <a:rPr lang="en-US" sz="1200"/>
+              <a:rPr lang="en-US" smtClean="0"/>
               <a:t>04/15/2016</a:t>
             </a:r>
-            <a:endParaRPr lang="en-US" sz="1200" dirty="0"/>
-          </a:p>
-        </p:txBody>
-      </p:sp>
-      <p:sp>
-        <p:nvSpPr>
-          <p:cNvPr id="5" name="Footer Placeholder 4"/>
+            <a:endParaRPr lang="en-US"/>
+          </a:p>
+        </p:txBody>
+      </p:sp>
+      <p:sp>
+        <p:nvSpPr>
+          <p:cNvPr id="6" name="Footer Placeholder 5"/>
           <p:cNvSpPr>
             <a:spLocks noGrp="1"/>
           </p:cNvSpPr>
@@ -9309,16 +9862,15 @@
           <a:lstStyle/>
           <a:p>
             <a:r>
-              <a:rPr lang="en-US" sz="1200"/>
+              <a:rPr lang="en-US"/>
               <a:t>CS499 Team Hotspotter</a:t>
             </a:r>
-            <a:endParaRPr lang="en-US" sz="1200" dirty="0"/>
-          </a:p>
-        </p:txBody>
-      </p:sp>
-      <p:sp>
-        <p:nvSpPr>
-          <p:cNvPr id="6" name="Slide Number Placeholder 5"/>
+          </a:p>
+        </p:txBody>
+      </p:sp>
+      <p:sp>
+        <p:nvSpPr>
+          <p:cNvPr id="7" name="Slide Number Placeholder 6"/>
           <p:cNvSpPr>
             <a:spLocks noGrp="1"/>
           </p:cNvSpPr>
@@ -9333,41 +9885,101 @@
           <a:p>
             <a:fld id="{E5FD5434-F838-4DD4-A17B-1CB1A1850DF4}" type="slidenum">
               <a:rPr lang="en-US" smtClean="0"/>
+              <a:pPr/>
               <a:t>8</a:t>
             </a:fld>
             <a:endParaRPr lang="en-US"/>
           </a:p>
         </p:txBody>
       </p:sp>
-      <p:graphicFrame>
-        <p:nvGraphicFramePr>
-          <p:cNvPr id="7" name="Content Placeholder 6"/>
-          <p:cNvGraphicFramePr>
-            <a:graphicFrameLocks noGrp="1"/>
-          </p:cNvGraphicFramePr>
-          <p:nvPr>
-            <p:ph idx="1"/>
-            <p:extLst>
-              <p:ext uri="{D42A27DB-BD31-4B8C-83A1-F6EECF244321}">
-                <p14:modId xmlns:p14="http://schemas.microsoft.com/office/powerpoint/2010/main" val="57911693"/>
-              </p:ext>
-            </p:extLst>
-          </p:nvPr>
-        </p:nvGraphicFramePr>
-        <p:xfrm>
-          <a:off x="893950" y="1752600"/>
-          <a:ext cx="10398844" cy="4680111"/>
-        </p:xfrm>
-        <a:graphic>
-          <a:graphicData uri="http://schemas.openxmlformats.org/drawingml/2006/chart">
-            <c:chart xmlns:c="http://schemas.openxmlformats.org/drawingml/2006/chart" xmlns:r="http://schemas.openxmlformats.org/officeDocument/2006/relationships" r:id="rId2"/>
-          </a:graphicData>
-        </a:graphic>
-      </p:graphicFrame>
+      <p:sp>
+        <p:nvSpPr>
+          <p:cNvPr id="12" name="TextBox 11"/>
+          <p:cNvSpPr txBox="1"/>
+          <p:nvPr/>
+        </p:nvSpPr>
+        <p:spPr>
+          <a:xfrm>
+            <a:off x="2055812" y="2438400"/>
+            <a:ext cx="8379351" cy="2554545"/>
+          </a:xfrm>
+          <a:prstGeom prst="rect">
+            <a:avLst/>
+          </a:prstGeom>
+          <a:noFill/>
+        </p:spPr>
+        <p:txBody>
+          <a:bodyPr wrap="square" rtlCol="0">
+            <a:spAutoFit/>
+          </a:bodyPr>
+          <a:lstStyle/>
+          <a:p>
+            <a:pPr marL="342900" indent="-342900">
+              <a:buFont typeface="Arial"/>
+              <a:buChar char="•"/>
+            </a:pPr>
+            <a:r>
+              <a:rPr lang="en-US" sz="4000" dirty="0"/>
+              <a:t>Clone a public git based repository</a:t>
+            </a:r>
+          </a:p>
+          <a:p>
+            <a:pPr marL="342900" indent="-342900">
+              <a:buFont typeface="Arial"/>
+              <a:buChar char="•"/>
+            </a:pPr>
+            <a:r>
+              <a:rPr lang="en-US" sz="4000" dirty="0"/>
+              <a:t>Run metrics </a:t>
+            </a:r>
+            <a:r>
+              <a:rPr lang="en-US" sz="4000" dirty="0" smtClean="0"/>
+              <a:t>on </a:t>
+            </a:r>
+            <a:r>
+              <a:rPr lang="en-US" sz="4000" dirty="0"/>
+              <a:t>cloned repository</a:t>
+            </a:r>
+          </a:p>
+          <a:p>
+            <a:pPr marL="342900" indent="-342900">
+              <a:buFont typeface="Arial"/>
+              <a:buChar char="•"/>
+            </a:pPr>
+            <a:r>
+              <a:rPr lang="en-US" sz="4000" dirty="0"/>
+              <a:t>Create graph of </a:t>
+            </a:r>
+            <a:r>
+              <a:rPr lang="en-US" sz="4000" dirty="0" smtClean="0"/>
+              <a:t>metrics</a:t>
+            </a:r>
+            <a:endParaRPr lang="en-US" sz="4000" dirty="0"/>
+          </a:p>
+          <a:p>
+            <a:pPr marL="342900" indent="-342900">
+              <a:buFont typeface="Arial"/>
+              <a:buChar char="•"/>
+            </a:pPr>
+            <a:r>
+              <a:rPr lang="en-US" sz="4000" dirty="0"/>
+              <a:t>Export </a:t>
+            </a:r>
+            <a:r>
+              <a:rPr lang="en-US" sz="4000" dirty="0" smtClean="0"/>
+              <a:t>data to </a:t>
+            </a:r>
+            <a:r>
+              <a:rPr lang="en-US" sz="4000" dirty="0"/>
+              <a:t>a CSV file</a:t>
+            </a:r>
+          </a:p>
+        </p:txBody>
+      </p:sp>
     </p:spTree>
     <p:extLst>
       <p:ext uri="{BB962C8B-B14F-4D97-AF65-F5344CB8AC3E}">
-        <p14:creationId xmlns:p14="http://schemas.microsoft.com/office/powerpoint/2010/main" val="1364081688"/>
+        <p14:creationId xmlns:p14="http://schemas.microsoft.com/office/powerpoint/2010/main" val="2128315463"/>
       </p:ext>
     </p:extLst>
   </p:cSld>
@@ -9417,23 +10029,48 @@
           </p:nvPr>
         </p:nvSpPr>
         <p:spPr>
-          <a:xfrm>
-            <a:off x="-1" y="284176"/>
-            <a:ext cx="12188825" cy="1508760"/>
+          <a:xfrm rot="1518443">
+            <a:off x="-25458" y="2571527"/>
+            <a:ext cx="12341374" cy="1508760"/>
           </a:xfrm>
         </p:spPr>
         <p:txBody>
           <a:bodyPr/>
           <a:lstStyle/>
           <a:p>
-            <a:pPr algn="ctr"/>
             <a:r>
               <a:rPr lang="en-US" dirty="0"/>
-              <a:t>Team </a:t>
-            </a:r>
+              <a:t>DEMO DEMO </a:t>
+            </a:r>
+            <a:r>
+              <a:rPr lang="en-US" dirty="0">
+                <a:solidFill>
+                  <a:schemeClr val="tx1"/>
+                </a:solidFill>
+              </a:rPr>
+              <a:t>DEMO DEMO DEMO DEMO DEMO DEMO</a:t>
+            </a:r>
+          </a:p>
+        </p:txBody>
+      </p:sp>
+      <p:sp>
+        <p:nvSpPr>
+          <p:cNvPr id="5" name="Date Placeholder 4"/>
+          <p:cNvSpPr>
+            <a:spLocks noGrp="1"/>
+          </p:cNvSpPr>
+          <p:nvPr>
+            <p:ph type="dt" sz="half" idx="10"/>
+          </p:nvPr>
+        </p:nvSpPr>
+        <p:spPr/>
+        <p:txBody>
+          <a:bodyPr/>
+          <a:lstStyle/>
+          <a:p>
             <a:r>
               <a:rPr lang="en-US" dirty="0" smtClean="0"/>
-              <a:t>Burndown</a:t>
+              <a:t>04/15/2016</a:t>
             </a:r>
             <a:endParaRPr lang="en-US" dirty="0"/>
           </a:p>
@@ -9441,12 +10078,12 @@
       </p:sp>
       <p:sp>
         <p:nvSpPr>
-          <p:cNvPr id="4" name="Date Placeholder 3"/>
-          <p:cNvSpPr>
-            <a:spLocks noGrp="1"/>
-          </p:cNvSpPr>
-          <p:nvPr>
-            <p:ph type="dt" sz="half" idx="10"/>
+          <p:cNvPr id="6" name="Footer Placeholder 5"/>
+          <p:cNvSpPr>
+            <a:spLocks noGrp="1"/>
+          </p:cNvSpPr>
+          <p:nvPr>
+            <p:ph type="ftr" sz="quarter" idx="11"/>
           </p:nvPr>
         </p:nvSpPr>
         <p:spPr/>
@@ -9455,38 +10092,15 @@
           <a:lstStyle/>
           <a:p>
             <a:r>
-              <a:rPr lang="en-US" sz="1200" dirty="0"/>
-              <a:t>04/15/2016</a:t>
-            </a:r>
-          </a:p>
-        </p:txBody>
-      </p:sp>
-      <p:sp>
-        <p:nvSpPr>
-          <p:cNvPr id="5" name="Footer Placeholder 4"/>
-          <p:cNvSpPr>
-            <a:spLocks noGrp="1"/>
-          </p:cNvSpPr>
-          <p:nvPr>
-            <p:ph type="ftr" sz="quarter" idx="11"/>
-          </p:nvPr>
-        </p:nvSpPr>
-        <p:spPr/>
-        <p:txBody>
-          <a:bodyPr/>
-          <a:lstStyle/>
-          <a:p>
-            <a:r>
-              <a:rPr lang="en-US" sz="1200"/>
+              <a:rPr lang="en-US"/>
               <a:t>CS499 Team Hotspotter</a:t>
             </a:r>
-            <a:endParaRPr lang="en-US" sz="1200" dirty="0"/>
-          </a:p>
-        </p:txBody>
-      </p:sp>
-      <p:sp>
-        <p:nvSpPr>
-          <p:cNvPr id="6" name="Slide Number Placeholder 5"/>
+          </a:p>
+        </p:txBody>
+      </p:sp>
+      <p:sp>
+        <p:nvSpPr>
+          <p:cNvPr id="7" name="Slide Number Placeholder 6"/>
           <p:cNvSpPr>
             <a:spLocks noGrp="1"/>
           </p:cNvSpPr>
@@ -9501,41 +10115,17 @@
           <a:p>
             <a:fld id="{E5FD5434-F838-4DD4-A17B-1CB1A1850DF4}" type="slidenum">
               <a:rPr lang="en-US" smtClean="0"/>
+              <a:pPr/>
               <a:t>9</a:t>
             </a:fld>
             <a:endParaRPr lang="en-US"/>
           </a:p>
         </p:txBody>
       </p:sp>
-      <p:graphicFrame>
-        <p:nvGraphicFramePr>
-          <p:cNvPr id="8" name="Content Placeholder 7"/>
-          <p:cNvGraphicFramePr>
-            <a:graphicFrameLocks noGrp="1"/>
-          </p:cNvGraphicFramePr>
-          <p:nvPr>
-            <p:ph idx="1"/>
-            <p:extLst>
-              <p:ext uri="{D42A27DB-BD31-4B8C-83A1-F6EECF244321}">
-                <p14:modId xmlns:p14="http://schemas.microsoft.com/office/powerpoint/2010/main" val="1503173150"/>
-              </p:ext>
-            </p:extLst>
-          </p:nvPr>
-        </p:nvGraphicFramePr>
-        <p:xfrm>
-          <a:off x="0" y="1828800"/>
-          <a:ext cx="12114212" cy="4517855"/>
-        </p:xfrm>
-        <a:graphic>
-          <a:graphicData uri="http://schemas.openxmlformats.org/drawingml/2006/chart">
-            <c:chart xmlns:c="http://schemas.openxmlformats.org/drawingml/2006/chart" xmlns:r="http://schemas.openxmlformats.org/officeDocument/2006/relationships" r:id="rId2"/>
-          </a:graphicData>
-        </a:graphic>
-      </p:graphicFrame>
     </p:spTree>
     <p:extLst>
       <p:ext uri="{BB962C8B-B14F-4D97-AF65-F5344CB8AC3E}">
-        <p14:creationId xmlns:p14="http://schemas.microsoft.com/office/powerpoint/2010/main" val="2985966692"/>
+        <p14:creationId xmlns:p14="http://schemas.microsoft.com/office/powerpoint/2010/main" val="2920361429"/>
       </p:ext>
     </p:extLst>
   </p:cSld>

--- a/Documentation/Presentations/CS499 Final Presentation.pptx
+++ b/Documentation/Presentations/CS499 Final Presentation.pptx
@@ -15,11 +15,11 @@
     <p:sldId id="285" r:id="rId4"/>
     <p:sldId id="280" r:id="rId5"/>
     <p:sldId id="284" r:id="rId6"/>
-    <p:sldId id="286" r:id="rId7"/>
-    <p:sldId id="287" r:id="rId8"/>
-    <p:sldId id="266" r:id="rId9"/>
-    <p:sldId id="282" r:id="rId10"/>
-    <p:sldId id="281" r:id="rId11"/>
+    <p:sldId id="282" r:id="rId7"/>
+    <p:sldId id="266" r:id="rId8"/>
+    <p:sldId id="281" r:id="rId9"/>
+    <p:sldId id="286" r:id="rId10"/>
+    <p:sldId id="287" r:id="rId11"/>
     <p:sldId id="270" r:id="rId12"/>
     <p:sldId id="283" r:id="rId13"/>
     <p:sldId id="271" r:id="rId14"/>
@@ -211,7 +211,7 @@
 </file>
 
 <file path=ppt/charts/chart1.xml><?xml version="1.0" encoding="utf-8"?>
-<c:chartSpace xmlns:c="http://schemas.openxmlformats.org/drawingml/2006/chart" xmlns:a="http://schemas.openxmlformats.org/drawingml/2006/main" xmlns:r="http://schemas.openxmlformats.org/officeDocument/2006/relationships">
+<c:chartSpace xmlns:c="http://schemas.openxmlformats.org/drawingml/2006/chart" xmlns:a="http://schemas.openxmlformats.org/drawingml/2006/main" xmlns:r="http://schemas.openxmlformats.org/officeDocument/2006/relationships" xmlns:c16r2="http://schemas.microsoft.com/office/drawing/2015/06/chart">
   <c:date1904 val="0"/>
   <c:lang val="en-US"/>
   <c:roundedCorners val="0"/>
@@ -403,7 +403,7 @@
               </c:numCache>
             </c:numRef>
           </c:val>
-          <c:extLst xmlns:c16r2="http://schemas.microsoft.com/office/drawing/2015/06/chart">
+          <c:extLst>
             <c:ext xmlns:c16="http://schemas.microsoft.com/office/drawing/2014/chart" uri="{C3380CC4-5D6E-409C-BE32-E72D297353CC}">
               <c16:uniqueId val="{00000000-C998-45E2-B113-3A76F2ADAB4D}"/>
             </c:ext>
@@ -575,10 +575,10 @@
                   <c:v>16</c:v>
                 </c:pt>
                 <c:pt idx="19">
-                  <c:v>0</c:v>
+                  <c:v>6</c:v>
                 </c:pt>
                 <c:pt idx="20">
-                  <c:v>0</c:v>
+                  <c:v>18</c:v>
                 </c:pt>
                 <c:pt idx="21">
                   <c:v>0</c:v>
@@ -589,7 +589,7 @@
               </c:numCache>
             </c:numRef>
           </c:val>
-          <c:extLst xmlns:c16r2="http://schemas.microsoft.com/office/drawing/2015/06/chart">
+          <c:extLst>
             <c:ext xmlns:c16="http://schemas.microsoft.com/office/drawing/2014/chart" uri="{C3380CC4-5D6E-409C-BE32-E72D297353CC}">
               <c16:uniqueId val="{00000001-C998-45E2-B113-3A76F2ADAB4D}"/>
             </c:ext>
@@ -651,7 +651,7 @@
                   <c:v>11.455</c:v>
                 </c:pt>
                 <c:pt idx="2">
-                  <c:v>13.936666666666669</c:v>
+                  <c:v>13.936666666666667</c:v>
                 </c:pt>
                 <c:pt idx="3">
                   <c:v>13.14</c:v>
@@ -660,16 +660,16 @@
                   <c:v>12.612</c:v>
                 </c:pt>
                 <c:pt idx="5">
-                  <c:v>12.521166666666669</c:v>
+                  <c:v>12.521166666666668</c:v>
                 </c:pt>
                 <c:pt idx="6">
-                  <c:v>14.73285714285714</c:v>
+                  <c:v>14.732857142857144</c:v>
                 </c:pt>
                 <c:pt idx="7">
                   <c:v>16.391249999999999</c:v>
                 </c:pt>
                 <c:pt idx="8">
-                  <c:v>17.01444444444445</c:v>
+                  <c:v>17.014444444444443</c:v>
                 </c:pt>
                 <c:pt idx="9">
                   <c:v>16.312999999999999</c:v>
@@ -678,13 +678,13 @@
                   <c:v>16.239090909090908</c:v>
                 </c:pt>
                 <c:pt idx="11">
-                  <c:v>16.84416666666667</c:v>
+                  <c:v>16.844166666666666</c:v>
                 </c:pt>
                 <c:pt idx="12">
-                  <c:v>17.317692307692312</c:v>
+                  <c:v>17.317692307692308</c:v>
                 </c:pt>
                 <c:pt idx="13">
-                  <c:v>16.937857142857151</c:v>
+                  <c:v>16.937857142857144</c:v>
                 </c:pt>
                 <c:pt idx="14">
                   <c:v>17.742000000000001</c:v>
@@ -699,25 +699,25 @@
                   <c:v>17.562777777777779</c:v>
                 </c:pt>
                 <c:pt idx="18">
-                  <c:v>17.480526315789469</c:v>
+                  <c:v>17.480526315789472</c:v>
                 </c:pt>
                 <c:pt idx="19">
-                  <c:v>16.6065</c:v>
+                  <c:v>16.906500000000001</c:v>
                 </c:pt>
                 <c:pt idx="20">
-                  <c:v>15.815714285714289</c:v>
+                  <c:v>16.958571428571428</c:v>
                 </c:pt>
                 <c:pt idx="21">
-                  <c:v>15.096818181818181</c:v>
+                  <c:v>16.187727272727273</c:v>
                 </c:pt>
                 <c:pt idx="22">
-                  <c:v>14.440434782608699</c:v>
+                  <c:v>15.48391304347826</c:v>
                 </c:pt>
               </c:numCache>
             </c:numRef>
           </c:val>
           <c:smooth val="0"/>
-          <c:extLst xmlns:c16r2="http://schemas.microsoft.com/office/drawing/2015/06/chart">
+          <c:extLst>
             <c:ext xmlns:c16="http://schemas.microsoft.com/office/drawing/2014/chart" uri="{C3380CC4-5D6E-409C-BE32-E72D297353CC}">
               <c16:uniqueId val="{00000002-C998-45E2-B113-3A76F2ADAB4D}"/>
             </c:ext>
@@ -1027,7 +1027,7 @@
 </file>
 
 <file path=ppt/charts/chart2.xml><?xml version="1.0" encoding="utf-8"?>
-<c:chartSpace xmlns:c="http://schemas.openxmlformats.org/drawingml/2006/chart" xmlns:a="http://schemas.openxmlformats.org/drawingml/2006/main" xmlns:r="http://schemas.openxmlformats.org/officeDocument/2006/relationships">
+<c:chartSpace xmlns:c="http://schemas.openxmlformats.org/drawingml/2006/chart" xmlns:a="http://schemas.openxmlformats.org/drawingml/2006/main" xmlns:r="http://schemas.openxmlformats.org/officeDocument/2006/relationships" xmlns:c16r2="http://schemas.microsoft.com/office/drawing/2015/06/chart">
   <c:date1904 val="0"/>
   <c:lang val="en-US"/>
   <c:roundedCorners val="0"/>
@@ -1048,11 +1048,11 @@
           <a:p>
             <a:pPr>
               <a:defRPr sz="1400" b="0" i="0" u="none" strike="noStrike" kern="1200" spc="0" baseline="0">
+                <a:ln w="3175">
+                  <a:noFill/>
+                </a:ln>
                 <a:solidFill>
-                  <a:schemeClr val="tx1">
-                    <a:lumMod val="65000"/>
-                    <a:lumOff val="35000"/>
-                  </a:schemeClr>
+                  <a:schemeClr val="tx1"/>
                 </a:solidFill>
                 <a:latin typeface="+mn-lt"/>
                 <a:ea typeface="+mn-ea"/>
@@ -1081,11 +1081,11 @@
         <a:p>
           <a:pPr>
             <a:defRPr sz="1400" b="0" i="0" u="none" strike="noStrike" kern="1200" spc="0" baseline="0">
+              <a:ln w="3175">
+                <a:noFill/>
+              </a:ln>
               <a:solidFill>
-                <a:schemeClr val="tx1">
-                  <a:lumMod val="65000"/>
-                  <a:lumOff val="35000"/>
-                </a:schemeClr>
+                <a:schemeClr val="tx1"/>
               </a:solidFill>
               <a:latin typeface="+mn-lt"/>
               <a:ea typeface="+mn-ea"/>
@@ -1121,7 +1121,7 @@
               <c:strCache>
                 <c:ptCount val="1"/>
                 <c:pt idx="0">
-                  <c:v>Actual</c:v>
+                  <c:v>Actual Estimated</c:v>
                 </c:pt>
               </c:strCache>
             </c:strRef>
@@ -1147,18 +1147,16 @@
               <a:effectLst/>
             </c:spPr>
             <c:txPr>
-              <a:bodyPr rot="0" spcFirstLastPara="1" vertOverflow="ellipsis" vert="horz" wrap="square" lIns="38100" tIns="19050" rIns="38100" bIns="19050" anchor="ctr" anchorCtr="1">
-                <a:spAutoFit/>
-              </a:bodyPr>
+              <a:bodyPr rot="0" spcFirstLastPara="1" vertOverflow="ellipsis" vert="horz" wrap="square" anchor="ctr" anchorCtr="1"/>
               <a:lstStyle/>
               <a:p>
                 <a:pPr>
                   <a:defRPr sz="900" b="0" i="0" u="none" strike="noStrike" kern="1200" baseline="0">
+                    <a:ln w="3175">
+                      <a:noFill/>
+                    </a:ln>
                     <a:solidFill>
-                      <a:schemeClr val="tx1">
-                        <a:lumMod val="75000"/>
-                        <a:lumOff val="25000"/>
-                      </a:schemeClr>
+                      <a:schemeClr val="tx1"/>
                     </a:solidFill>
                     <a:latin typeface="+mn-lt"/>
                     <a:ea typeface="+mn-ea"/>
@@ -1176,7 +1174,7 @@
             <c:showPercent val="0"/>
             <c:showBubbleSize val="0"/>
             <c:showLeaderLines val="0"/>
-            <c:extLst xmlns:c16r2="http://schemas.microsoft.com/office/drawing/2015/06/chart">
+            <c:extLst>
               <c:ext xmlns:c15="http://schemas.microsoft.com/office/drawing/2012/chart" uri="{CE6537A1-D6FC-4f65-9D91-7224C49458BB}">
                 <c15:layout/>
                 <c15:showLeaderLines val="1"/>
@@ -1246,31 +1244,37 @@
                   <c:v>250</c:v>
                 </c:pt>
                 <c:pt idx="1">
-                  <c:v>532</c:v>
+                  <c:v>506</c:v>
                 </c:pt>
                 <c:pt idx="2">
-                  <c:v>481</c:v>
+                  <c:v>462</c:v>
                 </c:pt>
                 <c:pt idx="3">
-                  <c:v>455.5</c:v>
+                  <c:v>413</c:v>
                 </c:pt>
                 <c:pt idx="4">
-                  <c:v>409</c:v>
+                  <c:v>362</c:v>
                 </c:pt>
                 <c:pt idx="5">
-                  <c:v>368</c:v>
+                  <c:v>252</c:v>
                 </c:pt>
                 <c:pt idx="6">
-                  <c:v>72</c:v>
+                  <c:v>194</c:v>
                 </c:pt>
                 <c:pt idx="7">
-                  <c:v>38</c:v>
+                  <c:v>134</c:v>
+                </c:pt>
+                <c:pt idx="8">
+                  <c:v>74</c:v>
+                </c:pt>
+                <c:pt idx="9">
+                  <c:v>0</c:v>
                 </c:pt>
               </c:numCache>
             </c:numRef>
           </c:val>
           <c:smooth val="0"/>
-          <c:extLst xmlns:c16r2="http://schemas.microsoft.com/office/drawing/2015/06/chart">
+          <c:extLst>
             <c:ext xmlns:c16="http://schemas.microsoft.com/office/drawing/2014/chart" uri="{C3380CC4-5D6E-409C-BE32-E72D297353CC}">
               <c16:uniqueId val="{00000000-7036-49FB-A3F7-6BDC1515C86F}"/>
             </c:ext>
@@ -1304,6 +1308,48 @@
             <c:symbol val="none"/>
           </c:marker>
           <c:dLbls>
+            <c:dLbl>
+              <c:idx val="5"/>
+              <c:spPr>
+                <a:noFill/>
+                <a:ln>
+                  <a:noFill/>
+                </a:ln>
+                <a:effectLst/>
+              </c:spPr>
+              <c:txPr>
+                <a:bodyPr rot="0" spcFirstLastPara="1" vertOverflow="ellipsis" vert="horz" wrap="square" anchor="ctr" anchorCtr="1"/>
+                <a:lstStyle/>
+                <a:p>
+                  <a:pPr>
+                    <a:defRPr sz="900" b="0" i="0" u="none" strike="noStrike" kern="1200" baseline="0">
+                      <a:ln w="3175">
+                        <a:noFill/>
+                      </a:ln>
+                      <a:solidFill>
+                        <a:schemeClr val="tx1"/>
+                      </a:solidFill>
+                      <a:latin typeface="+mn-lt"/>
+                      <a:ea typeface="+mn-ea"/>
+                      <a:cs typeface="+mn-cs"/>
+                    </a:defRPr>
+                  </a:pPr>
+                  <a:endParaRPr lang="en-US"/>
+                </a:p>
+              </c:txPr>
+              <c:dLblPos val="t"/>
+              <c:showLegendKey val="0"/>
+              <c:showVal val="1"/>
+              <c:showCatName val="0"/>
+              <c:showSerName val="0"/>
+              <c:showPercent val="0"/>
+              <c:showBubbleSize val="0"/>
+              <c:extLst>
+                <c:ext xmlns:c16="http://schemas.microsoft.com/office/drawing/2014/chart" uri="{C3380CC4-5D6E-409C-BE32-E72D297353CC}">
+                  <c16:uniqueId val="{00000000-2500-4A8D-B785-4468F25DBC69}"/>
+                </c:ext>
+              </c:extLst>
+            </c:dLbl>
             <c:spPr>
               <a:noFill/>
               <a:ln>
@@ -1312,18 +1358,16 @@
               <a:effectLst/>
             </c:spPr>
             <c:txPr>
-              <a:bodyPr rot="0" spcFirstLastPara="1" vertOverflow="ellipsis" vert="horz" wrap="square" lIns="38100" tIns="19050" rIns="38100" bIns="19050" anchor="ctr" anchorCtr="1">
-                <a:spAutoFit/>
-              </a:bodyPr>
+              <a:bodyPr rot="0" spcFirstLastPara="1" vertOverflow="ellipsis" vert="horz" wrap="square" anchor="ctr" anchorCtr="1"/>
               <a:lstStyle/>
               <a:p>
                 <a:pPr>
                   <a:defRPr sz="900" b="0" i="0" u="none" strike="noStrike" kern="1200" baseline="0">
+                    <a:ln w="3175">
+                      <a:noFill/>
+                    </a:ln>
                     <a:solidFill>
-                      <a:schemeClr val="tx1">
-                        <a:lumMod val="75000"/>
-                        <a:lumOff val="25000"/>
-                      </a:schemeClr>
+                      <a:schemeClr val="tx1"/>
                     </a:solidFill>
                     <a:latin typeface="+mn-lt"/>
                     <a:ea typeface="+mn-ea"/>
@@ -1341,7 +1385,7 @@
             <c:showPercent val="0"/>
             <c:showBubbleSize val="0"/>
             <c:showLeaderLines val="0"/>
-            <c:extLst xmlns:c16r2="http://schemas.microsoft.com/office/drawing/2015/06/chart">
+            <c:extLst>
               <c:ext xmlns:c15="http://schemas.microsoft.com/office/drawing/2012/chart" uri="{CE6537A1-D6FC-4f65-9D91-7224C49458BB}">
                 <c15:layout/>
                 <c15:showLeaderLines val="1"/>
@@ -1408,40 +1452,40 @@
                 <c:formatCode>General</c:formatCode>
                 <c:ptCount val="10"/>
                 <c:pt idx="0">
-                  <c:v>532</c:v>
+                  <c:v>250</c:v>
                 </c:pt>
                 <c:pt idx="1">
-                  <c:v>479</c:v>
+                  <c:v>472</c:v>
                 </c:pt>
                 <c:pt idx="2">
-                  <c:v>426</c:v>
+                  <c:v>412</c:v>
                 </c:pt>
                 <c:pt idx="3">
-                  <c:v>373</c:v>
+                  <c:v>352</c:v>
                 </c:pt>
                 <c:pt idx="4">
-                  <c:v>320</c:v>
+                  <c:v>292</c:v>
                 </c:pt>
                 <c:pt idx="5">
-                  <c:v>267</c:v>
+                  <c:v>232</c:v>
                 </c:pt>
                 <c:pt idx="6">
-                  <c:v>214</c:v>
+                  <c:v>172</c:v>
                 </c:pt>
                 <c:pt idx="7">
-                  <c:v>161</c:v>
+                  <c:v>112</c:v>
                 </c:pt>
                 <c:pt idx="8">
-                  <c:v>108</c:v>
+                  <c:v>52</c:v>
                 </c:pt>
                 <c:pt idx="9">
-                  <c:v>55</c:v>
+                  <c:v>0</c:v>
                 </c:pt>
               </c:numCache>
             </c:numRef>
           </c:val>
           <c:smooth val="0"/>
-          <c:extLst xmlns:c16r2="http://schemas.microsoft.com/office/drawing/2015/06/chart">
+          <c:extLst>
             <c:ext xmlns:c16="http://schemas.microsoft.com/office/drawing/2014/chart" uri="{C3380CC4-5D6E-409C-BE32-E72D297353CC}">
               <c16:uniqueId val="{00000001-7036-49FB-A3F7-6BDC1515C86F}"/>
             </c:ext>
@@ -1488,12 +1532,12 @@
               <a:lstStyle/>
               <a:p>
                 <a:pPr>
-                  <a:defRPr sz="2000" b="0" i="0" u="none" strike="noStrike" kern="1200" baseline="0">
+                  <a:defRPr sz="1000" b="0" i="0" u="none" strike="noStrike" kern="1200" baseline="0">
+                    <a:ln w="3175">
+                      <a:noFill/>
+                    </a:ln>
                     <a:solidFill>
-                      <a:schemeClr val="tx1">
-                        <a:lumMod val="65000"/>
-                        <a:lumOff val="35000"/>
-                      </a:schemeClr>
+                      <a:schemeClr val="tx1"/>
                     </a:solidFill>
                     <a:latin typeface="+mn-lt"/>
                     <a:ea typeface="+mn-ea"/>
@@ -1501,7 +1545,7 @@
                   </a:defRPr>
                 </a:pPr>
                 <a:r>
-                  <a:rPr lang="en-US" sz="2000"/>
+                  <a:rPr lang="en-US"/>
                   <a:t>Sprint</a:t>
                 </a:r>
               </a:p>
@@ -1528,12 +1572,12 @@
             <a:lstStyle/>
             <a:p>
               <a:pPr>
-                <a:defRPr sz="2000" b="0" i="0" u="none" strike="noStrike" kern="1200" baseline="0">
+                <a:defRPr sz="1000" b="0" i="0" u="none" strike="noStrike" kern="1200" baseline="0">
+                  <a:ln w="3175">
+                    <a:noFill/>
+                  </a:ln>
                   <a:solidFill>
-                    <a:schemeClr val="tx1">
-                      <a:lumMod val="65000"/>
-                      <a:lumOff val="35000"/>
-                    </a:schemeClr>
+                    <a:schemeClr val="tx1"/>
                   </a:solidFill>
                   <a:latin typeface="+mn-lt"/>
                   <a:ea typeface="+mn-ea"/>
@@ -1567,11 +1611,11 @@
           <a:p>
             <a:pPr>
               <a:defRPr sz="900" b="0" i="0" u="none" strike="noStrike" kern="1200" baseline="0">
+                <a:ln w="3175">
+                  <a:noFill/>
+                </a:ln>
                 <a:solidFill>
-                  <a:schemeClr val="tx1">
-                    <a:lumMod val="65000"/>
-                    <a:lumOff val="35000"/>
-                  </a:schemeClr>
+                  <a:schemeClr val="tx1"/>
                 </a:solidFill>
                 <a:latin typeface="+mn-lt"/>
                 <a:ea typeface="+mn-ea"/>
@@ -1616,27 +1660,13 @@
               <a:bodyPr rot="-5400000" spcFirstLastPara="1" vertOverflow="ellipsis" vert="horz" wrap="square" anchor="ctr" anchorCtr="1"/>
               <a:lstStyle/>
               <a:p>
-                <a:pPr marL="0" marR="0" indent="0" algn="ctr" defTabSz="914400" rtl="0" eaLnBrk="1" fontAlgn="auto" latinLnBrk="0" hangingPunct="1">
-                  <a:lnSpc>
-                    <a:spcPct val="100000"/>
-                  </a:lnSpc>
-                  <a:spcBef>
-                    <a:spcPts val="0"/>
-                  </a:spcBef>
-                  <a:spcAft>
-                    <a:spcPts val="0"/>
-                  </a:spcAft>
-                  <a:buClrTx/>
-                  <a:buSzTx/>
-                  <a:buFontTx/>
-                  <a:buNone/>
-                  <a:tabLst/>
-                  <a:defRPr sz="2000" b="0" i="0" u="none" strike="noStrike" kern="1200" baseline="0">
+                <a:pPr algn="ctr" rtl="0">
+                  <a:defRPr sz="1000" b="0" i="0" u="none" strike="noStrike" kern="1200" baseline="0">
+                    <a:ln w="3175">
+                      <a:noFill/>
+                    </a:ln>
                     <a:solidFill>
-                      <a:sysClr val="windowText" lastClr="000000">
-                        <a:lumMod val="65000"/>
-                        <a:lumOff val="35000"/>
-                      </a:sysClr>
+                      <a:schemeClr val="tx1"/>
                     </a:solidFill>
                     <a:latin typeface="+mn-lt"/>
                     <a:ea typeface="+mn-ea"/>
@@ -1644,14 +1674,9 @@
                   </a:defRPr>
                 </a:pPr>
                 <a:r>
-                  <a:rPr lang="en-US" sz="2000" b="0" i="0" baseline="0">
-                    <a:effectLst/>
-                  </a:rPr>
+                  <a:rPr lang="en-US"/>
                   <a:t>Estimated Person-Hours Remaining</a:t>
                 </a:r>
-                <a:endParaRPr lang="en-US" sz="2000">
-                  <a:effectLst/>
-                </a:endParaRPr>
               </a:p>
             </c:rich>
           </c:tx>
@@ -1675,27 +1700,13 @@
             <a:bodyPr rot="-5400000" spcFirstLastPara="1" vertOverflow="ellipsis" vert="horz" wrap="square" anchor="ctr" anchorCtr="1"/>
             <a:lstStyle/>
             <a:p>
-              <a:pPr marL="0" marR="0" indent="0" algn="ctr" defTabSz="914400" rtl="0" eaLnBrk="1" fontAlgn="auto" latinLnBrk="0" hangingPunct="1">
-                <a:lnSpc>
-                  <a:spcPct val="100000"/>
-                </a:lnSpc>
-                <a:spcBef>
-                  <a:spcPts val="0"/>
-                </a:spcBef>
-                <a:spcAft>
-                  <a:spcPts val="0"/>
-                </a:spcAft>
-                <a:buClrTx/>
-                <a:buSzTx/>
-                <a:buFontTx/>
-                <a:buNone/>
-                <a:tabLst/>
-                <a:defRPr sz="2000" b="0" i="0" u="none" strike="noStrike" kern="1200" baseline="0">
+              <a:pPr algn="ctr" rtl="0">
+                <a:defRPr sz="1000" b="0" i="0" u="none" strike="noStrike" kern="1200" baseline="0">
+                  <a:ln w="3175">
+                    <a:noFill/>
+                  </a:ln>
                   <a:solidFill>
-                    <a:sysClr val="windowText" lastClr="000000">
-                      <a:lumMod val="65000"/>
-                      <a:lumOff val="35000"/>
-                    </a:sysClr>
+                    <a:schemeClr val="tx1"/>
                   </a:solidFill>
                   <a:latin typeface="+mn-lt"/>
                   <a:ea typeface="+mn-ea"/>
@@ -1729,11 +1740,11 @@
           <a:p>
             <a:pPr>
               <a:defRPr sz="900" b="0" i="0" u="none" strike="noStrike" kern="1200" baseline="0">
+                <a:ln w="3175">
+                  <a:noFill/>
+                </a:ln>
                 <a:solidFill>
-                  <a:schemeClr val="tx1">
-                    <a:lumMod val="65000"/>
-                    <a:lumOff val="35000"/>
-                  </a:schemeClr>
+                  <a:schemeClr val="tx1"/>
                 </a:solidFill>
                 <a:latin typeface="+mn-lt"/>
                 <a:ea typeface="+mn-ea"/>
@@ -1761,8 +1772,8 @@
         <c:manualLayout>
           <c:xMode val="edge"/>
           <c:yMode val="edge"/>
-          <c:x val="4.2832779989738799E-2"/>
-          <c:y val="0.91456018817319895"/>
+          <c:x val="4.9122881455269232E-2"/>
+          <c:y val="0.91174904905093235"/>
           <c:w val="0.40044528288130599"/>
           <c:h val="6.6964754405699295E-2"/>
         </c:manualLayout>
@@ -1781,11 +1792,11 @@
         <a:p>
           <a:pPr>
             <a:defRPr sz="900" b="0" i="0" u="none" strike="noStrike" kern="1200" baseline="0">
+              <a:ln w="3175">
+                <a:noFill/>
+              </a:ln>
               <a:solidFill>
-                <a:schemeClr val="tx1">
-                  <a:lumMod val="65000"/>
-                  <a:lumOff val="35000"/>
-                </a:schemeClr>
+                <a:schemeClr val="tx1"/>
               </a:solidFill>
               <a:latin typeface="+mn-lt"/>
               <a:ea typeface="+mn-ea"/>
@@ -1812,7 +1823,14 @@
     <a:lstStyle/>
     <a:p>
       <a:pPr>
-        <a:defRPr/>
+        <a:defRPr>
+          <a:ln w="3175">
+            <a:noFill/>
+          </a:ln>
+          <a:solidFill>
+            <a:schemeClr val="tx1"/>
+          </a:solidFill>
+        </a:defRPr>
       </a:pPr>
       <a:endParaRPr lang="en-US"/>
     </a:p>
@@ -3017,7 +3035,7 @@
           <a:p>
             <a:fld id="{4954C6E1-AF92-4FB7-A013-0B520EBC30AE}" type="datetimeFigureOut">
               <a:rPr lang="en-US"/>
-              <a:t>04/10/2016</a:t>
+              <a:t>04/12/2016</a:t>
             </a:fld>
             <a:endParaRPr/>
           </a:p>
@@ -3183,7 +3201,7 @@
           <a:p>
             <a:fld id="{95C10850-0874-4A61-99B4-D613C5E8D9EA}" type="datetimeFigureOut">
               <a:rPr lang="en-US"/>
-              <a:t>04/10/2016</a:t>
+              <a:t>04/12/2016</a:t>
             </a:fld>
             <a:endParaRPr/>
           </a:p>
@@ -3610,6 +3628,90 @@
     <p:extLst>
       <p:ext uri="{BB962C8B-B14F-4D97-AF65-F5344CB8AC3E}">
         <p14:creationId xmlns:p14="http://schemas.microsoft.com/office/powerpoint/2010/main" val="3624155657"/>
+      </p:ext>
+    </p:extLst>
+  </p:cSld>
+  <p:clrMapOvr>
+    <a:masterClrMapping/>
+  </p:clrMapOvr>
+</p:notes>
+</file>
+
+<file path=ppt/notesSlides/notesSlide3.xml><?xml version="1.0" encoding="utf-8"?>
+<p:notes xmlns:a="http://schemas.openxmlformats.org/drawingml/2006/main" xmlns:r="http://schemas.openxmlformats.org/officeDocument/2006/relationships" xmlns:p="http://schemas.openxmlformats.org/presentationml/2006/main">
+  <p:cSld>
+    <p:spTree>
+      <p:nvGrpSpPr>
+        <p:cNvPr id="1" name=""/>
+        <p:cNvGrpSpPr/>
+        <p:nvPr/>
+      </p:nvGrpSpPr>
+      <p:grpSpPr>
+        <a:xfrm>
+          <a:off x="0" y="0"/>
+          <a:ext cx="0" cy="0"/>
+          <a:chOff x="0" y="0"/>
+          <a:chExt cx="0" cy="0"/>
+        </a:xfrm>
+      </p:grpSpPr>
+      <p:sp>
+        <p:nvSpPr>
+          <p:cNvPr id="2" name="Slide Image Placeholder 1"/>
+          <p:cNvSpPr>
+            <a:spLocks noGrp="1" noRot="1" noChangeAspect="1"/>
+          </p:cNvSpPr>
+          <p:nvPr>
+            <p:ph type="sldImg"/>
+          </p:nvPr>
+        </p:nvSpPr>
+        <p:spPr/>
+      </p:sp>
+      <p:sp>
+        <p:nvSpPr>
+          <p:cNvPr id="3" name="Notes Placeholder 2"/>
+          <p:cNvSpPr>
+            <a:spLocks noGrp="1"/>
+          </p:cNvSpPr>
+          <p:nvPr>
+            <p:ph type="body" idx="1"/>
+          </p:nvPr>
+        </p:nvSpPr>
+        <p:spPr/>
+        <p:txBody>
+          <a:bodyPr/>
+          <a:lstStyle/>
+          <a:p>
+            <a:endParaRPr lang="en-US" dirty="0"/>
+          </a:p>
+        </p:txBody>
+      </p:sp>
+      <p:sp>
+        <p:nvSpPr>
+          <p:cNvPr id="4" name="Slide Number Placeholder 3"/>
+          <p:cNvSpPr>
+            <a:spLocks noGrp="1"/>
+          </p:cNvSpPr>
+          <p:nvPr>
+            <p:ph type="sldNum" sz="quarter" idx="10"/>
+          </p:nvPr>
+        </p:nvSpPr>
+        <p:spPr/>
+        <p:txBody>
+          <a:bodyPr/>
+          <a:lstStyle/>
+          <a:p>
+            <a:fld id="{9E11EC53-F507-411E-9ADC-FBCFECE09D3D}" type="slidenum">
+              <a:rPr lang="en-US" smtClean="0"/>
+              <a:t>11</a:t>
+            </a:fld>
+            <a:endParaRPr lang="en-US"/>
+          </a:p>
+        </p:txBody>
+      </p:sp>
+    </p:spTree>
+    <p:extLst>
+      <p:ext uri="{BB962C8B-B14F-4D97-AF65-F5344CB8AC3E}">
+        <p14:creationId xmlns:p14="http://schemas.microsoft.com/office/powerpoint/2010/main" val="325140204"/>
       </p:ext>
     </p:extLst>
   </p:cSld>
@@ -7128,6 +7230,11 @@
 <file path=ppt/slides/slide1.xml><?xml version="1.0" encoding="utf-8"?>
 <p:sld xmlns:a="http://schemas.openxmlformats.org/drawingml/2006/main" xmlns:r="http://schemas.openxmlformats.org/officeDocument/2006/relationships" xmlns:p="http://schemas.openxmlformats.org/presentationml/2006/main">
   <p:cSld>
+    <p:bg>
+      <p:bgRef idx="1002">
+        <a:schemeClr val="bg1"/>
+      </p:bgRef>
+    </p:bg>
     <p:spTree>
       <p:nvGrpSpPr>
         <p:cNvPr id="1" name=""/>
@@ -7455,7 +7562,7 @@
     </p:extLst>
   </p:cSld>
   <p:clrMapOvr>
-    <a:masterClrMapping/>
+    <a:overrideClrMapping bg1="lt1" tx1="dk1" bg2="lt2" tx2="dk2" accent1="accent1" accent2="accent2" accent3="accent3" accent4="accent4" accent5="accent5" accent6="accent6" hlink="hlink" folHlink="folHlink"/>
   </p:clrMapOvr>
   <mc:AlternateContent xmlns:mc="http://schemas.openxmlformats.org/markup-compatibility/2006" xmlns:p14="http://schemas.microsoft.com/office/powerpoint/2010/main">
     <mc:Choice Requires="p14">
@@ -7469,6 +7576,13 @@
       </p:transition>
     </mc:Fallback>
   </mc:AlternateContent>
+  <p:timing>
+    <p:tnLst>
+      <p:par>
+        <p:cTn id="1" dur="indefinite" restart="never" nodeType="tmRoot"/>
+      </p:par>
+    </p:tnLst>
+  </p:timing>
 </p:sld>
 </file>
 
@@ -7518,74 +7632,6 @@
           </a:p>
         </p:txBody>
       </p:sp>
-      <p:sp>
-        <p:nvSpPr>
-          <p:cNvPr id="4" name="Date Placeholder 3"/>
-          <p:cNvSpPr>
-            <a:spLocks noGrp="1"/>
-          </p:cNvSpPr>
-          <p:nvPr>
-            <p:ph type="dt" sz="half" idx="10"/>
-          </p:nvPr>
-        </p:nvSpPr>
-        <p:spPr/>
-        <p:txBody>
-          <a:bodyPr/>
-          <a:lstStyle/>
-          <a:p>
-            <a:r>
-              <a:rPr lang="en-US" dirty="0"/>
-              <a:t>04/15/2016</a:t>
-            </a:r>
-            <a:endParaRPr lang="en-US" dirty="0"/>
-          </a:p>
-        </p:txBody>
-      </p:sp>
-      <p:sp>
-        <p:nvSpPr>
-          <p:cNvPr id="5" name="Footer Placeholder 4"/>
-          <p:cNvSpPr>
-            <a:spLocks noGrp="1"/>
-          </p:cNvSpPr>
-          <p:nvPr>
-            <p:ph type="ftr" sz="quarter" idx="11"/>
-          </p:nvPr>
-        </p:nvSpPr>
-        <p:spPr/>
-        <p:txBody>
-          <a:bodyPr/>
-          <a:lstStyle/>
-          <a:p>
-            <a:r>
-              <a:rPr lang="en-US" dirty="0"/>
-              <a:t>CS499 Team Hotspotter</a:t>
-            </a:r>
-          </a:p>
-        </p:txBody>
-      </p:sp>
-      <p:sp>
-        <p:nvSpPr>
-          <p:cNvPr id="6" name="Slide Number Placeholder 5"/>
-          <p:cNvSpPr>
-            <a:spLocks noGrp="1"/>
-          </p:cNvSpPr>
-          <p:nvPr>
-            <p:ph type="sldNum" sz="quarter" idx="12"/>
-          </p:nvPr>
-        </p:nvSpPr>
-        <p:spPr/>
-        <p:txBody>
-          <a:bodyPr/>
-          <a:lstStyle/>
-          <a:p>
-            <a:fld id="{E5FD5434-F838-4DD4-A17B-1CB1A1850DF4}" type="slidenum">
-              <a:rPr lang="en-US" sz="1050" smtClean="0"/>
-              <a:t>10</a:t>
-            </a:fld>
-            <a:endParaRPr lang="en-US" sz="1050" dirty="0"/>
-          </a:p>
-        </p:txBody>
-      </p:sp>
       <p:graphicFrame>
         <p:nvGraphicFramePr>
           <p:cNvPr id="7" name="Content Placeholder 6"/>
@@ -7596,7 +7642,7 @@
             <p:ph idx="1"/>
             <p:extLst>
               <p:ext uri="{D42A27DB-BD31-4B8C-83A1-F6EECF244321}">
-                <p14:modId xmlns:p14="http://schemas.microsoft.com/office/powerpoint/2010/main" val="57911693"/>
+                <p14:modId xmlns:p14="http://schemas.microsoft.com/office/powerpoint/2010/main" val="3661578689"/>
               </p:ext>
             </p:extLst>
           </p:nvPr>
@@ -7611,6 +7657,104 @@
           </a:graphicData>
         </a:graphic>
       </p:graphicFrame>
+      <p:sp>
+        <p:nvSpPr>
+          <p:cNvPr id="4" name="Date Placeholder 3"/>
+          <p:cNvSpPr>
+            <a:spLocks noGrp="1"/>
+          </p:cNvSpPr>
+          <p:nvPr>
+            <p:ph type="dt" sz="half" idx="10"/>
+          </p:nvPr>
+        </p:nvSpPr>
+        <p:spPr/>
+        <p:txBody>
+          <a:bodyPr/>
+          <a:lstStyle/>
+          <a:p>
+            <a:r>
+              <a:rPr lang="en-US" sz="1600" dirty="0"/>
+              <a:t>04/15/2016</a:t>
+            </a:r>
+          </a:p>
+        </p:txBody>
+      </p:sp>
+      <p:sp>
+        <p:nvSpPr>
+          <p:cNvPr id="5" name="Footer Placeholder 4"/>
+          <p:cNvSpPr>
+            <a:spLocks noGrp="1"/>
+          </p:cNvSpPr>
+          <p:nvPr>
+            <p:ph type="ftr" sz="quarter" idx="11"/>
+          </p:nvPr>
+        </p:nvSpPr>
+        <p:spPr/>
+        <p:txBody>
+          <a:bodyPr/>
+          <a:lstStyle/>
+          <a:p>
+            <a:r>
+              <a:rPr lang="en-US" sz="1600" dirty="0"/>
+              <a:t>CS499 Team Hotspotter</a:t>
+            </a:r>
+          </a:p>
+        </p:txBody>
+      </p:sp>
+      <p:sp>
+        <p:nvSpPr>
+          <p:cNvPr id="6" name="Slide Number Placeholder 5"/>
+          <p:cNvSpPr>
+            <a:spLocks noGrp="1"/>
+          </p:cNvSpPr>
+          <p:nvPr>
+            <p:ph type="sldNum" sz="quarter" idx="12"/>
+          </p:nvPr>
+        </p:nvSpPr>
+        <p:spPr/>
+        <p:txBody>
+          <a:bodyPr/>
+          <a:lstStyle/>
+          <a:p>
+            <a:fld id="{E5FD5434-F838-4DD4-A17B-1CB1A1850DF4}" type="slidenum">
+              <a:rPr lang="en-US" sz="1600" smtClean="0"/>
+              <a:t>10</a:t>
+            </a:fld>
+            <a:endParaRPr lang="en-US" sz="1600" dirty="0"/>
+          </a:p>
+        </p:txBody>
+      </p:sp>
+      <p:sp>
+        <p:nvSpPr>
+          <p:cNvPr id="8" name="TextBox 7"/>
+          <p:cNvSpPr txBox="1"/>
+          <p:nvPr/>
+        </p:nvSpPr>
+        <p:spPr>
+          <a:xfrm>
+            <a:off x="4646611" y="6478459"/>
+            <a:ext cx="2895600" cy="338554"/>
+          </a:xfrm>
+          <a:prstGeom prst="rect">
+            <a:avLst/>
+          </a:prstGeom>
+          <a:noFill/>
+        </p:spPr>
+        <p:txBody>
+          <a:bodyPr wrap="square" rtlCol="0">
+            <a:spAutoFit/>
+          </a:bodyPr>
+          <a:lstStyle/>
+          <a:p>
+            <a:pPr algn="ctr"/>
+            <a:r>
+              <a:rPr lang="en-US" sz="1600" dirty="0" smtClean="0"/>
+              <a:t>Nathan Reinhardt</a:t>
+            </a:r>
+            <a:endParaRPr lang="en-US" sz="1600" dirty="0"/>
+          </a:p>
+        </p:txBody>
+      </p:sp>
     </p:spTree>
     <p:extLst>
       <p:ext uri="{BB962C8B-B14F-4D97-AF65-F5344CB8AC3E}">
@@ -7633,6 +7777,13 @@
       </p:transition>
     </mc:Fallback>
   </mc:AlternateContent>
+  <p:timing>
+    <p:tnLst>
+      <p:par>
+        <p:cTn id="1" dur="indefinite" restart="never" nodeType="tmRoot"/>
+      </p:par>
+    </p:tnLst>
+  </p:timing>
 </p:sld>
 </file>
 
@@ -7686,74 +7837,6 @@
           </a:p>
         </p:txBody>
       </p:sp>
-      <p:sp>
-        <p:nvSpPr>
-          <p:cNvPr id="4" name="Date Placeholder 3"/>
-          <p:cNvSpPr>
-            <a:spLocks noGrp="1"/>
-          </p:cNvSpPr>
-          <p:nvPr>
-            <p:ph type="dt" sz="half" idx="10"/>
-          </p:nvPr>
-        </p:nvSpPr>
-        <p:spPr/>
-        <p:txBody>
-          <a:bodyPr/>
-          <a:lstStyle/>
-          <a:p>
-            <a:r>
-              <a:rPr lang="en-US" dirty="0"/>
-              <a:t>04/15/2016</a:t>
-            </a:r>
-            <a:endParaRPr lang="en-US" dirty="0"/>
-          </a:p>
-        </p:txBody>
-      </p:sp>
-      <p:sp>
-        <p:nvSpPr>
-          <p:cNvPr id="5" name="Footer Placeholder 4"/>
-          <p:cNvSpPr>
-            <a:spLocks noGrp="1"/>
-          </p:cNvSpPr>
-          <p:nvPr>
-            <p:ph type="ftr" sz="quarter" idx="11"/>
-          </p:nvPr>
-        </p:nvSpPr>
-        <p:spPr/>
-        <p:txBody>
-          <a:bodyPr/>
-          <a:lstStyle/>
-          <a:p>
-            <a:r>
-              <a:rPr lang="en-US" dirty="0"/>
-              <a:t>CS499 Team Hotspotter</a:t>
-            </a:r>
-          </a:p>
-        </p:txBody>
-      </p:sp>
-      <p:sp>
-        <p:nvSpPr>
-          <p:cNvPr id="6" name="Slide Number Placeholder 5"/>
-          <p:cNvSpPr>
-            <a:spLocks noGrp="1"/>
-          </p:cNvSpPr>
-          <p:nvPr>
-            <p:ph type="sldNum" sz="quarter" idx="12"/>
-          </p:nvPr>
-        </p:nvSpPr>
-        <p:spPr/>
-        <p:txBody>
-          <a:bodyPr/>
-          <a:lstStyle/>
-          <a:p>
-            <a:fld id="{E5FD5434-F838-4DD4-A17B-1CB1A1850DF4}" type="slidenum">
-              <a:rPr lang="en-US" sz="1050" smtClean="0"/>
-              <a:t>11</a:t>
-            </a:fld>
-            <a:endParaRPr lang="en-US" sz="1050" dirty="0"/>
-          </a:p>
-        </p:txBody>
-      </p:sp>
       <p:graphicFrame>
         <p:nvGraphicFramePr>
           <p:cNvPr id="8" name="Content Placeholder 7"/>
@@ -7764,7 +7847,7 @@
             <p:ph idx="1"/>
             <p:extLst>
               <p:ext uri="{D42A27DB-BD31-4B8C-83A1-F6EECF244321}">
-                <p14:modId xmlns:p14="http://schemas.microsoft.com/office/powerpoint/2010/main" val="1503173150"/>
+                <p14:modId xmlns:p14="http://schemas.microsoft.com/office/powerpoint/2010/main" val="2660535135"/>
               </p:ext>
             </p:extLst>
           </p:nvPr>
@@ -7775,10 +7858,113 @@
         </p:xfrm>
         <a:graphic>
           <a:graphicData uri="http://schemas.openxmlformats.org/drawingml/2006/chart">
-            <c:chart xmlns:c="http://schemas.openxmlformats.org/drawingml/2006/chart" xmlns:r="http://schemas.openxmlformats.org/officeDocument/2006/relationships" r:id="rId2"/>
+            <c:chart xmlns:c="http://schemas.openxmlformats.org/drawingml/2006/chart" xmlns:r="http://schemas.openxmlformats.org/officeDocument/2006/relationships" r:id="rId3"/>
           </a:graphicData>
         </a:graphic>
       </p:graphicFrame>
+      <p:sp>
+        <p:nvSpPr>
+          <p:cNvPr id="4" name="Date Placeholder 3"/>
+          <p:cNvSpPr>
+            <a:spLocks noGrp="1"/>
+          </p:cNvSpPr>
+          <p:nvPr>
+            <p:ph type="dt" sz="half" idx="10"/>
+          </p:nvPr>
+        </p:nvSpPr>
+        <p:spPr>
+          <a:xfrm>
+            <a:off x="1172296" y="6417201"/>
+            <a:ext cx="3000113" cy="365125"/>
+          </a:xfrm>
+        </p:spPr>
+        <p:txBody>
+          <a:bodyPr/>
+          <a:lstStyle/>
+          <a:p>
+            <a:r>
+              <a:rPr lang="en-US" sz="1600" dirty="0"/>
+              <a:t>04/15/2016</a:t>
+            </a:r>
+          </a:p>
+        </p:txBody>
+      </p:sp>
+      <p:sp>
+        <p:nvSpPr>
+          <p:cNvPr id="5" name="Footer Placeholder 4"/>
+          <p:cNvSpPr>
+            <a:spLocks noGrp="1"/>
+          </p:cNvSpPr>
+          <p:nvPr>
+            <p:ph type="ftr" sz="quarter" idx="11"/>
+          </p:nvPr>
+        </p:nvSpPr>
+        <p:spPr/>
+        <p:txBody>
+          <a:bodyPr/>
+          <a:lstStyle/>
+          <a:p>
+            <a:r>
+              <a:rPr lang="en-US" sz="1600" dirty="0"/>
+              <a:t>CS499 Team Hotspotter</a:t>
+            </a:r>
+          </a:p>
+        </p:txBody>
+      </p:sp>
+      <p:sp>
+        <p:nvSpPr>
+          <p:cNvPr id="6" name="Slide Number Placeholder 5"/>
+          <p:cNvSpPr>
+            <a:spLocks noGrp="1"/>
+          </p:cNvSpPr>
+          <p:nvPr>
+            <p:ph type="sldNum" sz="quarter" idx="12"/>
+          </p:nvPr>
+        </p:nvSpPr>
+        <p:spPr/>
+        <p:txBody>
+          <a:bodyPr/>
+          <a:lstStyle/>
+          <a:p>
+            <a:fld id="{E5FD5434-F838-4DD4-A17B-1CB1A1850DF4}" type="slidenum">
+              <a:rPr lang="en-US" sz="1600" smtClean="0"/>
+              <a:t>11</a:t>
+            </a:fld>
+            <a:endParaRPr lang="en-US" sz="1600" dirty="0"/>
+          </a:p>
+        </p:txBody>
+      </p:sp>
+      <p:sp>
+        <p:nvSpPr>
+          <p:cNvPr id="7" name="TextBox 6"/>
+          <p:cNvSpPr txBox="1"/>
+          <p:nvPr/>
+        </p:nvSpPr>
+        <p:spPr>
+          <a:xfrm>
+            <a:off x="4646611" y="6478459"/>
+            <a:ext cx="2895600" cy="338554"/>
+          </a:xfrm>
+          <a:prstGeom prst="rect">
+            <a:avLst/>
+          </a:prstGeom>
+          <a:noFill/>
+        </p:spPr>
+        <p:txBody>
+          <a:bodyPr wrap="square" rtlCol="0">
+            <a:spAutoFit/>
+          </a:bodyPr>
+          <a:lstStyle/>
+          <a:p>
+            <a:pPr algn="ctr"/>
+            <a:r>
+              <a:rPr lang="en-US" sz="1600" dirty="0" smtClean="0"/>
+              <a:t>Nathan Reinhardt</a:t>
+            </a:r>
+            <a:endParaRPr lang="en-US" sz="1600" dirty="0"/>
+          </a:p>
+        </p:txBody>
+      </p:sp>
     </p:spTree>
     <p:extLst>
       <p:ext uri="{BB962C8B-B14F-4D97-AF65-F5344CB8AC3E}">
@@ -7801,6 +7987,13 @@
       </p:transition>
     </mc:Fallback>
   </mc:AlternateContent>
+  <p:timing>
+    <p:tnLst>
+      <p:par>
+        <p:cTn id="1" dur="indefinite" restart="never" nodeType="tmRoot"/>
+      </p:par>
+    </p:tnLst>
+  </p:timing>
 </p:sld>
 </file>
 
@@ -7979,61 +8172,101 @@
             <p:ph type="dt" sz="half" idx="10"/>
           </p:nvPr>
         </p:nvSpPr>
+        <p:spPr>
+          <a:xfrm>
+            <a:off x="1170738" y="6410093"/>
+            <a:ext cx="3000113" cy="365125"/>
+          </a:xfrm>
+        </p:spPr>
+        <p:txBody>
+          <a:bodyPr/>
+          <a:lstStyle/>
+          <a:p>
+            <a:r>
+              <a:rPr lang="en-US" sz="1600" dirty="0"/>
+              <a:t>04/15/2016</a:t>
+            </a:r>
+          </a:p>
+        </p:txBody>
+      </p:sp>
+      <p:sp>
+        <p:nvSpPr>
+          <p:cNvPr id="5" name="Footer Placeholder 4"/>
+          <p:cNvSpPr>
+            <a:spLocks noGrp="1"/>
+          </p:cNvSpPr>
+          <p:nvPr>
+            <p:ph type="ftr" sz="quarter" idx="11"/>
+          </p:nvPr>
+        </p:nvSpPr>
+        <p:spPr>
+          <a:xfrm>
+            <a:off x="5590655" y="6436664"/>
+            <a:ext cx="5043126" cy="365125"/>
+          </a:xfrm>
+        </p:spPr>
+        <p:txBody>
+          <a:bodyPr/>
+          <a:lstStyle/>
+          <a:p>
+            <a:r>
+              <a:rPr lang="en-US" sz="1600" dirty="0"/>
+              <a:t>CS499 Team Hotspotter</a:t>
+            </a:r>
+          </a:p>
+        </p:txBody>
+      </p:sp>
+      <p:sp>
+        <p:nvSpPr>
+          <p:cNvPr id="6" name="Slide Number Placeholder 5"/>
+          <p:cNvSpPr>
+            <a:spLocks noGrp="1"/>
+          </p:cNvSpPr>
+          <p:nvPr>
+            <p:ph type="sldNum" sz="quarter" idx="12"/>
+          </p:nvPr>
+        </p:nvSpPr>
         <p:spPr/>
         <p:txBody>
           <a:bodyPr/>
           <a:lstStyle/>
           <a:p>
-            <a:r>
-              <a:rPr lang="en-US" dirty="0"/>
-              <a:t>04/15/2016</a:t>
-            </a:r>
-            <a:endParaRPr lang="en-US" dirty="0"/>
-          </a:p>
-        </p:txBody>
-      </p:sp>
-      <p:sp>
-        <p:nvSpPr>
-          <p:cNvPr id="5" name="Footer Placeholder 4"/>
-          <p:cNvSpPr>
-            <a:spLocks noGrp="1"/>
-          </p:cNvSpPr>
-          <p:nvPr>
-            <p:ph type="ftr" sz="quarter" idx="11"/>
-          </p:nvPr>
-        </p:nvSpPr>
-        <p:spPr/>
-        <p:txBody>
-          <a:bodyPr/>
-          <a:lstStyle/>
-          <a:p>
-            <a:r>
-              <a:rPr lang="en-US" dirty="0"/>
-              <a:t>CS499 Team Hotspotter</a:t>
-            </a:r>
-          </a:p>
-        </p:txBody>
-      </p:sp>
-      <p:sp>
-        <p:nvSpPr>
-          <p:cNvPr id="6" name="Slide Number Placeholder 5"/>
-          <p:cNvSpPr>
-            <a:spLocks noGrp="1"/>
-          </p:cNvSpPr>
-          <p:nvPr>
-            <p:ph type="sldNum" sz="quarter" idx="12"/>
-          </p:nvPr>
-        </p:nvSpPr>
-        <p:spPr/>
-        <p:txBody>
-          <a:bodyPr/>
-          <a:lstStyle/>
-          <a:p>
             <a:fld id="{E5FD5434-F838-4DD4-A17B-1CB1A1850DF4}" type="slidenum">
-              <a:rPr lang="en-US" sz="1050" smtClean="0"/>
+              <a:rPr lang="en-US" sz="1600" smtClean="0"/>
               <a:t>12</a:t>
             </a:fld>
-            <a:endParaRPr lang="en-US" sz="1050" dirty="0"/>
+            <a:endParaRPr lang="en-US" sz="1600" dirty="0"/>
+          </a:p>
+        </p:txBody>
+      </p:sp>
+      <p:sp>
+        <p:nvSpPr>
+          <p:cNvPr id="8" name="TextBox 7"/>
+          <p:cNvSpPr txBox="1"/>
+          <p:nvPr/>
+        </p:nvSpPr>
+        <p:spPr>
+          <a:xfrm>
+            <a:off x="4646612" y="6463235"/>
+            <a:ext cx="2895600" cy="338554"/>
+          </a:xfrm>
+          <a:prstGeom prst="rect">
+            <a:avLst/>
+          </a:prstGeom>
+          <a:noFill/>
+        </p:spPr>
+        <p:txBody>
+          <a:bodyPr wrap="square" rtlCol="0">
+            <a:spAutoFit/>
+          </a:bodyPr>
+          <a:lstStyle/>
+          <a:p>
+            <a:pPr algn="ctr"/>
+            <a:r>
+              <a:rPr lang="en-US" sz="1600" dirty="0" smtClean="0"/>
+              <a:t>Nathan Reinhardt</a:t>
+            </a:r>
+            <a:endParaRPr lang="en-US" sz="1600" dirty="0"/>
           </a:p>
         </p:txBody>
       </p:sp>
@@ -8059,6 +8292,13 @@
       </p:transition>
     </mc:Fallback>
   </mc:AlternateContent>
+  <p:timing>
+    <p:tnLst>
+      <p:par>
+        <p:cTn id="1" dur="indefinite" restart="never" nodeType="tmRoot"/>
+      </p:par>
+    </p:tnLst>
+  </p:timing>
 </p:sld>
 </file>
 
@@ -8095,10 +8335,9 @@
           <a:lstStyle/>
           <a:p>
             <a:r>
-              <a:rPr lang="en-US" dirty="0"/>
+              <a:rPr lang="en-US" sz="1600" dirty="0"/>
               <a:t>04/15/2016</a:t>
             </a:r>
-            <a:endParaRPr lang="en-US" dirty="0"/>
           </a:p>
         </p:txBody>
       </p:sp>
@@ -8118,7 +8357,7 @@
           <a:lstStyle/>
           <a:p>
             <a:r>
-              <a:rPr lang="en-US" dirty="0"/>
+              <a:rPr lang="en-US" sz="1600" dirty="0"/>
               <a:t>CS499 Team Hotspotter</a:t>
             </a:r>
           </a:p>
@@ -8140,10 +8379,10 @@
           <a:lstStyle/>
           <a:p>
             <a:fld id="{E5FD5434-F838-4DD4-A17B-1CB1A1850DF4}" type="slidenum">
-              <a:rPr lang="en-US" sz="1050"/>
+              <a:rPr lang="en-US" sz="1600"/>
               <a:t>13</a:t>
             </a:fld>
-            <a:endParaRPr lang="en-US" sz="1050" dirty="0"/>
+            <a:endParaRPr lang="en-US" sz="1600" dirty="0"/>
           </a:p>
         </p:txBody>
       </p:sp>
@@ -8199,6 +8438,13 @@
       </p:transition>
     </mc:Fallback>
   </mc:AlternateContent>
+  <p:timing>
+    <p:tnLst>
+      <p:par>
+        <p:cTn id="1" dur="indefinite" restart="never" nodeType="tmRoot"/>
+      </p:par>
+    </p:tnLst>
+  </p:timing>
 </p:sld>
 </file>
 
@@ -8320,10 +8566,10 @@
           <a:lstStyle/>
           <a:p>
             <a:r>
-              <a:rPr lang="en-US" dirty="0" smtClean="0"/>
+              <a:rPr lang="en-US" sz="1600" dirty="0" smtClean="0"/>
               <a:t>04/15/2016</a:t>
             </a:r>
-            <a:endParaRPr lang="en-US" dirty="0"/>
+            <a:endParaRPr lang="en-US" sz="1600" dirty="0"/>
           </a:p>
         </p:txBody>
       </p:sp>
@@ -8343,10 +8589,10 @@
           <a:lstStyle/>
           <a:p>
             <a:r>
-              <a:rPr lang="en-US" dirty="0" smtClean="0"/>
+              <a:rPr lang="en-US" sz="1600" dirty="0" smtClean="0"/>
               <a:t>CS499 Team Hotspotter</a:t>
             </a:r>
-            <a:endParaRPr lang="en-US" dirty="0"/>
+            <a:endParaRPr lang="en-US" sz="1600" dirty="0"/>
           </a:p>
         </p:txBody>
       </p:sp>
@@ -8366,10 +8612,10 @@
           <a:lstStyle/>
           <a:p>
             <a:fld id="{E5FD5434-F838-4DD4-A17B-1CB1A1850DF4}" type="slidenum">
-              <a:rPr lang="en-US" smtClean="0"/>
+              <a:rPr lang="en-US" sz="1600" smtClean="0"/>
               <a:t>2</a:t>
             </a:fld>
-            <a:endParaRPr lang="en-US"/>
+            <a:endParaRPr lang="en-US" sz="1600" dirty="0"/>
           </a:p>
         </p:txBody>
       </p:sp>
@@ -8403,6 +8649,37 @@
           </a:prstGeom>
         </p:spPr>
       </p:pic>
+      <p:sp>
+        <p:nvSpPr>
+          <p:cNvPr id="8" name="TextBox 7"/>
+          <p:cNvSpPr txBox="1"/>
+          <p:nvPr/>
+        </p:nvSpPr>
+        <p:spPr>
+          <a:xfrm>
+            <a:off x="4646611" y="6449426"/>
+            <a:ext cx="2895600" cy="338554"/>
+          </a:xfrm>
+          <a:prstGeom prst="rect">
+            <a:avLst/>
+          </a:prstGeom>
+          <a:noFill/>
+        </p:spPr>
+        <p:txBody>
+          <a:bodyPr wrap="square" rtlCol="0">
+            <a:spAutoFit/>
+          </a:bodyPr>
+          <a:lstStyle/>
+          <a:p>
+            <a:pPr algn="ctr"/>
+            <a:r>
+              <a:rPr lang="en-US" sz="1600" dirty="0" smtClean="0"/>
+              <a:t>Dylan Williams</a:t>
+            </a:r>
+            <a:endParaRPr lang="en-US" sz="1600" dirty="0"/>
+          </a:p>
+        </p:txBody>
+      </p:sp>
     </p:spTree>
     <p:extLst>
       <p:ext uri="{BB962C8B-B14F-4D97-AF65-F5344CB8AC3E}">
@@ -8425,6 +8702,13 @@
       </p:transition>
     </mc:Fallback>
   </mc:AlternateContent>
+  <p:timing>
+    <p:tnLst>
+      <p:par>
+        <p:cTn id="1" dur="indefinite" restart="never" nodeType="tmRoot"/>
+      </p:par>
+    </p:tnLst>
+  </p:timing>
 </p:sld>
 </file>
 
@@ -8469,12 +8753,8 @@
           <a:p>
             <a:pPr algn="ctr"/>
             <a:r>
-              <a:rPr lang="en-US" sz="4400" dirty="0"/>
-              <a:t>About our </a:t>
-            </a:r>
-            <a:r>
               <a:rPr lang="en-US" sz="4400" dirty="0" smtClean="0"/>
-              <a:t>project</a:t>
+              <a:t>Project Domain</a:t>
             </a:r>
             <a:endParaRPr lang="en-US" sz="4400" dirty="0"/>
           </a:p>
@@ -8487,12 +8767,12 @@
             <a:spLocks noGrp="1"/>
           </p:cNvSpPr>
           <p:nvPr>
-            <p:ph sz="half" idx="2"/>
+            <p:ph sz="half" idx="1"/>
           </p:nvPr>
         </p:nvSpPr>
         <p:spPr>
           <a:xfrm>
-            <a:off x="1598612" y="2011680"/>
+            <a:off x="1979612" y="2053359"/>
             <a:ext cx="9383798" cy="4206240"/>
           </a:xfrm>
         </p:spPr>
@@ -8502,76 +8782,68 @@
           </a:bodyPr>
           <a:lstStyle/>
           <a:p>
-            <a:pPr marL="0" indent="0" algn="ctr">
-              <a:buNone/>
-            </a:pPr>
-            <a:r>
-              <a:rPr lang="en-US" sz="4000" u="sng" dirty="0"/>
-              <a:t>Domain and Business</a:t>
-            </a:r>
-          </a:p>
-          <a:p>
             <a:pPr marL="52388" indent="0">
               <a:buNone/>
             </a:pPr>
             <a:r>
-              <a:rPr lang="en-US" sz="2400" dirty="0"/>
+              <a:rPr lang="en-US" sz="2800" dirty="0" smtClean="0"/>
               <a:t>Developers</a:t>
             </a:r>
+            <a:endParaRPr lang="en-US" sz="2800" dirty="0"/>
           </a:p>
           <a:p>
             <a:pPr lvl="1"/>
             <a:r>
-              <a:rPr lang="en-US" sz="2400" dirty="0"/>
+              <a:rPr lang="en-US" sz="2800" dirty="0"/>
               <a:t>Tracking bug-fixing commits</a:t>
             </a:r>
           </a:p>
           <a:p>
             <a:pPr lvl="1"/>
             <a:r>
-              <a:rPr lang="en-US" sz="2400" dirty="0"/>
+              <a:rPr lang="en-US" sz="2800" dirty="0"/>
               <a:t>Testing code before </a:t>
             </a:r>
             <a:r>
-              <a:rPr lang="en-US" sz="2400" dirty="0" smtClean="0"/>
+              <a:rPr lang="en-US" sz="2800" dirty="0" smtClean="0"/>
               <a:t>committing code into the master build</a:t>
             </a:r>
-            <a:endParaRPr lang="en-US" sz="2400" dirty="0"/>
+            <a:endParaRPr lang="en-US" sz="2800" dirty="0"/>
           </a:p>
           <a:p>
             <a:pPr marL="0" indent="0">
               <a:buNone/>
             </a:pPr>
             <a:r>
-              <a:rPr lang="en-US" sz="2400" dirty="0"/>
+              <a:rPr lang="en-US" sz="2800" dirty="0"/>
               <a:t>  Project Managers</a:t>
             </a:r>
           </a:p>
           <a:p>
             <a:pPr lvl="1"/>
             <a:r>
-              <a:rPr lang="en-US" sz="2400" dirty="0"/>
+              <a:rPr lang="en-US" sz="2800" dirty="0"/>
               <a:t>Assigning troublesome tasks to more experienced </a:t>
             </a:r>
             <a:r>
-              <a:rPr lang="en-US" sz="2400" dirty="0" smtClean="0"/>
+              <a:rPr lang="en-US" sz="2800" dirty="0" smtClean="0"/>
               <a:t>developers</a:t>
             </a:r>
-            <a:endParaRPr lang="en-US" sz="2400" dirty="0"/>
+            <a:endParaRPr lang="en-US" sz="2800" dirty="0"/>
           </a:p>
           <a:p>
             <a:pPr marL="0" indent="0">
               <a:buNone/>
             </a:pPr>
             <a:r>
-              <a:rPr lang="en-US" sz="2400" dirty="0"/>
+              <a:rPr lang="en-US" sz="2800" dirty="0"/>
               <a:t>  Open Source Contributors</a:t>
             </a:r>
           </a:p>
           <a:p>
             <a:pPr lvl="1"/>
             <a:r>
-              <a:rPr lang="en-US" sz="2400" dirty="0" smtClean="0"/>
+              <a:rPr lang="en-US" sz="2800" dirty="0" smtClean="0"/>
               <a:t>Allows contributors to grow and develop based on the history of their contributions</a:t>
             </a:r>
           </a:p>
@@ -8593,10 +8865,10 @@
           <a:lstStyle/>
           <a:p>
             <a:r>
-              <a:rPr lang="en-US" dirty="0" smtClean="0"/>
+              <a:rPr lang="en-US" sz="1600" dirty="0" smtClean="0"/>
               <a:t>04/15/2016</a:t>
             </a:r>
-            <a:endParaRPr lang="en-US" dirty="0"/>
+            <a:endParaRPr lang="en-US" sz="1600" dirty="0"/>
           </a:p>
         </p:txBody>
       </p:sp>
@@ -8616,16 +8888,8 @@
           <a:lstStyle/>
           <a:p>
             <a:r>
-              <a:rPr lang="en-US" dirty="0"/>
-              <a:t>CS499</a:t>
-            </a:r>
-            <a:r>
-              <a:rPr lang="en-US" sz="1200" dirty="0"/>
-              <a:t> </a:t>
-            </a:r>
-            <a:r>
-              <a:rPr lang="en-US" dirty="0"/>
-              <a:t>Team Hotspotter</a:t>
+              <a:rPr lang="en-US" sz="1600" dirty="0"/>
+              <a:t>CS499 Team Hotspotter</a:t>
             </a:r>
           </a:p>
         </p:txBody>
@@ -8646,10 +8910,41 @@
           <a:lstStyle/>
           <a:p>
             <a:fld id="{E5FD5434-F838-4DD4-A17B-1CB1A1850DF4}" type="slidenum">
-              <a:rPr lang="en-US" sz="1050"/>
+              <a:rPr lang="en-US" sz="1600"/>
               <a:t>3</a:t>
             </a:fld>
-            <a:endParaRPr lang="en-US" sz="1050" dirty="0"/>
+            <a:endParaRPr lang="en-US" sz="1600" dirty="0"/>
+          </a:p>
+        </p:txBody>
+      </p:sp>
+      <p:sp>
+        <p:nvSpPr>
+          <p:cNvPr id="11" name="TextBox 10"/>
+          <p:cNvSpPr txBox="1"/>
+          <p:nvPr/>
+        </p:nvSpPr>
+        <p:spPr>
+          <a:xfrm>
+            <a:off x="4646612" y="6449426"/>
+            <a:ext cx="2895600" cy="338554"/>
+          </a:xfrm>
+          <a:prstGeom prst="rect">
+            <a:avLst/>
+          </a:prstGeom>
+          <a:noFill/>
+        </p:spPr>
+        <p:txBody>
+          <a:bodyPr wrap="square" rtlCol="0">
+            <a:spAutoFit/>
+          </a:bodyPr>
+          <a:lstStyle/>
+          <a:p>
+            <a:pPr algn="ctr"/>
+            <a:r>
+              <a:rPr lang="en-US" sz="1600" dirty="0" smtClean="0"/>
+              <a:t>Dylan Williams</a:t>
+            </a:r>
+            <a:endParaRPr lang="en-US" sz="1600" dirty="0"/>
           </a:p>
         </p:txBody>
       </p:sp>
@@ -8675,6 +8970,13 @@
       </p:transition>
     </mc:Fallback>
   </mc:AlternateContent>
+  <p:timing>
+    <p:tnLst>
+      <p:par>
+        <p:cTn id="1" dur="indefinite" restart="never" nodeType="tmRoot"/>
+      </p:par>
+    </p:tnLst>
+  </p:timing>
 </p:sld>
 </file>
 
@@ -8736,17 +9038,20 @@
         </p:nvSpPr>
         <p:spPr>
           <a:xfrm>
-            <a:off x="2513011" y="2514600"/>
-            <a:ext cx="7467601" cy="3703320"/>
+            <a:off x="2513012" y="1848541"/>
+            <a:ext cx="10668000" cy="4636846"/>
           </a:xfrm>
         </p:spPr>
         <p:txBody>
           <a:bodyPr>
-            <a:normAutofit/>
+            <a:normAutofit lnSpcReduction="10000"/>
           </a:bodyPr>
           <a:lstStyle/>
           <a:p>
             <a:pPr lvl="1">
+              <a:lnSpc>
+                <a:spcPct val="160000"/>
+              </a:lnSpc>
               <a:buFont typeface="Arial" panose="020B0604020202020204" pitchFamily="34" charset="0"/>
               <a:buChar char="•"/>
             </a:pPr>
@@ -8761,6 +9066,9 @@
           </a:p>
           <a:p>
             <a:pPr lvl="1">
+              <a:lnSpc>
+                <a:spcPct val="170000"/>
+              </a:lnSpc>
               <a:buFont typeface="Arial" panose="020B0604020202020204" pitchFamily="34" charset="0"/>
               <a:buChar char="•"/>
             </a:pPr>
@@ -8785,6 +9093,9 @@
           </a:p>
           <a:p>
             <a:pPr lvl="1">
+              <a:lnSpc>
+                <a:spcPct val="150000"/>
+              </a:lnSpc>
               <a:buFont typeface="Arial" panose="020B0604020202020204" pitchFamily="34" charset="0"/>
               <a:buChar char="•"/>
             </a:pPr>
@@ -8803,6 +9114,9 @@
           </a:p>
           <a:p>
             <a:pPr lvl="1">
+              <a:lnSpc>
+                <a:spcPct val="150000"/>
+              </a:lnSpc>
               <a:buFont typeface="Arial" panose="020B0604020202020204" pitchFamily="34" charset="0"/>
               <a:buChar char="•"/>
             </a:pPr>
@@ -8840,10 +9154,9 @@
           <a:lstStyle/>
           <a:p>
             <a:r>
-              <a:rPr lang="en-US" dirty="0"/>
+              <a:rPr lang="en-US" sz="1600" dirty="0"/>
               <a:t>04/15/2016</a:t>
             </a:r>
-            <a:endParaRPr lang="en-US" dirty="0"/>
           </a:p>
         </p:txBody>
       </p:sp>
@@ -8863,7 +9176,7 @@
           <a:lstStyle/>
           <a:p>
             <a:r>
-              <a:rPr lang="en-US" dirty="0"/>
+              <a:rPr lang="en-US" sz="1600" dirty="0"/>
               <a:t>CS499 Team Hotspotter</a:t>
             </a:r>
           </a:p>
@@ -8885,10 +9198,49 @@
           <a:lstStyle/>
           <a:p>
             <a:fld id="{E5FD5434-F838-4DD4-A17B-1CB1A1850DF4}" type="slidenum">
-              <a:rPr lang="en-US" sz="1050" smtClean="0"/>
+              <a:rPr lang="en-US" sz="1600" smtClean="0"/>
               <a:t>4</a:t>
             </a:fld>
-            <a:endParaRPr lang="en-US" sz="1050" dirty="0"/>
+            <a:endParaRPr lang="en-US" sz="1600" dirty="0"/>
+          </a:p>
+        </p:txBody>
+      </p:sp>
+      <p:sp>
+        <p:nvSpPr>
+          <p:cNvPr id="7" name="TextBox 6"/>
+          <p:cNvSpPr txBox="1"/>
+          <p:nvPr/>
+        </p:nvSpPr>
+        <p:spPr>
+          <a:xfrm>
+            <a:off x="4646611" y="6449426"/>
+            <a:ext cx="2895600" cy="338554"/>
+          </a:xfrm>
+          <a:prstGeom prst="rect">
+            <a:avLst/>
+          </a:prstGeom>
+          <a:noFill/>
+        </p:spPr>
+        <p:txBody>
+          <a:bodyPr wrap="square" rtlCol="0">
+            <a:spAutoFit/>
+          </a:bodyPr>
+          <a:lstStyle/>
+          <a:p>
+            <a:pPr algn="ctr"/>
+            <a:r>
+              <a:rPr lang="en-US" sz="1600" dirty="0" smtClean="0"/>
+              <a:t>Dylan</a:t>
+            </a:r>
+            <a:r>
+              <a:rPr lang="en-US" sz="1050" dirty="0" smtClean="0"/>
+              <a:t> </a:t>
+            </a:r>
+            <a:r>
+              <a:rPr lang="en-US" sz="1600" dirty="0" smtClean="0"/>
+              <a:t>Williams</a:t>
+            </a:r>
+            <a:endParaRPr lang="en-US" sz="1600" dirty="0"/>
           </a:p>
         </p:txBody>
       </p:sp>
@@ -8914,6 +9266,13 @@
       </p:transition>
     </mc:Fallback>
   </mc:AlternateContent>
+  <p:timing>
+    <p:tnLst>
+      <p:par>
+        <p:cTn id="1" dur="indefinite" restart="never" nodeType="tmRoot"/>
+      </p:par>
+    </p:tnLst>
+  </p:timing>
 </p:sld>
 </file>
 
@@ -8944,92 +9303,83 @@
             <p:ph type="title"/>
           </p:nvPr>
         </p:nvSpPr>
+        <p:spPr>
+          <a:xfrm>
+            <a:off x="-1" y="284176"/>
+            <a:ext cx="12188825" cy="1508760"/>
+          </a:xfrm>
+        </p:spPr>
+        <p:txBody>
+          <a:bodyPr/>
+          <a:lstStyle/>
+          <a:p>
+            <a:pPr algn="ctr"/>
+            <a:r>
+              <a:rPr lang="en-US" dirty="0" smtClean="0"/>
+              <a:t>Project Capabilities</a:t>
+            </a:r>
+            <a:endParaRPr lang="en-US" dirty="0"/>
+          </a:p>
+        </p:txBody>
+      </p:sp>
+      <p:sp>
+        <p:nvSpPr>
+          <p:cNvPr id="5" name="Date Placeholder 4"/>
+          <p:cNvSpPr>
+            <a:spLocks noGrp="1"/>
+          </p:cNvSpPr>
+          <p:nvPr>
+            <p:ph type="dt" sz="half" idx="10"/>
+          </p:nvPr>
+        </p:nvSpPr>
         <p:spPr/>
         <p:txBody>
           <a:bodyPr/>
           <a:lstStyle/>
           <a:p>
-            <a:pPr algn="ctr"/>
-            <a:r>
-              <a:rPr lang="en-US" dirty="0" smtClean="0"/>
-              <a:t>Project Plan: Management</a:t>
-            </a:r>
-            <a:endParaRPr lang="en-US" dirty="0"/>
-          </a:p>
-        </p:txBody>
-      </p:sp>
-      <p:sp>
-        <p:nvSpPr>
-          <p:cNvPr id="3" name="Content Placeholder 2"/>
-          <p:cNvSpPr>
-            <a:spLocks noGrp="1"/>
-          </p:cNvSpPr>
-          <p:nvPr>
-            <p:ph idx="1"/>
+            <a:r>
+              <a:rPr lang="en-US" sz="1600" dirty="0" smtClean="0"/>
+              <a:t>04/15/2016</a:t>
+            </a:r>
+            <a:endParaRPr lang="en-US" sz="1600" dirty="0"/>
+          </a:p>
+        </p:txBody>
+      </p:sp>
+      <p:sp>
+        <p:nvSpPr>
+          <p:cNvPr id="6" name="Footer Placeholder 5"/>
+          <p:cNvSpPr>
+            <a:spLocks noGrp="1"/>
+          </p:cNvSpPr>
+          <p:nvPr>
+            <p:ph type="ftr" sz="quarter" idx="11"/>
           </p:nvPr>
         </p:nvSpPr>
         <p:spPr/>
         <p:txBody>
-          <a:bodyPr>
-            <a:normAutofit/>
-          </a:bodyPr>
-          <a:lstStyle/>
-          <a:p>
-            <a:r>
-              <a:rPr lang="en-US" dirty="0" smtClean="0"/>
-              <a:t>Defined GIT practices</a:t>
-            </a:r>
-          </a:p>
-          <a:p>
-            <a:pPr lvl="2"/>
-            <a:r>
-              <a:rPr lang="en-US" dirty="0" smtClean="0"/>
-              <a:t>Collaboration and responsibility</a:t>
-            </a:r>
-          </a:p>
-          <a:p>
-            <a:r>
-              <a:rPr lang="en-US" dirty="0" smtClean="0"/>
-              <a:t>Jira</a:t>
-            </a:r>
-          </a:p>
-          <a:p>
-            <a:pPr lvl="1"/>
-            <a:r>
-              <a:rPr lang="en-US" dirty="0" smtClean="0"/>
-              <a:t>Agile Planning</a:t>
-            </a:r>
-          </a:p>
-          <a:p>
-            <a:r>
-              <a:rPr lang="en-US" dirty="0" smtClean="0"/>
-              <a:t>Jenkins</a:t>
-            </a:r>
-          </a:p>
-          <a:p>
-            <a:pPr lvl="1"/>
-            <a:r>
-              <a:rPr lang="en-US" dirty="0" smtClean="0"/>
-              <a:t>Automated quality/tests</a:t>
-            </a:r>
-          </a:p>
-          <a:p>
-            <a:pPr lvl="1"/>
-            <a:r>
-              <a:rPr lang="en-US" dirty="0" smtClean="0"/>
-              <a:t>Automated deployment</a:t>
-            </a:r>
-          </a:p>
-        </p:txBody>
-      </p:sp>
-      <p:sp>
-        <p:nvSpPr>
-          <p:cNvPr id="4" name="Date Placeholder 3"/>
-          <p:cNvSpPr>
-            <a:spLocks noGrp="1"/>
-          </p:cNvSpPr>
-          <p:nvPr>
-            <p:ph type="dt" sz="half" idx="10"/>
+          <a:bodyPr/>
+          <a:lstStyle/>
+          <a:p>
+            <a:r>
+              <a:rPr lang="en-US" sz="1600" dirty="0"/>
+              <a:t>CS499 Team </a:t>
+            </a:r>
+            <a:r>
+              <a:rPr lang="en-US" sz="1600" dirty="0" err="1"/>
+              <a:t>Hotspotter</a:t>
+            </a:r>
+            <a:endParaRPr lang="en-US" sz="1600" dirty="0"/>
+          </a:p>
+        </p:txBody>
+      </p:sp>
+      <p:sp>
+        <p:nvSpPr>
+          <p:cNvPr id="7" name="Slide Number Placeholder 6"/>
+          <p:cNvSpPr>
+            <a:spLocks noGrp="1"/>
+          </p:cNvSpPr>
+          <p:nvPr>
+            <p:ph type="sldNum" sz="quarter" idx="12"/>
           </p:nvPr>
         </p:nvSpPr>
         <p:spPr/>
@@ -9037,162 +9387,151 @@
           <a:bodyPr/>
           <a:lstStyle/>
           <a:p>
-            <a:r>
-              <a:rPr lang="en-US" dirty="0"/>
-              <a:t>04/15/2016</a:t>
-            </a:r>
-            <a:endParaRPr lang="en-US" dirty="0"/>
-          </a:p>
-        </p:txBody>
-      </p:sp>
-      <p:sp>
-        <p:nvSpPr>
-          <p:cNvPr id="5" name="Footer Placeholder 4"/>
-          <p:cNvSpPr>
-            <a:spLocks noGrp="1"/>
-          </p:cNvSpPr>
-          <p:nvPr>
-            <p:ph type="ftr" sz="quarter" idx="11"/>
-          </p:nvPr>
-        </p:nvSpPr>
-        <p:spPr/>
-        <p:txBody>
-          <a:bodyPr/>
-          <a:lstStyle/>
-          <a:p>
-            <a:r>
-              <a:rPr lang="en-US" dirty="0"/>
-              <a:t>CS499 </a:t>
-            </a:r>
-            <a:r>
-              <a:rPr lang="en-US" dirty="0"/>
-              <a:t>Team</a:t>
-            </a:r>
-            <a:r>
-              <a:rPr lang="en-US" dirty="0"/>
-              <a:t> Hotspotter</a:t>
-            </a:r>
-            <a:endParaRPr lang="en-US" dirty="0"/>
-          </a:p>
-        </p:txBody>
-      </p:sp>
-      <p:sp>
-        <p:nvSpPr>
-          <p:cNvPr id="6" name="Slide Number Placeholder 5"/>
-          <p:cNvSpPr>
-            <a:spLocks noGrp="1"/>
-          </p:cNvSpPr>
-          <p:nvPr>
-            <p:ph type="sldNum" sz="quarter" idx="12"/>
-          </p:nvPr>
-        </p:nvSpPr>
-        <p:spPr/>
-        <p:txBody>
-          <a:bodyPr/>
-          <a:lstStyle/>
-          <a:p>
             <a:fld id="{E5FD5434-F838-4DD4-A17B-1CB1A1850DF4}" type="slidenum">
-              <a:rPr lang="en-US" smtClean="0"/>
+              <a:rPr lang="en-US" sz="1600" smtClean="0"/>
+              <a:pPr/>
               <a:t>5</a:t>
             </a:fld>
-            <a:endParaRPr lang="en-US" dirty="0"/>
-          </a:p>
-        </p:txBody>
-      </p:sp>
-      <p:pic>
-        <p:nvPicPr>
-          <p:cNvPr id="9" name="Picture 8"/>
-          <p:cNvPicPr>
-            <a:picLocks noChangeAspect="1"/>
-          </p:cNvPicPr>
+            <a:endParaRPr lang="en-US" sz="1600" dirty="0"/>
+          </a:p>
+        </p:txBody>
+      </p:sp>
+      <p:sp>
+        <p:nvSpPr>
+          <p:cNvPr id="12" name="TextBox 11"/>
+          <p:cNvSpPr txBox="1"/>
           <p:nvPr/>
-        </p:nvPicPr>
-        <p:blipFill>
-          <a:blip r:embed="rId2">
-            <a:extLst>
-              <a:ext uri="{28A0092B-C50C-407E-A947-70E740481C1C}">
-                <a14:useLocalDpi xmlns:a14="http://schemas.microsoft.com/office/drawing/2010/main" val="0"/>
-              </a:ext>
-            </a:extLst>
-          </a:blip>
-          <a:stretch>
-            <a:fillRect/>
-          </a:stretch>
-        </p:blipFill>
+        </p:nvSpPr>
         <p:spPr>
           <a:xfrm>
-            <a:off x="8058974" y="3637522"/>
-            <a:ext cx="2461877" cy="1157082"/>
+            <a:off x="2360612" y="2234973"/>
+            <a:ext cx="8582328" cy="3690241"/>
           </a:xfrm>
           <a:prstGeom prst="rect">
             <a:avLst/>
           </a:prstGeom>
+          <a:noFill/>
         </p:spPr>
-      </p:pic>
-      <p:pic>
-        <p:nvPicPr>
-          <p:cNvPr id="10" name="Picture 9"/>
-          <p:cNvPicPr>
-            <a:picLocks noChangeAspect="1"/>
-          </p:cNvPicPr>
+        <p:txBody>
+          <a:bodyPr wrap="square" rtlCol="0">
+            <a:spAutoFit/>
+          </a:bodyPr>
+          <a:lstStyle/>
+          <a:p>
+            <a:pPr marL="342900" indent="-342900">
+              <a:lnSpc>
+                <a:spcPct val="150000"/>
+              </a:lnSpc>
+              <a:buFont typeface="Arial"/>
+              <a:buChar char="•"/>
+            </a:pPr>
+            <a:r>
+              <a:rPr lang="en-US" sz="4000" dirty="0"/>
+              <a:t>Clone a public git based repository</a:t>
+            </a:r>
+          </a:p>
+          <a:p>
+            <a:pPr marL="342900" indent="-342900">
+              <a:lnSpc>
+                <a:spcPct val="150000"/>
+              </a:lnSpc>
+              <a:buFont typeface="Arial"/>
+              <a:buChar char="•"/>
+            </a:pPr>
+            <a:r>
+              <a:rPr lang="en-US" sz="4000" dirty="0"/>
+              <a:t>Run metrics </a:t>
+            </a:r>
+            <a:r>
+              <a:rPr lang="en-US" sz="4000" dirty="0" smtClean="0"/>
+              <a:t>on </a:t>
+            </a:r>
+            <a:r>
+              <a:rPr lang="en-US" sz="4000" dirty="0"/>
+              <a:t>cloned </a:t>
+            </a:r>
+            <a:r>
+              <a:rPr lang="en-US" sz="4000" dirty="0" smtClean="0"/>
+              <a:t>repository</a:t>
+            </a:r>
+            <a:endParaRPr lang="en-US" sz="4000" dirty="0"/>
+          </a:p>
+          <a:p>
+            <a:pPr marL="342900" indent="-342900">
+              <a:lnSpc>
+                <a:spcPct val="150000"/>
+              </a:lnSpc>
+              <a:buFont typeface="Arial"/>
+              <a:buChar char="•"/>
+            </a:pPr>
+            <a:r>
+              <a:rPr lang="en-US" sz="4000" dirty="0"/>
+              <a:t>Create graph of </a:t>
+            </a:r>
+            <a:r>
+              <a:rPr lang="en-US" sz="4000" dirty="0" smtClean="0"/>
+              <a:t>metrics</a:t>
+            </a:r>
+            <a:endParaRPr lang="en-US" sz="4000" dirty="0"/>
+          </a:p>
+          <a:p>
+            <a:pPr marL="342900" indent="-342900">
+              <a:lnSpc>
+                <a:spcPct val="150000"/>
+              </a:lnSpc>
+              <a:buFont typeface="Arial"/>
+              <a:buChar char="•"/>
+            </a:pPr>
+            <a:r>
+              <a:rPr lang="en-US" sz="4000" dirty="0"/>
+              <a:t>Export </a:t>
+            </a:r>
+            <a:r>
+              <a:rPr lang="en-US" sz="4000" dirty="0" smtClean="0"/>
+              <a:t>data to </a:t>
+            </a:r>
+            <a:r>
+              <a:rPr lang="en-US" sz="4000" dirty="0"/>
+              <a:t>a CSV file</a:t>
+            </a:r>
+          </a:p>
+        </p:txBody>
+      </p:sp>
+      <p:sp>
+        <p:nvSpPr>
+          <p:cNvPr id="8" name="TextBox 7"/>
+          <p:cNvSpPr txBox="1"/>
           <p:nvPr/>
-        </p:nvPicPr>
-        <p:blipFill>
-          <a:blip r:embed="rId3">
-            <a:extLst>
-              <a:ext uri="{28A0092B-C50C-407E-A947-70E740481C1C}">
-                <a14:useLocalDpi xmlns:a14="http://schemas.microsoft.com/office/drawing/2010/main" val="0"/>
-              </a:ext>
-            </a:extLst>
-          </a:blip>
-          <a:stretch>
-            <a:fillRect/>
-          </a:stretch>
-        </p:blipFill>
+        </p:nvSpPr>
         <p:spPr>
           <a:xfrm>
-            <a:off x="7847012" y="5162934"/>
-            <a:ext cx="3028950" cy="971550"/>
+            <a:off x="4646612" y="6449426"/>
+            <a:ext cx="2895600" cy="338554"/>
           </a:xfrm>
           <a:prstGeom prst="rect">
             <a:avLst/>
           </a:prstGeom>
+          <a:noFill/>
         </p:spPr>
-      </p:pic>
-      <p:pic>
-        <p:nvPicPr>
-          <p:cNvPr id="14" name="Picture 13"/>
-          <p:cNvPicPr>
-            <a:picLocks noChangeAspect="1"/>
-          </p:cNvPicPr>
-          <p:nvPr/>
-        </p:nvPicPr>
-        <p:blipFill>
-          <a:blip r:embed="rId4" cstate="print">
-            <a:extLst>
-              <a:ext uri="{28A0092B-C50C-407E-A947-70E740481C1C}">
-                <a14:useLocalDpi xmlns:a14="http://schemas.microsoft.com/office/drawing/2010/main" val="0"/>
-              </a:ext>
-            </a:extLst>
-          </a:blip>
-          <a:stretch>
-            <a:fillRect/>
-          </a:stretch>
-        </p:blipFill>
-        <p:spPr>
-          <a:xfrm>
-            <a:off x="8690449" y="2070266"/>
-            <a:ext cx="1198926" cy="1198926"/>
-          </a:xfrm>
-          <a:prstGeom prst="rect">
-            <a:avLst/>
-          </a:prstGeom>
-        </p:spPr>
-      </p:pic>
+        <p:txBody>
+          <a:bodyPr wrap="square" rtlCol="0">
+            <a:spAutoFit/>
+          </a:bodyPr>
+          <a:lstStyle/>
+          <a:p>
+            <a:pPr algn="ctr"/>
+            <a:r>
+              <a:rPr lang="en-US" sz="1600" dirty="0" smtClean="0"/>
+              <a:t>Spencer Smith</a:t>
+            </a:r>
+            <a:endParaRPr lang="en-US" sz="1600" dirty="0"/>
+          </a:p>
+        </p:txBody>
+      </p:sp>
     </p:spTree>
     <p:extLst>
       <p:ext uri="{BB962C8B-B14F-4D97-AF65-F5344CB8AC3E}">
-        <p14:creationId xmlns:p14="http://schemas.microsoft.com/office/powerpoint/2010/main" val="2806046062"/>
+        <p14:creationId xmlns:p14="http://schemas.microsoft.com/office/powerpoint/2010/main" val="2128315463"/>
       </p:ext>
     </p:extLst>
   </p:cSld>
@@ -9240,229 +9579,6 @@
       </p:grpSpPr>
       <p:sp>
         <p:nvSpPr>
-          <p:cNvPr id="2" name="Title 1"/>
-          <p:cNvSpPr>
-            <a:spLocks noGrp="1"/>
-          </p:cNvSpPr>
-          <p:nvPr>
-            <p:ph type="title"/>
-          </p:nvPr>
-        </p:nvSpPr>
-        <p:spPr/>
-        <p:txBody>
-          <a:bodyPr/>
-          <a:lstStyle/>
-          <a:p>
-            <a:pPr algn="ctr"/>
-            <a:r>
-              <a:rPr lang="en-US" dirty="0" smtClean="0"/>
-              <a:t>Project Plan: Management </a:t>
-            </a:r>
-            <a:r>
-              <a:rPr lang="en-US" sz="2000" i="1" dirty="0" smtClean="0"/>
-              <a:t>(Cont.)</a:t>
-            </a:r>
-            <a:endParaRPr lang="en-US" sz="2000" i="1" dirty="0"/>
-          </a:p>
-        </p:txBody>
-      </p:sp>
-      <p:sp>
-        <p:nvSpPr>
-          <p:cNvPr id="4" name="Date Placeholder 3"/>
-          <p:cNvSpPr>
-            <a:spLocks noGrp="1"/>
-          </p:cNvSpPr>
-          <p:nvPr>
-            <p:ph type="dt" sz="half" idx="10"/>
-          </p:nvPr>
-        </p:nvSpPr>
-        <p:spPr/>
-        <p:txBody>
-          <a:bodyPr/>
-          <a:lstStyle/>
-          <a:p>
-            <a:r>
-              <a:rPr lang="en-US" dirty="0"/>
-              <a:t>04/15/2016</a:t>
-            </a:r>
-            <a:endParaRPr lang="en-US" dirty="0"/>
-          </a:p>
-        </p:txBody>
-      </p:sp>
-      <p:sp>
-        <p:nvSpPr>
-          <p:cNvPr id="5" name="Footer Placeholder 4"/>
-          <p:cNvSpPr>
-            <a:spLocks noGrp="1"/>
-          </p:cNvSpPr>
-          <p:nvPr>
-            <p:ph type="ftr" sz="quarter" idx="11"/>
-          </p:nvPr>
-        </p:nvSpPr>
-        <p:spPr/>
-        <p:txBody>
-          <a:bodyPr/>
-          <a:lstStyle/>
-          <a:p>
-            <a:r>
-              <a:rPr lang="en-US" dirty="0"/>
-              <a:t>CS499 Team Hotspotter</a:t>
-            </a:r>
-          </a:p>
-        </p:txBody>
-      </p:sp>
-      <p:sp>
-        <p:nvSpPr>
-          <p:cNvPr id="6" name="Slide Number Placeholder 5"/>
-          <p:cNvSpPr>
-            <a:spLocks noGrp="1"/>
-          </p:cNvSpPr>
-          <p:nvPr>
-            <p:ph type="sldNum" sz="quarter" idx="12"/>
-          </p:nvPr>
-        </p:nvSpPr>
-        <p:spPr/>
-        <p:txBody>
-          <a:bodyPr/>
-          <a:lstStyle/>
-          <a:p>
-            <a:fld id="{E5FD5434-F838-4DD4-A17B-1CB1A1850DF4}" type="slidenum">
-              <a:rPr lang="en-US" sz="1050" smtClean="0"/>
-              <a:t>6</a:t>
-            </a:fld>
-            <a:endParaRPr lang="en-US" sz="1050" dirty="0"/>
-          </a:p>
-        </p:txBody>
-      </p:sp>
-      <p:pic>
-        <p:nvPicPr>
-          <p:cNvPr id="7" name="Picture 6"/>
-          <p:cNvPicPr>
-            <a:picLocks noChangeAspect="1"/>
-          </p:cNvPicPr>
-          <p:nvPr/>
-        </p:nvPicPr>
-        <p:blipFill>
-          <a:blip r:embed="rId2"/>
-          <a:stretch>
-            <a:fillRect/>
-          </a:stretch>
-        </p:blipFill>
-        <p:spPr>
-          <a:xfrm>
-            <a:off x="2985644" y="4047633"/>
-            <a:ext cx="5322223" cy="2557784"/>
-          </a:xfrm>
-          <a:prstGeom prst="rect">
-            <a:avLst/>
-          </a:prstGeom>
-        </p:spPr>
-      </p:pic>
-      <p:pic>
-        <p:nvPicPr>
-          <p:cNvPr id="3" name="Picture 2"/>
-          <p:cNvPicPr>
-            <a:picLocks noChangeAspect="1"/>
-          </p:cNvPicPr>
-          <p:nvPr/>
-        </p:nvPicPr>
-        <p:blipFill>
-          <a:blip r:embed="rId3"/>
-          <a:stretch>
-            <a:fillRect/>
-          </a:stretch>
-        </p:blipFill>
-        <p:spPr>
-          <a:xfrm>
-            <a:off x="6780212" y="1774167"/>
-            <a:ext cx="5313491" cy="2546906"/>
-          </a:xfrm>
-          <a:prstGeom prst="rect">
-            <a:avLst/>
-          </a:prstGeom>
-        </p:spPr>
-      </p:pic>
-      <p:pic>
-        <p:nvPicPr>
-          <p:cNvPr id="8" name="Picture 7"/>
-          <p:cNvPicPr>
-            <a:picLocks noChangeAspect="1"/>
-          </p:cNvPicPr>
-          <p:nvPr/>
-        </p:nvPicPr>
-        <p:blipFill>
-          <a:blip r:embed="rId4" cstate="print">
-            <a:extLst>
-              <a:ext uri="{28A0092B-C50C-407E-A947-70E740481C1C}">
-                <a14:useLocalDpi xmlns:a14="http://schemas.microsoft.com/office/drawing/2010/main" val="0"/>
-              </a:ext>
-            </a:extLst>
-          </a:blip>
-          <a:stretch>
-            <a:fillRect/>
-          </a:stretch>
-        </p:blipFill>
-        <p:spPr>
-          <a:xfrm>
-            <a:off x="9877" y="1828801"/>
-            <a:ext cx="4789136" cy="2349726"/>
-          </a:xfrm>
-          <a:prstGeom prst="rect">
-            <a:avLst/>
-          </a:prstGeom>
-        </p:spPr>
-      </p:pic>
-    </p:spTree>
-    <p:extLst>
-      <p:ext uri="{BB962C8B-B14F-4D97-AF65-F5344CB8AC3E}">
-        <p14:creationId xmlns:p14="http://schemas.microsoft.com/office/powerpoint/2010/main" val="3747307126"/>
-      </p:ext>
-    </p:extLst>
-  </p:cSld>
-  <p:clrMapOvr>
-    <a:masterClrMapping/>
-  </p:clrMapOvr>
-  <mc:AlternateContent xmlns:mc="http://schemas.openxmlformats.org/markup-compatibility/2006" xmlns:p14="http://schemas.microsoft.com/office/powerpoint/2010/main">
-    <mc:Choice Requires="p14">
-      <p:transition spd="med" p14:dur="700">
-        <p:fade/>
-      </p:transition>
-    </mc:Choice>
-    <mc:Fallback xmlns="">
-      <p:transition spd="med">
-        <p:fade/>
-      </p:transition>
-    </mc:Fallback>
-  </mc:AlternateContent>
-  <p:timing>
-    <p:tnLst>
-      <p:par>
-        <p:cTn id="1" dur="indefinite" restart="never" nodeType="tmRoot"/>
-      </p:par>
-    </p:tnLst>
-  </p:timing>
-</p:sld>
-</file>
-
-<file path=ppt/slides/slide7.xml><?xml version="1.0" encoding="utf-8"?>
-<p:sld xmlns:a="http://schemas.openxmlformats.org/drawingml/2006/main" xmlns:r="http://schemas.openxmlformats.org/officeDocument/2006/relationships" xmlns:p="http://schemas.openxmlformats.org/presentationml/2006/main">
-  <p:cSld>
-    <p:spTree>
-      <p:nvGrpSpPr>
-        <p:cNvPr id="1" name=""/>
-        <p:cNvGrpSpPr/>
-        <p:nvPr/>
-      </p:nvGrpSpPr>
-      <p:grpSpPr>
-        <a:xfrm>
-          <a:off x="0" y="0"/>
-          <a:ext cx="0" cy="0"/>
-          <a:chOff x="0" y="0"/>
-          <a:chExt cx="0" cy="0"/>
-        </a:xfrm>
-      </p:grpSpPr>
-      <p:sp>
-        <p:nvSpPr>
           <p:cNvPr id="3" name="Rectangle 2"/>
           <p:cNvSpPr/>
           <p:nvPr/>
@@ -9545,27 +9661,53 @@
             <p:ph type="dt" sz="half" idx="10"/>
           </p:nvPr>
         </p:nvSpPr>
+        <p:spPr>
+          <a:xfrm>
+            <a:off x="394991" y="6404209"/>
+            <a:ext cx="3000113" cy="365125"/>
+          </a:xfrm>
+        </p:spPr>
+        <p:txBody>
+          <a:bodyPr/>
+          <a:lstStyle/>
+          <a:p>
+            <a:r>
+              <a:rPr lang="en-US" sz="1600" dirty="0"/>
+              <a:t>04/15/2016</a:t>
+            </a:r>
+          </a:p>
+        </p:txBody>
+      </p:sp>
+      <p:sp>
+        <p:nvSpPr>
+          <p:cNvPr id="5" name="Footer Placeholder 4"/>
+          <p:cNvSpPr>
+            <a:spLocks noGrp="1"/>
+          </p:cNvSpPr>
+          <p:nvPr>
+            <p:ph type="ftr" sz="quarter" idx="11"/>
+          </p:nvPr>
+        </p:nvSpPr>
         <p:spPr/>
         <p:txBody>
           <a:bodyPr/>
           <a:lstStyle/>
           <a:p>
             <a:r>
-              <a:rPr lang="en-US" dirty="0"/>
-              <a:t>04/15/2016</a:t>
-            </a:r>
-            <a:endParaRPr lang="en-US" dirty="0"/>
-          </a:p>
-        </p:txBody>
-      </p:sp>
-      <p:sp>
-        <p:nvSpPr>
-          <p:cNvPr id="5" name="Footer Placeholder 4"/>
-          <p:cNvSpPr>
-            <a:spLocks noGrp="1"/>
-          </p:cNvSpPr>
-          <p:nvPr>
-            <p:ph type="ftr" sz="quarter" idx="11"/>
+              <a:rPr lang="en-US" sz="1600" dirty="0"/>
+              <a:t>CS499 Team Hotspotter</a:t>
+            </a:r>
+          </a:p>
+        </p:txBody>
+      </p:sp>
+      <p:sp>
+        <p:nvSpPr>
+          <p:cNvPr id="6" name="Slide Number Placeholder 5"/>
+          <p:cNvSpPr>
+            <a:spLocks noGrp="1"/>
+          </p:cNvSpPr>
+          <p:nvPr>
+            <p:ph type="sldNum" sz="quarter" idx="12"/>
           </p:nvPr>
         </p:nvSpPr>
         <p:spPr/>
@@ -9573,33 +9715,11 @@
           <a:bodyPr/>
           <a:lstStyle/>
           <a:p>
-            <a:r>
-              <a:rPr lang="en-US" dirty="0"/>
-              <a:t>CS499 Team Hotspotter</a:t>
-            </a:r>
-          </a:p>
-        </p:txBody>
-      </p:sp>
-      <p:sp>
-        <p:nvSpPr>
-          <p:cNvPr id="6" name="Slide Number Placeholder 5"/>
-          <p:cNvSpPr>
-            <a:spLocks noGrp="1"/>
-          </p:cNvSpPr>
-          <p:nvPr>
-            <p:ph type="sldNum" sz="quarter" idx="12"/>
-          </p:nvPr>
-        </p:nvSpPr>
-        <p:spPr/>
-        <p:txBody>
-          <a:bodyPr/>
-          <a:lstStyle/>
-          <a:p>
             <a:fld id="{E5FD5434-F838-4DD4-A17B-1CB1A1850DF4}" type="slidenum">
-              <a:rPr lang="en-US" sz="1050" smtClean="0"/>
-              <a:t>7</a:t>
+              <a:rPr lang="en-US" sz="1600" smtClean="0"/>
+              <a:t>6</a:t>
             </a:fld>
-            <a:endParaRPr lang="en-US" sz="1050" dirty="0"/>
+            <a:endParaRPr lang="en-US" sz="1600" dirty="0"/>
           </a:p>
         </p:txBody>
       </p:sp>
@@ -9625,7 +9745,7 @@
         </p:blipFill>
         <p:spPr>
           <a:xfrm>
-            <a:off x="1839713" y="1226077"/>
+            <a:off x="1919501" y="1297125"/>
             <a:ext cx="7628741" cy="5366427"/>
           </a:xfrm>
           <a:prstGeom prst="rect">
@@ -9752,6 +9872,37 @@
           </a:prstGeom>
         </p:spPr>
       </p:pic>
+      <p:sp>
+        <p:nvSpPr>
+          <p:cNvPr id="12" name="TextBox 11"/>
+          <p:cNvSpPr txBox="1"/>
+          <p:nvPr/>
+        </p:nvSpPr>
+        <p:spPr>
+          <a:xfrm>
+            <a:off x="829603" y="6430780"/>
+            <a:ext cx="2895600" cy="338554"/>
+          </a:xfrm>
+          <a:prstGeom prst="rect">
+            <a:avLst/>
+          </a:prstGeom>
+          <a:noFill/>
+        </p:spPr>
+        <p:txBody>
+          <a:bodyPr wrap="square" rtlCol="0">
+            <a:spAutoFit/>
+          </a:bodyPr>
+          <a:lstStyle/>
+          <a:p>
+            <a:pPr algn="ctr"/>
+            <a:r>
+              <a:rPr lang="en-US" sz="1600" dirty="0" smtClean="0"/>
+              <a:t>Spencer Smith</a:t>
+            </a:r>
+            <a:endParaRPr lang="en-US" sz="1600" dirty="0"/>
+          </a:p>
+        </p:txBody>
+      </p:sp>
     </p:spTree>
     <p:extLst>
       <p:ext uri="{BB962C8B-B14F-4D97-AF65-F5344CB8AC3E}">
@@ -9774,10 +9925,17 @@
       </p:transition>
     </mc:Fallback>
   </mc:AlternateContent>
+  <p:timing>
+    <p:tnLst>
+      <p:par>
+        <p:cTn id="1" dur="indefinite" restart="never" nodeType="tmRoot"/>
+      </p:par>
+    </p:tnLst>
+  </p:timing>
 </p:sld>
 </file>
 
-<file path=ppt/slides/slide8.xml><?xml version="1.0" encoding="utf-8"?>
+<file path=ppt/slides/slide7.xml><?xml version="1.0" encoding="utf-8"?>
 <p:sld xmlns:a="http://schemas.openxmlformats.org/drawingml/2006/main" xmlns:r="http://schemas.openxmlformats.org/officeDocument/2006/relationships" xmlns:p="http://schemas.openxmlformats.org/presentationml/2006/main">
   <p:cSld>
     <p:spTree>
@@ -9805,21 +9963,27 @@
           </p:nvPr>
         </p:nvSpPr>
         <p:spPr>
-          <a:xfrm>
-            <a:off x="-1" y="284176"/>
-            <a:ext cx="12188825" cy="1508760"/>
+          <a:xfrm rot="1518443">
+            <a:off x="-25458" y="2571527"/>
+            <a:ext cx="12341374" cy="1508760"/>
           </a:xfrm>
         </p:spPr>
         <p:txBody>
           <a:bodyPr/>
           <a:lstStyle/>
           <a:p>
-            <a:pPr algn="ctr"/>
-            <a:r>
-              <a:rPr lang="en-US" dirty="0" smtClean="0"/>
-              <a:t>Project Capabilities</a:t>
-            </a:r>
-            <a:endParaRPr lang="en-US" dirty="0"/>
+            <a:r>
+              <a:rPr lang="en-US" dirty="0"/>
+              <a:t>DEMO DEMO </a:t>
+            </a:r>
+            <a:r>
+              <a:rPr lang="en-US" dirty="0">
+                <a:solidFill>
+                  <a:schemeClr val="tx1"/>
+                </a:solidFill>
+              </a:rPr>
+              <a:t>DEMO DEMO DEMO DEMO DEMO DEMO</a:t>
+            </a:r>
           </a:p>
         </p:txBody>
       </p:sp>
@@ -9839,10 +10003,10 @@
           <a:lstStyle/>
           <a:p>
             <a:r>
-              <a:rPr lang="en-US" smtClean="0"/>
+              <a:rPr lang="en-US" sz="1600" dirty="0" smtClean="0"/>
               <a:t>04/15/2016</a:t>
             </a:r>
-            <a:endParaRPr lang="en-US"/>
+            <a:endParaRPr lang="en-US" sz="1600" dirty="0"/>
           </a:p>
         </p:txBody>
       </p:sp>
@@ -9862,7 +10026,7 @@
           <a:lstStyle/>
           <a:p>
             <a:r>
-              <a:rPr lang="en-US"/>
+              <a:rPr lang="en-US" sz="1600"/>
               <a:t>CS499 Team Hotspotter</a:t>
             </a:r>
           </a:p>
@@ -9884,24 +10048,24 @@
           <a:lstStyle/>
           <a:p>
             <a:fld id="{E5FD5434-F838-4DD4-A17B-1CB1A1850DF4}" type="slidenum">
-              <a:rPr lang="en-US" smtClean="0"/>
+              <a:rPr lang="en-US" sz="1600" smtClean="0"/>
               <a:pPr/>
-              <a:t>8</a:t>
+              <a:t>7</a:t>
             </a:fld>
-            <a:endParaRPr lang="en-US"/>
-          </a:p>
-        </p:txBody>
-      </p:sp>
-      <p:sp>
-        <p:nvSpPr>
-          <p:cNvPr id="12" name="TextBox 11"/>
+            <a:endParaRPr lang="en-US" sz="1600"/>
+          </a:p>
+        </p:txBody>
+      </p:sp>
+      <p:sp>
+        <p:nvSpPr>
+          <p:cNvPr id="8" name="TextBox 7"/>
           <p:cNvSpPr txBox="1"/>
           <p:nvPr/>
         </p:nvSpPr>
         <p:spPr>
           <a:xfrm>
-            <a:off x="2055812" y="2438400"/>
-            <a:ext cx="8379351" cy="2554545"/>
+            <a:off x="4646611" y="6478459"/>
+            <a:ext cx="2895600" cy="338554"/>
           </a:xfrm>
           <a:prstGeom prst="rect">
             <a:avLst/>
@@ -9914,211 +10078,12 @@
           </a:bodyPr>
           <a:lstStyle/>
           <a:p>
-            <a:pPr marL="342900" indent="-342900">
-              <a:buFont typeface="Arial"/>
-              <a:buChar char="•"/>
-            </a:pPr>
-            <a:r>
-              <a:rPr lang="en-US" sz="4000" dirty="0"/>
-              <a:t>Clone a public git based repository</a:t>
-            </a:r>
-          </a:p>
-          <a:p>
-            <a:pPr marL="342900" indent="-342900">
-              <a:buFont typeface="Arial"/>
-              <a:buChar char="•"/>
-            </a:pPr>
-            <a:r>
-              <a:rPr lang="en-US" sz="4000" dirty="0"/>
-              <a:t>Run metrics </a:t>
-            </a:r>
-            <a:r>
-              <a:rPr lang="en-US" sz="4000" dirty="0" smtClean="0"/>
-              <a:t>on </a:t>
-            </a:r>
-            <a:r>
-              <a:rPr lang="en-US" sz="4000" dirty="0"/>
-              <a:t>cloned repository</a:t>
-            </a:r>
-          </a:p>
-          <a:p>
-            <a:pPr marL="342900" indent="-342900">
-              <a:buFont typeface="Arial"/>
-              <a:buChar char="•"/>
-            </a:pPr>
-            <a:r>
-              <a:rPr lang="en-US" sz="4000" dirty="0"/>
-              <a:t>Create graph of </a:t>
-            </a:r>
-            <a:r>
-              <a:rPr lang="en-US" sz="4000" dirty="0" smtClean="0"/>
-              <a:t>metrics</a:t>
-            </a:r>
-            <a:endParaRPr lang="en-US" sz="4000" dirty="0"/>
-          </a:p>
-          <a:p>
-            <a:pPr marL="342900" indent="-342900">
-              <a:buFont typeface="Arial"/>
-              <a:buChar char="•"/>
-            </a:pPr>
-            <a:r>
-              <a:rPr lang="en-US" sz="4000" dirty="0"/>
-              <a:t>Export </a:t>
-            </a:r>
-            <a:r>
-              <a:rPr lang="en-US" sz="4000" dirty="0" smtClean="0"/>
-              <a:t>data to </a:t>
-            </a:r>
-            <a:r>
-              <a:rPr lang="en-US" sz="4000" dirty="0"/>
-              <a:t>a CSV file</a:t>
-            </a:r>
-          </a:p>
-        </p:txBody>
-      </p:sp>
-    </p:spTree>
-    <p:extLst>
-      <p:ext uri="{BB962C8B-B14F-4D97-AF65-F5344CB8AC3E}">
-        <p14:creationId xmlns:p14="http://schemas.microsoft.com/office/powerpoint/2010/main" val="2128315463"/>
-      </p:ext>
-    </p:extLst>
-  </p:cSld>
-  <p:clrMapOvr>
-    <a:masterClrMapping/>
-  </p:clrMapOvr>
-  <mc:AlternateContent xmlns:mc="http://schemas.openxmlformats.org/markup-compatibility/2006" xmlns:p14="http://schemas.microsoft.com/office/powerpoint/2010/main">
-    <mc:Choice Requires="p14">
-      <p:transition spd="med" p14:dur="700">
-        <p:fade/>
-      </p:transition>
-    </mc:Choice>
-    <mc:Fallback xmlns="">
-      <p:transition spd="med">
-        <p:fade/>
-      </p:transition>
-    </mc:Fallback>
-  </mc:AlternateContent>
-</p:sld>
-</file>
-
-<file path=ppt/slides/slide9.xml><?xml version="1.0" encoding="utf-8"?>
-<p:sld xmlns:a="http://schemas.openxmlformats.org/drawingml/2006/main" xmlns:r="http://schemas.openxmlformats.org/officeDocument/2006/relationships" xmlns:p="http://schemas.openxmlformats.org/presentationml/2006/main">
-  <p:cSld>
-    <p:spTree>
-      <p:nvGrpSpPr>
-        <p:cNvPr id="1" name=""/>
-        <p:cNvGrpSpPr/>
-        <p:nvPr/>
-      </p:nvGrpSpPr>
-      <p:grpSpPr>
-        <a:xfrm>
-          <a:off x="0" y="0"/>
-          <a:ext cx="0" cy="0"/>
-          <a:chOff x="0" y="0"/>
-          <a:chExt cx="0" cy="0"/>
-        </a:xfrm>
-      </p:grpSpPr>
-      <p:sp>
-        <p:nvSpPr>
-          <p:cNvPr id="2" name="Title 1"/>
-          <p:cNvSpPr>
-            <a:spLocks noGrp="1"/>
-          </p:cNvSpPr>
-          <p:nvPr>
-            <p:ph type="title"/>
-          </p:nvPr>
-        </p:nvSpPr>
-        <p:spPr>
-          <a:xfrm rot="1518443">
-            <a:off x="-25458" y="2571527"/>
-            <a:ext cx="12341374" cy="1508760"/>
-          </a:xfrm>
-        </p:spPr>
-        <p:txBody>
-          <a:bodyPr/>
-          <a:lstStyle/>
-          <a:p>
-            <a:r>
-              <a:rPr lang="en-US" dirty="0"/>
-              <a:t>DEMO DEMO </a:t>
-            </a:r>
-            <a:r>
-              <a:rPr lang="en-US" dirty="0">
-                <a:solidFill>
-                  <a:schemeClr val="tx1"/>
-                </a:solidFill>
-              </a:rPr>
-              <a:t>DEMO DEMO DEMO DEMO DEMO DEMO</a:t>
-            </a:r>
-          </a:p>
-        </p:txBody>
-      </p:sp>
-      <p:sp>
-        <p:nvSpPr>
-          <p:cNvPr id="5" name="Date Placeholder 4"/>
-          <p:cNvSpPr>
-            <a:spLocks noGrp="1"/>
-          </p:cNvSpPr>
-          <p:nvPr>
-            <p:ph type="dt" sz="half" idx="10"/>
-          </p:nvPr>
-        </p:nvSpPr>
-        <p:spPr/>
-        <p:txBody>
-          <a:bodyPr/>
-          <a:lstStyle/>
-          <a:p>
-            <a:r>
-              <a:rPr lang="en-US" dirty="0" smtClean="0"/>
-              <a:t>04/15/2016</a:t>
-            </a:r>
-            <a:endParaRPr lang="en-US" dirty="0"/>
-          </a:p>
-        </p:txBody>
-      </p:sp>
-      <p:sp>
-        <p:nvSpPr>
-          <p:cNvPr id="6" name="Footer Placeholder 5"/>
-          <p:cNvSpPr>
-            <a:spLocks noGrp="1"/>
-          </p:cNvSpPr>
-          <p:nvPr>
-            <p:ph type="ftr" sz="quarter" idx="11"/>
-          </p:nvPr>
-        </p:nvSpPr>
-        <p:spPr/>
-        <p:txBody>
-          <a:bodyPr/>
-          <a:lstStyle/>
-          <a:p>
-            <a:r>
-              <a:rPr lang="en-US"/>
-              <a:t>CS499 Team Hotspotter</a:t>
-            </a:r>
-          </a:p>
-        </p:txBody>
-      </p:sp>
-      <p:sp>
-        <p:nvSpPr>
-          <p:cNvPr id="7" name="Slide Number Placeholder 6"/>
-          <p:cNvSpPr>
-            <a:spLocks noGrp="1"/>
-          </p:cNvSpPr>
-          <p:nvPr>
-            <p:ph type="sldNum" sz="quarter" idx="12"/>
-          </p:nvPr>
-        </p:nvSpPr>
-        <p:spPr/>
-        <p:txBody>
-          <a:bodyPr/>
-          <a:lstStyle/>
-          <a:p>
-            <a:fld id="{E5FD5434-F838-4DD4-A17B-1CB1A1850DF4}" type="slidenum">
-              <a:rPr lang="en-US" smtClean="0"/>
-              <a:pPr/>
-              <a:t>9</a:t>
-            </a:fld>
-            <a:endParaRPr lang="en-US"/>
+            <a:pPr algn="ctr"/>
+            <a:r>
+              <a:rPr lang="en-US" sz="1600" dirty="0" smtClean="0"/>
+              <a:t>Spencer Smith</a:t>
+            </a:r>
+            <a:endParaRPr lang="en-US" sz="1600" dirty="0"/>
           </a:p>
         </p:txBody>
       </p:sp>
@@ -10144,13 +10109,602 @@
       </p:transition>
     </mc:Fallback>
   </mc:AlternateContent>
+  <p:timing>
+    <p:tnLst>
+      <p:par>
+        <p:cTn id="1" dur="indefinite" restart="never" nodeType="tmRoot"/>
+      </p:par>
+    </p:tnLst>
+  </p:timing>
+</p:sld>
+</file>
+
+<file path=ppt/slides/slide8.xml><?xml version="1.0" encoding="utf-8"?>
+<p:sld xmlns:a="http://schemas.openxmlformats.org/drawingml/2006/main" xmlns:r="http://schemas.openxmlformats.org/officeDocument/2006/relationships" xmlns:p="http://schemas.openxmlformats.org/presentationml/2006/main">
+  <p:cSld>
+    <p:spTree>
+      <p:nvGrpSpPr>
+        <p:cNvPr id="1" name=""/>
+        <p:cNvGrpSpPr/>
+        <p:nvPr/>
+      </p:nvGrpSpPr>
+      <p:grpSpPr>
+        <a:xfrm>
+          <a:off x="0" y="0"/>
+          <a:ext cx="0" cy="0"/>
+          <a:chOff x="0" y="0"/>
+          <a:chExt cx="0" cy="0"/>
+        </a:xfrm>
+      </p:grpSpPr>
+      <p:sp>
+        <p:nvSpPr>
+          <p:cNvPr id="2" name="Title 1"/>
+          <p:cNvSpPr>
+            <a:spLocks noGrp="1"/>
+          </p:cNvSpPr>
+          <p:nvPr>
+            <p:ph type="title"/>
+          </p:nvPr>
+        </p:nvSpPr>
+        <p:spPr/>
+        <p:txBody>
+          <a:bodyPr/>
+          <a:lstStyle/>
+          <a:p>
+            <a:pPr algn="ctr"/>
+            <a:r>
+              <a:rPr lang="en-US" dirty="0" smtClean="0"/>
+              <a:t>Project Management</a:t>
+            </a:r>
+            <a:endParaRPr lang="en-US" dirty="0"/>
+          </a:p>
+        </p:txBody>
+      </p:sp>
+      <p:sp>
+        <p:nvSpPr>
+          <p:cNvPr id="3" name="Content Placeholder 2"/>
+          <p:cNvSpPr>
+            <a:spLocks noGrp="1"/>
+          </p:cNvSpPr>
+          <p:nvPr>
+            <p:ph idx="1"/>
+          </p:nvPr>
+        </p:nvSpPr>
+        <p:spPr/>
+        <p:txBody>
+          <a:bodyPr>
+            <a:normAutofit/>
+          </a:bodyPr>
+          <a:lstStyle/>
+          <a:p>
+            <a:r>
+              <a:rPr lang="en-US" dirty="0" smtClean="0"/>
+              <a:t>Defined GIT practices</a:t>
+            </a:r>
+          </a:p>
+          <a:p>
+            <a:pPr lvl="2"/>
+            <a:r>
+              <a:rPr lang="en-US" dirty="0" smtClean="0"/>
+              <a:t>Collaboration and responsibility</a:t>
+            </a:r>
+          </a:p>
+          <a:p>
+            <a:r>
+              <a:rPr lang="en-US" dirty="0" smtClean="0"/>
+              <a:t>Jira</a:t>
+            </a:r>
+          </a:p>
+          <a:p>
+            <a:pPr lvl="1"/>
+            <a:r>
+              <a:rPr lang="en-US" dirty="0" smtClean="0"/>
+              <a:t>Agile Planning</a:t>
+            </a:r>
+          </a:p>
+          <a:p>
+            <a:r>
+              <a:rPr lang="en-US" dirty="0" smtClean="0"/>
+              <a:t>Jenkins</a:t>
+            </a:r>
+          </a:p>
+          <a:p>
+            <a:pPr lvl="1"/>
+            <a:r>
+              <a:rPr lang="en-US" dirty="0" smtClean="0"/>
+              <a:t>Automated quality/tests</a:t>
+            </a:r>
+          </a:p>
+          <a:p>
+            <a:pPr lvl="1"/>
+            <a:r>
+              <a:rPr lang="en-US" dirty="0" smtClean="0"/>
+              <a:t>Automated deployment</a:t>
+            </a:r>
+          </a:p>
+        </p:txBody>
+      </p:sp>
+      <p:sp>
+        <p:nvSpPr>
+          <p:cNvPr id="4" name="Date Placeholder 3"/>
+          <p:cNvSpPr>
+            <a:spLocks noGrp="1"/>
+          </p:cNvSpPr>
+          <p:nvPr>
+            <p:ph type="dt" sz="half" idx="10"/>
+          </p:nvPr>
+        </p:nvSpPr>
+        <p:spPr/>
+        <p:txBody>
+          <a:bodyPr/>
+          <a:lstStyle/>
+          <a:p>
+            <a:r>
+              <a:rPr lang="en-US" sz="1600" dirty="0"/>
+              <a:t>04/15/2016</a:t>
+            </a:r>
+          </a:p>
+        </p:txBody>
+      </p:sp>
+      <p:sp>
+        <p:nvSpPr>
+          <p:cNvPr id="5" name="Footer Placeholder 4"/>
+          <p:cNvSpPr>
+            <a:spLocks noGrp="1"/>
+          </p:cNvSpPr>
+          <p:nvPr>
+            <p:ph type="ftr" sz="quarter" idx="11"/>
+          </p:nvPr>
+        </p:nvSpPr>
+        <p:spPr/>
+        <p:txBody>
+          <a:bodyPr/>
+          <a:lstStyle/>
+          <a:p>
+            <a:r>
+              <a:rPr lang="en-US" sz="1600" dirty="0"/>
+              <a:t>CS499 Team Hotspotter</a:t>
+            </a:r>
+          </a:p>
+        </p:txBody>
+      </p:sp>
+      <p:sp>
+        <p:nvSpPr>
+          <p:cNvPr id="6" name="Slide Number Placeholder 5"/>
+          <p:cNvSpPr>
+            <a:spLocks noGrp="1"/>
+          </p:cNvSpPr>
+          <p:nvPr>
+            <p:ph type="sldNum" sz="quarter" idx="12"/>
+          </p:nvPr>
+        </p:nvSpPr>
+        <p:spPr/>
+        <p:txBody>
+          <a:bodyPr/>
+          <a:lstStyle/>
+          <a:p>
+            <a:fld id="{E5FD5434-F838-4DD4-A17B-1CB1A1850DF4}" type="slidenum">
+              <a:rPr lang="en-US" sz="1600" smtClean="0"/>
+              <a:t>8</a:t>
+            </a:fld>
+            <a:endParaRPr lang="en-US" sz="1600" dirty="0"/>
+          </a:p>
+        </p:txBody>
+      </p:sp>
+      <p:pic>
+        <p:nvPicPr>
+          <p:cNvPr id="9" name="Picture 8"/>
+          <p:cNvPicPr>
+            <a:picLocks noChangeAspect="1"/>
+          </p:cNvPicPr>
+          <p:nvPr/>
+        </p:nvPicPr>
+        <p:blipFill>
+          <a:blip r:embed="rId2">
+            <a:extLst>
+              <a:ext uri="{28A0092B-C50C-407E-A947-70E740481C1C}">
+                <a14:useLocalDpi xmlns:a14="http://schemas.microsoft.com/office/drawing/2010/main" val="0"/>
+              </a:ext>
+            </a:extLst>
+          </a:blip>
+          <a:stretch>
+            <a:fillRect/>
+          </a:stretch>
+        </p:blipFill>
+        <p:spPr>
+          <a:xfrm>
+            <a:off x="8058974" y="3637522"/>
+            <a:ext cx="2461877" cy="1157082"/>
+          </a:xfrm>
+          <a:prstGeom prst="rect">
+            <a:avLst/>
+          </a:prstGeom>
+        </p:spPr>
+      </p:pic>
+      <p:pic>
+        <p:nvPicPr>
+          <p:cNvPr id="10" name="Picture 9"/>
+          <p:cNvPicPr>
+            <a:picLocks noChangeAspect="1"/>
+          </p:cNvPicPr>
+          <p:nvPr/>
+        </p:nvPicPr>
+        <p:blipFill>
+          <a:blip r:embed="rId3">
+            <a:extLst>
+              <a:ext uri="{28A0092B-C50C-407E-A947-70E740481C1C}">
+                <a14:useLocalDpi xmlns:a14="http://schemas.microsoft.com/office/drawing/2010/main" val="0"/>
+              </a:ext>
+            </a:extLst>
+          </a:blip>
+          <a:stretch>
+            <a:fillRect/>
+          </a:stretch>
+        </p:blipFill>
+        <p:spPr>
+          <a:xfrm>
+            <a:off x="7847012" y="5162934"/>
+            <a:ext cx="3028950" cy="971550"/>
+          </a:xfrm>
+          <a:prstGeom prst="rect">
+            <a:avLst/>
+          </a:prstGeom>
+        </p:spPr>
+      </p:pic>
+      <p:pic>
+        <p:nvPicPr>
+          <p:cNvPr id="14" name="Picture 13"/>
+          <p:cNvPicPr>
+            <a:picLocks noChangeAspect="1"/>
+          </p:cNvPicPr>
+          <p:nvPr/>
+        </p:nvPicPr>
+        <p:blipFill>
+          <a:blip r:embed="rId4" cstate="print">
+            <a:extLst>
+              <a:ext uri="{28A0092B-C50C-407E-A947-70E740481C1C}">
+                <a14:useLocalDpi xmlns:a14="http://schemas.microsoft.com/office/drawing/2010/main" val="0"/>
+              </a:ext>
+            </a:extLst>
+          </a:blip>
+          <a:stretch>
+            <a:fillRect/>
+          </a:stretch>
+        </p:blipFill>
+        <p:spPr>
+          <a:xfrm>
+            <a:off x="8690449" y="2070266"/>
+            <a:ext cx="1198926" cy="1198926"/>
+          </a:xfrm>
+          <a:prstGeom prst="rect">
+            <a:avLst/>
+          </a:prstGeom>
+        </p:spPr>
+      </p:pic>
+      <p:sp>
+        <p:nvSpPr>
+          <p:cNvPr id="11" name="TextBox 10"/>
+          <p:cNvSpPr txBox="1"/>
+          <p:nvPr/>
+        </p:nvSpPr>
+        <p:spPr>
+          <a:xfrm>
+            <a:off x="4646611" y="6478459"/>
+            <a:ext cx="2895600" cy="338554"/>
+          </a:xfrm>
+          <a:prstGeom prst="rect">
+            <a:avLst/>
+          </a:prstGeom>
+          <a:noFill/>
+        </p:spPr>
+        <p:txBody>
+          <a:bodyPr wrap="square" rtlCol="0">
+            <a:spAutoFit/>
+          </a:bodyPr>
+          <a:lstStyle/>
+          <a:p>
+            <a:pPr algn="ctr"/>
+            <a:r>
+              <a:rPr lang="en-US" sz="1600" dirty="0" smtClean="0"/>
+              <a:t>Nathan Reinhardt</a:t>
+            </a:r>
+            <a:endParaRPr lang="en-US" sz="1600" dirty="0"/>
+          </a:p>
+        </p:txBody>
+      </p:sp>
+    </p:spTree>
+    <p:extLst>
+      <p:ext uri="{BB962C8B-B14F-4D97-AF65-F5344CB8AC3E}">
+        <p14:creationId xmlns:p14="http://schemas.microsoft.com/office/powerpoint/2010/main" val="2806046062"/>
+      </p:ext>
+    </p:extLst>
+  </p:cSld>
+  <p:clrMapOvr>
+    <a:masterClrMapping/>
+  </p:clrMapOvr>
+  <mc:AlternateContent xmlns:mc="http://schemas.openxmlformats.org/markup-compatibility/2006" xmlns:p14="http://schemas.microsoft.com/office/powerpoint/2010/main">
+    <mc:Choice Requires="p14">
+      <p:transition spd="med" p14:dur="700">
+        <p:fade/>
+      </p:transition>
+    </mc:Choice>
+    <mc:Fallback xmlns="">
+      <p:transition spd="med">
+        <p:fade/>
+      </p:transition>
+    </mc:Fallback>
+  </mc:AlternateContent>
+  <p:timing>
+    <p:tnLst>
+      <p:par>
+        <p:cTn id="1" dur="indefinite" restart="never" nodeType="tmRoot"/>
+      </p:par>
+    </p:tnLst>
+  </p:timing>
+</p:sld>
+</file>
+
+<file path=ppt/slides/slide9.xml><?xml version="1.0" encoding="utf-8"?>
+<p:sld xmlns:a="http://schemas.openxmlformats.org/drawingml/2006/main" xmlns:r="http://schemas.openxmlformats.org/officeDocument/2006/relationships" xmlns:p="http://schemas.openxmlformats.org/presentationml/2006/main">
+  <p:cSld>
+    <p:spTree>
+      <p:nvGrpSpPr>
+        <p:cNvPr id="1" name=""/>
+        <p:cNvGrpSpPr/>
+        <p:nvPr/>
+      </p:nvGrpSpPr>
+      <p:grpSpPr>
+        <a:xfrm>
+          <a:off x="0" y="0"/>
+          <a:ext cx="0" cy="0"/>
+          <a:chOff x="0" y="0"/>
+          <a:chExt cx="0" cy="0"/>
+        </a:xfrm>
+      </p:grpSpPr>
+      <p:sp>
+        <p:nvSpPr>
+          <p:cNvPr id="2" name="Title 1"/>
+          <p:cNvSpPr>
+            <a:spLocks noGrp="1"/>
+          </p:cNvSpPr>
+          <p:nvPr>
+            <p:ph type="title"/>
+          </p:nvPr>
+        </p:nvSpPr>
+        <p:spPr/>
+        <p:txBody>
+          <a:bodyPr/>
+          <a:lstStyle/>
+          <a:p>
+            <a:pPr algn="ctr"/>
+            <a:r>
+              <a:rPr lang="en-US" dirty="0" smtClean="0"/>
+              <a:t>Project </a:t>
+            </a:r>
+            <a:r>
+              <a:rPr lang="en-US" dirty="0" smtClean="0"/>
+              <a:t>Management </a:t>
+            </a:r>
+            <a:r>
+              <a:rPr lang="en-US" sz="2000" i="1" dirty="0" smtClean="0"/>
+              <a:t>(Cont.)</a:t>
+            </a:r>
+            <a:endParaRPr lang="en-US" sz="2000" i="1" dirty="0"/>
+          </a:p>
+        </p:txBody>
+      </p:sp>
+      <p:sp>
+        <p:nvSpPr>
+          <p:cNvPr id="4" name="Date Placeholder 3"/>
+          <p:cNvSpPr>
+            <a:spLocks noGrp="1"/>
+          </p:cNvSpPr>
+          <p:nvPr>
+            <p:ph type="dt" sz="half" idx="10"/>
+          </p:nvPr>
+        </p:nvSpPr>
+        <p:spPr/>
+        <p:txBody>
+          <a:bodyPr/>
+          <a:lstStyle/>
+          <a:p>
+            <a:r>
+              <a:rPr lang="en-US" sz="1600" dirty="0"/>
+              <a:t>04/15/2016</a:t>
+            </a:r>
+          </a:p>
+        </p:txBody>
+      </p:sp>
+      <p:sp>
+        <p:nvSpPr>
+          <p:cNvPr id="5" name="Footer Placeholder 4"/>
+          <p:cNvSpPr>
+            <a:spLocks noGrp="1"/>
+          </p:cNvSpPr>
+          <p:nvPr>
+            <p:ph type="ftr" sz="quarter" idx="11"/>
+          </p:nvPr>
+        </p:nvSpPr>
+        <p:spPr/>
+        <p:txBody>
+          <a:bodyPr/>
+          <a:lstStyle/>
+          <a:p>
+            <a:r>
+              <a:rPr lang="en-US" sz="1600" dirty="0"/>
+              <a:t>CS499 Team Hotspotter</a:t>
+            </a:r>
+          </a:p>
+        </p:txBody>
+      </p:sp>
+      <p:sp>
+        <p:nvSpPr>
+          <p:cNvPr id="6" name="Slide Number Placeholder 5"/>
+          <p:cNvSpPr>
+            <a:spLocks noGrp="1"/>
+          </p:cNvSpPr>
+          <p:nvPr>
+            <p:ph type="sldNum" sz="quarter" idx="12"/>
+          </p:nvPr>
+        </p:nvSpPr>
+        <p:spPr/>
+        <p:txBody>
+          <a:bodyPr/>
+          <a:lstStyle/>
+          <a:p>
+            <a:fld id="{E5FD5434-F838-4DD4-A17B-1CB1A1850DF4}" type="slidenum">
+              <a:rPr lang="en-US" sz="1600" smtClean="0"/>
+              <a:t>9</a:t>
+            </a:fld>
+            <a:endParaRPr lang="en-US" sz="1600" dirty="0"/>
+          </a:p>
+        </p:txBody>
+      </p:sp>
+      <p:pic>
+        <p:nvPicPr>
+          <p:cNvPr id="7" name="Picture 6"/>
+          <p:cNvPicPr>
+            <a:picLocks noChangeAspect="1"/>
+          </p:cNvPicPr>
+          <p:nvPr/>
+        </p:nvPicPr>
+        <p:blipFill>
+          <a:blip r:embed="rId2"/>
+          <a:stretch>
+            <a:fillRect/>
+          </a:stretch>
+        </p:blipFill>
+        <p:spPr>
+          <a:xfrm>
+            <a:off x="2985644" y="4047633"/>
+            <a:ext cx="5322223" cy="2557784"/>
+          </a:xfrm>
+          <a:prstGeom prst="rect">
+            <a:avLst/>
+          </a:prstGeom>
+        </p:spPr>
+      </p:pic>
+      <p:pic>
+        <p:nvPicPr>
+          <p:cNvPr id="3" name="Picture 2"/>
+          <p:cNvPicPr>
+            <a:picLocks noChangeAspect="1"/>
+          </p:cNvPicPr>
+          <p:nvPr/>
+        </p:nvPicPr>
+        <p:blipFill>
+          <a:blip r:embed="rId3"/>
+          <a:stretch>
+            <a:fillRect/>
+          </a:stretch>
+        </p:blipFill>
+        <p:spPr>
+          <a:xfrm>
+            <a:off x="6780212" y="1774167"/>
+            <a:ext cx="5313491" cy="2546906"/>
+          </a:xfrm>
+          <a:prstGeom prst="rect">
+            <a:avLst/>
+          </a:prstGeom>
+        </p:spPr>
+      </p:pic>
+      <p:pic>
+        <p:nvPicPr>
+          <p:cNvPr id="8" name="Picture 7"/>
+          <p:cNvPicPr>
+            <a:picLocks noChangeAspect="1"/>
+          </p:cNvPicPr>
+          <p:nvPr/>
+        </p:nvPicPr>
+        <p:blipFill>
+          <a:blip r:embed="rId4" cstate="print">
+            <a:extLst>
+              <a:ext uri="{28A0092B-C50C-407E-A947-70E740481C1C}">
+                <a14:useLocalDpi xmlns:a14="http://schemas.microsoft.com/office/drawing/2010/main" val="0"/>
+              </a:ext>
+            </a:extLst>
+          </a:blip>
+          <a:stretch>
+            <a:fillRect/>
+          </a:stretch>
+        </p:blipFill>
+        <p:spPr>
+          <a:xfrm>
+            <a:off x="9877" y="1828801"/>
+            <a:ext cx="4789136" cy="2349726"/>
+          </a:xfrm>
+          <a:prstGeom prst="rect">
+            <a:avLst/>
+          </a:prstGeom>
+        </p:spPr>
+      </p:pic>
+      <p:sp>
+        <p:nvSpPr>
+          <p:cNvPr id="9" name="TextBox 8"/>
+          <p:cNvSpPr txBox="1"/>
+          <p:nvPr/>
+        </p:nvSpPr>
+        <p:spPr>
+          <a:xfrm>
+            <a:off x="4647184" y="6569741"/>
+            <a:ext cx="2895600" cy="338554"/>
+          </a:xfrm>
+          <a:prstGeom prst="rect">
+            <a:avLst/>
+          </a:prstGeom>
+          <a:noFill/>
+        </p:spPr>
+        <p:txBody>
+          <a:bodyPr wrap="square" rtlCol="0">
+            <a:spAutoFit/>
+          </a:bodyPr>
+          <a:lstStyle/>
+          <a:p>
+            <a:pPr algn="ctr"/>
+            <a:r>
+              <a:rPr lang="en-US" sz="1600" dirty="0" smtClean="0"/>
+              <a:t>Nathan Reinhardt</a:t>
+            </a:r>
+            <a:endParaRPr lang="en-US" sz="1600" dirty="0"/>
+          </a:p>
+        </p:txBody>
+      </p:sp>
+    </p:spTree>
+    <p:extLst>
+      <p:ext uri="{BB962C8B-B14F-4D97-AF65-F5344CB8AC3E}">
+        <p14:creationId xmlns:p14="http://schemas.microsoft.com/office/powerpoint/2010/main" val="3747307126"/>
+      </p:ext>
+    </p:extLst>
+  </p:cSld>
+  <p:clrMapOvr>
+    <a:masterClrMapping/>
+  </p:clrMapOvr>
+  <mc:AlternateContent xmlns:mc="http://schemas.openxmlformats.org/markup-compatibility/2006" xmlns:p14="http://schemas.microsoft.com/office/powerpoint/2010/main">
+    <mc:Choice Requires="p14">
+      <p:transition spd="med" p14:dur="700">
+        <p:fade/>
+      </p:transition>
+    </mc:Choice>
+    <mc:Fallback xmlns="">
+      <p:transition spd="med">
+        <p:fade/>
+      </p:transition>
+    </mc:Fallback>
+  </mc:AlternateContent>
+  <p:timing>
+    <p:tnLst>
+      <p:par>
+        <p:cTn id="1" dur="indefinite" restart="never" nodeType="tmRoot"/>
+      </p:par>
+    </p:tnLst>
+  </p:timing>
 </p:sld>
 </file>
 
 <file path=ppt/theme/theme1.xml><?xml version="1.0" encoding="utf-8"?>
 <a:theme xmlns:a="http://schemas.openxmlformats.org/drawingml/2006/main" name="Banded">
   <a:themeElements>
-    <a:clrScheme name="Aspect">
+    <a:clrScheme name="Custom 1">
       <a:dk1>
         <a:sysClr val="windowText" lastClr="000000"/>
       </a:dk1>
@@ -10158,7 +10712,7 @@
         <a:sysClr val="window" lastClr="FFFFFF"/>
       </a:lt1>
       <a:dk2>
-        <a:srgbClr val="323232"/>
+        <a:srgbClr val="000000"/>
       </a:dk2>
       <a:lt2>
         <a:srgbClr val="E3DED1"/>

--- a/Documentation/Presentations/CS499 Final Presentation.pptx
+++ b/Documentation/Presentations/CS499 Final Presentation.pptx
@@ -211,7 +211,7 @@
 </file>
 
 <file path=ppt/charts/chart1.xml><?xml version="1.0" encoding="utf-8"?>
-<c:chartSpace xmlns:c="http://schemas.openxmlformats.org/drawingml/2006/chart" xmlns:a="http://schemas.openxmlformats.org/drawingml/2006/main" xmlns:r="http://schemas.openxmlformats.org/officeDocument/2006/relationships" xmlns:c16r2="http://schemas.microsoft.com/office/drawing/2015/06/chart">
+<c:chartSpace xmlns:c="http://schemas.openxmlformats.org/drawingml/2006/chart" xmlns:a="http://schemas.openxmlformats.org/drawingml/2006/main" xmlns:r="http://schemas.openxmlformats.org/officeDocument/2006/relationships">
   <c:date1904 val="0"/>
   <c:lang val="en-US"/>
   <c:roundedCorners val="0"/>
@@ -395,15 +395,15 @@
                   <c:v>0</c:v>
                 </c:pt>
                 <c:pt idx="21">
-                  <c:v>0</c:v>
+                  <c:v>5</c:v>
                 </c:pt>
                 <c:pt idx="22">
-                  <c:v>0</c:v>
+                  <c:v>9</c:v>
                 </c:pt>
               </c:numCache>
             </c:numRef>
           </c:val>
-          <c:extLst>
+          <c:extLst xmlns:c16r2="http://schemas.microsoft.com/office/drawing/2015/06/chart">
             <c:ext xmlns:c16="http://schemas.microsoft.com/office/drawing/2014/chart" uri="{C3380CC4-5D6E-409C-BE32-E72D297353CC}">
               <c16:uniqueId val="{00000000-C998-45E2-B113-3A76F2ADAB4D}"/>
             </c:ext>
@@ -581,15 +581,15 @@
                   <c:v>18</c:v>
                 </c:pt>
                 <c:pt idx="21">
-                  <c:v>0</c:v>
+                  <c:v>10</c:v>
                 </c:pt>
                 <c:pt idx="22">
-                  <c:v>0</c:v>
+                  <c:v>7</c:v>
                 </c:pt>
               </c:numCache>
             </c:numRef>
           </c:val>
-          <c:extLst>
+          <c:extLst xmlns:c16r2="http://schemas.microsoft.com/office/drawing/2015/06/chart">
             <c:ext xmlns:c16="http://schemas.microsoft.com/office/drawing/2014/chart" uri="{C3380CC4-5D6E-409C-BE32-E72D297353CC}">
               <c16:uniqueId val="{00000001-C998-45E2-B113-3A76F2ADAB4D}"/>
             </c:ext>
@@ -605,8 +605,8 @@
         </c:dLbls>
         <c:gapWidth val="150"/>
         <c:overlap val="100"/>
-        <c:axId val="864288720"/>
-        <c:axId val="864289808"/>
+        <c:axId val="941421408"/>
+        <c:axId val="941421952"/>
       </c:barChart>
       <c:lineChart>
         <c:grouping val="standard"/>
@@ -708,16 +708,16 @@
                   <c:v>16.958571428571428</c:v>
                 </c:pt>
                 <c:pt idx="21">
-                  <c:v>16.187727272727273</c:v>
+                  <c:v>16.869545454545456</c:v>
                 </c:pt>
                 <c:pt idx="22">
-                  <c:v>15.48391304347826</c:v>
+                  <c:v>16.831739130434784</c:v>
                 </c:pt>
               </c:numCache>
             </c:numRef>
           </c:val>
           <c:smooth val="0"/>
-          <c:extLst>
+          <c:extLst xmlns:c16r2="http://schemas.microsoft.com/office/drawing/2015/06/chart">
             <c:ext xmlns:c16="http://schemas.microsoft.com/office/drawing/2014/chart" uri="{C3380CC4-5D6E-409C-BE32-E72D297353CC}">
               <c16:uniqueId val="{00000002-C998-45E2-B113-3A76F2ADAB4D}"/>
             </c:ext>
@@ -733,11 +733,11 @@
         </c:dLbls>
         <c:marker val="1"/>
         <c:smooth val="0"/>
-        <c:axId val="864288720"/>
-        <c:axId val="864289808"/>
+        <c:axId val="941421408"/>
+        <c:axId val="941421952"/>
       </c:lineChart>
       <c:catAx>
-        <c:axId val="864288720"/>
+        <c:axId val="941421408"/>
         <c:scaling>
           <c:orientation val="minMax"/>
         </c:scaling>
@@ -836,7 +836,7 @@
             <a:endParaRPr lang="en-US"/>
           </a:p>
         </c:txPr>
-        <c:crossAx val="864289808"/>
+        <c:crossAx val="941421952"/>
         <c:crosses val="autoZero"/>
         <c:auto val="0"/>
         <c:lblAlgn val="ctr"/>
@@ -844,7 +844,7 @@
         <c:noMultiLvlLbl val="0"/>
       </c:catAx>
       <c:valAx>
-        <c:axId val="864289808"/>
+        <c:axId val="941421952"/>
         <c:scaling>
           <c:orientation val="minMax"/>
         </c:scaling>
@@ -955,7 +955,7 @@
             <a:endParaRPr lang="en-US"/>
           </a:p>
         </c:txPr>
-        <c:crossAx val="864288720"/>
+        <c:crossAx val="941421408"/>
         <c:crosses val="autoZero"/>
         <c:crossBetween val="between"/>
       </c:valAx>
@@ -1027,7 +1027,7 @@
 </file>
 
 <file path=ppt/charts/chart2.xml><?xml version="1.0" encoding="utf-8"?>
-<c:chartSpace xmlns:c="http://schemas.openxmlformats.org/drawingml/2006/chart" xmlns:a="http://schemas.openxmlformats.org/drawingml/2006/main" xmlns:r="http://schemas.openxmlformats.org/officeDocument/2006/relationships" xmlns:c16r2="http://schemas.microsoft.com/office/drawing/2015/06/chart">
+<c:chartSpace xmlns:c="http://schemas.openxmlformats.org/drawingml/2006/chart" xmlns:a="http://schemas.openxmlformats.org/drawingml/2006/main" xmlns:r="http://schemas.openxmlformats.org/officeDocument/2006/relationships">
   <c:date1904 val="0"/>
   <c:lang val="en-US"/>
   <c:roundedCorners val="0"/>
@@ -1174,7 +1174,7 @@
             <c:showPercent val="0"/>
             <c:showBubbleSize val="0"/>
             <c:showLeaderLines val="0"/>
-            <c:extLst>
+            <c:extLst xmlns:c16r2="http://schemas.microsoft.com/office/drawing/2015/06/chart">
               <c:ext xmlns:c15="http://schemas.microsoft.com/office/drawing/2012/chart" uri="{CE6537A1-D6FC-4f65-9D91-7224C49458BB}">
                 <c15:layout/>
                 <c15:showLeaderLines val="1"/>
@@ -1274,7 +1274,7 @@
             </c:numRef>
           </c:val>
           <c:smooth val="0"/>
-          <c:extLst>
+          <c:extLst xmlns:c16r2="http://schemas.microsoft.com/office/drawing/2015/06/chart">
             <c:ext xmlns:c16="http://schemas.microsoft.com/office/drawing/2014/chart" uri="{C3380CC4-5D6E-409C-BE32-E72D297353CC}">
               <c16:uniqueId val="{00000000-7036-49FB-A3F7-6BDC1515C86F}"/>
             </c:ext>
@@ -1308,48 +1308,6 @@
             <c:symbol val="none"/>
           </c:marker>
           <c:dLbls>
-            <c:dLbl>
-              <c:idx val="5"/>
-              <c:spPr>
-                <a:noFill/>
-                <a:ln>
-                  <a:noFill/>
-                </a:ln>
-                <a:effectLst/>
-              </c:spPr>
-              <c:txPr>
-                <a:bodyPr rot="0" spcFirstLastPara="1" vertOverflow="ellipsis" vert="horz" wrap="square" anchor="ctr" anchorCtr="1"/>
-                <a:lstStyle/>
-                <a:p>
-                  <a:pPr>
-                    <a:defRPr sz="900" b="0" i="0" u="none" strike="noStrike" kern="1200" baseline="0">
-                      <a:ln w="3175">
-                        <a:noFill/>
-                      </a:ln>
-                      <a:solidFill>
-                        <a:schemeClr val="tx1"/>
-                      </a:solidFill>
-                      <a:latin typeface="+mn-lt"/>
-                      <a:ea typeface="+mn-ea"/>
-                      <a:cs typeface="+mn-cs"/>
-                    </a:defRPr>
-                  </a:pPr>
-                  <a:endParaRPr lang="en-US"/>
-                </a:p>
-              </c:txPr>
-              <c:dLblPos val="t"/>
-              <c:showLegendKey val="0"/>
-              <c:showVal val="1"/>
-              <c:showCatName val="0"/>
-              <c:showSerName val="0"/>
-              <c:showPercent val="0"/>
-              <c:showBubbleSize val="0"/>
-              <c:extLst>
-                <c:ext xmlns:c16="http://schemas.microsoft.com/office/drawing/2014/chart" uri="{C3380CC4-5D6E-409C-BE32-E72D297353CC}">
-                  <c16:uniqueId val="{00000000-2500-4A8D-B785-4468F25DBC69}"/>
-                </c:ext>
-              </c:extLst>
-            </c:dLbl>
             <c:spPr>
               <a:noFill/>
               <a:ln>
@@ -1385,7 +1343,7 @@
             <c:showPercent val="0"/>
             <c:showBubbleSize val="0"/>
             <c:showLeaderLines val="0"/>
-            <c:extLst>
+            <c:extLst xmlns:c16r2="http://schemas.microsoft.com/office/drawing/2015/06/chart">
               <c:ext xmlns:c15="http://schemas.microsoft.com/office/drawing/2012/chart" uri="{CE6537A1-D6FC-4f65-9D91-7224C49458BB}">
                 <c15:layout/>
                 <c15:showLeaderLines val="1"/>
@@ -1485,7 +1443,7 @@
             </c:numRef>
           </c:val>
           <c:smooth val="0"/>
-          <c:extLst>
+          <c:extLst xmlns:c16r2="http://schemas.microsoft.com/office/drawing/2015/06/chart">
             <c:ext xmlns:c16="http://schemas.microsoft.com/office/drawing/2014/chart" uri="{C3380CC4-5D6E-409C-BE32-E72D297353CC}">
               <c16:uniqueId val="{00000001-7036-49FB-A3F7-6BDC1515C86F}"/>
             </c:ext>
@@ -1501,11 +1459,11 @@
           <c:showBubbleSize val="0"/>
         </c:dLbls>
         <c:smooth val="0"/>
-        <c:axId val="864293616"/>
-        <c:axId val="764927824"/>
+        <c:axId val="838099200"/>
+        <c:axId val="1002964224"/>
       </c:lineChart>
       <c:catAx>
-        <c:axId val="864293616"/>
+        <c:axId val="838099200"/>
         <c:scaling>
           <c:orientation val="minMax"/>
         </c:scaling>
@@ -1625,7 +1583,7 @@
             <a:endParaRPr lang="en-US"/>
           </a:p>
         </c:txPr>
-        <c:crossAx val="764927824"/>
+        <c:crossAx val="1002964224"/>
         <c:crosses val="autoZero"/>
         <c:auto val="1"/>
         <c:lblAlgn val="ctr"/>
@@ -1634,7 +1592,7 @@
         <c:noMultiLvlLbl val="0"/>
       </c:catAx>
       <c:valAx>
-        <c:axId val="764927824"/>
+        <c:axId val="1002964224"/>
         <c:scaling>
           <c:orientation val="minMax"/>
         </c:scaling>
@@ -1754,7 +1712,7 @@
             <a:endParaRPr lang="en-US"/>
           </a:p>
         </c:txPr>
-        <c:crossAx val="864293616"/>
+        <c:crossAx val="838099200"/>
         <c:crosses val="autoZero"/>
         <c:crossBetween val="midCat"/>
       </c:valAx>
@@ -3035,7 +2993,7 @@
           <a:p>
             <a:fld id="{4954C6E1-AF92-4FB7-A013-0B520EBC30AE}" type="datetimeFigureOut">
               <a:rPr lang="en-US"/>
-              <a:t>04/12/2016</a:t>
+              <a:t>04/14/2016</a:t>
             </a:fld>
             <a:endParaRPr/>
           </a:p>
@@ -3201,7 +3159,7 @@
           <a:p>
             <a:fld id="{95C10850-0874-4A61-99B4-D613C5E8D9EA}" type="datetimeFigureOut">
               <a:rPr lang="en-US"/>
-              <a:t>04/12/2016</a:t>
+              <a:t>04/14/2016</a:t>
             </a:fld>
             <a:endParaRPr/>
           </a:p>
@@ -7642,7 +7600,7 @@
             <p:ph idx="1"/>
             <p:extLst>
               <p:ext uri="{D42A27DB-BD31-4B8C-83A1-F6EECF244321}">
-                <p14:modId xmlns:p14="http://schemas.microsoft.com/office/powerpoint/2010/main" val="3661578689"/>
+                <p14:modId xmlns:p14="http://schemas.microsoft.com/office/powerpoint/2010/main" val="4279899388"/>
               </p:ext>
             </p:extLst>
           </p:nvPr>
@@ -10479,11 +10437,7 @@
             <a:pPr algn="ctr"/>
             <a:r>
               <a:rPr lang="en-US" dirty="0" smtClean="0"/>
-              <a:t>Project </a:t>
-            </a:r>
-            <a:r>
-              <a:rPr lang="en-US" dirty="0" smtClean="0"/>
-              <a:t>Management </a:t>
+              <a:t>Project Management </a:t>
             </a:r>
             <a:r>
               <a:rPr lang="en-US" sz="2000" i="1" dirty="0" smtClean="0"/>
